--- a/lectures/mitigating_overfitting.pptx
+++ b/lectures/mitigating_overfitting.pptx
@@ -5,7 +5,7 @@
     <p:sldMasterId id="2147483648" r:id="rId1"/>
   </p:sldMasterIdLst>
   <p:notesMasterIdLst>
-    <p:notesMasterId r:id="rId27"/>
+    <p:notesMasterId r:id="rId40"/>
   </p:notesMasterIdLst>
   <p:sldIdLst>
     <p:sldId id="256" r:id="rId2"/>
@@ -30,9 +30,22 @@
     <p:sldId id="530" r:id="rId21"/>
     <p:sldId id="628" r:id="rId22"/>
     <p:sldId id="629" r:id="rId23"/>
-    <p:sldId id="631" r:id="rId24"/>
-    <p:sldId id="464" r:id="rId25"/>
-    <p:sldId id="479" r:id="rId26"/>
+    <p:sldId id="632" r:id="rId24"/>
+    <p:sldId id="637" r:id="rId25"/>
+    <p:sldId id="631" r:id="rId26"/>
+    <p:sldId id="638" r:id="rId27"/>
+    <p:sldId id="634" r:id="rId28"/>
+    <p:sldId id="257" r:id="rId29"/>
+    <p:sldId id="258" r:id="rId30"/>
+    <p:sldId id="259" r:id="rId31"/>
+    <p:sldId id="266" r:id="rId32"/>
+    <p:sldId id="262" r:id="rId33"/>
+    <p:sldId id="263" r:id="rId34"/>
+    <p:sldId id="264" r:id="rId35"/>
+    <p:sldId id="265" r:id="rId36"/>
+    <p:sldId id="636" r:id="rId37"/>
+    <p:sldId id="635" r:id="rId38"/>
+    <p:sldId id="464" r:id="rId39"/>
   </p:sldIdLst>
   <p:sldSz cx="12192000" cy="6858000"/>
   <p:notesSz cx="6858000" cy="9144000"/>
@@ -221,7 +234,7 @@
           <a:p>
             <a:fld id="{E99DFB6A-6F0A-E64A-865F-BF9D30A0069E}" type="datetimeFigureOut">
               <a:rPr lang="en-US" smtClean="0"/>
-              <a:t>6/24/22</a:t>
+              <a:t>6/25/22</a:t>
             </a:fld>
             <a:endParaRPr lang="en-US"/>
           </a:p>
@@ -1671,7 +1684,7 @@
           <a:p>
             <a:fld id="{5D315C4B-6DA0-F74F-B7CD-96A87E9C28D7}" type="datetimeFigureOut">
               <a:rPr lang="en-US" smtClean="0"/>
-              <a:t>6/24/22</a:t>
+              <a:t>6/25/22</a:t>
             </a:fld>
             <a:endParaRPr lang="en-US"/>
           </a:p>
@@ -1869,7 +1882,7 @@
           <a:p>
             <a:fld id="{5D315C4B-6DA0-F74F-B7CD-96A87E9C28D7}" type="datetimeFigureOut">
               <a:rPr lang="en-US" smtClean="0"/>
-              <a:t>6/24/22</a:t>
+              <a:t>6/25/22</a:t>
             </a:fld>
             <a:endParaRPr lang="en-US"/>
           </a:p>
@@ -2077,7 +2090,7 @@
           <a:p>
             <a:fld id="{5D315C4B-6DA0-F74F-B7CD-96A87E9C28D7}" type="datetimeFigureOut">
               <a:rPr lang="en-US" smtClean="0"/>
-              <a:t>6/24/22</a:t>
+              <a:t>6/25/22</a:t>
             </a:fld>
             <a:endParaRPr lang="en-US"/>
           </a:p>
@@ -2275,7 +2288,7 @@
           <a:p>
             <a:fld id="{5D315C4B-6DA0-F74F-B7CD-96A87E9C28D7}" type="datetimeFigureOut">
               <a:rPr lang="en-US" smtClean="0"/>
-              <a:t>6/24/22</a:t>
+              <a:t>6/25/22</a:t>
             </a:fld>
             <a:endParaRPr lang="en-US"/>
           </a:p>
@@ -2550,7 +2563,7 @@
           <a:p>
             <a:fld id="{5D315C4B-6DA0-F74F-B7CD-96A87E9C28D7}" type="datetimeFigureOut">
               <a:rPr lang="en-US" smtClean="0"/>
-              <a:t>6/24/22</a:t>
+              <a:t>6/25/22</a:t>
             </a:fld>
             <a:endParaRPr lang="en-US"/>
           </a:p>
@@ -2815,7 +2828,7 @@
           <a:p>
             <a:fld id="{5D315C4B-6DA0-F74F-B7CD-96A87E9C28D7}" type="datetimeFigureOut">
               <a:rPr lang="en-US" smtClean="0"/>
-              <a:t>6/24/22</a:t>
+              <a:t>6/25/22</a:t>
             </a:fld>
             <a:endParaRPr lang="en-US"/>
           </a:p>
@@ -3227,7 +3240,7 @@
           <a:p>
             <a:fld id="{5D315C4B-6DA0-F74F-B7CD-96A87E9C28D7}" type="datetimeFigureOut">
               <a:rPr lang="en-US" smtClean="0"/>
-              <a:t>6/24/22</a:t>
+              <a:t>6/25/22</a:t>
             </a:fld>
             <a:endParaRPr lang="en-US"/>
           </a:p>
@@ -3368,7 +3381,7 @@
           <a:p>
             <a:fld id="{5D315C4B-6DA0-F74F-B7CD-96A87E9C28D7}" type="datetimeFigureOut">
               <a:rPr lang="en-US" smtClean="0"/>
-              <a:t>6/24/22</a:t>
+              <a:t>6/25/22</a:t>
             </a:fld>
             <a:endParaRPr lang="en-US"/>
           </a:p>
@@ -3481,7 +3494,7 @@
           <a:p>
             <a:fld id="{5D315C4B-6DA0-F74F-B7CD-96A87E9C28D7}" type="datetimeFigureOut">
               <a:rPr lang="en-US" smtClean="0"/>
-              <a:t>6/24/22</a:t>
+              <a:t>6/25/22</a:t>
             </a:fld>
             <a:endParaRPr lang="en-US"/>
           </a:p>
@@ -3792,7 +3805,7 @@
           <a:p>
             <a:fld id="{5D315C4B-6DA0-F74F-B7CD-96A87E9C28D7}" type="datetimeFigureOut">
               <a:rPr lang="en-US" smtClean="0"/>
-              <a:t>6/24/22</a:t>
+              <a:t>6/25/22</a:t>
             </a:fld>
             <a:endParaRPr lang="en-US"/>
           </a:p>
@@ -4080,7 +4093,7 @@
           <a:p>
             <a:fld id="{5D315C4B-6DA0-F74F-B7CD-96A87E9C28D7}" type="datetimeFigureOut">
               <a:rPr lang="en-US" smtClean="0"/>
-              <a:t>6/24/22</a:t>
+              <a:t>6/25/22</a:t>
             </a:fld>
             <a:endParaRPr lang="en-US"/>
           </a:p>
@@ -4321,7 +4334,7 @@
           <a:p>
             <a:fld id="{5D315C4B-6DA0-F74F-B7CD-96A87E9C28D7}" type="datetimeFigureOut">
               <a:rPr lang="en-US" smtClean="0"/>
-              <a:t>6/24/22</a:t>
+              <a:t>6/25/22</a:t>
             </a:fld>
             <a:endParaRPr lang="en-US"/>
           </a:p>
@@ -20641,8 +20654,8 @@
           </a:p>
         </p:txBody>
       </p:sp>
-      <mc:AlternateContent xmlns:mc="http://schemas.openxmlformats.org/markup-compatibility/2006">
-        <mc:Choice xmlns:a14="http://schemas.microsoft.com/office/drawing/2010/main" Requires="a14">
+      <mc:AlternateContent xmlns:mc="http://schemas.openxmlformats.org/markup-compatibility/2006" xmlns:a14="http://schemas.microsoft.com/office/drawing/2010/main">
+        <mc:Choice Requires="a14">
           <p:sp>
             <p:nvSpPr>
               <p:cNvPr id="3" name="Content Placeholder 2">
@@ -20748,7 +20761,7 @@
             </p:txBody>
           </p:sp>
         </mc:Choice>
-        <mc:Fallback>
+        <mc:Fallback xmlns="">
           <p:sp>
             <p:nvSpPr>
               <p:cNvPr id="3" name="Content Placeholder 2">
@@ -20788,8 +20801,8 @@
           </p:sp>
         </mc:Fallback>
       </mc:AlternateContent>
-      <mc:AlternateContent xmlns:mc="http://schemas.openxmlformats.org/markup-compatibility/2006">
-        <mc:Choice xmlns:a14="http://schemas.microsoft.com/office/drawing/2010/main" Requires="a14">
+      <mc:AlternateContent xmlns:mc="http://schemas.openxmlformats.org/markup-compatibility/2006" xmlns:a14="http://schemas.microsoft.com/office/drawing/2010/main">
+        <mc:Choice Requires="a14">
           <p:sp>
             <p:nvSpPr>
               <p:cNvPr id="4" name="TextBox 3">
@@ -20818,6 +20831,7 @@
               </a:bodyPr>
               <a:lstStyle/>
               <a:p>
+                <a:pPr/>
                 <a14:m>
                   <m:oMathPara xmlns:m="http://schemas.openxmlformats.org/officeDocument/2006/math">
                     <m:oMathParaPr>
@@ -20868,7 +20882,7 @@
             </p:txBody>
           </p:sp>
         </mc:Choice>
-        <mc:Fallback>
+        <mc:Fallback xmlns="">
           <p:sp>
             <p:nvSpPr>
               <p:cNvPr id="4" name="TextBox 3">
@@ -20971,8 +20985,8 @@
           </a:p>
         </p:txBody>
       </p:sp>
-      <mc:AlternateContent xmlns:mc="http://schemas.openxmlformats.org/markup-compatibility/2006">
-        <mc:Choice xmlns:a14="http://schemas.microsoft.com/office/drawing/2010/main" Requires="a14">
+      <mc:AlternateContent xmlns:mc="http://schemas.openxmlformats.org/markup-compatibility/2006" xmlns:a14="http://schemas.microsoft.com/office/drawing/2010/main">
+        <mc:Choice Requires="a14">
           <p:sp>
             <p:nvSpPr>
               <p:cNvPr id="3" name="Content Placeholder 2">
@@ -21101,7 +21115,7 @@
             </p:txBody>
           </p:sp>
         </mc:Choice>
-        <mc:Fallback>
+        <mc:Fallback xmlns="">
           <p:sp>
             <p:nvSpPr>
               <p:cNvPr id="3" name="Content Placeholder 2">
@@ -21141,8 +21155,8 @@
           </p:sp>
         </mc:Fallback>
       </mc:AlternateContent>
-      <mc:AlternateContent xmlns:mc="http://schemas.openxmlformats.org/markup-compatibility/2006">
-        <mc:Choice xmlns:a14="http://schemas.microsoft.com/office/drawing/2010/main" Requires="a14">
+      <mc:AlternateContent xmlns:mc="http://schemas.openxmlformats.org/markup-compatibility/2006" xmlns:a14="http://schemas.microsoft.com/office/drawing/2010/main">
+        <mc:Choice Requires="a14">
           <p:sp>
             <p:nvSpPr>
               <p:cNvPr id="4" name="TextBox 3">
@@ -21171,6 +21185,7 @@
               </a:bodyPr>
               <a:lstStyle/>
               <a:p>
+                <a:pPr/>
                 <a14:m>
                   <m:oMathPara xmlns:m="http://schemas.openxmlformats.org/officeDocument/2006/math">
                     <m:oMathParaPr>
@@ -21221,7 +21236,7 @@
             </p:txBody>
           </p:sp>
         </mc:Choice>
-        <mc:Fallback>
+        <mc:Fallback xmlns="">
           <p:sp>
             <p:nvSpPr>
               <p:cNvPr id="4" name="TextBox 3">
@@ -21324,8 +21339,8 @@
           </a:p>
         </p:txBody>
       </p:sp>
-      <mc:AlternateContent xmlns:mc="http://schemas.openxmlformats.org/markup-compatibility/2006">
-        <mc:Choice xmlns:a14="http://schemas.microsoft.com/office/drawing/2010/main" Requires="a14">
+      <mc:AlternateContent xmlns:mc="http://schemas.openxmlformats.org/markup-compatibility/2006" xmlns:a14="http://schemas.microsoft.com/office/drawing/2010/main">
+        <mc:Choice Requires="a14">
           <p:sp>
             <p:nvSpPr>
               <p:cNvPr id="3" name="Content Placeholder 2">
@@ -21478,7 +21493,7 @@
             </p:txBody>
           </p:sp>
         </mc:Choice>
-        <mc:Fallback>
+        <mc:Fallback xmlns="">
           <p:sp>
             <p:nvSpPr>
               <p:cNvPr id="3" name="Content Placeholder 2">
@@ -21518,8 +21533,8 @@
           </p:sp>
         </mc:Fallback>
       </mc:AlternateContent>
-      <mc:AlternateContent xmlns:mc="http://schemas.openxmlformats.org/markup-compatibility/2006">
-        <mc:Choice xmlns:a14="http://schemas.microsoft.com/office/drawing/2010/main" Requires="a14">
+      <mc:AlternateContent xmlns:mc="http://schemas.openxmlformats.org/markup-compatibility/2006" xmlns:a14="http://schemas.microsoft.com/office/drawing/2010/main">
+        <mc:Choice Requires="a14">
           <p:sp>
             <p:nvSpPr>
               <p:cNvPr id="4" name="TextBox 3">
@@ -21548,6 +21563,7 @@
               </a:bodyPr>
               <a:lstStyle/>
               <a:p>
+                <a:pPr/>
                 <a14:m>
                   <m:oMathPara xmlns:m="http://schemas.openxmlformats.org/officeDocument/2006/math">
                     <m:oMathParaPr>
@@ -21598,7 +21614,7 @@
             </p:txBody>
           </p:sp>
         </mc:Choice>
-        <mc:Fallback>
+        <mc:Fallback xmlns="">
           <p:sp>
             <p:nvSpPr>
               <p:cNvPr id="4" name="TextBox 3">
@@ -21745,6 +21761,15 @@
             <a:r>
               <a:rPr lang="en-US" dirty="0"/>
               <a:t> to evaluate on a held-out test set</a:t>
+            </a:r>
+          </a:p>
+          <a:p>
+            <a:pPr marL="457200" lvl="1" indent="0">
+              <a:buNone/>
+            </a:pPr>
+            <a:r>
+              <a:rPr lang="en-US" dirty="0"/>
+              <a:t>(supposing what you care about is out-of-sample performance)</a:t>
             </a:r>
           </a:p>
         </p:txBody>
@@ -22430,6 +22455,390 @@
           <a:chExt cx="0" cy="0"/>
         </a:xfrm>
       </p:grpSpPr>
+      <p:pic>
+        <p:nvPicPr>
+          <p:cNvPr id="5" name="Picture 4" descr="Chart, scatter chart&#10;&#10;Description automatically generated">
+            <a:extLst>
+              <a:ext uri="{FF2B5EF4-FFF2-40B4-BE49-F238E27FC236}">
+                <a16:creationId xmlns:a16="http://schemas.microsoft.com/office/drawing/2014/main" id="{5E763400-AE94-171A-BA3B-BE4F0D29813A}"/>
+              </a:ext>
+            </a:extLst>
+          </p:cNvPr>
+          <p:cNvPicPr>
+            <a:picLocks noChangeAspect="1"/>
+          </p:cNvPicPr>
+          <p:nvPr/>
+        </p:nvPicPr>
+        <p:blipFill>
+          <a:blip r:embed="rId2"/>
+          <a:stretch>
+            <a:fillRect/>
+          </a:stretch>
+        </p:blipFill>
+        <p:spPr>
+          <a:xfrm>
+            <a:off x="3652740" y="1027906"/>
+            <a:ext cx="8288482" cy="5698331"/>
+          </a:xfrm>
+          <a:prstGeom prst="rect">
+            <a:avLst/>
+          </a:prstGeom>
+        </p:spPr>
+      </p:pic>
+      <p:sp>
+        <p:nvSpPr>
+          <p:cNvPr id="2" name="Title 1">
+            <a:extLst>
+              <a:ext uri="{FF2B5EF4-FFF2-40B4-BE49-F238E27FC236}">
+                <a16:creationId xmlns:a16="http://schemas.microsoft.com/office/drawing/2014/main" id="{8C20C5B8-6072-BDA4-7CF4-F24B0AFDA29E}"/>
+              </a:ext>
+            </a:extLst>
+          </p:cNvPr>
+          <p:cNvSpPr>
+            <a:spLocks noGrp="1"/>
+          </p:cNvSpPr>
+          <p:nvPr>
+            <p:ph type="title"/>
+          </p:nvPr>
+        </p:nvSpPr>
+        <p:spPr>
+          <a:xfrm>
+            <a:off x="838200" y="365125"/>
+            <a:ext cx="10822858" cy="1325563"/>
+          </a:xfrm>
+        </p:spPr>
+        <p:txBody>
+          <a:bodyPr/>
+          <a:lstStyle/>
+          <a:p>
+            <a:r>
+              <a:rPr lang="en-US" dirty="0"/>
+              <a:t>Linear models can also overfit!!! (How?)</a:t>
+            </a:r>
+          </a:p>
+        </p:txBody>
+      </p:sp>
+      <p:cxnSp>
+        <p:nvCxnSpPr>
+          <p:cNvPr id="7" name="Straight Connector 6">
+            <a:extLst>
+              <a:ext uri="{FF2B5EF4-FFF2-40B4-BE49-F238E27FC236}">
+                <a16:creationId xmlns:a16="http://schemas.microsoft.com/office/drawing/2014/main" id="{F9E3F9F2-1FE3-3D75-F653-7F40408A1620}"/>
+              </a:ext>
+            </a:extLst>
+          </p:cNvPr>
+          <p:cNvCxnSpPr>
+            <a:cxnSpLocks/>
+          </p:cNvCxnSpPr>
+          <p:nvPr/>
+        </p:nvCxnSpPr>
+        <p:spPr>
+          <a:xfrm flipV="1">
+            <a:off x="4886632" y="1848465"/>
+            <a:ext cx="6056671" cy="3864077"/>
+          </a:xfrm>
+          <a:prstGeom prst="line">
+            <a:avLst/>
+          </a:prstGeom>
+          <a:ln w="38100">
+            <a:solidFill>
+              <a:srgbClr val="D53E8B"/>
+            </a:solidFill>
+          </a:ln>
+        </p:spPr>
+        <p:style>
+          <a:lnRef idx="3">
+            <a:schemeClr val="accent4"/>
+          </a:lnRef>
+          <a:fillRef idx="0">
+            <a:schemeClr val="accent4"/>
+          </a:fillRef>
+          <a:effectRef idx="2">
+            <a:schemeClr val="accent4"/>
+          </a:effectRef>
+          <a:fontRef idx="minor">
+            <a:schemeClr val="tx1"/>
+          </a:fontRef>
+        </p:style>
+      </p:cxnSp>
+      <mc:AlternateContent xmlns:mc="http://schemas.openxmlformats.org/markup-compatibility/2006">
+        <mc:Choice xmlns:a14="http://schemas.microsoft.com/office/drawing/2010/main" Requires="a14">
+          <p:sp>
+            <p:nvSpPr>
+              <p:cNvPr id="8" name="TextBox 7">
+                <a:extLst>
+                  <a:ext uri="{FF2B5EF4-FFF2-40B4-BE49-F238E27FC236}">
+                    <a16:creationId xmlns:a16="http://schemas.microsoft.com/office/drawing/2014/main" id="{AD498A56-DC87-59BF-E86B-9520BA279774}"/>
+                  </a:ext>
+                </a:extLst>
+              </p:cNvPr>
+              <p:cNvSpPr txBox="1"/>
+              <p:nvPr/>
+            </p:nvSpPr>
+            <p:spPr>
+              <a:xfrm>
+                <a:off x="838200" y="2025445"/>
+                <a:ext cx="3222523" cy="3693319"/>
+              </a:xfrm>
+              <a:prstGeom prst="rect">
+                <a:avLst/>
+              </a:prstGeom>
+              <a:noFill/>
+            </p:spPr>
+            <p:txBody>
+              <a:bodyPr wrap="square" rtlCol="0">
+                <a:spAutoFit/>
+              </a:bodyPr>
+              <a:lstStyle/>
+              <a:p>
+                <a:r>
+                  <a:rPr lang="en-US" dirty="0">
+                    <a:solidFill>
+                      <a:srgbClr val="D53E8B"/>
+                    </a:solidFill>
+                  </a:rPr>
+                  <a:t>Linear decision boundary</a:t>
+                </a:r>
+              </a:p>
+              <a:p>
+                <a:endParaRPr lang="en-US" dirty="0">
+                  <a:solidFill>
+                    <a:srgbClr val="D53E8B"/>
+                  </a:solidFill>
+                </a:endParaRPr>
+              </a:p>
+              <a:p>
+                <a:r>
+                  <a:rPr lang="en-US" dirty="0"/>
+                  <a:t>In this scenario -&gt;</a:t>
+                </a:r>
+              </a:p>
+              <a:p>
+                <a:r>
+                  <a:rPr lang="en-US" dirty="0"/>
+                  <a:t>(# points &gt;&gt; # predictors)</a:t>
+                </a:r>
+              </a:p>
+              <a:p>
+                <a:r>
+                  <a:rPr lang="en-US" dirty="0"/>
+                  <a:t>it is not possible.</a:t>
+                </a:r>
+              </a:p>
+              <a:p>
+                <a:endParaRPr lang="en-US" dirty="0"/>
+              </a:p>
+              <a:p>
+                <a:r>
+                  <a:rPr lang="en-US" dirty="0"/>
+                  <a:t>However, as # points approaches # predictors,</a:t>
+                </a:r>
+              </a:p>
+              <a:p>
+                <a:r>
+                  <a:rPr lang="en-US" dirty="0"/>
+                  <a:t>we will see overfitting.</a:t>
+                </a:r>
+              </a:p>
+              <a:p>
+                <a:endParaRPr lang="en-US" dirty="0"/>
+              </a:p>
+              <a:p>
+                <a:r>
+                  <a:rPr lang="en-US" dirty="0"/>
+                  <a:t>And for # points </a:t>
+                </a:r>
+                <a14:m>
+                  <m:oMath xmlns:m="http://schemas.openxmlformats.org/officeDocument/2006/math">
+                    <m:r>
+                      <a:rPr lang="en-US" i="1" dirty="0" smtClean="0">
+                        <a:latin typeface="Cambria Math" panose="02040503050406030204" pitchFamily="18" charset="0"/>
+                      </a:rPr>
+                      <m:t>≤</m:t>
+                    </m:r>
+                  </m:oMath>
+                </a14:m>
+                <a:r>
+                  <a:rPr lang="en-US" dirty="0"/>
+                  <a:t> # predictors</a:t>
+                </a:r>
+              </a:p>
+              <a:p>
+                <a:r>
+                  <a:rPr lang="en-US" dirty="0"/>
+                  <a:t>(assuming linear independence),</a:t>
+                </a:r>
+              </a:p>
+              <a:p>
+                <a:r>
+                  <a:rPr lang="en-US" dirty="0"/>
+                  <a:t>we can memorize the dataset.</a:t>
+                </a:r>
+              </a:p>
+            </p:txBody>
+          </p:sp>
+        </mc:Choice>
+        <mc:Fallback>
+          <p:sp>
+            <p:nvSpPr>
+              <p:cNvPr id="8" name="TextBox 7">
+                <a:extLst>
+                  <a:ext uri="{FF2B5EF4-FFF2-40B4-BE49-F238E27FC236}">
+                    <a16:creationId xmlns:a16="http://schemas.microsoft.com/office/drawing/2014/main" id="{AD498A56-DC87-59BF-E86B-9520BA279774}"/>
+                  </a:ext>
+                </a:extLst>
+              </p:cNvPr>
+              <p:cNvSpPr txBox="1">
+                <a:spLocks noRot="1" noChangeAspect="1" noMove="1" noResize="1" noEditPoints="1" noAdjustHandles="1" noChangeArrowheads="1" noChangeShapeType="1" noTextEdit="1"/>
+              </p:cNvSpPr>
+              <p:nvPr/>
+            </p:nvSpPr>
+            <p:spPr>
+              <a:xfrm>
+                <a:off x="838200" y="2025445"/>
+                <a:ext cx="3222523" cy="3693319"/>
+              </a:xfrm>
+              <a:prstGeom prst="rect">
+                <a:avLst/>
+              </a:prstGeom>
+              <a:blipFill>
+                <a:blip r:embed="rId3"/>
+                <a:stretch>
+                  <a:fillRect l="-1969" t="-685" r="-1575" b="-1712"/>
+                </a:stretch>
+              </a:blipFill>
+            </p:spPr>
+            <p:txBody>
+              <a:bodyPr/>
+              <a:lstStyle/>
+              <a:p>
+                <a:r>
+                  <a:rPr lang="en-US">
+                    <a:noFill/>
+                  </a:rPr>
+                  <a:t> </a:t>
+                </a:r>
+              </a:p>
+            </p:txBody>
+          </p:sp>
+        </mc:Fallback>
+      </mc:AlternateContent>
+    </p:spTree>
+    <p:extLst>
+      <p:ext uri="{BB962C8B-B14F-4D97-AF65-F5344CB8AC3E}">
+        <p14:creationId xmlns:p14="http://schemas.microsoft.com/office/powerpoint/2010/main" val="1141523645"/>
+      </p:ext>
+    </p:extLst>
+  </p:cSld>
+  <p:clrMapOvr>
+    <a:masterClrMapping/>
+  </p:clrMapOvr>
+</p:sld>
+</file>
+
+<file path=ppt/slides/slide24.xml><?xml version="1.0" encoding="utf-8"?>
+<p:sld xmlns:a="http://schemas.openxmlformats.org/drawingml/2006/main" xmlns:r="http://schemas.openxmlformats.org/officeDocument/2006/relationships" xmlns:p="http://schemas.openxmlformats.org/presentationml/2006/main">
+  <p:cSld>
+    <p:spTree>
+      <p:nvGrpSpPr>
+        <p:cNvPr id="1" name=""/>
+        <p:cNvGrpSpPr/>
+        <p:nvPr/>
+      </p:nvGrpSpPr>
+      <p:grpSpPr>
+        <a:xfrm>
+          <a:off x="0" y="0"/>
+          <a:ext cx="0" cy="0"/>
+          <a:chOff x="0" y="0"/>
+          <a:chExt cx="0" cy="0"/>
+        </a:xfrm>
+      </p:grpSpPr>
+      <p:sp>
+        <p:nvSpPr>
+          <p:cNvPr id="2" name="Title 1">
+            <a:extLst>
+              <a:ext uri="{FF2B5EF4-FFF2-40B4-BE49-F238E27FC236}">
+                <a16:creationId xmlns:a16="http://schemas.microsoft.com/office/drawing/2014/main" id="{0360810F-7B20-5A93-BAE9-E0EC1C7005AB}"/>
+              </a:ext>
+            </a:extLst>
+          </p:cNvPr>
+          <p:cNvSpPr>
+            <a:spLocks noGrp="1"/>
+          </p:cNvSpPr>
+          <p:nvPr>
+            <p:ph type="title"/>
+          </p:nvPr>
+        </p:nvSpPr>
+        <p:spPr/>
+        <p:txBody>
+          <a:bodyPr/>
+          <a:lstStyle/>
+          <a:p>
+            <a:r>
+              <a:rPr lang="en-US" dirty="0"/>
+              <a:t>Scenarios</a:t>
+            </a:r>
+          </a:p>
+        </p:txBody>
+      </p:sp>
+      <p:sp>
+        <p:nvSpPr>
+          <p:cNvPr id="5" name="Text Placeholder 4">
+            <a:extLst>
+              <a:ext uri="{FF2B5EF4-FFF2-40B4-BE49-F238E27FC236}">
+                <a16:creationId xmlns:a16="http://schemas.microsoft.com/office/drawing/2014/main" id="{722C4EC5-C1D9-FD55-86F7-1AEA36DB80DC}"/>
+              </a:ext>
+            </a:extLst>
+          </p:cNvPr>
+          <p:cNvSpPr>
+            <a:spLocks noGrp="1"/>
+          </p:cNvSpPr>
+          <p:nvPr>
+            <p:ph type="body" idx="1"/>
+          </p:nvPr>
+        </p:nvSpPr>
+        <p:spPr/>
+        <p:txBody>
+          <a:bodyPr/>
+          <a:lstStyle/>
+          <a:p>
+            <a:r>
+              <a:rPr lang="en-US" dirty="0"/>
+              <a:t>How to mitigate overfitting?</a:t>
+            </a:r>
+          </a:p>
+        </p:txBody>
+      </p:sp>
+    </p:spTree>
+    <p:extLst>
+      <p:ext uri="{BB962C8B-B14F-4D97-AF65-F5344CB8AC3E}">
+        <p14:creationId xmlns:p14="http://schemas.microsoft.com/office/powerpoint/2010/main" val="2039093502"/>
+      </p:ext>
+    </p:extLst>
+  </p:cSld>
+  <p:clrMapOvr>
+    <a:masterClrMapping/>
+  </p:clrMapOvr>
+</p:sld>
+</file>
+
+<file path=ppt/slides/slide25.xml><?xml version="1.0" encoding="utf-8"?>
+<p:sld xmlns:a="http://schemas.openxmlformats.org/drawingml/2006/main" xmlns:r="http://schemas.openxmlformats.org/officeDocument/2006/relationships" xmlns:p="http://schemas.openxmlformats.org/presentationml/2006/main">
+  <p:cSld>
+    <p:spTree>
+      <p:nvGrpSpPr>
+        <p:cNvPr id="1" name=""/>
+        <p:cNvGrpSpPr/>
+        <p:nvPr/>
+      </p:nvGrpSpPr>
+      <p:grpSpPr>
+        <a:xfrm>
+          <a:off x="0" y="0"/>
+          <a:ext cx="0" cy="0"/>
+          <a:chOff x="0" y="0"/>
+          <a:chExt cx="0" cy="0"/>
+        </a:xfrm>
+      </p:grpSpPr>
       <p:sp>
         <p:nvSpPr>
           <p:cNvPr id="2" name="Title 1">
@@ -22453,7 +22862,7 @@
           <a:p>
             <a:r>
               <a:rPr lang="en-US" dirty="0"/>
-              <a:t>Scenarios</a:t>
+              <a:t>Scenario 1: Interpretable CDP</a:t>
             </a:r>
           </a:p>
         </p:txBody>
@@ -22476,12 +22885,14 @@
         </p:nvSpPr>
         <p:spPr/>
         <p:txBody>
-          <a:bodyPr/>
+          <a:bodyPr>
+            <a:normAutofit/>
+          </a:bodyPr>
           <a:lstStyle/>
           <a:p>
             <a:r>
               <a:rPr lang="en-US" dirty="0"/>
-              <a:t>You are using a logistic regression. You are hoping to identify a small number of features and interpret the model</a:t>
+              <a:t>You are building a clinical decision support system using variables from structured EHR fields</a:t>
             </a:r>
           </a:p>
           <a:p>
@@ -22490,7 +22901,7 @@
           <a:p>
             <a:r>
               <a:rPr lang="en-US" dirty="0"/>
-              <a:t>You are using a neural network. You are not concerned about model complexity, but care about generalization performance</a:t>
+              <a:t>You have a thousand predictors and a few thousand data points (i.e. patients) in your training set</a:t>
             </a:r>
           </a:p>
           <a:p>
@@ -22499,7 +22910,7 @@
           <a:p>
             <a:r>
               <a:rPr lang="en-US" dirty="0"/>
-              <a:t>Scenario 3?</a:t>
+              <a:t>You want it to be easy for providers to understand how the model works, and what features are important</a:t>
             </a:r>
           </a:p>
         </p:txBody>
@@ -22517,7 +22928,8222 @@
 </p:sld>
 </file>
 
-<file path=ppt/slides/slide24.xml><?xml version="1.0" encoding="utf-8"?>
+<file path=ppt/slides/slide26.xml><?xml version="1.0" encoding="utf-8"?>
+<p:sld xmlns:a="http://schemas.openxmlformats.org/drawingml/2006/main" xmlns:r="http://schemas.openxmlformats.org/officeDocument/2006/relationships" xmlns:p="http://schemas.openxmlformats.org/presentationml/2006/main">
+  <p:cSld>
+    <p:spTree>
+      <p:nvGrpSpPr>
+        <p:cNvPr id="1" name=""/>
+        <p:cNvGrpSpPr/>
+        <p:nvPr/>
+      </p:nvGrpSpPr>
+      <p:grpSpPr>
+        <a:xfrm>
+          <a:off x="0" y="0"/>
+          <a:ext cx="0" cy="0"/>
+          <a:chOff x="0" y="0"/>
+          <a:chExt cx="0" cy="0"/>
+        </a:xfrm>
+      </p:grpSpPr>
+      <p:sp>
+        <p:nvSpPr>
+          <p:cNvPr id="2" name="Title 1">
+            <a:extLst>
+              <a:ext uri="{FF2B5EF4-FFF2-40B4-BE49-F238E27FC236}">
+                <a16:creationId xmlns:a16="http://schemas.microsoft.com/office/drawing/2014/main" id="{A5818961-720C-5F28-038C-94A09BC77A7A}"/>
+              </a:ext>
+            </a:extLst>
+          </p:cNvPr>
+          <p:cNvSpPr>
+            <a:spLocks noGrp="1"/>
+          </p:cNvSpPr>
+          <p:nvPr>
+            <p:ph type="title"/>
+          </p:nvPr>
+        </p:nvSpPr>
+        <p:spPr/>
+        <p:txBody>
+          <a:bodyPr/>
+          <a:lstStyle/>
+          <a:p>
+            <a:r>
+              <a:rPr lang="en-US" dirty="0"/>
+              <a:t>Scenario 2: Pure prediction</a:t>
+            </a:r>
+          </a:p>
+        </p:txBody>
+      </p:sp>
+      <p:sp>
+        <p:nvSpPr>
+          <p:cNvPr id="3" name="Content Placeholder 2">
+            <a:extLst>
+              <a:ext uri="{FF2B5EF4-FFF2-40B4-BE49-F238E27FC236}">
+                <a16:creationId xmlns:a16="http://schemas.microsoft.com/office/drawing/2014/main" id="{D0C0E33B-FFE7-9B59-7CBF-280CA87CA446}"/>
+              </a:ext>
+            </a:extLst>
+          </p:cNvPr>
+          <p:cNvSpPr>
+            <a:spLocks noGrp="1"/>
+          </p:cNvSpPr>
+          <p:nvPr>
+            <p:ph idx="1"/>
+          </p:nvPr>
+        </p:nvSpPr>
+        <p:spPr/>
+        <p:txBody>
+          <a:bodyPr>
+            <a:normAutofit/>
+          </a:bodyPr>
+          <a:lstStyle/>
+          <a:p>
+            <a:r>
+              <a:rPr lang="en-US" dirty="0"/>
+              <a:t>You are building a neural network-based model that identifies nicotine withdrawal from digital health data</a:t>
+            </a:r>
+          </a:p>
+          <a:p>
+            <a:endParaRPr lang="en-US" dirty="0"/>
+          </a:p>
+          <a:p>
+            <a:r>
+              <a:rPr lang="en-US" dirty="0"/>
+              <a:t>Your input data is a high-dimensional time series of physiologic measurements from multiple sensors</a:t>
+            </a:r>
+          </a:p>
+          <a:p>
+            <a:endParaRPr lang="en-US" dirty="0"/>
+          </a:p>
+          <a:p>
+            <a:r>
+              <a:rPr lang="en-US" dirty="0"/>
+              <a:t>There is no need to interpret or explain the model: you care only about out-of-sample performance</a:t>
+            </a:r>
+          </a:p>
+        </p:txBody>
+      </p:sp>
+    </p:spTree>
+    <p:extLst>
+      <p:ext uri="{BB962C8B-B14F-4D97-AF65-F5344CB8AC3E}">
+        <p14:creationId xmlns:p14="http://schemas.microsoft.com/office/powerpoint/2010/main" val="3698592370"/>
+      </p:ext>
+    </p:extLst>
+  </p:cSld>
+  <p:clrMapOvr>
+    <a:masterClrMapping/>
+  </p:clrMapOvr>
+</p:sld>
+</file>
+
+<file path=ppt/slides/slide27.xml><?xml version="1.0" encoding="utf-8"?>
+<p:sld xmlns:a="http://schemas.openxmlformats.org/drawingml/2006/main" xmlns:r="http://schemas.openxmlformats.org/officeDocument/2006/relationships" xmlns:p="http://schemas.openxmlformats.org/presentationml/2006/main">
+  <p:cSld>
+    <p:spTree>
+      <p:nvGrpSpPr>
+        <p:cNvPr id="1" name=""/>
+        <p:cNvGrpSpPr/>
+        <p:nvPr/>
+      </p:nvGrpSpPr>
+      <p:grpSpPr>
+        <a:xfrm>
+          <a:off x="0" y="0"/>
+          <a:ext cx="0" cy="0"/>
+          <a:chOff x="0" y="0"/>
+          <a:chExt cx="0" cy="0"/>
+        </a:xfrm>
+      </p:grpSpPr>
+      <p:sp>
+        <p:nvSpPr>
+          <p:cNvPr id="2" name="Title 1">
+            <a:extLst>
+              <a:ext uri="{FF2B5EF4-FFF2-40B4-BE49-F238E27FC236}">
+                <a16:creationId xmlns:a16="http://schemas.microsoft.com/office/drawing/2014/main" id="{0360810F-7B20-5A93-BAE9-E0EC1C7005AB}"/>
+              </a:ext>
+            </a:extLst>
+          </p:cNvPr>
+          <p:cNvSpPr>
+            <a:spLocks noGrp="1"/>
+          </p:cNvSpPr>
+          <p:nvPr>
+            <p:ph type="title"/>
+          </p:nvPr>
+        </p:nvSpPr>
+        <p:spPr/>
+        <p:txBody>
+          <a:bodyPr/>
+          <a:lstStyle/>
+          <a:p>
+            <a:r>
+              <a:rPr lang="en-US" dirty="0"/>
+              <a:t>Overfitting in linear models</a:t>
+            </a:r>
+          </a:p>
+        </p:txBody>
+      </p:sp>
+      <p:sp>
+        <p:nvSpPr>
+          <p:cNvPr id="5" name="Text Placeholder 4">
+            <a:extLst>
+              <a:ext uri="{FF2B5EF4-FFF2-40B4-BE49-F238E27FC236}">
+                <a16:creationId xmlns:a16="http://schemas.microsoft.com/office/drawing/2014/main" id="{722C4EC5-C1D9-FD55-86F7-1AEA36DB80DC}"/>
+              </a:ext>
+            </a:extLst>
+          </p:cNvPr>
+          <p:cNvSpPr>
+            <a:spLocks noGrp="1"/>
+          </p:cNvSpPr>
+          <p:nvPr>
+            <p:ph type="body" idx="1"/>
+          </p:nvPr>
+        </p:nvSpPr>
+        <p:spPr/>
+        <p:txBody>
+          <a:bodyPr/>
+          <a:lstStyle/>
+          <a:p>
+            <a:r>
+              <a:rPr lang="en-US" dirty="0"/>
+              <a:t>(time permitting)</a:t>
+            </a:r>
+          </a:p>
+        </p:txBody>
+      </p:sp>
+    </p:spTree>
+    <p:extLst>
+      <p:ext uri="{BB962C8B-B14F-4D97-AF65-F5344CB8AC3E}">
+        <p14:creationId xmlns:p14="http://schemas.microsoft.com/office/powerpoint/2010/main" val="1925023037"/>
+      </p:ext>
+    </p:extLst>
+  </p:cSld>
+  <p:clrMapOvr>
+    <a:masterClrMapping/>
+  </p:clrMapOvr>
+</p:sld>
+</file>
+
+<file path=ppt/slides/slide28.xml><?xml version="1.0" encoding="utf-8"?>
+<p:sld xmlns:a="http://schemas.openxmlformats.org/drawingml/2006/main" xmlns:r="http://schemas.openxmlformats.org/officeDocument/2006/relationships" xmlns:p="http://schemas.openxmlformats.org/presentationml/2006/main">
+  <p:cSld>
+    <p:spTree>
+      <p:nvGrpSpPr>
+        <p:cNvPr id="1" name=""/>
+        <p:cNvGrpSpPr/>
+        <p:nvPr/>
+      </p:nvGrpSpPr>
+      <p:grpSpPr>
+        <a:xfrm>
+          <a:off x="0" y="0"/>
+          <a:ext cx="0" cy="0"/>
+          <a:chOff x="0" y="0"/>
+          <a:chExt cx="0" cy="0"/>
+        </a:xfrm>
+      </p:grpSpPr>
+      <p:sp>
+        <p:nvSpPr>
+          <p:cNvPr id="2" name="Title 1">
+            <a:extLst>
+              <a:ext uri="{FF2B5EF4-FFF2-40B4-BE49-F238E27FC236}">
+                <a16:creationId xmlns:a16="http://schemas.microsoft.com/office/drawing/2014/main" id="{309D40F0-3751-6B44-9FF1-1D47A6C283C7}"/>
+              </a:ext>
+            </a:extLst>
+          </p:cNvPr>
+          <p:cNvSpPr>
+            <a:spLocks noGrp="1"/>
+          </p:cNvSpPr>
+          <p:nvPr>
+            <p:ph type="title"/>
+          </p:nvPr>
+        </p:nvSpPr>
+        <p:spPr/>
+        <p:txBody>
+          <a:bodyPr/>
+          <a:lstStyle/>
+          <a:p>
+            <a:r>
+              <a:rPr lang="en-US" dirty="0"/>
+              <a:t>Suppose we have the following data</a:t>
+            </a:r>
+          </a:p>
+        </p:txBody>
+      </p:sp>
+      <p:graphicFrame>
+        <p:nvGraphicFramePr>
+          <p:cNvPr id="4" name="Table 4">
+            <a:extLst>
+              <a:ext uri="{FF2B5EF4-FFF2-40B4-BE49-F238E27FC236}">
+                <a16:creationId xmlns:a16="http://schemas.microsoft.com/office/drawing/2014/main" id="{F54F9E3D-6B1A-6044-9287-664B3ADFA222}"/>
+              </a:ext>
+            </a:extLst>
+          </p:cNvPr>
+          <p:cNvGraphicFramePr>
+            <a:graphicFrameLocks noGrp="1"/>
+          </p:cNvGraphicFramePr>
+          <p:nvPr/>
+        </p:nvGraphicFramePr>
+        <p:xfrm>
+          <a:off x="2032000" y="2008410"/>
+          <a:ext cx="8128000" cy="2841180"/>
+        </p:xfrm>
+        <a:graphic>
+          <a:graphicData uri="http://schemas.openxmlformats.org/drawingml/2006/table">
+            <a:tbl>
+              <a:tblPr firstRow="1" bandRow="1">
+                <a:tableStyleId>{2D5ABB26-0587-4C30-8999-92F81FD0307C}</a:tableStyleId>
+              </a:tblPr>
+              <a:tblGrid>
+                <a:gridCol w="2032000">
+                  <a:extLst>
+                    <a:ext uri="{9D8B030D-6E8A-4147-A177-3AD203B41FA5}">
+                      <a16:colId xmlns:a16="http://schemas.microsoft.com/office/drawing/2014/main" val="20579037"/>
+                    </a:ext>
+                  </a:extLst>
+                </a:gridCol>
+                <a:gridCol w="2032000">
+                  <a:extLst>
+                    <a:ext uri="{9D8B030D-6E8A-4147-A177-3AD203B41FA5}">
+                      <a16:colId xmlns:a16="http://schemas.microsoft.com/office/drawing/2014/main" val="183328472"/>
+                    </a:ext>
+                  </a:extLst>
+                </a:gridCol>
+                <a:gridCol w="2032000">
+                  <a:extLst>
+                    <a:ext uri="{9D8B030D-6E8A-4147-A177-3AD203B41FA5}">
+                      <a16:colId xmlns:a16="http://schemas.microsoft.com/office/drawing/2014/main" val="2261907582"/>
+                    </a:ext>
+                  </a:extLst>
+                </a:gridCol>
+                <a:gridCol w="2032000">
+                  <a:extLst>
+                    <a:ext uri="{9D8B030D-6E8A-4147-A177-3AD203B41FA5}">
+                      <a16:colId xmlns:a16="http://schemas.microsoft.com/office/drawing/2014/main" val="277793000"/>
+                    </a:ext>
+                  </a:extLst>
+                </a:gridCol>
+              </a:tblGrid>
+              <a:tr h="947060">
+                <a:tc>
+                  <a:txBody>
+                    <a:bodyPr/>
+                    <a:lstStyle/>
+                    <a:p>
+                      <a:pPr algn="ctr"/>
+                      <a:r>
+                        <a:rPr lang="en-US" sz="2400" dirty="0"/>
+                        <a:t>Patient</a:t>
+                      </a:r>
+                    </a:p>
+                  </a:txBody>
+                  <a:tcPr anchor="ctr">
+                    <a:lnL w="12700" cap="flat" cmpd="sng" algn="ctr">
+                      <a:noFill/>
+                      <a:prstDash val="solid"/>
+                      <a:round/>
+                      <a:headEnd type="none" w="med" len="med"/>
+                      <a:tailEnd type="none" w="med" len="med"/>
+                    </a:lnL>
+                    <a:lnR w="12700" cap="flat" cmpd="sng" algn="ctr">
+                      <a:solidFill>
+                        <a:schemeClr val="tx1"/>
+                      </a:solidFill>
+                      <a:prstDash val="solid"/>
+                      <a:round/>
+                      <a:headEnd type="none" w="med" len="med"/>
+                      <a:tailEnd type="none" w="med" len="med"/>
+                    </a:lnR>
+                    <a:lnT w="12700" cap="flat" cmpd="sng" algn="ctr">
+                      <a:noFill/>
+                      <a:prstDash val="solid"/>
+                      <a:round/>
+                      <a:headEnd type="none" w="med" len="med"/>
+                      <a:tailEnd type="none" w="med" len="med"/>
+                    </a:lnT>
+                    <a:lnB w="12700" cap="flat" cmpd="sng" algn="ctr">
+                      <a:solidFill>
+                        <a:schemeClr val="tx1"/>
+                      </a:solidFill>
+                      <a:prstDash val="solid"/>
+                      <a:round/>
+                      <a:headEnd type="none" w="med" len="med"/>
+                      <a:tailEnd type="none" w="med" len="med"/>
+                    </a:lnB>
+                  </a:tcPr>
+                </a:tc>
+                <a:tc>
+                  <a:txBody>
+                    <a:bodyPr/>
+                    <a:lstStyle/>
+                    <a:p>
+                      <a:pPr algn="ctr"/>
+                      <a:r>
+                        <a:rPr lang="en-US" sz="2400" dirty="0"/>
+                        <a:t>Predictor 1</a:t>
+                      </a:r>
+                    </a:p>
+                    <a:p>
+                      <a:pPr algn="ctr"/>
+                      <a:r>
+                        <a:rPr lang="en-US" sz="2400" dirty="0"/>
+                        <a:t>(numeric)</a:t>
+                      </a:r>
+                    </a:p>
+                  </a:txBody>
+                  <a:tcPr anchor="ctr">
+                    <a:lnL w="12700" cap="flat" cmpd="sng" algn="ctr">
+                      <a:solidFill>
+                        <a:schemeClr val="tx1"/>
+                      </a:solidFill>
+                      <a:prstDash val="solid"/>
+                      <a:round/>
+                      <a:headEnd type="none" w="med" len="med"/>
+                      <a:tailEnd type="none" w="med" len="med"/>
+                    </a:lnL>
+                    <a:lnR w="12700" cap="flat" cmpd="sng" algn="ctr">
+                      <a:solidFill>
+                        <a:schemeClr val="tx1"/>
+                      </a:solidFill>
+                      <a:prstDash val="solid"/>
+                      <a:round/>
+                      <a:headEnd type="none" w="med" len="med"/>
+                      <a:tailEnd type="none" w="med" len="med"/>
+                    </a:lnR>
+                    <a:lnT w="12700" cap="flat" cmpd="sng" algn="ctr">
+                      <a:noFill/>
+                      <a:prstDash val="solid"/>
+                      <a:round/>
+                      <a:headEnd type="none" w="med" len="med"/>
+                      <a:tailEnd type="none" w="med" len="med"/>
+                    </a:lnT>
+                    <a:lnB w="12700" cap="flat" cmpd="sng" algn="ctr">
+                      <a:solidFill>
+                        <a:schemeClr val="tx1"/>
+                      </a:solidFill>
+                      <a:prstDash val="solid"/>
+                      <a:round/>
+                      <a:headEnd type="none" w="med" len="med"/>
+                      <a:tailEnd type="none" w="med" len="med"/>
+                    </a:lnB>
+                  </a:tcPr>
+                </a:tc>
+                <a:tc>
+                  <a:txBody>
+                    <a:bodyPr/>
+                    <a:lstStyle/>
+                    <a:p>
+                      <a:pPr algn="ctr"/>
+                      <a:r>
+                        <a:rPr lang="en-US" sz="2400" dirty="0"/>
+                        <a:t>Predictor 2</a:t>
+                      </a:r>
+                    </a:p>
+                    <a:p>
+                      <a:pPr algn="ctr"/>
+                      <a:r>
+                        <a:rPr lang="en-US" sz="2400" dirty="0"/>
+                        <a:t>(numeric)</a:t>
+                      </a:r>
+                    </a:p>
+                  </a:txBody>
+                  <a:tcPr anchor="ctr">
+                    <a:lnL w="12700" cap="flat" cmpd="sng" algn="ctr">
+                      <a:solidFill>
+                        <a:schemeClr val="tx1"/>
+                      </a:solidFill>
+                      <a:prstDash val="solid"/>
+                      <a:round/>
+                      <a:headEnd type="none" w="med" len="med"/>
+                      <a:tailEnd type="none" w="med" len="med"/>
+                    </a:lnL>
+                    <a:lnR w="12700" cap="flat" cmpd="sng" algn="ctr">
+                      <a:solidFill>
+                        <a:schemeClr val="tx1"/>
+                      </a:solidFill>
+                      <a:prstDash val="solid"/>
+                      <a:round/>
+                      <a:headEnd type="none" w="med" len="med"/>
+                      <a:tailEnd type="none" w="med" len="med"/>
+                    </a:lnR>
+                    <a:lnT w="12700" cap="flat" cmpd="sng" algn="ctr">
+                      <a:noFill/>
+                      <a:prstDash val="solid"/>
+                      <a:round/>
+                      <a:headEnd type="none" w="med" len="med"/>
+                      <a:tailEnd type="none" w="med" len="med"/>
+                    </a:lnT>
+                    <a:lnB w="12700" cap="flat" cmpd="sng" algn="ctr">
+                      <a:solidFill>
+                        <a:schemeClr val="tx1"/>
+                      </a:solidFill>
+                      <a:prstDash val="solid"/>
+                      <a:round/>
+                      <a:headEnd type="none" w="med" len="med"/>
+                      <a:tailEnd type="none" w="med" len="med"/>
+                    </a:lnB>
+                  </a:tcPr>
+                </a:tc>
+                <a:tc>
+                  <a:txBody>
+                    <a:bodyPr/>
+                    <a:lstStyle/>
+                    <a:p>
+                      <a:pPr algn="ctr"/>
+                      <a:r>
+                        <a:rPr lang="en-US" sz="2400" dirty="0"/>
+                        <a:t>Outcome</a:t>
+                      </a:r>
+                    </a:p>
+                    <a:p>
+                      <a:pPr algn="ctr"/>
+                      <a:r>
+                        <a:rPr lang="en-US" sz="2400" dirty="0"/>
+                        <a:t>(numeric)</a:t>
+                      </a:r>
+                    </a:p>
+                  </a:txBody>
+                  <a:tcPr anchor="ctr">
+                    <a:lnL w="12700" cap="flat" cmpd="sng" algn="ctr">
+                      <a:solidFill>
+                        <a:schemeClr val="tx1"/>
+                      </a:solidFill>
+                      <a:prstDash val="solid"/>
+                      <a:round/>
+                      <a:headEnd type="none" w="med" len="med"/>
+                      <a:tailEnd type="none" w="med" len="med"/>
+                    </a:lnL>
+                    <a:lnR w="12700" cap="flat" cmpd="sng" algn="ctr">
+                      <a:noFill/>
+                      <a:prstDash val="solid"/>
+                      <a:round/>
+                      <a:headEnd type="none" w="med" len="med"/>
+                      <a:tailEnd type="none" w="med" len="med"/>
+                    </a:lnR>
+                    <a:lnT w="12700" cap="flat" cmpd="sng" algn="ctr">
+                      <a:noFill/>
+                      <a:prstDash val="solid"/>
+                      <a:round/>
+                      <a:headEnd type="none" w="med" len="med"/>
+                      <a:tailEnd type="none" w="med" len="med"/>
+                    </a:lnT>
+                    <a:lnB w="12700" cap="flat" cmpd="sng" algn="ctr">
+                      <a:solidFill>
+                        <a:schemeClr val="tx1"/>
+                      </a:solidFill>
+                      <a:prstDash val="solid"/>
+                      <a:round/>
+                      <a:headEnd type="none" w="med" len="med"/>
+                      <a:tailEnd type="none" w="med" len="med"/>
+                    </a:lnB>
+                  </a:tcPr>
+                </a:tc>
+                <a:extLst>
+                  <a:ext uri="{0D108BD9-81ED-4DB2-BD59-A6C34878D82A}">
+                    <a16:rowId xmlns:a16="http://schemas.microsoft.com/office/drawing/2014/main" val="2538604851"/>
+                  </a:ext>
+                </a:extLst>
+              </a:tr>
+              <a:tr h="947060">
+                <a:tc>
+                  <a:txBody>
+                    <a:bodyPr/>
+                    <a:lstStyle/>
+                    <a:p>
+                      <a:pPr algn="ctr"/>
+                      <a:r>
+                        <a:rPr lang="en-US" sz="2400" dirty="0"/>
+                        <a:t>A</a:t>
+                      </a:r>
+                    </a:p>
+                  </a:txBody>
+                  <a:tcPr anchor="ctr">
+                    <a:lnL w="12700" cap="flat" cmpd="sng" algn="ctr">
+                      <a:noFill/>
+                      <a:prstDash val="solid"/>
+                      <a:round/>
+                      <a:headEnd type="none" w="med" len="med"/>
+                      <a:tailEnd type="none" w="med" len="med"/>
+                    </a:lnL>
+                    <a:lnR w="12700" cap="flat" cmpd="sng" algn="ctr">
+                      <a:solidFill>
+                        <a:schemeClr val="tx1"/>
+                      </a:solidFill>
+                      <a:prstDash val="solid"/>
+                      <a:round/>
+                      <a:headEnd type="none" w="med" len="med"/>
+                      <a:tailEnd type="none" w="med" len="med"/>
+                    </a:lnR>
+                    <a:lnT w="12700" cap="flat" cmpd="sng" algn="ctr">
+                      <a:solidFill>
+                        <a:schemeClr val="tx1"/>
+                      </a:solidFill>
+                      <a:prstDash val="solid"/>
+                      <a:round/>
+                      <a:headEnd type="none" w="med" len="med"/>
+                      <a:tailEnd type="none" w="med" len="med"/>
+                    </a:lnT>
+                    <a:lnB w="12700" cap="flat" cmpd="sng" algn="ctr">
+                      <a:noFill/>
+                      <a:prstDash val="solid"/>
+                      <a:round/>
+                      <a:headEnd type="none" w="med" len="med"/>
+                      <a:tailEnd type="none" w="med" len="med"/>
+                    </a:lnB>
+                  </a:tcPr>
+                </a:tc>
+                <a:tc>
+                  <a:txBody>
+                    <a:bodyPr/>
+                    <a:lstStyle/>
+                    <a:p>
+                      <a:pPr algn="ctr"/>
+                      <a:r>
+                        <a:rPr lang="en-US" sz="2400" dirty="0"/>
+                        <a:t>.5</a:t>
+                      </a:r>
+                    </a:p>
+                  </a:txBody>
+                  <a:tcPr anchor="ctr">
+                    <a:lnL w="12700" cap="flat" cmpd="sng" algn="ctr">
+                      <a:solidFill>
+                        <a:schemeClr val="tx1"/>
+                      </a:solidFill>
+                      <a:prstDash val="solid"/>
+                      <a:round/>
+                      <a:headEnd type="none" w="med" len="med"/>
+                      <a:tailEnd type="none" w="med" len="med"/>
+                    </a:lnL>
+                    <a:lnR w="12700" cap="flat" cmpd="sng" algn="ctr">
+                      <a:solidFill>
+                        <a:schemeClr val="tx1"/>
+                      </a:solidFill>
+                      <a:prstDash val="solid"/>
+                      <a:round/>
+                      <a:headEnd type="none" w="med" len="med"/>
+                      <a:tailEnd type="none" w="med" len="med"/>
+                    </a:lnR>
+                    <a:lnT w="12700" cap="flat" cmpd="sng" algn="ctr">
+                      <a:solidFill>
+                        <a:schemeClr val="tx1"/>
+                      </a:solidFill>
+                      <a:prstDash val="solid"/>
+                      <a:round/>
+                      <a:headEnd type="none" w="med" len="med"/>
+                      <a:tailEnd type="none" w="med" len="med"/>
+                    </a:lnT>
+                    <a:lnB w="12700" cap="flat" cmpd="sng" algn="ctr">
+                      <a:noFill/>
+                      <a:prstDash val="solid"/>
+                      <a:round/>
+                      <a:headEnd type="none" w="med" len="med"/>
+                      <a:tailEnd type="none" w="med" len="med"/>
+                    </a:lnB>
+                  </a:tcPr>
+                </a:tc>
+                <a:tc>
+                  <a:txBody>
+                    <a:bodyPr/>
+                    <a:lstStyle/>
+                    <a:p>
+                      <a:pPr algn="ctr"/>
+                      <a:r>
+                        <a:rPr lang="en-US" sz="2400" dirty="0"/>
+                        <a:t>.75</a:t>
+                      </a:r>
+                    </a:p>
+                  </a:txBody>
+                  <a:tcPr anchor="ctr">
+                    <a:lnL w="12700" cap="flat" cmpd="sng" algn="ctr">
+                      <a:solidFill>
+                        <a:schemeClr val="tx1"/>
+                      </a:solidFill>
+                      <a:prstDash val="solid"/>
+                      <a:round/>
+                      <a:headEnd type="none" w="med" len="med"/>
+                      <a:tailEnd type="none" w="med" len="med"/>
+                    </a:lnL>
+                    <a:lnR w="12700" cap="flat" cmpd="sng" algn="ctr">
+                      <a:solidFill>
+                        <a:schemeClr val="tx1"/>
+                      </a:solidFill>
+                      <a:prstDash val="solid"/>
+                      <a:round/>
+                      <a:headEnd type="none" w="med" len="med"/>
+                      <a:tailEnd type="none" w="med" len="med"/>
+                    </a:lnR>
+                    <a:lnT w="12700" cap="flat" cmpd="sng" algn="ctr">
+                      <a:solidFill>
+                        <a:schemeClr val="tx1"/>
+                      </a:solidFill>
+                      <a:prstDash val="solid"/>
+                      <a:round/>
+                      <a:headEnd type="none" w="med" len="med"/>
+                      <a:tailEnd type="none" w="med" len="med"/>
+                    </a:lnT>
+                    <a:lnB w="12700" cap="flat" cmpd="sng" algn="ctr">
+                      <a:noFill/>
+                      <a:prstDash val="solid"/>
+                      <a:round/>
+                      <a:headEnd type="none" w="med" len="med"/>
+                      <a:tailEnd type="none" w="med" len="med"/>
+                    </a:lnB>
+                  </a:tcPr>
+                </a:tc>
+                <a:tc>
+                  <a:txBody>
+                    <a:bodyPr/>
+                    <a:lstStyle/>
+                    <a:p>
+                      <a:pPr algn="ctr"/>
+                      <a:r>
+                        <a:rPr lang="en-US" sz="2400" dirty="0"/>
+                        <a:t>1.5</a:t>
+                      </a:r>
+                    </a:p>
+                  </a:txBody>
+                  <a:tcPr anchor="ctr">
+                    <a:lnL w="12700" cap="flat" cmpd="sng" algn="ctr">
+                      <a:solidFill>
+                        <a:schemeClr val="tx1"/>
+                      </a:solidFill>
+                      <a:prstDash val="solid"/>
+                      <a:round/>
+                      <a:headEnd type="none" w="med" len="med"/>
+                      <a:tailEnd type="none" w="med" len="med"/>
+                    </a:lnL>
+                    <a:lnR w="12700" cap="flat" cmpd="sng" algn="ctr">
+                      <a:noFill/>
+                      <a:prstDash val="solid"/>
+                      <a:round/>
+                      <a:headEnd type="none" w="med" len="med"/>
+                      <a:tailEnd type="none" w="med" len="med"/>
+                    </a:lnR>
+                    <a:lnT w="12700" cap="flat" cmpd="sng" algn="ctr">
+                      <a:solidFill>
+                        <a:schemeClr val="tx1"/>
+                      </a:solidFill>
+                      <a:prstDash val="solid"/>
+                      <a:round/>
+                      <a:headEnd type="none" w="med" len="med"/>
+                      <a:tailEnd type="none" w="med" len="med"/>
+                    </a:lnT>
+                    <a:lnB w="12700" cap="flat" cmpd="sng" algn="ctr">
+                      <a:noFill/>
+                      <a:prstDash val="solid"/>
+                      <a:round/>
+                      <a:headEnd type="none" w="med" len="med"/>
+                      <a:tailEnd type="none" w="med" len="med"/>
+                    </a:lnB>
+                  </a:tcPr>
+                </a:tc>
+                <a:extLst>
+                  <a:ext uri="{0D108BD9-81ED-4DB2-BD59-A6C34878D82A}">
+                    <a16:rowId xmlns:a16="http://schemas.microsoft.com/office/drawing/2014/main" val="3442933775"/>
+                  </a:ext>
+                </a:extLst>
+              </a:tr>
+              <a:tr h="947060">
+                <a:tc>
+                  <a:txBody>
+                    <a:bodyPr/>
+                    <a:lstStyle/>
+                    <a:p>
+                      <a:pPr algn="ctr"/>
+                      <a:r>
+                        <a:rPr lang="en-US" sz="2400" dirty="0"/>
+                        <a:t>B</a:t>
+                      </a:r>
+                    </a:p>
+                  </a:txBody>
+                  <a:tcPr anchor="ctr">
+                    <a:lnL w="12700" cap="flat" cmpd="sng" algn="ctr">
+                      <a:noFill/>
+                      <a:prstDash val="solid"/>
+                      <a:round/>
+                      <a:headEnd type="none" w="med" len="med"/>
+                      <a:tailEnd type="none" w="med" len="med"/>
+                    </a:lnL>
+                    <a:lnR w="12700" cap="flat" cmpd="sng" algn="ctr">
+                      <a:solidFill>
+                        <a:schemeClr val="tx1"/>
+                      </a:solidFill>
+                      <a:prstDash val="solid"/>
+                      <a:round/>
+                      <a:headEnd type="none" w="med" len="med"/>
+                      <a:tailEnd type="none" w="med" len="med"/>
+                    </a:lnR>
+                    <a:lnT w="12700" cap="flat" cmpd="sng" algn="ctr">
+                      <a:noFill/>
+                      <a:prstDash val="solid"/>
+                      <a:round/>
+                      <a:headEnd type="none" w="med" len="med"/>
+                      <a:tailEnd type="none" w="med" len="med"/>
+                    </a:lnT>
+                    <a:lnB w="12700" cap="flat" cmpd="sng" algn="ctr">
+                      <a:noFill/>
+                      <a:prstDash val="solid"/>
+                      <a:round/>
+                      <a:headEnd type="none" w="med" len="med"/>
+                      <a:tailEnd type="none" w="med" len="med"/>
+                    </a:lnB>
+                  </a:tcPr>
+                </a:tc>
+                <a:tc>
+                  <a:txBody>
+                    <a:bodyPr/>
+                    <a:lstStyle/>
+                    <a:p>
+                      <a:pPr algn="ctr"/>
+                      <a:r>
+                        <a:rPr lang="en-US" sz="2400" dirty="0"/>
+                        <a:t>1</a:t>
+                      </a:r>
+                    </a:p>
+                  </a:txBody>
+                  <a:tcPr anchor="ctr">
+                    <a:lnL w="12700" cap="flat" cmpd="sng" algn="ctr">
+                      <a:solidFill>
+                        <a:schemeClr val="tx1"/>
+                      </a:solidFill>
+                      <a:prstDash val="solid"/>
+                      <a:round/>
+                      <a:headEnd type="none" w="med" len="med"/>
+                      <a:tailEnd type="none" w="med" len="med"/>
+                    </a:lnL>
+                    <a:lnR w="12700" cap="flat" cmpd="sng" algn="ctr">
+                      <a:solidFill>
+                        <a:schemeClr val="tx1"/>
+                      </a:solidFill>
+                      <a:prstDash val="solid"/>
+                      <a:round/>
+                      <a:headEnd type="none" w="med" len="med"/>
+                      <a:tailEnd type="none" w="med" len="med"/>
+                    </a:lnR>
+                    <a:lnT w="12700" cap="flat" cmpd="sng" algn="ctr">
+                      <a:noFill/>
+                      <a:prstDash val="solid"/>
+                      <a:round/>
+                      <a:headEnd type="none" w="med" len="med"/>
+                      <a:tailEnd type="none" w="med" len="med"/>
+                    </a:lnT>
+                    <a:lnB w="12700" cap="flat" cmpd="sng" algn="ctr">
+                      <a:noFill/>
+                      <a:prstDash val="solid"/>
+                      <a:round/>
+                      <a:headEnd type="none" w="med" len="med"/>
+                      <a:tailEnd type="none" w="med" len="med"/>
+                    </a:lnB>
+                  </a:tcPr>
+                </a:tc>
+                <a:tc>
+                  <a:txBody>
+                    <a:bodyPr/>
+                    <a:lstStyle/>
+                    <a:p>
+                      <a:pPr algn="ctr"/>
+                      <a:r>
+                        <a:rPr lang="en-US" sz="2400" dirty="0"/>
+                        <a:t>.75</a:t>
+                      </a:r>
+                    </a:p>
+                  </a:txBody>
+                  <a:tcPr anchor="ctr">
+                    <a:lnL w="12700" cap="flat" cmpd="sng" algn="ctr">
+                      <a:solidFill>
+                        <a:schemeClr val="tx1"/>
+                      </a:solidFill>
+                      <a:prstDash val="solid"/>
+                      <a:round/>
+                      <a:headEnd type="none" w="med" len="med"/>
+                      <a:tailEnd type="none" w="med" len="med"/>
+                    </a:lnL>
+                    <a:lnR w="12700" cap="flat" cmpd="sng" algn="ctr">
+                      <a:solidFill>
+                        <a:schemeClr val="tx1"/>
+                      </a:solidFill>
+                      <a:prstDash val="solid"/>
+                      <a:round/>
+                      <a:headEnd type="none" w="med" len="med"/>
+                      <a:tailEnd type="none" w="med" len="med"/>
+                    </a:lnR>
+                    <a:lnT w="12700" cap="flat" cmpd="sng" algn="ctr">
+                      <a:noFill/>
+                      <a:prstDash val="solid"/>
+                      <a:round/>
+                      <a:headEnd type="none" w="med" len="med"/>
+                      <a:tailEnd type="none" w="med" len="med"/>
+                    </a:lnT>
+                    <a:lnB w="12700" cap="flat" cmpd="sng" algn="ctr">
+                      <a:noFill/>
+                      <a:prstDash val="solid"/>
+                      <a:round/>
+                      <a:headEnd type="none" w="med" len="med"/>
+                      <a:tailEnd type="none" w="med" len="med"/>
+                    </a:lnB>
+                  </a:tcPr>
+                </a:tc>
+                <a:tc>
+                  <a:txBody>
+                    <a:bodyPr/>
+                    <a:lstStyle/>
+                    <a:p>
+                      <a:pPr algn="ctr"/>
+                      <a:r>
+                        <a:rPr lang="en-US" sz="2400" dirty="0"/>
+                        <a:t>1.25</a:t>
+                      </a:r>
+                    </a:p>
+                  </a:txBody>
+                  <a:tcPr anchor="ctr">
+                    <a:lnL w="12700" cap="flat" cmpd="sng" algn="ctr">
+                      <a:solidFill>
+                        <a:schemeClr val="tx1"/>
+                      </a:solidFill>
+                      <a:prstDash val="solid"/>
+                      <a:round/>
+                      <a:headEnd type="none" w="med" len="med"/>
+                      <a:tailEnd type="none" w="med" len="med"/>
+                    </a:lnL>
+                    <a:lnR w="12700" cap="flat" cmpd="sng" algn="ctr">
+                      <a:noFill/>
+                      <a:prstDash val="solid"/>
+                      <a:round/>
+                      <a:headEnd type="none" w="med" len="med"/>
+                      <a:tailEnd type="none" w="med" len="med"/>
+                    </a:lnR>
+                    <a:lnT w="12700" cap="flat" cmpd="sng" algn="ctr">
+                      <a:noFill/>
+                      <a:prstDash val="solid"/>
+                      <a:round/>
+                      <a:headEnd type="none" w="med" len="med"/>
+                      <a:tailEnd type="none" w="med" len="med"/>
+                    </a:lnT>
+                    <a:lnB w="12700" cap="flat" cmpd="sng" algn="ctr">
+                      <a:noFill/>
+                      <a:prstDash val="solid"/>
+                      <a:round/>
+                      <a:headEnd type="none" w="med" len="med"/>
+                      <a:tailEnd type="none" w="med" len="med"/>
+                    </a:lnB>
+                  </a:tcPr>
+                </a:tc>
+                <a:extLst>
+                  <a:ext uri="{0D108BD9-81ED-4DB2-BD59-A6C34878D82A}">
+                    <a16:rowId xmlns:a16="http://schemas.microsoft.com/office/drawing/2014/main" val="19329377"/>
+                  </a:ext>
+                </a:extLst>
+              </a:tr>
+            </a:tbl>
+          </a:graphicData>
+        </a:graphic>
+      </p:graphicFrame>
+      <p:sp>
+        <p:nvSpPr>
+          <p:cNvPr id="5" name="Title 1">
+            <a:extLst>
+              <a:ext uri="{FF2B5EF4-FFF2-40B4-BE49-F238E27FC236}">
+                <a16:creationId xmlns:a16="http://schemas.microsoft.com/office/drawing/2014/main" id="{15BFD148-CB76-2A47-B937-37DDCD9B9248}"/>
+              </a:ext>
+            </a:extLst>
+          </p:cNvPr>
+          <p:cNvSpPr txBox="1">
+            <a:spLocks/>
+          </p:cNvSpPr>
+          <p:nvPr/>
+        </p:nvSpPr>
+        <p:spPr>
+          <a:xfrm>
+            <a:off x="838200" y="5167312"/>
+            <a:ext cx="10515600" cy="1325563"/>
+          </a:xfrm>
+          <a:prstGeom prst="rect">
+            <a:avLst/>
+          </a:prstGeom>
+        </p:spPr>
+        <p:txBody>
+          <a:bodyPr vert="horz" lIns="91440" tIns="45720" rIns="91440" bIns="45720" rtlCol="0" anchor="ctr">
+            <a:normAutofit/>
+          </a:bodyPr>
+          <a:lstStyle>
+            <a:lvl1pPr algn="l" defTabSz="914400" rtl="0" eaLnBrk="1" latinLnBrk="0" hangingPunct="1">
+              <a:lnSpc>
+                <a:spcPct val="90000"/>
+              </a:lnSpc>
+              <a:spcBef>
+                <a:spcPct val="0"/>
+              </a:spcBef>
+              <a:buNone/>
+              <a:defRPr sz="4400" kern="1200">
+                <a:solidFill>
+                  <a:schemeClr val="tx1"/>
+                </a:solidFill>
+                <a:latin typeface="+mj-lt"/>
+                <a:ea typeface="+mj-ea"/>
+                <a:cs typeface="+mj-cs"/>
+              </a:defRPr>
+            </a:lvl1pPr>
+          </a:lstStyle>
+          <a:p>
+            <a:r>
+              <a:rPr lang="en-US" sz="3200" dirty="0"/>
+              <a:t>&gt; Goal: find the linear equation that best predicts the outcome</a:t>
+            </a:r>
+          </a:p>
+        </p:txBody>
+      </p:sp>
+    </p:spTree>
+    <p:extLst>
+      <p:ext uri="{BB962C8B-B14F-4D97-AF65-F5344CB8AC3E}">
+        <p14:creationId xmlns:p14="http://schemas.microsoft.com/office/powerpoint/2010/main" val="324833858"/>
+      </p:ext>
+    </p:extLst>
+  </p:cSld>
+  <p:clrMapOvr>
+    <a:masterClrMapping/>
+  </p:clrMapOvr>
+</p:sld>
+</file>
+
+<file path=ppt/slides/slide29.xml><?xml version="1.0" encoding="utf-8"?>
+<p:sld xmlns:a="http://schemas.openxmlformats.org/drawingml/2006/main" xmlns:r="http://schemas.openxmlformats.org/officeDocument/2006/relationships" xmlns:p="http://schemas.openxmlformats.org/presentationml/2006/main">
+  <p:cSld>
+    <p:spTree>
+      <p:nvGrpSpPr>
+        <p:cNvPr id="1" name=""/>
+        <p:cNvGrpSpPr/>
+        <p:nvPr/>
+      </p:nvGrpSpPr>
+      <p:grpSpPr>
+        <a:xfrm>
+          <a:off x="0" y="0"/>
+          <a:ext cx="0" cy="0"/>
+          <a:chOff x="0" y="0"/>
+          <a:chExt cx="0" cy="0"/>
+        </a:xfrm>
+      </p:grpSpPr>
+      <mc:AlternateContent xmlns:mc="http://schemas.openxmlformats.org/markup-compatibility/2006" xmlns:a14="http://schemas.microsoft.com/office/drawing/2010/main">
+        <mc:Choice Requires="a14">
+          <p:graphicFrame>
+            <p:nvGraphicFramePr>
+              <p:cNvPr id="4" name="Table 4">
+                <a:extLst>
+                  <a:ext uri="{FF2B5EF4-FFF2-40B4-BE49-F238E27FC236}">
+                    <a16:creationId xmlns:a16="http://schemas.microsoft.com/office/drawing/2014/main" id="{F54F9E3D-6B1A-6044-9287-664B3ADFA222}"/>
+                  </a:ext>
+                </a:extLst>
+              </p:cNvPr>
+              <p:cNvGraphicFramePr>
+                <a:graphicFrameLocks noGrp="1"/>
+              </p:cNvGraphicFramePr>
+              <p:nvPr/>
+            </p:nvGraphicFramePr>
+            <p:xfrm>
+              <a:off x="2032000" y="957376"/>
+              <a:ext cx="8128000" cy="2841180"/>
+            </p:xfrm>
+            <a:graphic>
+              <a:graphicData uri="http://schemas.openxmlformats.org/drawingml/2006/table">
+                <a:tbl>
+                  <a:tblPr firstRow="1" bandRow="1">
+                    <a:tableStyleId>{2D5ABB26-0587-4C30-8999-92F81FD0307C}</a:tableStyleId>
+                  </a:tblPr>
+                  <a:tblGrid>
+                    <a:gridCol w="2032000">
+                      <a:extLst>
+                        <a:ext uri="{9D8B030D-6E8A-4147-A177-3AD203B41FA5}">
+                          <a16:colId xmlns:a16="http://schemas.microsoft.com/office/drawing/2014/main" val="20579037"/>
+                        </a:ext>
+                      </a:extLst>
+                    </a:gridCol>
+                    <a:gridCol w="2032000">
+                      <a:extLst>
+                        <a:ext uri="{9D8B030D-6E8A-4147-A177-3AD203B41FA5}">
+                          <a16:colId xmlns:a16="http://schemas.microsoft.com/office/drawing/2014/main" val="183328472"/>
+                        </a:ext>
+                      </a:extLst>
+                    </a:gridCol>
+                    <a:gridCol w="2032000">
+                      <a:extLst>
+                        <a:ext uri="{9D8B030D-6E8A-4147-A177-3AD203B41FA5}">
+                          <a16:colId xmlns:a16="http://schemas.microsoft.com/office/drawing/2014/main" val="2261907582"/>
+                        </a:ext>
+                      </a:extLst>
+                    </a:gridCol>
+                    <a:gridCol w="2032000">
+                      <a:extLst>
+                        <a:ext uri="{9D8B030D-6E8A-4147-A177-3AD203B41FA5}">
+                          <a16:colId xmlns:a16="http://schemas.microsoft.com/office/drawing/2014/main" val="277793000"/>
+                        </a:ext>
+                      </a:extLst>
+                    </a:gridCol>
+                  </a:tblGrid>
+                  <a:tr h="947060">
+                    <a:tc>
+                      <a:txBody>
+                        <a:bodyPr/>
+                        <a:lstStyle/>
+                        <a:p>
+                          <a:pPr algn="ctr"/>
+                          <a:r>
+                            <a:rPr lang="en-US" sz="2400" dirty="0"/>
+                            <a:t>Patient</a:t>
+                          </a:r>
+                        </a:p>
+                      </a:txBody>
+                      <a:tcPr anchor="ctr">
+                        <a:lnL w="12700" cap="flat" cmpd="sng" algn="ctr">
+                          <a:noFill/>
+                          <a:prstDash val="solid"/>
+                          <a:round/>
+                          <a:headEnd type="none" w="med" len="med"/>
+                          <a:tailEnd type="none" w="med" len="med"/>
+                        </a:lnL>
+                        <a:lnR w="12700" cap="flat" cmpd="sng" algn="ctr">
+                          <a:solidFill>
+                            <a:schemeClr val="tx1"/>
+                          </a:solidFill>
+                          <a:prstDash val="solid"/>
+                          <a:round/>
+                          <a:headEnd type="none" w="med" len="med"/>
+                          <a:tailEnd type="none" w="med" len="med"/>
+                        </a:lnR>
+                        <a:lnT w="12700" cap="flat" cmpd="sng" algn="ctr">
+                          <a:noFill/>
+                          <a:prstDash val="solid"/>
+                          <a:round/>
+                          <a:headEnd type="none" w="med" len="med"/>
+                          <a:tailEnd type="none" w="med" len="med"/>
+                        </a:lnT>
+                        <a:lnB w="12700" cap="flat" cmpd="sng" algn="ctr">
+                          <a:solidFill>
+                            <a:schemeClr val="tx1"/>
+                          </a:solidFill>
+                          <a:prstDash val="solid"/>
+                          <a:round/>
+                          <a:headEnd type="none" w="med" len="med"/>
+                          <a:tailEnd type="none" w="med" len="med"/>
+                        </a:lnB>
+                      </a:tcPr>
+                    </a:tc>
+                    <a:tc>
+                      <a:txBody>
+                        <a:bodyPr/>
+                        <a:lstStyle/>
+                        <a:p>
+                          <a:pPr algn="ctr"/>
+                          <a14:m>
+                            <m:oMathPara xmlns:m="http://schemas.openxmlformats.org/officeDocument/2006/math">
+                              <m:oMathParaPr>
+                                <m:jc m:val="centerGroup"/>
+                              </m:oMathParaPr>
+                              <m:oMath xmlns:m="http://schemas.openxmlformats.org/officeDocument/2006/math">
+                                <m:sSub>
+                                  <m:sSubPr>
+                                    <m:ctrlPr>
+                                      <a:rPr lang="en-US" sz="2400" i="1" dirty="0" smtClean="0">
+                                        <a:latin typeface="Cambria Math" panose="02040503050406030204" pitchFamily="18" charset="0"/>
+                                      </a:rPr>
+                                    </m:ctrlPr>
+                                  </m:sSubPr>
+                                  <m:e>
+                                    <m:r>
+                                      <a:rPr lang="en-US" sz="2400" b="1" i="1" dirty="0" smtClean="0">
+                                        <a:latin typeface="Cambria Math" panose="02040503050406030204" pitchFamily="18" charset="0"/>
+                                      </a:rPr>
+                                      <m:t>𝒙</m:t>
+                                    </m:r>
+                                  </m:e>
+                                  <m:sub>
+                                    <m:r>
+                                      <a:rPr lang="en-US" sz="2400" i="1" dirty="0" smtClean="0">
+                                        <a:latin typeface="Cambria Math" panose="02040503050406030204" pitchFamily="18" charset="0"/>
+                                      </a:rPr>
+                                      <m:t>1</m:t>
+                                    </m:r>
+                                  </m:sub>
+                                </m:sSub>
+                              </m:oMath>
+                            </m:oMathPara>
+                          </a14:m>
+                          <a:endParaRPr lang="en-US" sz="2400" dirty="0"/>
+                        </a:p>
+                      </a:txBody>
+                      <a:tcPr anchor="ctr">
+                        <a:lnL w="12700" cap="flat" cmpd="sng" algn="ctr">
+                          <a:solidFill>
+                            <a:schemeClr val="tx1"/>
+                          </a:solidFill>
+                          <a:prstDash val="solid"/>
+                          <a:round/>
+                          <a:headEnd type="none" w="med" len="med"/>
+                          <a:tailEnd type="none" w="med" len="med"/>
+                        </a:lnL>
+                        <a:lnR w="12700" cap="flat" cmpd="sng" algn="ctr">
+                          <a:solidFill>
+                            <a:schemeClr val="tx1"/>
+                          </a:solidFill>
+                          <a:prstDash val="solid"/>
+                          <a:round/>
+                          <a:headEnd type="none" w="med" len="med"/>
+                          <a:tailEnd type="none" w="med" len="med"/>
+                        </a:lnR>
+                        <a:lnT w="12700" cap="flat" cmpd="sng" algn="ctr">
+                          <a:noFill/>
+                          <a:prstDash val="solid"/>
+                          <a:round/>
+                          <a:headEnd type="none" w="med" len="med"/>
+                          <a:tailEnd type="none" w="med" len="med"/>
+                        </a:lnT>
+                        <a:lnB w="12700" cap="flat" cmpd="sng" algn="ctr">
+                          <a:solidFill>
+                            <a:schemeClr val="tx1"/>
+                          </a:solidFill>
+                          <a:prstDash val="solid"/>
+                          <a:round/>
+                          <a:headEnd type="none" w="med" len="med"/>
+                          <a:tailEnd type="none" w="med" len="med"/>
+                        </a:lnB>
+                      </a:tcPr>
+                    </a:tc>
+                    <a:tc>
+                      <a:txBody>
+                        <a:bodyPr/>
+                        <a:lstStyle/>
+                        <a:p>
+                          <a:pPr algn="ctr"/>
+                          <a14:m>
+                            <m:oMathPara xmlns:m="http://schemas.openxmlformats.org/officeDocument/2006/math">
+                              <m:oMathParaPr>
+                                <m:jc m:val="centerGroup"/>
+                              </m:oMathParaPr>
+                              <m:oMath xmlns:m="http://schemas.openxmlformats.org/officeDocument/2006/math">
+                                <m:sSub>
+                                  <m:sSubPr>
+                                    <m:ctrlPr>
+                                      <a:rPr lang="en-US" sz="2400" b="0" i="1" dirty="0" smtClean="0">
+                                        <a:latin typeface="Cambria Math" panose="02040503050406030204" pitchFamily="18" charset="0"/>
+                                      </a:rPr>
+                                    </m:ctrlPr>
+                                  </m:sSubPr>
+                                  <m:e>
+                                    <m:r>
+                                      <a:rPr lang="en-US" sz="2400" b="1" i="1" dirty="0" smtClean="0">
+                                        <a:latin typeface="Cambria Math" panose="02040503050406030204" pitchFamily="18" charset="0"/>
+                                      </a:rPr>
+                                      <m:t>𝒙</m:t>
+                                    </m:r>
+                                  </m:e>
+                                  <m:sub>
+                                    <m:r>
+                                      <a:rPr lang="en-US" sz="2400" i="1" dirty="0" smtClean="0">
+                                        <a:latin typeface="Cambria Math" panose="02040503050406030204" pitchFamily="18" charset="0"/>
+                                      </a:rPr>
+                                      <m:t>2</m:t>
+                                    </m:r>
+                                  </m:sub>
+                                </m:sSub>
+                              </m:oMath>
+                            </m:oMathPara>
+                          </a14:m>
+                          <a:endParaRPr lang="en-US" sz="2400" dirty="0"/>
+                        </a:p>
+                      </a:txBody>
+                      <a:tcPr anchor="ctr">
+                        <a:lnL w="12700" cap="flat" cmpd="sng" algn="ctr">
+                          <a:solidFill>
+                            <a:schemeClr val="tx1"/>
+                          </a:solidFill>
+                          <a:prstDash val="solid"/>
+                          <a:round/>
+                          <a:headEnd type="none" w="med" len="med"/>
+                          <a:tailEnd type="none" w="med" len="med"/>
+                        </a:lnL>
+                        <a:lnR w="12700" cap="flat" cmpd="sng" algn="ctr">
+                          <a:solidFill>
+                            <a:schemeClr val="tx1"/>
+                          </a:solidFill>
+                          <a:prstDash val="solid"/>
+                          <a:round/>
+                          <a:headEnd type="none" w="med" len="med"/>
+                          <a:tailEnd type="none" w="med" len="med"/>
+                        </a:lnR>
+                        <a:lnT w="12700" cap="flat" cmpd="sng" algn="ctr">
+                          <a:noFill/>
+                          <a:prstDash val="solid"/>
+                          <a:round/>
+                          <a:headEnd type="none" w="med" len="med"/>
+                          <a:tailEnd type="none" w="med" len="med"/>
+                        </a:lnT>
+                        <a:lnB w="12700" cap="flat" cmpd="sng" algn="ctr">
+                          <a:solidFill>
+                            <a:schemeClr val="tx1"/>
+                          </a:solidFill>
+                          <a:prstDash val="solid"/>
+                          <a:round/>
+                          <a:headEnd type="none" w="med" len="med"/>
+                          <a:tailEnd type="none" w="med" len="med"/>
+                        </a:lnB>
+                      </a:tcPr>
+                    </a:tc>
+                    <a:tc>
+                      <a:txBody>
+                        <a:bodyPr/>
+                        <a:lstStyle/>
+                        <a:p>
+                          <a:pPr algn="ctr"/>
+                          <a14:m>
+                            <m:oMathPara xmlns:m="http://schemas.openxmlformats.org/officeDocument/2006/math">
+                              <m:oMathParaPr>
+                                <m:jc m:val="centerGroup"/>
+                              </m:oMathParaPr>
+                              <m:oMath xmlns:m="http://schemas.openxmlformats.org/officeDocument/2006/math">
+                                <m:r>
+                                  <a:rPr lang="en-US" sz="2400" b="1" i="1" dirty="0" smtClean="0">
+                                    <a:latin typeface="Cambria Math" panose="02040503050406030204" pitchFamily="18" charset="0"/>
+                                  </a:rPr>
+                                  <m:t>𝒚</m:t>
+                                </m:r>
+                              </m:oMath>
+                            </m:oMathPara>
+                          </a14:m>
+                          <a:endParaRPr lang="en-US" sz="2400" b="1" dirty="0"/>
+                        </a:p>
+                      </a:txBody>
+                      <a:tcPr anchor="ctr">
+                        <a:lnL w="12700" cap="flat" cmpd="sng" algn="ctr">
+                          <a:solidFill>
+                            <a:schemeClr val="tx1"/>
+                          </a:solidFill>
+                          <a:prstDash val="solid"/>
+                          <a:round/>
+                          <a:headEnd type="none" w="med" len="med"/>
+                          <a:tailEnd type="none" w="med" len="med"/>
+                        </a:lnL>
+                        <a:lnR w="12700" cap="flat" cmpd="sng" algn="ctr">
+                          <a:noFill/>
+                          <a:prstDash val="solid"/>
+                          <a:round/>
+                          <a:headEnd type="none" w="med" len="med"/>
+                          <a:tailEnd type="none" w="med" len="med"/>
+                        </a:lnR>
+                        <a:lnT w="12700" cap="flat" cmpd="sng" algn="ctr">
+                          <a:noFill/>
+                          <a:prstDash val="solid"/>
+                          <a:round/>
+                          <a:headEnd type="none" w="med" len="med"/>
+                          <a:tailEnd type="none" w="med" len="med"/>
+                        </a:lnT>
+                        <a:lnB w="12700" cap="flat" cmpd="sng" algn="ctr">
+                          <a:solidFill>
+                            <a:schemeClr val="tx1"/>
+                          </a:solidFill>
+                          <a:prstDash val="solid"/>
+                          <a:round/>
+                          <a:headEnd type="none" w="med" len="med"/>
+                          <a:tailEnd type="none" w="med" len="med"/>
+                        </a:lnB>
+                      </a:tcPr>
+                    </a:tc>
+                    <a:extLst>
+                      <a:ext uri="{0D108BD9-81ED-4DB2-BD59-A6C34878D82A}">
+                        <a16:rowId xmlns:a16="http://schemas.microsoft.com/office/drawing/2014/main" val="2538604851"/>
+                      </a:ext>
+                    </a:extLst>
+                  </a:tr>
+                  <a:tr h="947060">
+                    <a:tc>
+                      <a:txBody>
+                        <a:bodyPr/>
+                        <a:lstStyle/>
+                        <a:p>
+                          <a:pPr algn="ctr"/>
+                          <a:r>
+                            <a:rPr lang="en-US" sz="2400" dirty="0"/>
+                            <a:t>A</a:t>
+                          </a:r>
+                        </a:p>
+                      </a:txBody>
+                      <a:tcPr anchor="ctr">
+                        <a:lnL w="12700" cap="flat" cmpd="sng" algn="ctr">
+                          <a:noFill/>
+                          <a:prstDash val="solid"/>
+                          <a:round/>
+                          <a:headEnd type="none" w="med" len="med"/>
+                          <a:tailEnd type="none" w="med" len="med"/>
+                        </a:lnL>
+                        <a:lnR w="12700" cap="flat" cmpd="sng" algn="ctr">
+                          <a:solidFill>
+                            <a:schemeClr val="tx1"/>
+                          </a:solidFill>
+                          <a:prstDash val="solid"/>
+                          <a:round/>
+                          <a:headEnd type="none" w="med" len="med"/>
+                          <a:tailEnd type="none" w="med" len="med"/>
+                        </a:lnR>
+                        <a:lnT w="12700" cap="flat" cmpd="sng" algn="ctr">
+                          <a:solidFill>
+                            <a:schemeClr val="tx1"/>
+                          </a:solidFill>
+                          <a:prstDash val="solid"/>
+                          <a:round/>
+                          <a:headEnd type="none" w="med" len="med"/>
+                          <a:tailEnd type="none" w="med" len="med"/>
+                        </a:lnT>
+                        <a:lnB w="12700" cap="flat" cmpd="sng" algn="ctr">
+                          <a:noFill/>
+                          <a:prstDash val="solid"/>
+                          <a:round/>
+                          <a:headEnd type="none" w="med" len="med"/>
+                          <a:tailEnd type="none" w="med" len="med"/>
+                        </a:lnB>
+                      </a:tcPr>
+                    </a:tc>
+                    <a:tc>
+                      <a:txBody>
+                        <a:bodyPr/>
+                        <a:lstStyle/>
+                        <a:p>
+                          <a:pPr algn="ctr"/>
+                          <a:r>
+                            <a:rPr lang="en-US" sz="2400" dirty="0"/>
+                            <a:t>.5</a:t>
+                          </a:r>
+                        </a:p>
+                      </a:txBody>
+                      <a:tcPr anchor="ctr">
+                        <a:lnL w="12700" cap="flat" cmpd="sng" algn="ctr">
+                          <a:solidFill>
+                            <a:schemeClr val="tx1"/>
+                          </a:solidFill>
+                          <a:prstDash val="solid"/>
+                          <a:round/>
+                          <a:headEnd type="none" w="med" len="med"/>
+                          <a:tailEnd type="none" w="med" len="med"/>
+                        </a:lnL>
+                        <a:lnR w="12700" cap="flat" cmpd="sng" algn="ctr">
+                          <a:solidFill>
+                            <a:schemeClr val="tx1"/>
+                          </a:solidFill>
+                          <a:prstDash val="solid"/>
+                          <a:round/>
+                          <a:headEnd type="none" w="med" len="med"/>
+                          <a:tailEnd type="none" w="med" len="med"/>
+                        </a:lnR>
+                        <a:lnT w="12700" cap="flat" cmpd="sng" algn="ctr">
+                          <a:solidFill>
+                            <a:schemeClr val="tx1"/>
+                          </a:solidFill>
+                          <a:prstDash val="solid"/>
+                          <a:round/>
+                          <a:headEnd type="none" w="med" len="med"/>
+                          <a:tailEnd type="none" w="med" len="med"/>
+                        </a:lnT>
+                        <a:lnB w="12700" cap="flat" cmpd="sng" algn="ctr">
+                          <a:noFill/>
+                          <a:prstDash val="solid"/>
+                          <a:round/>
+                          <a:headEnd type="none" w="med" len="med"/>
+                          <a:tailEnd type="none" w="med" len="med"/>
+                        </a:lnB>
+                      </a:tcPr>
+                    </a:tc>
+                    <a:tc>
+                      <a:txBody>
+                        <a:bodyPr/>
+                        <a:lstStyle/>
+                        <a:p>
+                          <a:pPr algn="ctr"/>
+                          <a:r>
+                            <a:rPr lang="en-US" sz="2400" dirty="0"/>
+                            <a:t>.75</a:t>
+                          </a:r>
+                        </a:p>
+                      </a:txBody>
+                      <a:tcPr anchor="ctr">
+                        <a:lnL w="12700" cap="flat" cmpd="sng" algn="ctr">
+                          <a:solidFill>
+                            <a:schemeClr val="tx1"/>
+                          </a:solidFill>
+                          <a:prstDash val="solid"/>
+                          <a:round/>
+                          <a:headEnd type="none" w="med" len="med"/>
+                          <a:tailEnd type="none" w="med" len="med"/>
+                        </a:lnL>
+                        <a:lnR w="12700" cap="flat" cmpd="sng" algn="ctr">
+                          <a:solidFill>
+                            <a:schemeClr val="tx1"/>
+                          </a:solidFill>
+                          <a:prstDash val="solid"/>
+                          <a:round/>
+                          <a:headEnd type="none" w="med" len="med"/>
+                          <a:tailEnd type="none" w="med" len="med"/>
+                        </a:lnR>
+                        <a:lnT w="12700" cap="flat" cmpd="sng" algn="ctr">
+                          <a:solidFill>
+                            <a:schemeClr val="tx1"/>
+                          </a:solidFill>
+                          <a:prstDash val="solid"/>
+                          <a:round/>
+                          <a:headEnd type="none" w="med" len="med"/>
+                          <a:tailEnd type="none" w="med" len="med"/>
+                        </a:lnT>
+                        <a:lnB w="12700" cap="flat" cmpd="sng" algn="ctr">
+                          <a:noFill/>
+                          <a:prstDash val="solid"/>
+                          <a:round/>
+                          <a:headEnd type="none" w="med" len="med"/>
+                          <a:tailEnd type="none" w="med" len="med"/>
+                        </a:lnB>
+                      </a:tcPr>
+                    </a:tc>
+                    <a:tc>
+                      <a:txBody>
+                        <a:bodyPr/>
+                        <a:lstStyle/>
+                        <a:p>
+                          <a:pPr algn="ctr"/>
+                          <a:r>
+                            <a:rPr lang="en-US" sz="2400" dirty="0"/>
+                            <a:t>1.5</a:t>
+                          </a:r>
+                        </a:p>
+                      </a:txBody>
+                      <a:tcPr anchor="ctr">
+                        <a:lnL w="12700" cap="flat" cmpd="sng" algn="ctr">
+                          <a:solidFill>
+                            <a:schemeClr val="tx1"/>
+                          </a:solidFill>
+                          <a:prstDash val="solid"/>
+                          <a:round/>
+                          <a:headEnd type="none" w="med" len="med"/>
+                          <a:tailEnd type="none" w="med" len="med"/>
+                        </a:lnL>
+                        <a:lnR w="12700" cap="flat" cmpd="sng" algn="ctr">
+                          <a:noFill/>
+                          <a:prstDash val="solid"/>
+                          <a:round/>
+                          <a:headEnd type="none" w="med" len="med"/>
+                          <a:tailEnd type="none" w="med" len="med"/>
+                        </a:lnR>
+                        <a:lnT w="12700" cap="flat" cmpd="sng" algn="ctr">
+                          <a:solidFill>
+                            <a:schemeClr val="tx1"/>
+                          </a:solidFill>
+                          <a:prstDash val="solid"/>
+                          <a:round/>
+                          <a:headEnd type="none" w="med" len="med"/>
+                          <a:tailEnd type="none" w="med" len="med"/>
+                        </a:lnT>
+                        <a:lnB w="12700" cap="flat" cmpd="sng" algn="ctr">
+                          <a:noFill/>
+                          <a:prstDash val="solid"/>
+                          <a:round/>
+                          <a:headEnd type="none" w="med" len="med"/>
+                          <a:tailEnd type="none" w="med" len="med"/>
+                        </a:lnB>
+                      </a:tcPr>
+                    </a:tc>
+                    <a:extLst>
+                      <a:ext uri="{0D108BD9-81ED-4DB2-BD59-A6C34878D82A}">
+                        <a16:rowId xmlns:a16="http://schemas.microsoft.com/office/drawing/2014/main" val="3442933775"/>
+                      </a:ext>
+                    </a:extLst>
+                  </a:tr>
+                  <a:tr h="947060">
+                    <a:tc>
+                      <a:txBody>
+                        <a:bodyPr/>
+                        <a:lstStyle/>
+                        <a:p>
+                          <a:pPr algn="ctr"/>
+                          <a:r>
+                            <a:rPr lang="en-US" sz="2400" dirty="0"/>
+                            <a:t>B</a:t>
+                          </a:r>
+                        </a:p>
+                      </a:txBody>
+                      <a:tcPr anchor="ctr">
+                        <a:lnL w="12700" cap="flat" cmpd="sng" algn="ctr">
+                          <a:noFill/>
+                          <a:prstDash val="solid"/>
+                          <a:round/>
+                          <a:headEnd type="none" w="med" len="med"/>
+                          <a:tailEnd type="none" w="med" len="med"/>
+                        </a:lnL>
+                        <a:lnR w="12700" cap="flat" cmpd="sng" algn="ctr">
+                          <a:solidFill>
+                            <a:schemeClr val="tx1"/>
+                          </a:solidFill>
+                          <a:prstDash val="solid"/>
+                          <a:round/>
+                          <a:headEnd type="none" w="med" len="med"/>
+                          <a:tailEnd type="none" w="med" len="med"/>
+                        </a:lnR>
+                        <a:lnT w="12700" cap="flat" cmpd="sng" algn="ctr">
+                          <a:noFill/>
+                          <a:prstDash val="solid"/>
+                          <a:round/>
+                          <a:headEnd type="none" w="med" len="med"/>
+                          <a:tailEnd type="none" w="med" len="med"/>
+                        </a:lnT>
+                        <a:lnB w="12700" cap="flat" cmpd="sng" algn="ctr">
+                          <a:noFill/>
+                          <a:prstDash val="solid"/>
+                          <a:round/>
+                          <a:headEnd type="none" w="med" len="med"/>
+                          <a:tailEnd type="none" w="med" len="med"/>
+                        </a:lnB>
+                      </a:tcPr>
+                    </a:tc>
+                    <a:tc>
+                      <a:txBody>
+                        <a:bodyPr/>
+                        <a:lstStyle/>
+                        <a:p>
+                          <a:pPr algn="ctr"/>
+                          <a:r>
+                            <a:rPr lang="en-US" sz="2400" dirty="0"/>
+                            <a:t>1</a:t>
+                          </a:r>
+                        </a:p>
+                      </a:txBody>
+                      <a:tcPr anchor="ctr">
+                        <a:lnL w="12700" cap="flat" cmpd="sng" algn="ctr">
+                          <a:solidFill>
+                            <a:schemeClr val="tx1"/>
+                          </a:solidFill>
+                          <a:prstDash val="solid"/>
+                          <a:round/>
+                          <a:headEnd type="none" w="med" len="med"/>
+                          <a:tailEnd type="none" w="med" len="med"/>
+                        </a:lnL>
+                        <a:lnR w="12700" cap="flat" cmpd="sng" algn="ctr">
+                          <a:solidFill>
+                            <a:schemeClr val="tx1"/>
+                          </a:solidFill>
+                          <a:prstDash val="solid"/>
+                          <a:round/>
+                          <a:headEnd type="none" w="med" len="med"/>
+                          <a:tailEnd type="none" w="med" len="med"/>
+                        </a:lnR>
+                        <a:lnT w="12700" cap="flat" cmpd="sng" algn="ctr">
+                          <a:noFill/>
+                          <a:prstDash val="solid"/>
+                          <a:round/>
+                          <a:headEnd type="none" w="med" len="med"/>
+                          <a:tailEnd type="none" w="med" len="med"/>
+                        </a:lnT>
+                        <a:lnB w="12700" cap="flat" cmpd="sng" algn="ctr">
+                          <a:noFill/>
+                          <a:prstDash val="solid"/>
+                          <a:round/>
+                          <a:headEnd type="none" w="med" len="med"/>
+                          <a:tailEnd type="none" w="med" len="med"/>
+                        </a:lnB>
+                      </a:tcPr>
+                    </a:tc>
+                    <a:tc>
+                      <a:txBody>
+                        <a:bodyPr/>
+                        <a:lstStyle/>
+                        <a:p>
+                          <a:pPr algn="ctr"/>
+                          <a:r>
+                            <a:rPr lang="en-US" sz="2400" dirty="0"/>
+                            <a:t>.75</a:t>
+                          </a:r>
+                        </a:p>
+                      </a:txBody>
+                      <a:tcPr anchor="ctr">
+                        <a:lnL w="12700" cap="flat" cmpd="sng" algn="ctr">
+                          <a:solidFill>
+                            <a:schemeClr val="tx1"/>
+                          </a:solidFill>
+                          <a:prstDash val="solid"/>
+                          <a:round/>
+                          <a:headEnd type="none" w="med" len="med"/>
+                          <a:tailEnd type="none" w="med" len="med"/>
+                        </a:lnL>
+                        <a:lnR w="12700" cap="flat" cmpd="sng" algn="ctr">
+                          <a:solidFill>
+                            <a:schemeClr val="tx1"/>
+                          </a:solidFill>
+                          <a:prstDash val="solid"/>
+                          <a:round/>
+                          <a:headEnd type="none" w="med" len="med"/>
+                          <a:tailEnd type="none" w="med" len="med"/>
+                        </a:lnR>
+                        <a:lnT w="12700" cap="flat" cmpd="sng" algn="ctr">
+                          <a:noFill/>
+                          <a:prstDash val="solid"/>
+                          <a:round/>
+                          <a:headEnd type="none" w="med" len="med"/>
+                          <a:tailEnd type="none" w="med" len="med"/>
+                        </a:lnT>
+                        <a:lnB w="12700" cap="flat" cmpd="sng" algn="ctr">
+                          <a:noFill/>
+                          <a:prstDash val="solid"/>
+                          <a:round/>
+                          <a:headEnd type="none" w="med" len="med"/>
+                          <a:tailEnd type="none" w="med" len="med"/>
+                        </a:lnB>
+                      </a:tcPr>
+                    </a:tc>
+                    <a:tc>
+                      <a:txBody>
+                        <a:bodyPr/>
+                        <a:lstStyle/>
+                        <a:p>
+                          <a:pPr algn="ctr"/>
+                          <a:r>
+                            <a:rPr lang="en-US" sz="2400" dirty="0"/>
+                            <a:t>1.25</a:t>
+                          </a:r>
+                        </a:p>
+                      </a:txBody>
+                      <a:tcPr anchor="ctr">
+                        <a:lnL w="12700" cap="flat" cmpd="sng" algn="ctr">
+                          <a:solidFill>
+                            <a:schemeClr val="tx1"/>
+                          </a:solidFill>
+                          <a:prstDash val="solid"/>
+                          <a:round/>
+                          <a:headEnd type="none" w="med" len="med"/>
+                          <a:tailEnd type="none" w="med" len="med"/>
+                        </a:lnL>
+                        <a:lnR w="12700" cap="flat" cmpd="sng" algn="ctr">
+                          <a:noFill/>
+                          <a:prstDash val="solid"/>
+                          <a:round/>
+                          <a:headEnd type="none" w="med" len="med"/>
+                          <a:tailEnd type="none" w="med" len="med"/>
+                        </a:lnR>
+                        <a:lnT w="12700" cap="flat" cmpd="sng" algn="ctr">
+                          <a:noFill/>
+                          <a:prstDash val="solid"/>
+                          <a:round/>
+                          <a:headEnd type="none" w="med" len="med"/>
+                          <a:tailEnd type="none" w="med" len="med"/>
+                        </a:lnT>
+                        <a:lnB w="12700" cap="flat" cmpd="sng" algn="ctr">
+                          <a:noFill/>
+                          <a:prstDash val="solid"/>
+                          <a:round/>
+                          <a:headEnd type="none" w="med" len="med"/>
+                          <a:tailEnd type="none" w="med" len="med"/>
+                        </a:lnB>
+                      </a:tcPr>
+                    </a:tc>
+                    <a:extLst>
+                      <a:ext uri="{0D108BD9-81ED-4DB2-BD59-A6C34878D82A}">
+                        <a16:rowId xmlns:a16="http://schemas.microsoft.com/office/drawing/2014/main" val="19329377"/>
+                      </a:ext>
+                    </a:extLst>
+                  </a:tr>
+                </a:tbl>
+              </a:graphicData>
+            </a:graphic>
+          </p:graphicFrame>
+        </mc:Choice>
+        <mc:Fallback xmlns="">
+          <p:graphicFrame>
+            <p:nvGraphicFramePr>
+              <p:cNvPr id="4" name="Table 4">
+                <a:extLst>
+                  <a:ext uri="{FF2B5EF4-FFF2-40B4-BE49-F238E27FC236}">
+                    <a16:creationId xmlns:a16="http://schemas.microsoft.com/office/drawing/2014/main" id="{F54F9E3D-6B1A-6044-9287-664B3ADFA222}"/>
+                  </a:ext>
+                </a:extLst>
+              </p:cNvPr>
+              <p:cNvGraphicFramePr>
+                <a:graphicFrameLocks noGrp="1"/>
+              </p:cNvGraphicFramePr>
+              <p:nvPr>
+                <p:extLst>
+                  <p:ext uri="{D42A27DB-BD31-4B8C-83A1-F6EECF244321}">
+                    <p14:modId xmlns:p14="http://schemas.microsoft.com/office/powerpoint/2010/main" val="1104707156"/>
+                  </p:ext>
+                </p:extLst>
+              </p:nvPr>
+            </p:nvGraphicFramePr>
+            <p:xfrm>
+              <a:off x="2032000" y="957376"/>
+              <a:ext cx="8128000" cy="2841180"/>
+            </p:xfrm>
+            <a:graphic>
+              <a:graphicData uri="http://schemas.openxmlformats.org/drawingml/2006/table">
+                <a:tbl>
+                  <a:tblPr firstRow="1" bandRow="1">
+                    <a:tableStyleId>{2D5ABB26-0587-4C30-8999-92F81FD0307C}</a:tableStyleId>
+                  </a:tblPr>
+                  <a:tblGrid>
+                    <a:gridCol w="2032000">
+                      <a:extLst>
+                        <a:ext uri="{9D8B030D-6E8A-4147-A177-3AD203B41FA5}">
+                          <a16:colId xmlns:a16="http://schemas.microsoft.com/office/drawing/2014/main" val="20579037"/>
+                        </a:ext>
+                      </a:extLst>
+                    </a:gridCol>
+                    <a:gridCol w="2032000">
+                      <a:extLst>
+                        <a:ext uri="{9D8B030D-6E8A-4147-A177-3AD203B41FA5}">
+                          <a16:colId xmlns:a16="http://schemas.microsoft.com/office/drawing/2014/main" val="183328472"/>
+                        </a:ext>
+                      </a:extLst>
+                    </a:gridCol>
+                    <a:gridCol w="2032000">
+                      <a:extLst>
+                        <a:ext uri="{9D8B030D-6E8A-4147-A177-3AD203B41FA5}">
+                          <a16:colId xmlns:a16="http://schemas.microsoft.com/office/drawing/2014/main" val="2261907582"/>
+                        </a:ext>
+                      </a:extLst>
+                    </a:gridCol>
+                    <a:gridCol w="2032000">
+                      <a:extLst>
+                        <a:ext uri="{9D8B030D-6E8A-4147-A177-3AD203B41FA5}">
+                          <a16:colId xmlns:a16="http://schemas.microsoft.com/office/drawing/2014/main" val="277793000"/>
+                        </a:ext>
+                      </a:extLst>
+                    </a:gridCol>
+                  </a:tblGrid>
+                  <a:tr h="947060">
+                    <a:tc>
+                      <a:txBody>
+                        <a:bodyPr/>
+                        <a:lstStyle/>
+                        <a:p>
+                          <a:pPr algn="ctr"/>
+                          <a:r>
+                            <a:rPr lang="en-US" sz="2400" dirty="0"/>
+                            <a:t>Patient</a:t>
+                          </a:r>
+                        </a:p>
+                      </a:txBody>
+                      <a:tcPr anchor="ctr">
+                        <a:lnL w="12700" cap="flat" cmpd="sng" algn="ctr">
+                          <a:noFill/>
+                          <a:prstDash val="solid"/>
+                          <a:round/>
+                          <a:headEnd type="none" w="med" len="med"/>
+                          <a:tailEnd type="none" w="med" len="med"/>
+                        </a:lnL>
+                        <a:lnR w="12700" cap="flat" cmpd="sng" algn="ctr">
+                          <a:solidFill>
+                            <a:schemeClr val="tx1"/>
+                          </a:solidFill>
+                          <a:prstDash val="solid"/>
+                          <a:round/>
+                          <a:headEnd type="none" w="med" len="med"/>
+                          <a:tailEnd type="none" w="med" len="med"/>
+                        </a:lnR>
+                        <a:lnT w="12700" cap="flat" cmpd="sng" algn="ctr">
+                          <a:noFill/>
+                          <a:prstDash val="solid"/>
+                          <a:round/>
+                          <a:headEnd type="none" w="med" len="med"/>
+                          <a:tailEnd type="none" w="med" len="med"/>
+                        </a:lnT>
+                        <a:lnB w="12700" cap="flat" cmpd="sng" algn="ctr">
+                          <a:solidFill>
+                            <a:schemeClr val="tx1"/>
+                          </a:solidFill>
+                          <a:prstDash val="solid"/>
+                          <a:round/>
+                          <a:headEnd type="none" w="med" len="med"/>
+                          <a:tailEnd type="none" w="med" len="med"/>
+                        </a:lnB>
+                      </a:tcPr>
+                    </a:tc>
+                    <a:tc>
+                      <a:txBody>
+                        <a:bodyPr/>
+                        <a:lstStyle/>
+                        <a:p>
+                          <a:endParaRPr lang="en-US"/>
+                        </a:p>
+                      </a:txBody>
+                      <a:tcPr anchor="ctr">
+                        <a:lnL w="12700" cap="flat" cmpd="sng" algn="ctr">
+                          <a:solidFill>
+                            <a:schemeClr val="tx1"/>
+                          </a:solidFill>
+                          <a:prstDash val="solid"/>
+                          <a:round/>
+                          <a:headEnd type="none" w="med" len="med"/>
+                          <a:tailEnd type="none" w="med" len="med"/>
+                        </a:lnL>
+                        <a:lnR w="12700" cap="flat" cmpd="sng" algn="ctr">
+                          <a:solidFill>
+                            <a:schemeClr val="tx1"/>
+                          </a:solidFill>
+                          <a:prstDash val="solid"/>
+                          <a:round/>
+                          <a:headEnd type="none" w="med" len="med"/>
+                          <a:tailEnd type="none" w="med" len="med"/>
+                        </a:lnR>
+                        <a:lnT w="12700" cap="flat" cmpd="sng" algn="ctr">
+                          <a:noFill/>
+                          <a:prstDash val="solid"/>
+                          <a:round/>
+                          <a:headEnd type="none" w="med" len="med"/>
+                          <a:tailEnd type="none" w="med" len="med"/>
+                        </a:lnT>
+                        <a:lnB w="12700" cap="flat" cmpd="sng" algn="ctr">
+                          <a:solidFill>
+                            <a:schemeClr val="tx1"/>
+                          </a:solidFill>
+                          <a:prstDash val="solid"/>
+                          <a:round/>
+                          <a:headEnd type="none" w="med" len="med"/>
+                          <a:tailEnd type="none" w="med" len="med"/>
+                        </a:lnB>
+                        <a:blipFill>
+                          <a:blip r:embed="rId2"/>
+                          <a:stretch>
+                            <a:fillRect l="-100625" r="-200625" b="-200000"/>
+                          </a:stretch>
+                        </a:blipFill>
+                      </a:tcPr>
+                    </a:tc>
+                    <a:tc>
+                      <a:txBody>
+                        <a:bodyPr/>
+                        <a:lstStyle/>
+                        <a:p>
+                          <a:endParaRPr lang="en-US"/>
+                        </a:p>
+                      </a:txBody>
+                      <a:tcPr anchor="ctr">
+                        <a:lnL w="12700" cap="flat" cmpd="sng" algn="ctr">
+                          <a:solidFill>
+                            <a:schemeClr val="tx1"/>
+                          </a:solidFill>
+                          <a:prstDash val="solid"/>
+                          <a:round/>
+                          <a:headEnd type="none" w="med" len="med"/>
+                          <a:tailEnd type="none" w="med" len="med"/>
+                        </a:lnL>
+                        <a:lnR w="12700" cap="flat" cmpd="sng" algn="ctr">
+                          <a:solidFill>
+                            <a:schemeClr val="tx1"/>
+                          </a:solidFill>
+                          <a:prstDash val="solid"/>
+                          <a:round/>
+                          <a:headEnd type="none" w="med" len="med"/>
+                          <a:tailEnd type="none" w="med" len="med"/>
+                        </a:lnR>
+                        <a:lnT w="12700" cap="flat" cmpd="sng" algn="ctr">
+                          <a:noFill/>
+                          <a:prstDash val="solid"/>
+                          <a:round/>
+                          <a:headEnd type="none" w="med" len="med"/>
+                          <a:tailEnd type="none" w="med" len="med"/>
+                        </a:lnT>
+                        <a:lnB w="12700" cap="flat" cmpd="sng" algn="ctr">
+                          <a:solidFill>
+                            <a:schemeClr val="tx1"/>
+                          </a:solidFill>
+                          <a:prstDash val="solid"/>
+                          <a:round/>
+                          <a:headEnd type="none" w="med" len="med"/>
+                          <a:tailEnd type="none" w="med" len="med"/>
+                        </a:lnB>
+                        <a:blipFill>
+                          <a:blip r:embed="rId2"/>
+                          <a:stretch>
+                            <a:fillRect l="-200625" r="-100625" b="-200000"/>
+                          </a:stretch>
+                        </a:blipFill>
+                      </a:tcPr>
+                    </a:tc>
+                    <a:tc>
+                      <a:txBody>
+                        <a:bodyPr/>
+                        <a:lstStyle/>
+                        <a:p>
+                          <a:endParaRPr lang="en-US"/>
+                        </a:p>
+                      </a:txBody>
+                      <a:tcPr anchor="ctr">
+                        <a:lnL w="12700" cap="flat" cmpd="sng" algn="ctr">
+                          <a:solidFill>
+                            <a:schemeClr val="tx1"/>
+                          </a:solidFill>
+                          <a:prstDash val="solid"/>
+                          <a:round/>
+                          <a:headEnd type="none" w="med" len="med"/>
+                          <a:tailEnd type="none" w="med" len="med"/>
+                        </a:lnL>
+                        <a:lnR w="12700" cap="flat" cmpd="sng" algn="ctr">
+                          <a:noFill/>
+                          <a:prstDash val="solid"/>
+                          <a:round/>
+                          <a:headEnd type="none" w="med" len="med"/>
+                          <a:tailEnd type="none" w="med" len="med"/>
+                        </a:lnR>
+                        <a:lnT w="12700" cap="flat" cmpd="sng" algn="ctr">
+                          <a:noFill/>
+                          <a:prstDash val="solid"/>
+                          <a:round/>
+                          <a:headEnd type="none" w="med" len="med"/>
+                          <a:tailEnd type="none" w="med" len="med"/>
+                        </a:lnT>
+                        <a:lnB w="12700" cap="flat" cmpd="sng" algn="ctr">
+                          <a:solidFill>
+                            <a:schemeClr val="tx1"/>
+                          </a:solidFill>
+                          <a:prstDash val="solid"/>
+                          <a:round/>
+                          <a:headEnd type="none" w="med" len="med"/>
+                          <a:tailEnd type="none" w="med" len="med"/>
+                        </a:lnB>
+                        <a:blipFill>
+                          <a:blip r:embed="rId2"/>
+                          <a:stretch>
+                            <a:fillRect l="-300625" r="-625" b="-200000"/>
+                          </a:stretch>
+                        </a:blipFill>
+                      </a:tcPr>
+                    </a:tc>
+                    <a:extLst>
+                      <a:ext uri="{0D108BD9-81ED-4DB2-BD59-A6C34878D82A}">
+                        <a16:rowId xmlns:a16="http://schemas.microsoft.com/office/drawing/2014/main" val="2538604851"/>
+                      </a:ext>
+                    </a:extLst>
+                  </a:tr>
+                  <a:tr h="947060">
+                    <a:tc>
+                      <a:txBody>
+                        <a:bodyPr/>
+                        <a:lstStyle/>
+                        <a:p>
+                          <a:pPr algn="ctr"/>
+                          <a:r>
+                            <a:rPr lang="en-US" sz="2400" dirty="0"/>
+                            <a:t>A</a:t>
+                          </a:r>
+                        </a:p>
+                      </a:txBody>
+                      <a:tcPr anchor="ctr">
+                        <a:lnL w="12700" cap="flat" cmpd="sng" algn="ctr">
+                          <a:noFill/>
+                          <a:prstDash val="solid"/>
+                          <a:round/>
+                          <a:headEnd type="none" w="med" len="med"/>
+                          <a:tailEnd type="none" w="med" len="med"/>
+                        </a:lnL>
+                        <a:lnR w="12700" cap="flat" cmpd="sng" algn="ctr">
+                          <a:solidFill>
+                            <a:schemeClr val="tx1"/>
+                          </a:solidFill>
+                          <a:prstDash val="solid"/>
+                          <a:round/>
+                          <a:headEnd type="none" w="med" len="med"/>
+                          <a:tailEnd type="none" w="med" len="med"/>
+                        </a:lnR>
+                        <a:lnT w="12700" cap="flat" cmpd="sng" algn="ctr">
+                          <a:solidFill>
+                            <a:schemeClr val="tx1"/>
+                          </a:solidFill>
+                          <a:prstDash val="solid"/>
+                          <a:round/>
+                          <a:headEnd type="none" w="med" len="med"/>
+                          <a:tailEnd type="none" w="med" len="med"/>
+                        </a:lnT>
+                        <a:lnB w="12700" cap="flat" cmpd="sng" algn="ctr">
+                          <a:noFill/>
+                          <a:prstDash val="solid"/>
+                          <a:round/>
+                          <a:headEnd type="none" w="med" len="med"/>
+                          <a:tailEnd type="none" w="med" len="med"/>
+                        </a:lnB>
+                      </a:tcPr>
+                    </a:tc>
+                    <a:tc>
+                      <a:txBody>
+                        <a:bodyPr/>
+                        <a:lstStyle/>
+                        <a:p>
+                          <a:pPr algn="ctr"/>
+                          <a:r>
+                            <a:rPr lang="en-US" sz="2400" dirty="0"/>
+                            <a:t>.5</a:t>
+                          </a:r>
+                        </a:p>
+                      </a:txBody>
+                      <a:tcPr anchor="ctr">
+                        <a:lnL w="12700" cap="flat" cmpd="sng" algn="ctr">
+                          <a:solidFill>
+                            <a:schemeClr val="tx1"/>
+                          </a:solidFill>
+                          <a:prstDash val="solid"/>
+                          <a:round/>
+                          <a:headEnd type="none" w="med" len="med"/>
+                          <a:tailEnd type="none" w="med" len="med"/>
+                        </a:lnL>
+                        <a:lnR w="12700" cap="flat" cmpd="sng" algn="ctr">
+                          <a:solidFill>
+                            <a:schemeClr val="tx1"/>
+                          </a:solidFill>
+                          <a:prstDash val="solid"/>
+                          <a:round/>
+                          <a:headEnd type="none" w="med" len="med"/>
+                          <a:tailEnd type="none" w="med" len="med"/>
+                        </a:lnR>
+                        <a:lnT w="12700" cap="flat" cmpd="sng" algn="ctr">
+                          <a:solidFill>
+                            <a:schemeClr val="tx1"/>
+                          </a:solidFill>
+                          <a:prstDash val="solid"/>
+                          <a:round/>
+                          <a:headEnd type="none" w="med" len="med"/>
+                          <a:tailEnd type="none" w="med" len="med"/>
+                        </a:lnT>
+                        <a:lnB w="12700" cap="flat" cmpd="sng" algn="ctr">
+                          <a:noFill/>
+                          <a:prstDash val="solid"/>
+                          <a:round/>
+                          <a:headEnd type="none" w="med" len="med"/>
+                          <a:tailEnd type="none" w="med" len="med"/>
+                        </a:lnB>
+                      </a:tcPr>
+                    </a:tc>
+                    <a:tc>
+                      <a:txBody>
+                        <a:bodyPr/>
+                        <a:lstStyle/>
+                        <a:p>
+                          <a:pPr algn="ctr"/>
+                          <a:r>
+                            <a:rPr lang="en-US" sz="2400" dirty="0"/>
+                            <a:t>.75</a:t>
+                          </a:r>
+                        </a:p>
+                      </a:txBody>
+                      <a:tcPr anchor="ctr">
+                        <a:lnL w="12700" cap="flat" cmpd="sng" algn="ctr">
+                          <a:solidFill>
+                            <a:schemeClr val="tx1"/>
+                          </a:solidFill>
+                          <a:prstDash val="solid"/>
+                          <a:round/>
+                          <a:headEnd type="none" w="med" len="med"/>
+                          <a:tailEnd type="none" w="med" len="med"/>
+                        </a:lnL>
+                        <a:lnR w="12700" cap="flat" cmpd="sng" algn="ctr">
+                          <a:solidFill>
+                            <a:schemeClr val="tx1"/>
+                          </a:solidFill>
+                          <a:prstDash val="solid"/>
+                          <a:round/>
+                          <a:headEnd type="none" w="med" len="med"/>
+                          <a:tailEnd type="none" w="med" len="med"/>
+                        </a:lnR>
+                        <a:lnT w="12700" cap="flat" cmpd="sng" algn="ctr">
+                          <a:solidFill>
+                            <a:schemeClr val="tx1"/>
+                          </a:solidFill>
+                          <a:prstDash val="solid"/>
+                          <a:round/>
+                          <a:headEnd type="none" w="med" len="med"/>
+                          <a:tailEnd type="none" w="med" len="med"/>
+                        </a:lnT>
+                        <a:lnB w="12700" cap="flat" cmpd="sng" algn="ctr">
+                          <a:noFill/>
+                          <a:prstDash val="solid"/>
+                          <a:round/>
+                          <a:headEnd type="none" w="med" len="med"/>
+                          <a:tailEnd type="none" w="med" len="med"/>
+                        </a:lnB>
+                      </a:tcPr>
+                    </a:tc>
+                    <a:tc>
+                      <a:txBody>
+                        <a:bodyPr/>
+                        <a:lstStyle/>
+                        <a:p>
+                          <a:pPr algn="ctr"/>
+                          <a:r>
+                            <a:rPr lang="en-US" sz="2400" dirty="0"/>
+                            <a:t>1.5</a:t>
+                          </a:r>
+                        </a:p>
+                      </a:txBody>
+                      <a:tcPr anchor="ctr">
+                        <a:lnL w="12700" cap="flat" cmpd="sng" algn="ctr">
+                          <a:solidFill>
+                            <a:schemeClr val="tx1"/>
+                          </a:solidFill>
+                          <a:prstDash val="solid"/>
+                          <a:round/>
+                          <a:headEnd type="none" w="med" len="med"/>
+                          <a:tailEnd type="none" w="med" len="med"/>
+                        </a:lnL>
+                        <a:lnR w="12700" cap="flat" cmpd="sng" algn="ctr">
+                          <a:noFill/>
+                          <a:prstDash val="solid"/>
+                          <a:round/>
+                          <a:headEnd type="none" w="med" len="med"/>
+                          <a:tailEnd type="none" w="med" len="med"/>
+                        </a:lnR>
+                        <a:lnT w="12700" cap="flat" cmpd="sng" algn="ctr">
+                          <a:solidFill>
+                            <a:schemeClr val="tx1"/>
+                          </a:solidFill>
+                          <a:prstDash val="solid"/>
+                          <a:round/>
+                          <a:headEnd type="none" w="med" len="med"/>
+                          <a:tailEnd type="none" w="med" len="med"/>
+                        </a:lnT>
+                        <a:lnB w="12700" cap="flat" cmpd="sng" algn="ctr">
+                          <a:noFill/>
+                          <a:prstDash val="solid"/>
+                          <a:round/>
+                          <a:headEnd type="none" w="med" len="med"/>
+                          <a:tailEnd type="none" w="med" len="med"/>
+                        </a:lnB>
+                      </a:tcPr>
+                    </a:tc>
+                    <a:extLst>
+                      <a:ext uri="{0D108BD9-81ED-4DB2-BD59-A6C34878D82A}">
+                        <a16:rowId xmlns:a16="http://schemas.microsoft.com/office/drawing/2014/main" val="3442933775"/>
+                      </a:ext>
+                    </a:extLst>
+                  </a:tr>
+                  <a:tr h="947060">
+                    <a:tc>
+                      <a:txBody>
+                        <a:bodyPr/>
+                        <a:lstStyle/>
+                        <a:p>
+                          <a:pPr algn="ctr"/>
+                          <a:r>
+                            <a:rPr lang="en-US" sz="2400" dirty="0"/>
+                            <a:t>B</a:t>
+                          </a:r>
+                        </a:p>
+                      </a:txBody>
+                      <a:tcPr anchor="ctr">
+                        <a:lnL w="12700" cap="flat" cmpd="sng" algn="ctr">
+                          <a:noFill/>
+                          <a:prstDash val="solid"/>
+                          <a:round/>
+                          <a:headEnd type="none" w="med" len="med"/>
+                          <a:tailEnd type="none" w="med" len="med"/>
+                        </a:lnL>
+                        <a:lnR w="12700" cap="flat" cmpd="sng" algn="ctr">
+                          <a:solidFill>
+                            <a:schemeClr val="tx1"/>
+                          </a:solidFill>
+                          <a:prstDash val="solid"/>
+                          <a:round/>
+                          <a:headEnd type="none" w="med" len="med"/>
+                          <a:tailEnd type="none" w="med" len="med"/>
+                        </a:lnR>
+                        <a:lnT w="12700" cap="flat" cmpd="sng" algn="ctr">
+                          <a:noFill/>
+                          <a:prstDash val="solid"/>
+                          <a:round/>
+                          <a:headEnd type="none" w="med" len="med"/>
+                          <a:tailEnd type="none" w="med" len="med"/>
+                        </a:lnT>
+                        <a:lnB w="12700" cap="flat" cmpd="sng" algn="ctr">
+                          <a:noFill/>
+                          <a:prstDash val="solid"/>
+                          <a:round/>
+                          <a:headEnd type="none" w="med" len="med"/>
+                          <a:tailEnd type="none" w="med" len="med"/>
+                        </a:lnB>
+                      </a:tcPr>
+                    </a:tc>
+                    <a:tc>
+                      <a:txBody>
+                        <a:bodyPr/>
+                        <a:lstStyle/>
+                        <a:p>
+                          <a:pPr algn="ctr"/>
+                          <a:r>
+                            <a:rPr lang="en-US" sz="2400" dirty="0"/>
+                            <a:t>1</a:t>
+                          </a:r>
+                        </a:p>
+                      </a:txBody>
+                      <a:tcPr anchor="ctr">
+                        <a:lnL w="12700" cap="flat" cmpd="sng" algn="ctr">
+                          <a:solidFill>
+                            <a:schemeClr val="tx1"/>
+                          </a:solidFill>
+                          <a:prstDash val="solid"/>
+                          <a:round/>
+                          <a:headEnd type="none" w="med" len="med"/>
+                          <a:tailEnd type="none" w="med" len="med"/>
+                        </a:lnL>
+                        <a:lnR w="12700" cap="flat" cmpd="sng" algn="ctr">
+                          <a:solidFill>
+                            <a:schemeClr val="tx1"/>
+                          </a:solidFill>
+                          <a:prstDash val="solid"/>
+                          <a:round/>
+                          <a:headEnd type="none" w="med" len="med"/>
+                          <a:tailEnd type="none" w="med" len="med"/>
+                        </a:lnR>
+                        <a:lnT w="12700" cap="flat" cmpd="sng" algn="ctr">
+                          <a:noFill/>
+                          <a:prstDash val="solid"/>
+                          <a:round/>
+                          <a:headEnd type="none" w="med" len="med"/>
+                          <a:tailEnd type="none" w="med" len="med"/>
+                        </a:lnT>
+                        <a:lnB w="12700" cap="flat" cmpd="sng" algn="ctr">
+                          <a:noFill/>
+                          <a:prstDash val="solid"/>
+                          <a:round/>
+                          <a:headEnd type="none" w="med" len="med"/>
+                          <a:tailEnd type="none" w="med" len="med"/>
+                        </a:lnB>
+                      </a:tcPr>
+                    </a:tc>
+                    <a:tc>
+                      <a:txBody>
+                        <a:bodyPr/>
+                        <a:lstStyle/>
+                        <a:p>
+                          <a:pPr algn="ctr"/>
+                          <a:r>
+                            <a:rPr lang="en-US" sz="2400" dirty="0"/>
+                            <a:t>.75</a:t>
+                          </a:r>
+                        </a:p>
+                      </a:txBody>
+                      <a:tcPr anchor="ctr">
+                        <a:lnL w="12700" cap="flat" cmpd="sng" algn="ctr">
+                          <a:solidFill>
+                            <a:schemeClr val="tx1"/>
+                          </a:solidFill>
+                          <a:prstDash val="solid"/>
+                          <a:round/>
+                          <a:headEnd type="none" w="med" len="med"/>
+                          <a:tailEnd type="none" w="med" len="med"/>
+                        </a:lnL>
+                        <a:lnR w="12700" cap="flat" cmpd="sng" algn="ctr">
+                          <a:solidFill>
+                            <a:schemeClr val="tx1"/>
+                          </a:solidFill>
+                          <a:prstDash val="solid"/>
+                          <a:round/>
+                          <a:headEnd type="none" w="med" len="med"/>
+                          <a:tailEnd type="none" w="med" len="med"/>
+                        </a:lnR>
+                        <a:lnT w="12700" cap="flat" cmpd="sng" algn="ctr">
+                          <a:noFill/>
+                          <a:prstDash val="solid"/>
+                          <a:round/>
+                          <a:headEnd type="none" w="med" len="med"/>
+                          <a:tailEnd type="none" w="med" len="med"/>
+                        </a:lnT>
+                        <a:lnB w="12700" cap="flat" cmpd="sng" algn="ctr">
+                          <a:noFill/>
+                          <a:prstDash val="solid"/>
+                          <a:round/>
+                          <a:headEnd type="none" w="med" len="med"/>
+                          <a:tailEnd type="none" w="med" len="med"/>
+                        </a:lnB>
+                      </a:tcPr>
+                    </a:tc>
+                    <a:tc>
+                      <a:txBody>
+                        <a:bodyPr/>
+                        <a:lstStyle/>
+                        <a:p>
+                          <a:pPr algn="ctr"/>
+                          <a:r>
+                            <a:rPr lang="en-US" sz="2400" dirty="0"/>
+                            <a:t>1.25</a:t>
+                          </a:r>
+                        </a:p>
+                      </a:txBody>
+                      <a:tcPr anchor="ctr">
+                        <a:lnL w="12700" cap="flat" cmpd="sng" algn="ctr">
+                          <a:solidFill>
+                            <a:schemeClr val="tx1"/>
+                          </a:solidFill>
+                          <a:prstDash val="solid"/>
+                          <a:round/>
+                          <a:headEnd type="none" w="med" len="med"/>
+                          <a:tailEnd type="none" w="med" len="med"/>
+                        </a:lnL>
+                        <a:lnR w="12700" cap="flat" cmpd="sng" algn="ctr">
+                          <a:noFill/>
+                          <a:prstDash val="solid"/>
+                          <a:round/>
+                          <a:headEnd type="none" w="med" len="med"/>
+                          <a:tailEnd type="none" w="med" len="med"/>
+                        </a:lnR>
+                        <a:lnT w="12700" cap="flat" cmpd="sng" algn="ctr">
+                          <a:noFill/>
+                          <a:prstDash val="solid"/>
+                          <a:round/>
+                          <a:headEnd type="none" w="med" len="med"/>
+                          <a:tailEnd type="none" w="med" len="med"/>
+                        </a:lnT>
+                        <a:lnB w="12700" cap="flat" cmpd="sng" algn="ctr">
+                          <a:noFill/>
+                          <a:prstDash val="solid"/>
+                          <a:round/>
+                          <a:headEnd type="none" w="med" len="med"/>
+                          <a:tailEnd type="none" w="med" len="med"/>
+                        </a:lnB>
+                      </a:tcPr>
+                    </a:tc>
+                    <a:extLst>
+                      <a:ext uri="{0D108BD9-81ED-4DB2-BD59-A6C34878D82A}">
+                        <a16:rowId xmlns:a16="http://schemas.microsoft.com/office/drawing/2014/main" val="19329377"/>
+                      </a:ext>
+                    </a:extLst>
+                  </a:tr>
+                </a:tbl>
+              </a:graphicData>
+            </a:graphic>
+          </p:graphicFrame>
+        </mc:Fallback>
+      </mc:AlternateContent>
+      <mc:AlternateContent xmlns:mc="http://schemas.openxmlformats.org/markup-compatibility/2006" xmlns:a14="http://schemas.microsoft.com/office/drawing/2010/main">
+        <mc:Choice Requires="a14">
+          <p:sp>
+            <p:nvSpPr>
+              <p:cNvPr id="5" name="Title 1">
+                <a:extLst>
+                  <a:ext uri="{FF2B5EF4-FFF2-40B4-BE49-F238E27FC236}">
+                    <a16:creationId xmlns:a16="http://schemas.microsoft.com/office/drawing/2014/main" id="{15BFD148-CB76-2A47-B937-37DDCD9B9248}"/>
+                  </a:ext>
+                </a:extLst>
+              </p:cNvPr>
+              <p:cNvSpPr txBox="1">
+                <a:spLocks/>
+              </p:cNvSpPr>
+              <p:nvPr/>
+            </p:nvSpPr>
+            <p:spPr>
+              <a:xfrm>
+                <a:off x="838200" y="4421077"/>
+                <a:ext cx="10515600" cy="1325563"/>
+              </a:xfrm>
+              <a:prstGeom prst="rect">
+                <a:avLst/>
+              </a:prstGeom>
+            </p:spPr>
+            <p:txBody>
+              <a:bodyPr vert="horz" lIns="91440" tIns="45720" rIns="91440" bIns="45720" rtlCol="0" anchor="ctr">
+                <a:normAutofit lnSpcReduction="10000"/>
+              </a:bodyPr>
+              <a:lstStyle>
+                <a:lvl1pPr algn="l" defTabSz="914400" rtl="0" eaLnBrk="1" latinLnBrk="0" hangingPunct="1">
+                  <a:lnSpc>
+                    <a:spcPct val="90000"/>
+                  </a:lnSpc>
+                  <a:spcBef>
+                    <a:spcPct val="0"/>
+                  </a:spcBef>
+                  <a:buNone/>
+                  <a:defRPr sz="4400" kern="1200">
+                    <a:solidFill>
+                      <a:schemeClr val="tx1"/>
+                    </a:solidFill>
+                    <a:latin typeface="+mj-lt"/>
+                    <a:ea typeface="+mj-ea"/>
+                    <a:cs typeface="+mj-cs"/>
+                  </a:defRPr>
+                </a:lvl1pPr>
+              </a:lstStyle>
+              <a:p>
+                <a:r>
+                  <a:rPr lang="en-US" sz="3200" dirty="0"/>
+                  <a:t>&gt; Goal: find the linear equation that best predicts the outcome</a:t>
+                </a:r>
+              </a:p>
+              <a:p>
+                <a:endParaRPr lang="en-US" sz="3200" dirty="0"/>
+              </a:p>
+              <a:p>
+                <a:pPr/>
+                <a14:m>
+                  <m:oMathPara xmlns:m="http://schemas.openxmlformats.org/officeDocument/2006/math">
+                    <m:oMathParaPr>
+                      <m:jc m:val="centerGroup"/>
+                    </m:oMathParaPr>
+                    <m:oMath xmlns:m="http://schemas.openxmlformats.org/officeDocument/2006/math">
+                      <m:sSub>
+                        <m:sSubPr>
+                          <m:ctrlPr>
+                            <a:rPr lang="en-US" sz="3200" b="0" i="1" smtClean="0">
+                              <a:latin typeface="Cambria Math" panose="02040503050406030204" pitchFamily="18" charset="0"/>
+                            </a:rPr>
+                          </m:ctrlPr>
+                        </m:sSubPr>
+                        <m:e>
+                          <m:r>
+                            <a:rPr lang="en-US" sz="3200" b="0" i="1" smtClean="0">
+                              <a:latin typeface="Cambria Math" panose="02040503050406030204" pitchFamily="18" charset="0"/>
+                            </a:rPr>
+                            <m:t>𝑏</m:t>
+                          </m:r>
+                        </m:e>
+                        <m:sub>
+                          <m:r>
+                            <a:rPr lang="en-US" sz="3200" b="0" i="1" smtClean="0">
+                              <a:latin typeface="Cambria Math" panose="02040503050406030204" pitchFamily="18" charset="0"/>
+                            </a:rPr>
+                            <m:t>1</m:t>
+                          </m:r>
+                        </m:sub>
+                      </m:sSub>
+                      <m:sSub>
+                        <m:sSubPr>
+                          <m:ctrlPr>
+                            <a:rPr lang="en-US" sz="3200" b="0" i="1" smtClean="0">
+                              <a:latin typeface="Cambria Math" panose="02040503050406030204" pitchFamily="18" charset="0"/>
+                            </a:rPr>
+                          </m:ctrlPr>
+                        </m:sSubPr>
+                        <m:e>
+                          <m:r>
+                            <a:rPr lang="en-US" sz="3200" b="1" i="1" smtClean="0">
+                              <a:latin typeface="Cambria Math" panose="02040503050406030204" pitchFamily="18" charset="0"/>
+                            </a:rPr>
+                            <m:t>𝒙</m:t>
+                          </m:r>
+                        </m:e>
+                        <m:sub>
+                          <m:r>
+                            <a:rPr lang="en-US" sz="3200" b="0" i="1" smtClean="0">
+                              <a:latin typeface="Cambria Math" panose="02040503050406030204" pitchFamily="18" charset="0"/>
+                            </a:rPr>
+                            <m:t>1</m:t>
+                          </m:r>
+                        </m:sub>
+                      </m:sSub>
+                      <m:r>
+                        <a:rPr lang="en-US" sz="3200" b="0" i="1" smtClean="0">
+                          <a:latin typeface="Cambria Math" panose="02040503050406030204" pitchFamily="18" charset="0"/>
+                        </a:rPr>
+                        <m:t>+</m:t>
+                      </m:r>
+                      <m:sSub>
+                        <m:sSubPr>
+                          <m:ctrlPr>
+                            <a:rPr lang="en-US" sz="3200" b="0" i="1" smtClean="0">
+                              <a:latin typeface="Cambria Math" panose="02040503050406030204" pitchFamily="18" charset="0"/>
+                            </a:rPr>
+                          </m:ctrlPr>
+                        </m:sSubPr>
+                        <m:e>
+                          <m:r>
+                            <a:rPr lang="en-US" sz="3200" b="0" i="1" smtClean="0">
+                              <a:latin typeface="Cambria Math" panose="02040503050406030204" pitchFamily="18" charset="0"/>
+                            </a:rPr>
+                            <m:t>𝑏</m:t>
+                          </m:r>
+                        </m:e>
+                        <m:sub>
+                          <m:r>
+                            <a:rPr lang="en-US" sz="3200" b="0" i="1" smtClean="0">
+                              <a:latin typeface="Cambria Math" panose="02040503050406030204" pitchFamily="18" charset="0"/>
+                            </a:rPr>
+                            <m:t>2</m:t>
+                          </m:r>
+                        </m:sub>
+                      </m:sSub>
+                      <m:sSub>
+                        <m:sSubPr>
+                          <m:ctrlPr>
+                            <a:rPr lang="en-US" sz="3200" b="0" i="1" smtClean="0">
+                              <a:latin typeface="Cambria Math" panose="02040503050406030204" pitchFamily="18" charset="0"/>
+                            </a:rPr>
+                          </m:ctrlPr>
+                        </m:sSubPr>
+                        <m:e>
+                          <m:r>
+                            <a:rPr lang="en-US" sz="3200" b="1" i="1" smtClean="0">
+                              <a:latin typeface="Cambria Math" panose="02040503050406030204" pitchFamily="18" charset="0"/>
+                            </a:rPr>
+                            <m:t>𝒙</m:t>
+                          </m:r>
+                        </m:e>
+                        <m:sub>
+                          <m:r>
+                            <a:rPr lang="en-US" sz="3200" b="0" i="1" smtClean="0">
+                              <a:latin typeface="Cambria Math" panose="02040503050406030204" pitchFamily="18" charset="0"/>
+                            </a:rPr>
+                            <m:t>2</m:t>
+                          </m:r>
+                        </m:sub>
+                      </m:sSub>
+                      <m:r>
+                        <a:rPr lang="en-US" sz="3200" b="0" i="1" smtClean="0">
+                          <a:latin typeface="Cambria Math" panose="02040503050406030204" pitchFamily="18" charset="0"/>
+                        </a:rPr>
+                        <m:t>=</m:t>
+                      </m:r>
+                      <m:r>
+                        <a:rPr lang="en-US" sz="3200" b="1" i="1" smtClean="0">
+                          <a:latin typeface="Cambria Math" panose="02040503050406030204" pitchFamily="18" charset="0"/>
+                        </a:rPr>
+                        <m:t>𝒚</m:t>
+                      </m:r>
+                    </m:oMath>
+                  </m:oMathPara>
+                </a14:m>
+                <a:endParaRPr lang="en-US" sz="3200" b="1" dirty="0"/>
+              </a:p>
+            </p:txBody>
+          </p:sp>
+        </mc:Choice>
+        <mc:Fallback xmlns="">
+          <p:sp>
+            <p:nvSpPr>
+              <p:cNvPr id="5" name="Title 1">
+                <a:extLst>
+                  <a:ext uri="{FF2B5EF4-FFF2-40B4-BE49-F238E27FC236}">
+                    <a16:creationId xmlns:a16="http://schemas.microsoft.com/office/drawing/2014/main" id="{15BFD148-CB76-2A47-B937-37DDCD9B9248}"/>
+                  </a:ext>
+                </a:extLst>
+              </p:cNvPr>
+              <p:cNvSpPr txBox="1">
+                <a:spLocks noRot="1" noChangeAspect="1" noMove="1" noResize="1" noEditPoints="1" noAdjustHandles="1" noChangeArrowheads="1" noChangeShapeType="1" noTextEdit="1"/>
+              </p:cNvSpPr>
+              <p:nvPr/>
+            </p:nvSpPr>
+            <p:spPr>
+              <a:xfrm>
+                <a:off x="838200" y="4421077"/>
+                <a:ext cx="10515600" cy="1325563"/>
+              </a:xfrm>
+              <a:prstGeom prst="rect">
+                <a:avLst/>
+              </a:prstGeom>
+              <a:blipFill>
+                <a:blip r:embed="rId3"/>
+                <a:stretch>
+                  <a:fillRect l="-1568" t="-12381" r="-362" b="-5714"/>
+                </a:stretch>
+              </a:blipFill>
+            </p:spPr>
+            <p:txBody>
+              <a:bodyPr/>
+              <a:lstStyle/>
+              <a:p>
+                <a:r>
+                  <a:rPr lang="en-US">
+                    <a:noFill/>
+                  </a:rPr>
+                  <a:t> </a:t>
+                </a:r>
+              </a:p>
+            </p:txBody>
+          </p:sp>
+        </mc:Fallback>
+      </mc:AlternateContent>
+    </p:spTree>
+    <p:extLst>
+      <p:ext uri="{BB962C8B-B14F-4D97-AF65-F5344CB8AC3E}">
+        <p14:creationId xmlns:p14="http://schemas.microsoft.com/office/powerpoint/2010/main" val="4004404436"/>
+      </p:ext>
+    </p:extLst>
+  </p:cSld>
+  <p:clrMapOvr>
+    <a:masterClrMapping/>
+  </p:clrMapOvr>
+</p:sld>
+</file>
+
+<file path=ppt/slides/slide3.xml><?xml version="1.0" encoding="utf-8"?>
+<p:sld xmlns:a="http://schemas.openxmlformats.org/drawingml/2006/main" xmlns:r="http://schemas.openxmlformats.org/officeDocument/2006/relationships" xmlns:p="http://schemas.openxmlformats.org/presentationml/2006/main">
+  <p:cSld>
+    <p:spTree>
+      <p:nvGrpSpPr>
+        <p:cNvPr id="1" name=""/>
+        <p:cNvGrpSpPr/>
+        <p:nvPr/>
+      </p:nvGrpSpPr>
+      <p:grpSpPr>
+        <a:xfrm>
+          <a:off x="0" y="0"/>
+          <a:ext cx="0" cy="0"/>
+          <a:chOff x="0" y="0"/>
+          <a:chExt cx="0" cy="0"/>
+        </a:xfrm>
+      </p:grpSpPr>
+      <p:sp>
+        <p:nvSpPr>
+          <p:cNvPr id="2" name="Title 1"/>
+          <p:cNvSpPr>
+            <a:spLocks noGrp="1"/>
+          </p:cNvSpPr>
+          <p:nvPr>
+            <p:ph type="title"/>
+          </p:nvPr>
+        </p:nvSpPr>
+        <p:spPr>
+          <a:xfrm>
+            <a:off x="284724" y="205845"/>
+            <a:ext cx="12052852" cy="1143000"/>
+          </a:xfrm>
+        </p:spPr>
+        <p:txBody>
+          <a:bodyPr>
+            <a:noAutofit/>
+          </a:bodyPr>
+          <a:lstStyle/>
+          <a:p>
+            <a:r>
+              <a:rPr lang="en-US" sz="3733" dirty="0"/>
+              <a:t>Which boundary performs better on unseen data?</a:t>
+            </a:r>
+            <a:endParaRPr lang="en-US" sz="1867" dirty="0"/>
+          </a:p>
+        </p:txBody>
+      </p:sp>
+      <p:pic>
+        <p:nvPicPr>
+          <p:cNvPr id="3" name="Picture 2"/>
+          <p:cNvPicPr>
+            <a:picLocks noChangeAspect="1"/>
+          </p:cNvPicPr>
+          <p:nvPr/>
+        </p:nvPicPr>
+        <p:blipFill>
+          <a:blip r:embed="rId3" cstate="email">
+            <a:extLst>
+              <a:ext uri="{28A0092B-C50C-407E-A947-70E740481C1C}">
+                <a14:useLocalDpi xmlns:a14="http://schemas.microsoft.com/office/drawing/2010/main"/>
+              </a:ext>
+            </a:extLst>
+          </a:blip>
+          <a:stretch>
+            <a:fillRect/>
+          </a:stretch>
+        </p:blipFill>
+        <p:spPr>
+          <a:xfrm>
+            <a:off x="640259" y="1865376"/>
+            <a:ext cx="4325112" cy="4325112"/>
+          </a:xfrm>
+          <a:prstGeom prst="rect">
+            <a:avLst/>
+          </a:prstGeom>
+        </p:spPr>
+      </p:pic>
+      <p:sp>
+        <p:nvSpPr>
+          <p:cNvPr id="4" name="TextBox 3"/>
+          <p:cNvSpPr txBox="1"/>
+          <p:nvPr/>
+        </p:nvSpPr>
+        <p:spPr>
+          <a:xfrm>
+            <a:off x="5423978" y="2135106"/>
+            <a:ext cx="6265253" cy="2308324"/>
+          </a:xfrm>
+          <a:prstGeom prst="rect">
+            <a:avLst/>
+          </a:prstGeom>
+          <a:noFill/>
+        </p:spPr>
+        <p:txBody>
+          <a:bodyPr wrap="square" rtlCol="0">
+            <a:spAutoFit/>
+          </a:bodyPr>
+          <a:lstStyle/>
+          <a:p>
+            <a:r>
+              <a:rPr lang="en-US" sz="2400" dirty="0">
+                <a:solidFill>
+                  <a:srgbClr val="14B214"/>
+                </a:solidFill>
+              </a:rPr>
+              <a:t>Green boundary:</a:t>
+            </a:r>
+          </a:p>
+          <a:p>
+            <a:pPr marL="342891" indent="-342891">
+              <a:buFontTx/>
+              <a:buChar char="-"/>
+            </a:pPr>
+            <a:r>
+              <a:rPr lang="en-US" sz="2400" dirty="0">
+                <a:solidFill>
+                  <a:srgbClr val="14B214"/>
+                </a:solidFill>
+              </a:rPr>
+              <a:t>Correct predictions for </a:t>
+            </a:r>
+            <a:r>
+              <a:rPr lang="en-US" sz="2400" i="1" dirty="0">
+                <a:solidFill>
+                  <a:srgbClr val="14B214"/>
+                </a:solidFill>
+              </a:rPr>
+              <a:t>all</a:t>
+            </a:r>
+            <a:r>
+              <a:rPr lang="en-US" sz="2400" dirty="0">
+                <a:solidFill>
+                  <a:srgbClr val="14B214"/>
+                </a:solidFill>
+              </a:rPr>
+              <a:t> training data</a:t>
+            </a:r>
+          </a:p>
+          <a:p>
+            <a:pPr marL="342891" indent="-342891">
+              <a:buFontTx/>
+              <a:buChar char="-"/>
+            </a:pPr>
+            <a:r>
+              <a:rPr lang="en-US" sz="2400" dirty="0">
+                <a:solidFill>
+                  <a:srgbClr val="14B214"/>
+                </a:solidFill>
+              </a:rPr>
+              <a:t>Very likely to be </a:t>
+            </a:r>
+            <a:r>
+              <a:rPr lang="en-US" sz="2400" u="sng" dirty="0">
+                <a:solidFill>
+                  <a:srgbClr val="14B214"/>
+                </a:solidFill>
+              </a:rPr>
+              <a:t>overfitting</a:t>
+            </a:r>
+          </a:p>
+          <a:p>
+            <a:endParaRPr lang="en-US" sz="2400" dirty="0"/>
+          </a:p>
+          <a:p>
+            <a:r>
+              <a:rPr lang="en-US" sz="2400" dirty="0"/>
+              <a:t>Black boundary:</a:t>
+            </a:r>
+          </a:p>
+          <a:p>
+            <a:pPr marL="342891" indent="-342891">
+              <a:buFontTx/>
+              <a:buChar char="-"/>
+            </a:pPr>
+            <a:r>
+              <a:rPr lang="en-US" sz="2400" dirty="0"/>
+              <a:t>Balance between fit and model complexity</a:t>
+            </a:r>
+          </a:p>
+        </p:txBody>
+      </p:sp>
+      <p:sp>
+        <p:nvSpPr>
+          <p:cNvPr id="5" name="Rectangle 4"/>
+          <p:cNvSpPr/>
+          <p:nvPr/>
+        </p:nvSpPr>
+        <p:spPr>
+          <a:xfrm>
+            <a:off x="0" y="6190490"/>
+            <a:ext cx="6096000" cy="261610"/>
+          </a:xfrm>
+          <a:prstGeom prst="rect">
+            <a:avLst/>
+          </a:prstGeom>
+        </p:spPr>
+        <p:txBody>
+          <a:bodyPr>
+            <a:spAutoFit/>
+          </a:bodyPr>
+          <a:lstStyle/>
+          <a:p>
+            <a:r>
+              <a:rPr lang="en-US" sz="1100" dirty="0"/>
+              <a:t>By </a:t>
+            </a:r>
+            <a:r>
+              <a:rPr lang="en-US" sz="1100" dirty="0" err="1"/>
+              <a:t>Chabacano</a:t>
+            </a:r>
+            <a:r>
+              <a:rPr lang="en-US" sz="1100" dirty="0"/>
+              <a:t> - Own work, CC BY-SA 4.0, https://commons.wikimedia.org/w/index.php?curid=3610704</a:t>
+            </a:r>
+          </a:p>
+        </p:txBody>
+      </p:sp>
+    </p:spTree>
+    <p:extLst>
+      <p:ext uri="{BB962C8B-B14F-4D97-AF65-F5344CB8AC3E}">
+        <p14:creationId xmlns:p14="http://schemas.microsoft.com/office/powerpoint/2010/main" val="4115762806"/>
+      </p:ext>
+    </p:extLst>
+  </p:cSld>
+  <p:clrMapOvr>
+    <a:masterClrMapping/>
+  </p:clrMapOvr>
+  <mc:AlternateContent xmlns:mc="http://schemas.openxmlformats.org/markup-compatibility/2006" xmlns:p14="http://schemas.microsoft.com/office/powerpoint/2010/main">
+    <mc:Choice Requires="p14">
+      <p:transition spd="slow" p14:dur="2000" advTm="87124"/>
+    </mc:Choice>
+    <mc:Fallback xmlns="">
+      <p:transition spd="slow" advTm="87124"/>
+    </mc:Fallback>
+  </mc:AlternateContent>
+</p:sld>
+</file>
+
+<file path=ppt/slides/slide30.xml><?xml version="1.0" encoding="utf-8"?>
+<p:sld xmlns:a="http://schemas.openxmlformats.org/drawingml/2006/main" xmlns:r="http://schemas.openxmlformats.org/officeDocument/2006/relationships" xmlns:p="http://schemas.openxmlformats.org/presentationml/2006/main">
+  <p:cSld>
+    <p:spTree>
+      <p:nvGrpSpPr>
+        <p:cNvPr id="1" name=""/>
+        <p:cNvGrpSpPr/>
+        <p:nvPr/>
+      </p:nvGrpSpPr>
+      <p:grpSpPr>
+        <a:xfrm>
+          <a:off x="0" y="0"/>
+          <a:ext cx="0" cy="0"/>
+          <a:chOff x="0" y="0"/>
+          <a:chExt cx="0" cy="0"/>
+        </a:xfrm>
+      </p:grpSpPr>
+      <p:cxnSp>
+        <p:nvCxnSpPr>
+          <p:cNvPr id="14" name="Straight Arrow Connector 13">
+            <a:extLst>
+              <a:ext uri="{FF2B5EF4-FFF2-40B4-BE49-F238E27FC236}">
+                <a16:creationId xmlns:a16="http://schemas.microsoft.com/office/drawing/2014/main" id="{CAFC6370-769D-8048-ACB8-E08819D57620}"/>
+              </a:ext>
+            </a:extLst>
+          </p:cNvPr>
+          <p:cNvCxnSpPr>
+            <a:cxnSpLocks/>
+          </p:cNvCxnSpPr>
+          <p:nvPr/>
+        </p:nvCxnSpPr>
+        <p:spPr>
+          <a:xfrm>
+            <a:off x="814550" y="2680137"/>
+            <a:ext cx="6858001" cy="0"/>
+          </a:xfrm>
+          <a:prstGeom prst="straightConnector1">
+            <a:avLst/>
+          </a:prstGeom>
+          <a:ln w="57150" cap="flat" cmpd="sng" algn="ctr">
+            <a:solidFill>
+              <a:schemeClr val="bg2">
+                <a:lumMod val="90000"/>
+              </a:schemeClr>
+            </a:solidFill>
+            <a:prstDash val="solid"/>
+            <a:round/>
+            <a:headEnd type="none" w="med" len="med"/>
+            <a:tailEnd type="none" w="med" len="med"/>
+          </a:ln>
+        </p:spPr>
+        <p:style>
+          <a:lnRef idx="0">
+            <a:scrgbClr r="0" g="0" b="0"/>
+          </a:lnRef>
+          <a:fillRef idx="0">
+            <a:scrgbClr r="0" g="0" b="0"/>
+          </a:fillRef>
+          <a:effectRef idx="0">
+            <a:scrgbClr r="0" g="0" b="0"/>
+          </a:effectRef>
+          <a:fontRef idx="minor">
+            <a:schemeClr val="tx1"/>
+          </a:fontRef>
+        </p:style>
+      </p:cxnSp>
+      <p:cxnSp>
+        <p:nvCxnSpPr>
+          <p:cNvPr id="6" name="Straight Arrow Connector 5">
+            <a:extLst>
+              <a:ext uri="{FF2B5EF4-FFF2-40B4-BE49-F238E27FC236}">
+                <a16:creationId xmlns:a16="http://schemas.microsoft.com/office/drawing/2014/main" id="{AB936B2F-878E-8F4C-AB56-5FEB6CB714C2}"/>
+              </a:ext>
+            </a:extLst>
+          </p:cNvPr>
+          <p:cNvCxnSpPr>
+            <a:cxnSpLocks/>
+          </p:cNvCxnSpPr>
+          <p:nvPr/>
+        </p:nvCxnSpPr>
+        <p:spPr>
+          <a:xfrm flipV="1">
+            <a:off x="1072053" y="457200"/>
+            <a:ext cx="0" cy="5943600"/>
+          </a:xfrm>
+          <a:prstGeom prst="straightConnector1">
+            <a:avLst/>
+          </a:prstGeom>
+          <a:ln w="57150" cap="flat" cmpd="sng" algn="ctr">
+            <a:solidFill>
+              <a:schemeClr val="dk1"/>
+            </a:solidFill>
+            <a:prstDash val="solid"/>
+            <a:round/>
+            <a:headEnd type="none" w="med" len="med"/>
+            <a:tailEnd type="arrow" w="med" len="med"/>
+          </a:ln>
+        </p:spPr>
+        <p:style>
+          <a:lnRef idx="0">
+            <a:scrgbClr r="0" g="0" b="0"/>
+          </a:lnRef>
+          <a:fillRef idx="0">
+            <a:scrgbClr r="0" g="0" b="0"/>
+          </a:fillRef>
+          <a:effectRef idx="0">
+            <a:scrgbClr r="0" g="0" b="0"/>
+          </a:effectRef>
+          <a:fontRef idx="minor">
+            <a:schemeClr val="tx1"/>
+          </a:fontRef>
+        </p:style>
+      </p:cxnSp>
+      <p:cxnSp>
+        <p:nvCxnSpPr>
+          <p:cNvPr id="15" name="Straight Arrow Connector 14">
+            <a:extLst>
+              <a:ext uri="{FF2B5EF4-FFF2-40B4-BE49-F238E27FC236}">
+                <a16:creationId xmlns:a16="http://schemas.microsoft.com/office/drawing/2014/main" id="{50FAD106-4756-3649-A17D-1F0040AEFC5E}"/>
+              </a:ext>
+            </a:extLst>
+          </p:cNvPr>
+          <p:cNvCxnSpPr>
+            <a:cxnSpLocks/>
+          </p:cNvCxnSpPr>
+          <p:nvPr/>
+        </p:nvCxnSpPr>
+        <p:spPr>
+          <a:xfrm flipV="1">
+            <a:off x="4750675" y="457200"/>
+            <a:ext cx="0" cy="5943602"/>
+          </a:xfrm>
+          <a:prstGeom prst="straightConnector1">
+            <a:avLst/>
+          </a:prstGeom>
+          <a:ln w="57150" cap="flat" cmpd="sng" algn="ctr">
+            <a:solidFill>
+              <a:schemeClr val="bg2">
+                <a:lumMod val="90000"/>
+              </a:schemeClr>
+            </a:solidFill>
+            <a:prstDash val="solid"/>
+            <a:round/>
+            <a:headEnd type="none" w="med" len="med"/>
+            <a:tailEnd type="none" w="med" len="med"/>
+          </a:ln>
+        </p:spPr>
+        <p:style>
+          <a:lnRef idx="0">
+            <a:scrgbClr r="0" g="0" b="0"/>
+          </a:lnRef>
+          <a:fillRef idx="0">
+            <a:scrgbClr r="0" g="0" b="0"/>
+          </a:fillRef>
+          <a:effectRef idx="0">
+            <a:scrgbClr r="0" g="0" b="0"/>
+          </a:effectRef>
+          <a:fontRef idx="minor">
+            <a:schemeClr val="tx1"/>
+          </a:fontRef>
+        </p:style>
+      </p:cxnSp>
+      <p:cxnSp>
+        <p:nvCxnSpPr>
+          <p:cNvPr id="5" name="Straight Arrow Connector 4">
+            <a:extLst>
+              <a:ext uri="{FF2B5EF4-FFF2-40B4-BE49-F238E27FC236}">
+                <a16:creationId xmlns:a16="http://schemas.microsoft.com/office/drawing/2014/main" id="{FB4D6A3A-0477-0A4D-B067-3381D298E7F6}"/>
+              </a:ext>
+            </a:extLst>
+          </p:cNvPr>
+          <p:cNvCxnSpPr>
+            <a:cxnSpLocks/>
+          </p:cNvCxnSpPr>
+          <p:nvPr/>
+        </p:nvCxnSpPr>
+        <p:spPr>
+          <a:xfrm>
+            <a:off x="814550" y="6174827"/>
+            <a:ext cx="6858001" cy="0"/>
+          </a:xfrm>
+          <a:prstGeom prst="straightConnector1">
+            <a:avLst/>
+          </a:prstGeom>
+          <a:ln w="57150" cap="flat" cmpd="sng" algn="ctr">
+            <a:solidFill>
+              <a:schemeClr val="dk1"/>
+            </a:solidFill>
+            <a:prstDash val="solid"/>
+            <a:round/>
+            <a:headEnd type="none" w="med" len="med"/>
+            <a:tailEnd type="arrow" w="med" len="med"/>
+          </a:ln>
+        </p:spPr>
+        <p:style>
+          <a:lnRef idx="0">
+            <a:scrgbClr r="0" g="0" b="0"/>
+          </a:lnRef>
+          <a:fillRef idx="0">
+            <a:scrgbClr r="0" g="0" b="0"/>
+          </a:fillRef>
+          <a:effectRef idx="0">
+            <a:scrgbClr r="0" g="0" b="0"/>
+          </a:effectRef>
+          <a:fontRef idx="minor">
+            <a:schemeClr val="tx1"/>
+          </a:fontRef>
+        </p:style>
+      </p:cxnSp>
+      <p:sp>
+        <p:nvSpPr>
+          <p:cNvPr id="19" name="TextBox 18">
+            <a:extLst>
+              <a:ext uri="{FF2B5EF4-FFF2-40B4-BE49-F238E27FC236}">
+                <a16:creationId xmlns:a16="http://schemas.microsoft.com/office/drawing/2014/main" id="{5AC171B1-C392-AC4A-9C16-6A02DDA9C2CD}"/>
+              </a:ext>
+            </a:extLst>
+          </p:cNvPr>
+          <p:cNvSpPr txBox="1"/>
+          <p:nvPr/>
+        </p:nvSpPr>
+        <p:spPr>
+          <a:xfrm>
+            <a:off x="478703" y="2495471"/>
+            <a:ext cx="301686" cy="369332"/>
+          </a:xfrm>
+          <a:prstGeom prst="rect">
+            <a:avLst/>
+          </a:prstGeom>
+          <a:noFill/>
+        </p:spPr>
+        <p:txBody>
+          <a:bodyPr wrap="none" rtlCol="0">
+            <a:spAutoFit/>
+          </a:bodyPr>
+          <a:lstStyle/>
+          <a:p>
+            <a:r>
+              <a:rPr lang="en-US" dirty="0"/>
+              <a:t>1</a:t>
+            </a:r>
+          </a:p>
+        </p:txBody>
+      </p:sp>
+      <p:sp>
+        <p:nvSpPr>
+          <p:cNvPr id="20" name="TextBox 19">
+            <a:extLst>
+              <a:ext uri="{FF2B5EF4-FFF2-40B4-BE49-F238E27FC236}">
+                <a16:creationId xmlns:a16="http://schemas.microsoft.com/office/drawing/2014/main" id="{8BA9D229-E53B-FE45-BE3E-BE0719210243}"/>
+              </a:ext>
+            </a:extLst>
+          </p:cNvPr>
+          <p:cNvSpPr txBox="1"/>
+          <p:nvPr/>
+        </p:nvSpPr>
+        <p:spPr>
+          <a:xfrm>
+            <a:off x="4599832" y="6411310"/>
+            <a:ext cx="301686" cy="369332"/>
+          </a:xfrm>
+          <a:prstGeom prst="rect">
+            <a:avLst/>
+          </a:prstGeom>
+          <a:noFill/>
+        </p:spPr>
+        <p:txBody>
+          <a:bodyPr wrap="none" rtlCol="0">
+            <a:spAutoFit/>
+          </a:bodyPr>
+          <a:lstStyle/>
+          <a:p>
+            <a:r>
+              <a:rPr lang="en-US" dirty="0"/>
+              <a:t>1</a:t>
+            </a:r>
+          </a:p>
+        </p:txBody>
+      </p:sp>
+      <p:sp>
+        <p:nvSpPr>
+          <p:cNvPr id="21" name="TextBox 20">
+            <a:extLst>
+              <a:ext uri="{FF2B5EF4-FFF2-40B4-BE49-F238E27FC236}">
+                <a16:creationId xmlns:a16="http://schemas.microsoft.com/office/drawing/2014/main" id="{6826FFB4-8362-354D-B88B-C3DDA574DEE0}"/>
+              </a:ext>
+            </a:extLst>
+          </p:cNvPr>
+          <p:cNvSpPr txBox="1"/>
+          <p:nvPr/>
+        </p:nvSpPr>
+        <p:spPr>
+          <a:xfrm>
+            <a:off x="5847628" y="6395545"/>
+            <a:ext cx="1824923" cy="369332"/>
+          </a:xfrm>
+          <a:prstGeom prst="rect">
+            <a:avLst/>
+          </a:prstGeom>
+          <a:noFill/>
+        </p:spPr>
+        <p:txBody>
+          <a:bodyPr wrap="none" rtlCol="0">
+            <a:spAutoFit/>
+          </a:bodyPr>
+          <a:lstStyle/>
+          <a:p>
+            <a:r>
+              <a:rPr lang="en-US" dirty="0"/>
+              <a:t>value in patient A</a:t>
+            </a:r>
+          </a:p>
+        </p:txBody>
+      </p:sp>
+      <p:sp>
+        <p:nvSpPr>
+          <p:cNvPr id="22" name="TextBox 21">
+            <a:extLst>
+              <a:ext uri="{FF2B5EF4-FFF2-40B4-BE49-F238E27FC236}">
+                <a16:creationId xmlns:a16="http://schemas.microsoft.com/office/drawing/2014/main" id="{72A72548-DFC5-8047-BC30-A7D8611F3A6F}"/>
+              </a:ext>
+            </a:extLst>
+          </p:cNvPr>
+          <p:cNvSpPr txBox="1"/>
+          <p:nvPr/>
+        </p:nvSpPr>
+        <p:spPr>
+          <a:xfrm rot="16200000">
+            <a:off x="-278570" y="1161861"/>
+            <a:ext cx="1816908" cy="369332"/>
+          </a:xfrm>
+          <a:prstGeom prst="rect">
+            <a:avLst/>
+          </a:prstGeom>
+          <a:noFill/>
+        </p:spPr>
+        <p:txBody>
+          <a:bodyPr wrap="none" rtlCol="0">
+            <a:spAutoFit/>
+          </a:bodyPr>
+          <a:lstStyle/>
+          <a:p>
+            <a:r>
+              <a:rPr lang="en-US" dirty="0"/>
+              <a:t>value in patient B</a:t>
+            </a:r>
+          </a:p>
+        </p:txBody>
+      </p:sp>
+      <p:sp>
+        <p:nvSpPr>
+          <p:cNvPr id="23" name="Oval 22">
+            <a:extLst>
+              <a:ext uri="{FF2B5EF4-FFF2-40B4-BE49-F238E27FC236}">
+                <a16:creationId xmlns:a16="http://schemas.microsoft.com/office/drawing/2014/main" id="{EBE7D6A1-E716-AA4D-9A87-8791A9665575}"/>
+              </a:ext>
+            </a:extLst>
+          </p:cNvPr>
+          <p:cNvSpPr/>
+          <p:nvPr/>
+        </p:nvSpPr>
+        <p:spPr>
+          <a:xfrm>
+            <a:off x="6516771" y="1749970"/>
+            <a:ext cx="136635" cy="136635"/>
+          </a:xfrm>
+          <a:prstGeom prst="ellipse">
+            <a:avLst/>
+          </a:prstGeom>
+        </p:spPr>
+        <p:style>
+          <a:lnRef idx="2">
+            <a:schemeClr val="accent1">
+              <a:shade val="50000"/>
+            </a:schemeClr>
+          </a:lnRef>
+          <a:fillRef idx="1">
+            <a:schemeClr val="accent1"/>
+          </a:fillRef>
+          <a:effectRef idx="0">
+            <a:schemeClr val="accent1"/>
+          </a:effectRef>
+          <a:fontRef idx="minor">
+            <a:schemeClr val="lt1"/>
+          </a:fontRef>
+        </p:style>
+        <p:txBody>
+          <a:bodyPr rtlCol="0" anchor="ctr"/>
+          <a:lstStyle/>
+          <a:p>
+            <a:pPr algn="ctr"/>
+            <a:endParaRPr lang="en-US">
+              <a:solidFill>
+                <a:schemeClr val="accent1"/>
+              </a:solidFill>
+            </a:endParaRPr>
+          </a:p>
+        </p:txBody>
+      </p:sp>
+      <mc:AlternateContent xmlns:mc="http://schemas.openxmlformats.org/markup-compatibility/2006" xmlns:a14="http://schemas.microsoft.com/office/drawing/2010/main">
+        <mc:Choice Requires="a14">
+          <p:sp>
+            <p:nvSpPr>
+              <p:cNvPr id="24" name="TextBox 23">
+                <a:extLst>
+                  <a:ext uri="{FF2B5EF4-FFF2-40B4-BE49-F238E27FC236}">
+                    <a16:creationId xmlns:a16="http://schemas.microsoft.com/office/drawing/2014/main" id="{F09F560A-2706-3F4B-BA5C-323CD99C0794}"/>
+                  </a:ext>
+                </a:extLst>
+              </p:cNvPr>
+              <p:cNvSpPr txBox="1"/>
+              <p:nvPr/>
+            </p:nvSpPr>
+            <p:spPr>
+              <a:xfrm>
+                <a:off x="6674428" y="1633621"/>
+                <a:ext cx="371384" cy="369332"/>
+              </a:xfrm>
+              <a:prstGeom prst="rect">
+                <a:avLst/>
+              </a:prstGeom>
+              <a:noFill/>
+            </p:spPr>
+            <p:txBody>
+              <a:bodyPr wrap="none" rtlCol="0">
+                <a:spAutoFit/>
+              </a:bodyPr>
+              <a:lstStyle/>
+              <a:p>
+                <a:pPr/>
+                <a14:m>
+                  <m:oMathPara xmlns:m="http://schemas.openxmlformats.org/officeDocument/2006/math">
+                    <m:oMathParaPr>
+                      <m:jc m:val="centerGroup"/>
+                    </m:oMathParaPr>
+                    <m:oMath xmlns:m="http://schemas.openxmlformats.org/officeDocument/2006/math">
+                      <m:r>
+                        <a:rPr lang="en-US" i="1" dirty="0" smtClean="0">
+                          <a:latin typeface="Cambria Math" panose="02040503050406030204" pitchFamily="18" charset="0"/>
+                        </a:rPr>
+                        <m:t>𝑦</m:t>
+                      </m:r>
+                    </m:oMath>
+                  </m:oMathPara>
+                </a14:m>
+                <a:endParaRPr lang="en-US" dirty="0"/>
+              </a:p>
+            </p:txBody>
+          </p:sp>
+        </mc:Choice>
+        <mc:Fallback xmlns="">
+          <p:sp>
+            <p:nvSpPr>
+              <p:cNvPr id="24" name="TextBox 23">
+                <a:extLst>
+                  <a:ext uri="{FF2B5EF4-FFF2-40B4-BE49-F238E27FC236}">
+                    <a16:creationId xmlns:a16="http://schemas.microsoft.com/office/drawing/2014/main" id="{F09F560A-2706-3F4B-BA5C-323CD99C0794}"/>
+                  </a:ext>
+                </a:extLst>
+              </p:cNvPr>
+              <p:cNvSpPr txBox="1">
+                <a:spLocks noRot="1" noChangeAspect="1" noMove="1" noResize="1" noEditPoints="1" noAdjustHandles="1" noChangeArrowheads="1" noChangeShapeType="1" noTextEdit="1"/>
+              </p:cNvSpPr>
+              <p:nvPr/>
+            </p:nvSpPr>
+            <p:spPr>
+              <a:xfrm>
+                <a:off x="6674428" y="1633621"/>
+                <a:ext cx="371384" cy="369332"/>
+              </a:xfrm>
+              <a:prstGeom prst="rect">
+                <a:avLst/>
+              </a:prstGeom>
+              <a:blipFill>
+                <a:blip r:embed="rId2"/>
+                <a:stretch>
+                  <a:fillRect b="-6667"/>
+                </a:stretch>
+              </a:blipFill>
+            </p:spPr>
+            <p:txBody>
+              <a:bodyPr/>
+              <a:lstStyle/>
+              <a:p>
+                <a:r>
+                  <a:rPr lang="en-US">
+                    <a:noFill/>
+                  </a:rPr>
+                  <a:t> </a:t>
+                </a:r>
+              </a:p>
+            </p:txBody>
+          </p:sp>
+        </mc:Fallback>
+      </mc:AlternateContent>
+    </p:spTree>
+    <p:extLst>
+      <p:ext uri="{BB962C8B-B14F-4D97-AF65-F5344CB8AC3E}">
+        <p14:creationId xmlns:p14="http://schemas.microsoft.com/office/powerpoint/2010/main" val="2170675935"/>
+      </p:ext>
+    </p:extLst>
+  </p:cSld>
+  <p:clrMapOvr>
+    <a:masterClrMapping/>
+  </p:clrMapOvr>
+</p:sld>
+</file>
+
+<file path=ppt/slides/slide31.xml><?xml version="1.0" encoding="utf-8"?>
+<p:sld xmlns:a="http://schemas.openxmlformats.org/drawingml/2006/main" xmlns:r="http://schemas.openxmlformats.org/officeDocument/2006/relationships" xmlns:p="http://schemas.openxmlformats.org/presentationml/2006/main">
+  <p:cSld>
+    <p:spTree>
+      <p:nvGrpSpPr>
+        <p:cNvPr id="1" name=""/>
+        <p:cNvGrpSpPr/>
+        <p:nvPr/>
+      </p:nvGrpSpPr>
+      <p:grpSpPr>
+        <a:xfrm>
+          <a:off x="0" y="0"/>
+          <a:ext cx="0" cy="0"/>
+          <a:chOff x="0" y="0"/>
+          <a:chExt cx="0" cy="0"/>
+        </a:xfrm>
+      </p:grpSpPr>
+      <p:cxnSp>
+        <p:nvCxnSpPr>
+          <p:cNvPr id="14" name="Straight Arrow Connector 13">
+            <a:extLst>
+              <a:ext uri="{FF2B5EF4-FFF2-40B4-BE49-F238E27FC236}">
+                <a16:creationId xmlns:a16="http://schemas.microsoft.com/office/drawing/2014/main" id="{CAFC6370-769D-8048-ACB8-E08819D57620}"/>
+              </a:ext>
+            </a:extLst>
+          </p:cNvPr>
+          <p:cNvCxnSpPr>
+            <a:cxnSpLocks/>
+          </p:cNvCxnSpPr>
+          <p:nvPr/>
+        </p:nvCxnSpPr>
+        <p:spPr>
+          <a:xfrm>
+            <a:off x="814550" y="2680137"/>
+            <a:ext cx="6858001" cy="0"/>
+          </a:xfrm>
+          <a:prstGeom prst="straightConnector1">
+            <a:avLst/>
+          </a:prstGeom>
+          <a:ln w="57150" cap="flat" cmpd="sng" algn="ctr">
+            <a:solidFill>
+              <a:schemeClr val="bg2">
+                <a:lumMod val="90000"/>
+              </a:schemeClr>
+            </a:solidFill>
+            <a:prstDash val="solid"/>
+            <a:round/>
+            <a:headEnd type="none" w="med" len="med"/>
+            <a:tailEnd type="none" w="med" len="med"/>
+          </a:ln>
+        </p:spPr>
+        <p:style>
+          <a:lnRef idx="0">
+            <a:scrgbClr r="0" g="0" b="0"/>
+          </a:lnRef>
+          <a:fillRef idx="0">
+            <a:scrgbClr r="0" g="0" b="0"/>
+          </a:fillRef>
+          <a:effectRef idx="0">
+            <a:scrgbClr r="0" g="0" b="0"/>
+          </a:effectRef>
+          <a:fontRef idx="minor">
+            <a:schemeClr val="tx1"/>
+          </a:fontRef>
+        </p:style>
+      </p:cxnSp>
+      <p:cxnSp>
+        <p:nvCxnSpPr>
+          <p:cNvPr id="6" name="Straight Arrow Connector 5">
+            <a:extLst>
+              <a:ext uri="{FF2B5EF4-FFF2-40B4-BE49-F238E27FC236}">
+                <a16:creationId xmlns:a16="http://schemas.microsoft.com/office/drawing/2014/main" id="{AB936B2F-878E-8F4C-AB56-5FEB6CB714C2}"/>
+              </a:ext>
+            </a:extLst>
+          </p:cNvPr>
+          <p:cNvCxnSpPr>
+            <a:cxnSpLocks/>
+          </p:cNvCxnSpPr>
+          <p:nvPr/>
+        </p:nvCxnSpPr>
+        <p:spPr>
+          <a:xfrm flipV="1">
+            <a:off x="1072053" y="457200"/>
+            <a:ext cx="0" cy="5943600"/>
+          </a:xfrm>
+          <a:prstGeom prst="straightConnector1">
+            <a:avLst/>
+          </a:prstGeom>
+          <a:ln w="57150" cap="flat" cmpd="sng" algn="ctr">
+            <a:solidFill>
+              <a:schemeClr val="dk1"/>
+            </a:solidFill>
+            <a:prstDash val="solid"/>
+            <a:round/>
+            <a:headEnd type="none" w="med" len="med"/>
+            <a:tailEnd type="arrow" w="med" len="med"/>
+          </a:ln>
+        </p:spPr>
+        <p:style>
+          <a:lnRef idx="0">
+            <a:scrgbClr r="0" g="0" b="0"/>
+          </a:lnRef>
+          <a:fillRef idx="0">
+            <a:scrgbClr r="0" g="0" b="0"/>
+          </a:fillRef>
+          <a:effectRef idx="0">
+            <a:scrgbClr r="0" g="0" b="0"/>
+          </a:effectRef>
+          <a:fontRef idx="minor">
+            <a:schemeClr val="tx1"/>
+          </a:fontRef>
+        </p:style>
+      </p:cxnSp>
+      <p:cxnSp>
+        <p:nvCxnSpPr>
+          <p:cNvPr id="15" name="Straight Arrow Connector 14">
+            <a:extLst>
+              <a:ext uri="{FF2B5EF4-FFF2-40B4-BE49-F238E27FC236}">
+                <a16:creationId xmlns:a16="http://schemas.microsoft.com/office/drawing/2014/main" id="{50FAD106-4756-3649-A17D-1F0040AEFC5E}"/>
+              </a:ext>
+            </a:extLst>
+          </p:cNvPr>
+          <p:cNvCxnSpPr>
+            <a:cxnSpLocks/>
+          </p:cNvCxnSpPr>
+          <p:nvPr/>
+        </p:nvCxnSpPr>
+        <p:spPr>
+          <a:xfrm flipV="1">
+            <a:off x="4750675" y="457200"/>
+            <a:ext cx="0" cy="5943602"/>
+          </a:xfrm>
+          <a:prstGeom prst="straightConnector1">
+            <a:avLst/>
+          </a:prstGeom>
+          <a:ln w="57150" cap="flat" cmpd="sng" algn="ctr">
+            <a:solidFill>
+              <a:schemeClr val="bg2">
+                <a:lumMod val="90000"/>
+              </a:schemeClr>
+            </a:solidFill>
+            <a:prstDash val="solid"/>
+            <a:round/>
+            <a:headEnd type="none" w="med" len="med"/>
+            <a:tailEnd type="none" w="med" len="med"/>
+          </a:ln>
+        </p:spPr>
+        <p:style>
+          <a:lnRef idx="0">
+            <a:scrgbClr r="0" g="0" b="0"/>
+          </a:lnRef>
+          <a:fillRef idx="0">
+            <a:scrgbClr r="0" g="0" b="0"/>
+          </a:fillRef>
+          <a:effectRef idx="0">
+            <a:scrgbClr r="0" g="0" b="0"/>
+          </a:effectRef>
+          <a:fontRef idx="minor">
+            <a:schemeClr val="tx1"/>
+          </a:fontRef>
+        </p:style>
+      </p:cxnSp>
+      <p:cxnSp>
+        <p:nvCxnSpPr>
+          <p:cNvPr id="5" name="Straight Arrow Connector 4">
+            <a:extLst>
+              <a:ext uri="{FF2B5EF4-FFF2-40B4-BE49-F238E27FC236}">
+                <a16:creationId xmlns:a16="http://schemas.microsoft.com/office/drawing/2014/main" id="{FB4D6A3A-0477-0A4D-B067-3381D298E7F6}"/>
+              </a:ext>
+            </a:extLst>
+          </p:cNvPr>
+          <p:cNvCxnSpPr>
+            <a:cxnSpLocks/>
+          </p:cNvCxnSpPr>
+          <p:nvPr/>
+        </p:nvCxnSpPr>
+        <p:spPr>
+          <a:xfrm>
+            <a:off x="814550" y="6174827"/>
+            <a:ext cx="6858001" cy="0"/>
+          </a:xfrm>
+          <a:prstGeom prst="straightConnector1">
+            <a:avLst/>
+          </a:prstGeom>
+          <a:ln w="57150" cap="flat" cmpd="sng" algn="ctr">
+            <a:solidFill>
+              <a:schemeClr val="dk1"/>
+            </a:solidFill>
+            <a:prstDash val="solid"/>
+            <a:round/>
+            <a:headEnd type="none" w="med" len="med"/>
+            <a:tailEnd type="arrow" w="med" len="med"/>
+          </a:ln>
+        </p:spPr>
+        <p:style>
+          <a:lnRef idx="0">
+            <a:scrgbClr r="0" g="0" b="0"/>
+          </a:lnRef>
+          <a:fillRef idx="0">
+            <a:scrgbClr r="0" g="0" b="0"/>
+          </a:fillRef>
+          <a:effectRef idx="0">
+            <a:scrgbClr r="0" g="0" b="0"/>
+          </a:effectRef>
+          <a:fontRef idx="minor">
+            <a:schemeClr val="tx1"/>
+          </a:fontRef>
+        </p:style>
+      </p:cxnSp>
+      <p:sp>
+        <p:nvSpPr>
+          <p:cNvPr id="19" name="TextBox 18">
+            <a:extLst>
+              <a:ext uri="{FF2B5EF4-FFF2-40B4-BE49-F238E27FC236}">
+                <a16:creationId xmlns:a16="http://schemas.microsoft.com/office/drawing/2014/main" id="{5AC171B1-C392-AC4A-9C16-6A02DDA9C2CD}"/>
+              </a:ext>
+            </a:extLst>
+          </p:cNvPr>
+          <p:cNvSpPr txBox="1"/>
+          <p:nvPr/>
+        </p:nvSpPr>
+        <p:spPr>
+          <a:xfrm>
+            <a:off x="478703" y="2495471"/>
+            <a:ext cx="301686" cy="369332"/>
+          </a:xfrm>
+          <a:prstGeom prst="rect">
+            <a:avLst/>
+          </a:prstGeom>
+          <a:noFill/>
+        </p:spPr>
+        <p:txBody>
+          <a:bodyPr wrap="none" rtlCol="0">
+            <a:spAutoFit/>
+          </a:bodyPr>
+          <a:lstStyle/>
+          <a:p>
+            <a:r>
+              <a:rPr lang="en-US" dirty="0"/>
+              <a:t>1</a:t>
+            </a:r>
+          </a:p>
+        </p:txBody>
+      </p:sp>
+      <p:sp>
+        <p:nvSpPr>
+          <p:cNvPr id="20" name="TextBox 19">
+            <a:extLst>
+              <a:ext uri="{FF2B5EF4-FFF2-40B4-BE49-F238E27FC236}">
+                <a16:creationId xmlns:a16="http://schemas.microsoft.com/office/drawing/2014/main" id="{8BA9D229-E53B-FE45-BE3E-BE0719210243}"/>
+              </a:ext>
+            </a:extLst>
+          </p:cNvPr>
+          <p:cNvSpPr txBox="1"/>
+          <p:nvPr/>
+        </p:nvSpPr>
+        <p:spPr>
+          <a:xfrm>
+            <a:off x="4599832" y="6411310"/>
+            <a:ext cx="301686" cy="369332"/>
+          </a:xfrm>
+          <a:prstGeom prst="rect">
+            <a:avLst/>
+          </a:prstGeom>
+          <a:noFill/>
+        </p:spPr>
+        <p:txBody>
+          <a:bodyPr wrap="none" rtlCol="0">
+            <a:spAutoFit/>
+          </a:bodyPr>
+          <a:lstStyle/>
+          <a:p>
+            <a:r>
+              <a:rPr lang="en-US" dirty="0"/>
+              <a:t>1</a:t>
+            </a:r>
+          </a:p>
+        </p:txBody>
+      </p:sp>
+      <p:sp>
+        <p:nvSpPr>
+          <p:cNvPr id="21" name="TextBox 20">
+            <a:extLst>
+              <a:ext uri="{FF2B5EF4-FFF2-40B4-BE49-F238E27FC236}">
+                <a16:creationId xmlns:a16="http://schemas.microsoft.com/office/drawing/2014/main" id="{6826FFB4-8362-354D-B88B-C3DDA574DEE0}"/>
+              </a:ext>
+            </a:extLst>
+          </p:cNvPr>
+          <p:cNvSpPr txBox="1"/>
+          <p:nvPr/>
+        </p:nvSpPr>
+        <p:spPr>
+          <a:xfrm>
+            <a:off x="5847628" y="6395545"/>
+            <a:ext cx="1824923" cy="369332"/>
+          </a:xfrm>
+          <a:prstGeom prst="rect">
+            <a:avLst/>
+          </a:prstGeom>
+          <a:noFill/>
+        </p:spPr>
+        <p:txBody>
+          <a:bodyPr wrap="none" rtlCol="0">
+            <a:spAutoFit/>
+          </a:bodyPr>
+          <a:lstStyle/>
+          <a:p>
+            <a:r>
+              <a:rPr lang="en-US" dirty="0"/>
+              <a:t>value in patient A</a:t>
+            </a:r>
+          </a:p>
+        </p:txBody>
+      </p:sp>
+      <p:sp>
+        <p:nvSpPr>
+          <p:cNvPr id="22" name="TextBox 21">
+            <a:extLst>
+              <a:ext uri="{FF2B5EF4-FFF2-40B4-BE49-F238E27FC236}">
+                <a16:creationId xmlns:a16="http://schemas.microsoft.com/office/drawing/2014/main" id="{72A72548-DFC5-8047-BC30-A7D8611F3A6F}"/>
+              </a:ext>
+            </a:extLst>
+          </p:cNvPr>
+          <p:cNvSpPr txBox="1"/>
+          <p:nvPr/>
+        </p:nvSpPr>
+        <p:spPr>
+          <a:xfrm rot="16200000">
+            <a:off x="-278570" y="1161861"/>
+            <a:ext cx="1816908" cy="369332"/>
+          </a:xfrm>
+          <a:prstGeom prst="rect">
+            <a:avLst/>
+          </a:prstGeom>
+          <a:noFill/>
+        </p:spPr>
+        <p:txBody>
+          <a:bodyPr wrap="none" rtlCol="0">
+            <a:spAutoFit/>
+          </a:bodyPr>
+          <a:lstStyle/>
+          <a:p>
+            <a:r>
+              <a:rPr lang="en-US" dirty="0"/>
+              <a:t>value in patient B</a:t>
+            </a:r>
+          </a:p>
+        </p:txBody>
+      </p:sp>
+      <p:sp>
+        <p:nvSpPr>
+          <p:cNvPr id="23" name="Oval 22">
+            <a:extLst>
+              <a:ext uri="{FF2B5EF4-FFF2-40B4-BE49-F238E27FC236}">
+                <a16:creationId xmlns:a16="http://schemas.microsoft.com/office/drawing/2014/main" id="{EBE7D6A1-E716-AA4D-9A87-8791A9665575}"/>
+              </a:ext>
+            </a:extLst>
+          </p:cNvPr>
+          <p:cNvSpPr/>
+          <p:nvPr/>
+        </p:nvSpPr>
+        <p:spPr>
+          <a:xfrm>
+            <a:off x="6516771" y="1749970"/>
+            <a:ext cx="136635" cy="136635"/>
+          </a:xfrm>
+          <a:prstGeom prst="ellipse">
+            <a:avLst/>
+          </a:prstGeom>
+        </p:spPr>
+        <p:style>
+          <a:lnRef idx="2">
+            <a:schemeClr val="accent1">
+              <a:shade val="50000"/>
+            </a:schemeClr>
+          </a:lnRef>
+          <a:fillRef idx="1">
+            <a:schemeClr val="accent1"/>
+          </a:fillRef>
+          <a:effectRef idx="0">
+            <a:schemeClr val="accent1"/>
+          </a:effectRef>
+          <a:fontRef idx="minor">
+            <a:schemeClr val="lt1"/>
+          </a:fontRef>
+        </p:style>
+        <p:txBody>
+          <a:bodyPr rtlCol="0" anchor="ctr"/>
+          <a:lstStyle/>
+          <a:p>
+            <a:pPr algn="ctr"/>
+            <a:endParaRPr lang="en-US">
+              <a:solidFill>
+                <a:schemeClr val="accent1"/>
+              </a:solidFill>
+            </a:endParaRPr>
+          </a:p>
+        </p:txBody>
+      </p:sp>
+      <mc:AlternateContent xmlns:mc="http://schemas.openxmlformats.org/markup-compatibility/2006" xmlns:a14="http://schemas.microsoft.com/office/drawing/2010/main">
+        <mc:Choice Requires="a14">
+          <p:sp>
+            <p:nvSpPr>
+              <p:cNvPr id="24" name="TextBox 23">
+                <a:extLst>
+                  <a:ext uri="{FF2B5EF4-FFF2-40B4-BE49-F238E27FC236}">
+                    <a16:creationId xmlns:a16="http://schemas.microsoft.com/office/drawing/2014/main" id="{F09F560A-2706-3F4B-BA5C-323CD99C0794}"/>
+                  </a:ext>
+                </a:extLst>
+              </p:cNvPr>
+              <p:cNvSpPr txBox="1"/>
+              <p:nvPr/>
+            </p:nvSpPr>
+            <p:spPr>
+              <a:xfrm>
+                <a:off x="6674428" y="1633621"/>
+                <a:ext cx="371384" cy="369332"/>
+              </a:xfrm>
+              <a:prstGeom prst="rect">
+                <a:avLst/>
+              </a:prstGeom>
+              <a:noFill/>
+            </p:spPr>
+            <p:txBody>
+              <a:bodyPr wrap="none" rtlCol="0">
+                <a:spAutoFit/>
+              </a:bodyPr>
+              <a:lstStyle/>
+              <a:p>
+                <a:pPr/>
+                <a14:m>
+                  <m:oMathPara xmlns:m="http://schemas.openxmlformats.org/officeDocument/2006/math">
+                    <m:oMathParaPr>
+                      <m:jc m:val="centerGroup"/>
+                    </m:oMathParaPr>
+                    <m:oMath xmlns:m="http://schemas.openxmlformats.org/officeDocument/2006/math">
+                      <m:r>
+                        <a:rPr lang="en-US" i="1" dirty="0" smtClean="0">
+                          <a:latin typeface="Cambria Math" panose="02040503050406030204" pitchFamily="18" charset="0"/>
+                        </a:rPr>
+                        <m:t>𝑦</m:t>
+                      </m:r>
+                    </m:oMath>
+                  </m:oMathPara>
+                </a14:m>
+                <a:endParaRPr lang="en-US" dirty="0"/>
+              </a:p>
+            </p:txBody>
+          </p:sp>
+        </mc:Choice>
+        <mc:Fallback xmlns="">
+          <p:sp>
+            <p:nvSpPr>
+              <p:cNvPr id="24" name="TextBox 23">
+                <a:extLst>
+                  <a:ext uri="{FF2B5EF4-FFF2-40B4-BE49-F238E27FC236}">
+                    <a16:creationId xmlns:a16="http://schemas.microsoft.com/office/drawing/2014/main" id="{F09F560A-2706-3F4B-BA5C-323CD99C0794}"/>
+                  </a:ext>
+                </a:extLst>
+              </p:cNvPr>
+              <p:cNvSpPr txBox="1">
+                <a:spLocks noRot="1" noChangeAspect="1" noMove="1" noResize="1" noEditPoints="1" noAdjustHandles="1" noChangeArrowheads="1" noChangeShapeType="1" noTextEdit="1"/>
+              </p:cNvSpPr>
+              <p:nvPr/>
+            </p:nvSpPr>
+            <p:spPr>
+              <a:xfrm>
+                <a:off x="6674428" y="1633621"/>
+                <a:ext cx="371384" cy="369332"/>
+              </a:xfrm>
+              <a:prstGeom prst="rect">
+                <a:avLst/>
+              </a:prstGeom>
+              <a:blipFill>
+                <a:blip r:embed="rId2"/>
+                <a:stretch>
+                  <a:fillRect b="-6667"/>
+                </a:stretch>
+              </a:blipFill>
+            </p:spPr>
+            <p:txBody>
+              <a:bodyPr/>
+              <a:lstStyle/>
+              <a:p>
+                <a:r>
+                  <a:rPr lang="en-US">
+                    <a:noFill/>
+                  </a:rPr>
+                  <a:t> </a:t>
+                </a:r>
+              </a:p>
+            </p:txBody>
+          </p:sp>
+        </mc:Fallback>
+      </mc:AlternateContent>
+    </p:spTree>
+    <p:extLst>
+      <p:ext uri="{BB962C8B-B14F-4D97-AF65-F5344CB8AC3E}">
+        <p14:creationId xmlns:p14="http://schemas.microsoft.com/office/powerpoint/2010/main" val="2920348403"/>
+      </p:ext>
+    </p:extLst>
+  </p:cSld>
+  <p:clrMapOvr>
+    <a:masterClrMapping/>
+  </p:clrMapOvr>
+</p:sld>
+</file>
+
+<file path=ppt/slides/slide32.xml><?xml version="1.0" encoding="utf-8"?>
+<p:sld xmlns:a="http://schemas.openxmlformats.org/drawingml/2006/main" xmlns:r="http://schemas.openxmlformats.org/officeDocument/2006/relationships" xmlns:p="http://schemas.openxmlformats.org/presentationml/2006/main">
+  <p:cSld>
+    <p:spTree>
+      <p:nvGrpSpPr>
+        <p:cNvPr id="1" name=""/>
+        <p:cNvGrpSpPr/>
+        <p:nvPr/>
+      </p:nvGrpSpPr>
+      <p:grpSpPr>
+        <a:xfrm>
+          <a:off x="0" y="0"/>
+          <a:ext cx="0" cy="0"/>
+          <a:chOff x="0" y="0"/>
+          <a:chExt cx="0" cy="0"/>
+        </a:xfrm>
+      </p:grpSpPr>
+      <p:cxnSp>
+        <p:nvCxnSpPr>
+          <p:cNvPr id="14" name="Straight Arrow Connector 13">
+            <a:extLst>
+              <a:ext uri="{FF2B5EF4-FFF2-40B4-BE49-F238E27FC236}">
+                <a16:creationId xmlns:a16="http://schemas.microsoft.com/office/drawing/2014/main" id="{CAFC6370-769D-8048-ACB8-E08819D57620}"/>
+              </a:ext>
+            </a:extLst>
+          </p:cNvPr>
+          <p:cNvCxnSpPr>
+            <a:cxnSpLocks/>
+          </p:cNvCxnSpPr>
+          <p:nvPr/>
+        </p:nvCxnSpPr>
+        <p:spPr>
+          <a:xfrm>
+            <a:off x="814550" y="2680137"/>
+            <a:ext cx="6858001" cy="0"/>
+          </a:xfrm>
+          <a:prstGeom prst="straightConnector1">
+            <a:avLst/>
+          </a:prstGeom>
+          <a:ln w="57150" cap="flat" cmpd="sng" algn="ctr">
+            <a:solidFill>
+              <a:schemeClr val="bg2">
+                <a:lumMod val="90000"/>
+              </a:schemeClr>
+            </a:solidFill>
+            <a:prstDash val="solid"/>
+            <a:round/>
+            <a:headEnd type="none" w="med" len="med"/>
+            <a:tailEnd type="none" w="med" len="med"/>
+          </a:ln>
+        </p:spPr>
+        <p:style>
+          <a:lnRef idx="0">
+            <a:scrgbClr r="0" g="0" b="0"/>
+          </a:lnRef>
+          <a:fillRef idx="0">
+            <a:scrgbClr r="0" g="0" b="0"/>
+          </a:fillRef>
+          <a:effectRef idx="0">
+            <a:scrgbClr r="0" g="0" b="0"/>
+          </a:effectRef>
+          <a:fontRef idx="minor">
+            <a:schemeClr val="tx1"/>
+          </a:fontRef>
+        </p:style>
+      </p:cxnSp>
+      <p:cxnSp>
+        <p:nvCxnSpPr>
+          <p:cNvPr id="6" name="Straight Arrow Connector 5">
+            <a:extLst>
+              <a:ext uri="{FF2B5EF4-FFF2-40B4-BE49-F238E27FC236}">
+                <a16:creationId xmlns:a16="http://schemas.microsoft.com/office/drawing/2014/main" id="{AB936B2F-878E-8F4C-AB56-5FEB6CB714C2}"/>
+              </a:ext>
+            </a:extLst>
+          </p:cNvPr>
+          <p:cNvCxnSpPr>
+            <a:cxnSpLocks/>
+          </p:cNvCxnSpPr>
+          <p:nvPr/>
+        </p:nvCxnSpPr>
+        <p:spPr>
+          <a:xfrm flipV="1">
+            <a:off x="1072053" y="457200"/>
+            <a:ext cx="0" cy="5943600"/>
+          </a:xfrm>
+          <a:prstGeom prst="straightConnector1">
+            <a:avLst/>
+          </a:prstGeom>
+          <a:ln w="57150" cap="flat" cmpd="sng" algn="ctr">
+            <a:solidFill>
+              <a:schemeClr val="dk1"/>
+            </a:solidFill>
+            <a:prstDash val="solid"/>
+            <a:round/>
+            <a:headEnd type="none" w="med" len="med"/>
+            <a:tailEnd type="arrow" w="med" len="med"/>
+          </a:ln>
+        </p:spPr>
+        <p:style>
+          <a:lnRef idx="0">
+            <a:scrgbClr r="0" g="0" b="0"/>
+          </a:lnRef>
+          <a:fillRef idx="0">
+            <a:scrgbClr r="0" g="0" b="0"/>
+          </a:fillRef>
+          <a:effectRef idx="0">
+            <a:scrgbClr r="0" g="0" b="0"/>
+          </a:effectRef>
+          <a:fontRef idx="minor">
+            <a:schemeClr val="tx1"/>
+          </a:fontRef>
+        </p:style>
+      </p:cxnSp>
+      <p:cxnSp>
+        <p:nvCxnSpPr>
+          <p:cNvPr id="15" name="Straight Arrow Connector 14">
+            <a:extLst>
+              <a:ext uri="{FF2B5EF4-FFF2-40B4-BE49-F238E27FC236}">
+                <a16:creationId xmlns:a16="http://schemas.microsoft.com/office/drawing/2014/main" id="{50FAD106-4756-3649-A17D-1F0040AEFC5E}"/>
+              </a:ext>
+            </a:extLst>
+          </p:cNvPr>
+          <p:cNvCxnSpPr>
+            <a:cxnSpLocks/>
+          </p:cNvCxnSpPr>
+          <p:nvPr/>
+        </p:nvCxnSpPr>
+        <p:spPr>
+          <a:xfrm flipV="1">
+            <a:off x="4750675" y="457200"/>
+            <a:ext cx="0" cy="5943602"/>
+          </a:xfrm>
+          <a:prstGeom prst="straightConnector1">
+            <a:avLst/>
+          </a:prstGeom>
+          <a:ln w="57150" cap="flat" cmpd="sng" algn="ctr">
+            <a:solidFill>
+              <a:schemeClr val="bg2">
+                <a:lumMod val="90000"/>
+              </a:schemeClr>
+            </a:solidFill>
+            <a:prstDash val="solid"/>
+            <a:round/>
+            <a:headEnd type="none" w="med" len="med"/>
+            <a:tailEnd type="none" w="med" len="med"/>
+          </a:ln>
+        </p:spPr>
+        <p:style>
+          <a:lnRef idx="0">
+            <a:scrgbClr r="0" g="0" b="0"/>
+          </a:lnRef>
+          <a:fillRef idx="0">
+            <a:scrgbClr r="0" g="0" b="0"/>
+          </a:fillRef>
+          <a:effectRef idx="0">
+            <a:scrgbClr r="0" g="0" b="0"/>
+          </a:effectRef>
+          <a:fontRef idx="minor">
+            <a:schemeClr val="tx1"/>
+          </a:fontRef>
+        </p:style>
+      </p:cxnSp>
+      <p:cxnSp>
+        <p:nvCxnSpPr>
+          <p:cNvPr id="5" name="Straight Arrow Connector 4">
+            <a:extLst>
+              <a:ext uri="{FF2B5EF4-FFF2-40B4-BE49-F238E27FC236}">
+                <a16:creationId xmlns:a16="http://schemas.microsoft.com/office/drawing/2014/main" id="{FB4D6A3A-0477-0A4D-B067-3381D298E7F6}"/>
+              </a:ext>
+            </a:extLst>
+          </p:cNvPr>
+          <p:cNvCxnSpPr>
+            <a:cxnSpLocks/>
+          </p:cNvCxnSpPr>
+          <p:nvPr/>
+        </p:nvCxnSpPr>
+        <p:spPr>
+          <a:xfrm>
+            <a:off x="814550" y="6174827"/>
+            <a:ext cx="6858001" cy="0"/>
+          </a:xfrm>
+          <a:prstGeom prst="straightConnector1">
+            <a:avLst/>
+          </a:prstGeom>
+          <a:ln w="57150" cap="flat" cmpd="sng" algn="ctr">
+            <a:solidFill>
+              <a:schemeClr val="dk1"/>
+            </a:solidFill>
+            <a:prstDash val="solid"/>
+            <a:round/>
+            <a:headEnd type="none" w="med" len="med"/>
+            <a:tailEnd type="arrow" w="med" len="med"/>
+          </a:ln>
+        </p:spPr>
+        <p:style>
+          <a:lnRef idx="0">
+            <a:scrgbClr r="0" g="0" b="0"/>
+          </a:lnRef>
+          <a:fillRef idx="0">
+            <a:scrgbClr r="0" g="0" b="0"/>
+          </a:fillRef>
+          <a:effectRef idx="0">
+            <a:scrgbClr r="0" g="0" b="0"/>
+          </a:effectRef>
+          <a:fontRef idx="minor">
+            <a:schemeClr val="tx1"/>
+          </a:fontRef>
+        </p:style>
+      </p:cxnSp>
+      <p:sp>
+        <p:nvSpPr>
+          <p:cNvPr id="19" name="TextBox 18">
+            <a:extLst>
+              <a:ext uri="{FF2B5EF4-FFF2-40B4-BE49-F238E27FC236}">
+                <a16:creationId xmlns:a16="http://schemas.microsoft.com/office/drawing/2014/main" id="{5AC171B1-C392-AC4A-9C16-6A02DDA9C2CD}"/>
+              </a:ext>
+            </a:extLst>
+          </p:cNvPr>
+          <p:cNvSpPr txBox="1"/>
+          <p:nvPr/>
+        </p:nvSpPr>
+        <p:spPr>
+          <a:xfrm>
+            <a:off x="478703" y="2495471"/>
+            <a:ext cx="301686" cy="369332"/>
+          </a:xfrm>
+          <a:prstGeom prst="rect">
+            <a:avLst/>
+          </a:prstGeom>
+          <a:noFill/>
+        </p:spPr>
+        <p:txBody>
+          <a:bodyPr wrap="none" rtlCol="0">
+            <a:spAutoFit/>
+          </a:bodyPr>
+          <a:lstStyle/>
+          <a:p>
+            <a:r>
+              <a:rPr lang="en-US" dirty="0"/>
+              <a:t>1</a:t>
+            </a:r>
+          </a:p>
+        </p:txBody>
+      </p:sp>
+      <p:sp>
+        <p:nvSpPr>
+          <p:cNvPr id="20" name="TextBox 19">
+            <a:extLst>
+              <a:ext uri="{FF2B5EF4-FFF2-40B4-BE49-F238E27FC236}">
+                <a16:creationId xmlns:a16="http://schemas.microsoft.com/office/drawing/2014/main" id="{8BA9D229-E53B-FE45-BE3E-BE0719210243}"/>
+              </a:ext>
+            </a:extLst>
+          </p:cNvPr>
+          <p:cNvSpPr txBox="1"/>
+          <p:nvPr/>
+        </p:nvSpPr>
+        <p:spPr>
+          <a:xfrm>
+            <a:off x="4599832" y="6411310"/>
+            <a:ext cx="301686" cy="369332"/>
+          </a:xfrm>
+          <a:prstGeom prst="rect">
+            <a:avLst/>
+          </a:prstGeom>
+          <a:noFill/>
+        </p:spPr>
+        <p:txBody>
+          <a:bodyPr wrap="none" rtlCol="0">
+            <a:spAutoFit/>
+          </a:bodyPr>
+          <a:lstStyle/>
+          <a:p>
+            <a:r>
+              <a:rPr lang="en-US" dirty="0"/>
+              <a:t>1</a:t>
+            </a:r>
+          </a:p>
+        </p:txBody>
+      </p:sp>
+      <p:sp>
+        <p:nvSpPr>
+          <p:cNvPr id="21" name="TextBox 20">
+            <a:extLst>
+              <a:ext uri="{FF2B5EF4-FFF2-40B4-BE49-F238E27FC236}">
+                <a16:creationId xmlns:a16="http://schemas.microsoft.com/office/drawing/2014/main" id="{6826FFB4-8362-354D-B88B-C3DDA574DEE0}"/>
+              </a:ext>
+            </a:extLst>
+          </p:cNvPr>
+          <p:cNvSpPr txBox="1"/>
+          <p:nvPr/>
+        </p:nvSpPr>
+        <p:spPr>
+          <a:xfrm>
+            <a:off x="5847628" y="6395545"/>
+            <a:ext cx="1824923" cy="369332"/>
+          </a:xfrm>
+          <a:prstGeom prst="rect">
+            <a:avLst/>
+          </a:prstGeom>
+          <a:noFill/>
+        </p:spPr>
+        <p:txBody>
+          <a:bodyPr wrap="none" rtlCol="0">
+            <a:spAutoFit/>
+          </a:bodyPr>
+          <a:lstStyle/>
+          <a:p>
+            <a:r>
+              <a:rPr lang="en-US" dirty="0"/>
+              <a:t>value in patient A</a:t>
+            </a:r>
+          </a:p>
+        </p:txBody>
+      </p:sp>
+      <p:sp>
+        <p:nvSpPr>
+          <p:cNvPr id="22" name="TextBox 21">
+            <a:extLst>
+              <a:ext uri="{FF2B5EF4-FFF2-40B4-BE49-F238E27FC236}">
+                <a16:creationId xmlns:a16="http://schemas.microsoft.com/office/drawing/2014/main" id="{72A72548-DFC5-8047-BC30-A7D8611F3A6F}"/>
+              </a:ext>
+            </a:extLst>
+          </p:cNvPr>
+          <p:cNvSpPr txBox="1"/>
+          <p:nvPr/>
+        </p:nvSpPr>
+        <p:spPr>
+          <a:xfrm rot="16200000">
+            <a:off x="-278570" y="1161861"/>
+            <a:ext cx="1816908" cy="369332"/>
+          </a:xfrm>
+          <a:prstGeom prst="rect">
+            <a:avLst/>
+          </a:prstGeom>
+          <a:noFill/>
+        </p:spPr>
+        <p:txBody>
+          <a:bodyPr wrap="none" rtlCol="0">
+            <a:spAutoFit/>
+          </a:bodyPr>
+          <a:lstStyle/>
+          <a:p>
+            <a:r>
+              <a:rPr lang="en-US" dirty="0"/>
+              <a:t>value in patient B</a:t>
+            </a:r>
+          </a:p>
+        </p:txBody>
+      </p:sp>
+      <p:sp>
+        <p:nvSpPr>
+          <p:cNvPr id="23" name="Oval 22">
+            <a:extLst>
+              <a:ext uri="{FF2B5EF4-FFF2-40B4-BE49-F238E27FC236}">
+                <a16:creationId xmlns:a16="http://schemas.microsoft.com/office/drawing/2014/main" id="{EBE7D6A1-E716-AA4D-9A87-8791A9665575}"/>
+              </a:ext>
+            </a:extLst>
+          </p:cNvPr>
+          <p:cNvSpPr/>
+          <p:nvPr/>
+        </p:nvSpPr>
+        <p:spPr>
+          <a:xfrm>
+            <a:off x="6516771" y="1749970"/>
+            <a:ext cx="136635" cy="136635"/>
+          </a:xfrm>
+          <a:prstGeom prst="ellipse">
+            <a:avLst/>
+          </a:prstGeom>
+        </p:spPr>
+        <p:style>
+          <a:lnRef idx="2">
+            <a:schemeClr val="accent1">
+              <a:shade val="50000"/>
+            </a:schemeClr>
+          </a:lnRef>
+          <a:fillRef idx="1">
+            <a:schemeClr val="accent1"/>
+          </a:fillRef>
+          <a:effectRef idx="0">
+            <a:schemeClr val="accent1"/>
+          </a:effectRef>
+          <a:fontRef idx="minor">
+            <a:schemeClr val="lt1"/>
+          </a:fontRef>
+        </p:style>
+        <p:txBody>
+          <a:bodyPr rtlCol="0" anchor="ctr"/>
+          <a:lstStyle/>
+          <a:p>
+            <a:pPr algn="ctr"/>
+            <a:endParaRPr lang="en-US"/>
+          </a:p>
+        </p:txBody>
+      </p:sp>
+      <mc:AlternateContent xmlns:mc="http://schemas.openxmlformats.org/markup-compatibility/2006" xmlns:a14="http://schemas.microsoft.com/office/drawing/2010/main">
+        <mc:Choice Requires="a14">
+          <p:sp>
+            <p:nvSpPr>
+              <p:cNvPr id="24" name="TextBox 23">
+                <a:extLst>
+                  <a:ext uri="{FF2B5EF4-FFF2-40B4-BE49-F238E27FC236}">
+                    <a16:creationId xmlns:a16="http://schemas.microsoft.com/office/drawing/2014/main" id="{F09F560A-2706-3F4B-BA5C-323CD99C0794}"/>
+                  </a:ext>
+                </a:extLst>
+              </p:cNvPr>
+              <p:cNvSpPr txBox="1"/>
+              <p:nvPr/>
+            </p:nvSpPr>
+            <p:spPr>
+              <a:xfrm>
+                <a:off x="6674428" y="1633621"/>
+                <a:ext cx="371384" cy="369332"/>
+              </a:xfrm>
+              <a:prstGeom prst="rect">
+                <a:avLst/>
+              </a:prstGeom>
+              <a:noFill/>
+            </p:spPr>
+            <p:txBody>
+              <a:bodyPr wrap="none" rtlCol="0">
+                <a:spAutoFit/>
+              </a:bodyPr>
+              <a:lstStyle/>
+              <a:p>
+                <a:pPr/>
+                <a14:m>
+                  <m:oMathPara xmlns:m="http://schemas.openxmlformats.org/officeDocument/2006/math">
+                    <m:oMathParaPr>
+                      <m:jc m:val="centerGroup"/>
+                    </m:oMathParaPr>
+                    <m:oMath xmlns:m="http://schemas.openxmlformats.org/officeDocument/2006/math">
+                      <m:r>
+                        <a:rPr lang="en-US" i="1" dirty="0" smtClean="0">
+                          <a:latin typeface="Cambria Math" panose="02040503050406030204" pitchFamily="18" charset="0"/>
+                        </a:rPr>
+                        <m:t>𝑦</m:t>
+                      </m:r>
+                    </m:oMath>
+                  </m:oMathPara>
+                </a14:m>
+                <a:endParaRPr lang="en-US" dirty="0"/>
+              </a:p>
+            </p:txBody>
+          </p:sp>
+        </mc:Choice>
+        <mc:Fallback xmlns="">
+          <p:sp>
+            <p:nvSpPr>
+              <p:cNvPr id="24" name="TextBox 23">
+                <a:extLst>
+                  <a:ext uri="{FF2B5EF4-FFF2-40B4-BE49-F238E27FC236}">
+                    <a16:creationId xmlns:a16="http://schemas.microsoft.com/office/drawing/2014/main" id="{F09F560A-2706-3F4B-BA5C-323CD99C0794}"/>
+                  </a:ext>
+                </a:extLst>
+              </p:cNvPr>
+              <p:cNvSpPr txBox="1">
+                <a:spLocks noRot="1" noChangeAspect="1" noMove="1" noResize="1" noEditPoints="1" noAdjustHandles="1" noChangeArrowheads="1" noChangeShapeType="1" noTextEdit="1"/>
+              </p:cNvSpPr>
+              <p:nvPr/>
+            </p:nvSpPr>
+            <p:spPr>
+              <a:xfrm>
+                <a:off x="6674428" y="1633621"/>
+                <a:ext cx="371384" cy="369332"/>
+              </a:xfrm>
+              <a:prstGeom prst="rect">
+                <a:avLst/>
+              </a:prstGeom>
+              <a:blipFill>
+                <a:blip r:embed="rId2"/>
+                <a:stretch>
+                  <a:fillRect b="-6667"/>
+                </a:stretch>
+              </a:blipFill>
+            </p:spPr>
+            <p:txBody>
+              <a:bodyPr/>
+              <a:lstStyle/>
+              <a:p>
+                <a:r>
+                  <a:rPr lang="en-US">
+                    <a:noFill/>
+                  </a:rPr>
+                  <a:t> </a:t>
+                </a:r>
+              </a:p>
+            </p:txBody>
+          </p:sp>
+        </mc:Fallback>
+      </mc:AlternateContent>
+      <p:cxnSp>
+        <p:nvCxnSpPr>
+          <p:cNvPr id="12" name="Straight Arrow Connector 11">
+            <a:extLst>
+              <a:ext uri="{FF2B5EF4-FFF2-40B4-BE49-F238E27FC236}">
+                <a16:creationId xmlns:a16="http://schemas.microsoft.com/office/drawing/2014/main" id="{D08B0905-1745-2E45-AED5-8AA514EEA5A8}"/>
+              </a:ext>
+            </a:extLst>
+          </p:cNvPr>
+          <p:cNvCxnSpPr>
+            <a:cxnSpLocks/>
+          </p:cNvCxnSpPr>
+          <p:nvPr/>
+        </p:nvCxnSpPr>
+        <p:spPr>
+          <a:xfrm flipV="1">
+            <a:off x="1072053" y="2680137"/>
+            <a:ext cx="1849823" cy="3494689"/>
+          </a:xfrm>
+          <a:prstGeom prst="straightConnector1">
+            <a:avLst/>
+          </a:prstGeom>
+          <a:ln w="57150" cap="flat" cmpd="sng" algn="ctr">
+            <a:solidFill>
+              <a:schemeClr val="accent2"/>
+            </a:solidFill>
+            <a:prstDash val="solid"/>
+            <a:round/>
+            <a:headEnd type="none" w="med" len="med"/>
+            <a:tailEnd type="arrow" w="med" len="med"/>
+          </a:ln>
+        </p:spPr>
+        <p:style>
+          <a:lnRef idx="0">
+            <a:scrgbClr r="0" g="0" b="0"/>
+          </a:lnRef>
+          <a:fillRef idx="0">
+            <a:scrgbClr r="0" g="0" b="0"/>
+          </a:fillRef>
+          <a:effectRef idx="0">
+            <a:scrgbClr r="0" g="0" b="0"/>
+          </a:effectRef>
+          <a:fontRef idx="minor">
+            <a:schemeClr val="tx1"/>
+          </a:fontRef>
+        </p:style>
+      </p:cxnSp>
+      <mc:AlternateContent xmlns:mc="http://schemas.openxmlformats.org/markup-compatibility/2006" xmlns:a14="http://schemas.microsoft.com/office/drawing/2010/main">
+        <mc:Choice Requires="a14">
+          <p:sp>
+            <p:nvSpPr>
+              <p:cNvPr id="16" name="TextBox 15">
+                <a:extLst>
+                  <a:ext uri="{FF2B5EF4-FFF2-40B4-BE49-F238E27FC236}">
+                    <a16:creationId xmlns:a16="http://schemas.microsoft.com/office/drawing/2014/main" id="{9C06056C-D3AA-904F-9EA3-D919CB1616CA}"/>
+                  </a:ext>
+                </a:extLst>
+              </p:cNvPr>
+              <p:cNvSpPr txBox="1"/>
+              <p:nvPr/>
+            </p:nvSpPr>
+            <p:spPr>
+              <a:xfrm>
+                <a:off x="2230726" y="2735962"/>
+                <a:ext cx="460767" cy="369332"/>
+              </a:xfrm>
+              <a:prstGeom prst="rect">
+                <a:avLst/>
+              </a:prstGeom>
+              <a:noFill/>
+            </p:spPr>
+            <p:txBody>
+              <a:bodyPr wrap="none" rtlCol="0">
+                <a:spAutoFit/>
+              </a:bodyPr>
+              <a:lstStyle/>
+              <a:p>
+                <a:pPr/>
+                <a14:m>
+                  <m:oMathPara xmlns:m="http://schemas.openxmlformats.org/officeDocument/2006/math">
+                    <m:oMathParaPr>
+                      <m:jc m:val="centerGroup"/>
+                    </m:oMathParaPr>
+                    <m:oMath xmlns:m="http://schemas.openxmlformats.org/officeDocument/2006/math">
+                      <m:sSub>
+                        <m:sSubPr>
+                          <m:ctrlPr>
+                            <a:rPr lang="en-US" b="0" i="1" dirty="0" smtClean="0">
+                              <a:latin typeface="Cambria Math" panose="02040503050406030204" pitchFamily="18" charset="0"/>
+                            </a:rPr>
+                          </m:ctrlPr>
+                        </m:sSubPr>
+                        <m:e>
+                          <m:r>
+                            <a:rPr lang="en-US" b="0" i="1" dirty="0" smtClean="0">
+                              <a:latin typeface="Cambria Math" panose="02040503050406030204" pitchFamily="18" charset="0"/>
+                            </a:rPr>
+                            <m:t>𝑥</m:t>
+                          </m:r>
+                        </m:e>
+                        <m:sub>
+                          <m:r>
+                            <a:rPr lang="en-US" b="0" i="1" dirty="0" smtClean="0">
+                              <a:latin typeface="Cambria Math" panose="02040503050406030204" pitchFamily="18" charset="0"/>
+                            </a:rPr>
+                            <m:t>1</m:t>
+                          </m:r>
+                        </m:sub>
+                      </m:sSub>
+                    </m:oMath>
+                  </m:oMathPara>
+                </a14:m>
+                <a:endParaRPr lang="en-US" dirty="0"/>
+              </a:p>
+            </p:txBody>
+          </p:sp>
+        </mc:Choice>
+        <mc:Fallback xmlns="">
+          <p:sp>
+            <p:nvSpPr>
+              <p:cNvPr id="16" name="TextBox 15">
+                <a:extLst>
+                  <a:ext uri="{FF2B5EF4-FFF2-40B4-BE49-F238E27FC236}">
+                    <a16:creationId xmlns:a16="http://schemas.microsoft.com/office/drawing/2014/main" id="{9C06056C-D3AA-904F-9EA3-D919CB1616CA}"/>
+                  </a:ext>
+                </a:extLst>
+              </p:cNvPr>
+              <p:cNvSpPr txBox="1">
+                <a:spLocks noRot="1" noChangeAspect="1" noMove="1" noResize="1" noEditPoints="1" noAdjustHandles="1" noChangeArrowheads="1" noChangeShapeType="1" noTextEdit="1"/>
+              </p:cNvSpPr>
+              <p:nvPr/>
+            </p:nvSpPr>
+            <p:spPr>
+              <a:xfrm>
+                <a:off x="2230726" y="2735962"/>
+                <a:ext cx="460767" cy="369332"/>
+              </a:xfrm>
+              <a:prstGeom prst="rect">
+                <a:avLst/>
+              </a:prstGeom>
+              <a:blipFill>
+                <a:blip r:embed="rId3"/>
+                <a:stretch>
+                  <a:fillRect/>
+                </a:stretch>
+              </a:blipFill>
+            </p:spPr>
+            <p:txBody>
+              <a:bodyPr/>
+              <a:lstStyle/>
+              <a:p>
+                <a:r>
+                  <a:rPr lang="en-US">
+                    <a:noFill/>
+                  </a:rPr>
+                  <a:t> </a:t>
+                </a:r>
+              </a:p>
+            </p:txBody>
+          </p:sp>
+        </mc:Fallback>
+      </mc:AlternateContent>
+    </p:spTree>
+    <p:extLst>
+      <p:ext uri="{BB962C8B-B14F-4D97-AF65-F5344CB8AC3E}">
+        <p14:creationId xmlns:p14="http://schemas.microsoft.com/office/powerpoint/2010/main" val="892458306"/>
+      </p:ext>
+    </p:extLst>
+  </p:cSld>
+  <p:clrMapOvr>
+    <a:masterClrMapping/>
+  </p:clrMapOvr>
+</p:sld>
+</file>
+
+<file path=ppt/slides/slide33.xml><?xml version="1.0" encoding="utf-8"?>
+<p:sld xmlns:a="http://schemas.openxmlformats.org/drawingml/2006/main" xmlns:r="http://schemas.openxmlformats.org/officeDocument/2006/relationships" xmlns:p="http://schemas.openxmlformats.org/presentationml/2006/main">
+  <p:cSld>
+    <p:spTree>
+      <p:nvGrpSpPr>
+        <p:cNvPr id="1" name=""/>
+        <p:cNvGrpSpPr/>
+        <p:nvPr/>
+      </p:nvGrpSpPr>
+      <p:grpSpPr>
+        <a:xfrm>
+          <a:off x="0" y="0"/>
+          <a:ext cx="0" cy="0"/>
+          <a:chOff x="0" y="0"/>
+          <a:chExt cx="0" cy="0"/>
+        </a:xfrm>
+      </p:grpSpPr>
+      <p:cxnSp>
+        <p:nvCxnSpPr>
+          <p:cNvPr id="14" name="Straight Arrow Connector 13">
+            <a:extLst>
+              <a:ext uri="{FF2B5EF4-FFF2-40B4-BE49-F238E27FC236}">
+                <a16:creationId xmlns:a16="http://schemas.microsoft.com/office/drawing/2014/main" id="{CAFC6370-769D-8048-ACB8-E08819D57620}"/>
+              </a:ext>
+            </a:extLst>
+          </p:cNvPr>
+          <p:cNvCxnSpPr>
+            <a:cxnSpLocks/>
+          </p:cNvCxnSpPr>
+          <p:nvPr/>
+        </p:nvCxnSpPr>
+        <p:spPr>
+          <a:xfrm>
+            <a:off x="814550" y="2680137"/>
+            <a:ext cx="6858001" cy="0"/>
+          </a:xfrm>
+          <a:prstGeom prst="straightConnector1">
+            <a:avLst/>
+          </a:prstGeom>
+          <a:ln w="57150" cap="flat" cmpd="sng" algn="ctr">
+            <a:solidFill>
+              <a:schemeClr val="bg2">
+                <a:lumMod val="90000"/>
+              </a:schemeClr>
+            </a:solidFill>
+            <a:prstDash val="solid"/>
+            <a:round/>
+            <a:headEnd type="none" w="med" len="med"/>
+            <a:tailEnd type="none" w="med" len="med"/>
+          </a:ln>
+        </p:spPr>
+        <p:style>
+          <a:lnRef idx="0">
+            <a:scrgbClr r="0" g="0" b="0"/>
+          </a:lnRef>
+          <a:fillRef idx="0">
+            <a:scrgbClr r="0" g="0" b="0"/>
+          </a:fillRef>
+          <a:effectRef idx="0">
+            <a:scrgbClr r="0" g="0" b="0"/>
+          </a:effectRef>
+          <a:fontRef idx="minor">
+            <a:schemeClr val="tx1"/>
+          </a:fontRef>
+        </p:style>
+      </p:cxnSp>
+      <p:cxnSp>
+        <p:nvCxnSpPr>
+          <p:cNvPr id="6" name="Straight Arrow Connector 5">
+            <a:extLst>
+              <a:ext uri="{FF2B5EF4-FFF2-40B4-BE49-F238E27FC236}">
+                <a16:creationId xmlns:a16="http://schemas.microsoft.com/office/drawing/2014/main" id="{AB936B2F-878E-8F4C-AB56-5FEB6CB714C2}"/>
+              </a:ext>
+            </a:extLst>
+          </p:cNvPr>
+          <p:cNvCxnSpPr>
+            <a:cxnSpLocks/>
+          </p:cNvCxnSpPr>
+          <p:nvPr/>
+        </p:nvCxnSpPr>
+        <p:spPr>
+          <a:xfrm flipV="1">
+            <a:off x="1072053" y="457200"/>
+            <a:ext cx="0" cy="5943600"/>
+          </a:xfrm>
+          <a:prstGeom prst="straightConnector1">
+            <a:avLst/>
+          </a:prstGeom>
+          <a:ln w="57150" cap="flat" cmpd="sng" algn="ctr">
+            <a:solidFill>
+              <a:schemeClr val="dk1"/>
+            </a:solidFill>
+            <a:prstDash val="solid"/>
+            <a:round/>
+            <a:headEnd type="none" w="med" len="med"/>
+            <a:tailEnd type="arrow" w="med" len="med"/>
+          </a:ln>
+        </p:spPr>
+        <p:style>
+          <a:lnRef idx="0">
+            <a:scrgbClr r="0" g="0" b="0"/>
+          </a:lnRef>
+          <a:fillRef idx="0">
+            <a:scrgbClr r="0" g="0" b="0"/>
+          </a:fillRef>
+          <a:effectRef idx="0">
+            <a:scrgbClr r="0" g="0" b="0"/>
+          </a:effectRef>
+          <a:fontRef idx="minor">
+            <a:schemeClr val="tx1"/>
+          </a:fontRef>
+        </p:style>
+      </p:cxnSp>
+      <p:cxnSp>
+        <p:nvCxnSpPr>
+          <p:cNvPr id="15" name="Straight Arrow Connector 14">
+            <a:extLst>
+              <a:ext uri="{FF2B5EF4-FFF2-40B4-BE49-F238E27FC236}">
+                <a16:creationId xmlns:a16="http://schemas.microsoft.com/office/drawing/2014/main" id="{50FAD106-4756-3649-A17D-1F0040AEFC5E}"/>
+              </a:ext>
+            </a:extLst>
+          </p:cNvPr>
+          <p:cNvCxnSpPr>
+            <a:cxnSpLocks/>
+          </p:cNvCxnSpPr>
+          <p:nvPr/>
+        </p:nvCxnSpPr>
+        <p:spPr>
+          <a:xfrm flipV="1">
+            <a:off x="4750675" y="457200"/>
+            <a:ext cx="0" cy="5943602"/>
+          </a:xfrm>
+          <a:prstGeom prst="straightConnector1">
+            <a:avLst/>
+          </a:prstGeom>
+          <a:ln w="57150" cap="flat" cmpd="sng" algn="ctr">
+            <a:solidFill>
+              <a:schemeClr val="bg2">
+                <a:lumMod val="90000"/>
+              </a:schemeClr>
+            </a:solidFill>
+            <a:prstDash val="solid"/>
+            <a:round/>
+            <a:headEnd type="none" w="med" len="med"/>
+            <a:tailEnd type="none" w="med" len="med"/>
+          </a:ln>
+        </p:spPr>
+        <p:style>
+          <a:lnRef idx="0">
+            <a:scrgbClr r="0" g="0" b="0"/>
+          </a:lnRef>
+          <a:fillRef idx="0">
+            <a:scrgbClr r="0" g="0" b="0"/>
+          </a:fillRef>
+          <a:effectRef idx="0">
+            <a:scrgbClr r="0" g="0" b="0"/>
+          </a:effectRef>
+          <a:fontRef idx="minor">
+            <a:schemeClr val="tx1"/>
+          </a:fontRef>
+        </p:style>
+      </p:cxnSp>
+      <p:cxnSp>
+        <p:nvCxnSpPr>
+          <p:cNvPr id="5" name="Straight Arrow Connector 4">
+            <a:extLst>
+              <a:ext uri="{FF2B5EF4-FFF2-40B4-BE49-F238E27FC236}">
+                <a16:creationId xmlns:a16="http://schemas.microsoft.com/office/drawing/2014/main" id="{FB4D6A3A-0477-0A4D-B067-3381D298E7F6}"/>
+              </a:ext>
+            </a:extLst>
+          </p:cNvPr>
+          <p:cNvCxnSpPr>
+            <a:cxnSpLocks/>
+          </p:cNvCxnSpPr>
+          <p:nvPr/>
+        </p:nvCxnSpPr>
+        <p:spPr>
+          <a:xfrm>
+            <a:off x="814550" y="6174827"/>
+            <a:ext cx="6858001" cy="0"/>
+          </a:xfrm>
+          <a:prstGeom prst="straightConnector1">
+            <a:avLst/>
+          </a:prstGeom>
+          <a:ln w="57150" cap="flat" cmpd="sng" algn="ctr">
+            <a:solidFill>
+              <a:schemeClr val="dk1"/>
+            </a:solidFill>
+            <a:prstDash val="solid"/>
+            <a:round/>
+            <a:headEnd type="none" w="med" len="med"/>
+            <a:tailEnd type="arrow" w="med" len="med"/>
+          </a:ln>
+        </p:spPr>
+        <p:style>
+          <a:lnRef idx="0">
+            <a:scrgbClr r="0" g="0" b="0"/>
+          </a:lnRef>
+          <a:fillRef idx="0">
+            <a:scrgbClr r="0" g="0" b="0"/>
+          </a:fillRef>
+          <a:effectRef idx="0">
+            <a:scrgbClr r="0" g="0" b="0"/>
+          </a:effectRef>
+          <a:fontRef idx="minor">
+            <a:schemeClr val="tx1"/>
+          </a:fontRef>
+        </p:style>
+      </p:cxnSp>
+      <p:sp>
+        <p:nvSpPr>
+          <p:cNvPr id="19" name="TextBox 18">
+            <a:extLst>
+              <a:ext uri="{FF2B5EF4-FFF2-40B4-BE49-F238E27FC236}">
+                <a16:creationId xmlns:a16="http://schemas.microsoft.com/office/drawing/2014/main" id="{5AC171B1-C392-AC4A-9C16-6A02DDA9C2CD}"/>
+              </a:ext>
+            </a:extLst>
+          </p:cNvPr>
+          <p:cNvSpPr txBox="1"/>
+          <p:nvPr/>
+        </p:nvSpPr>
+        <p:spPr>
+          <a:xfrm>
+            <a:off x="478703" y="2495471"/>
+            <a:ext cx="301686" cy="369332"/>
+          </a:xfrm>
+          <a:prstGeom prst="rect">
+            <a:avLst/>
+          </a:prstGeom>
+          <a:noFill/>
+        </p:spPr>
+        <p:txBody>
+          <a:bodyPr wrap="none" rtlCol="0">
+            <a:spAutoFit/>
+          </a:bodyPr>
+          <a:lstStyle/>
+          <a:p>
+            <a:r>
+              <a:rPr lang="en-US" dirty="0"/>
+              <a:t>1</a:t>
+            </a:r>
+          </a:p>
+        </p:txBody>
+      </p:sp>
+      <p:sp>
+        <p:nvSpPr>
+          <p:cNvPr id="20" name="TextBox 19">
+            <a:extLst>
+              <a:ext uri="{FF2B5EF4-FFF2-40B4-BE49-F238E27FC236}">
+                <a16:creationId xmlns:a16="http://schemas.microsoft.com/office/drawing/2014/main" id="{8BA9D229-E53B-FE45-BE3E-BE0719210243}"/>
+              </a:ext>
+            </a:extLst>
+          </p:cNvPr>
+          <p:cNvSpPr txBox="1"/>
+          <p:nvPr/>
+        </p:nvSpPr>
+        <p:spPr>
+          <a:xfrm>
+            <a:off x="4599832" y="6411310"/>
+            <a:ext cx="301686" cy="369332"/>
+          </a:xfrm>
+          <a:prstGeom prst="rect">
+            <a:avLst/>
+          </a:prstGeom>
+          <a:noFill/>
+        </p:spPr>
+        <p:txBody>
+          <a:bodyPr wrap="none" rtlCol="0">
+            <a:spAutoFit/>
+          </a:bodyPr>
+          <a:lstStyle/>
+          <a:p>
+            <a:r>
+              <a:rPr lang="en-US" dirty="0"/>
+              <a:t>1</a:t>
+            </a:r>
+          </a:p>
+        </p:txBody>
+      </p:sp>
+      <p:sp>
+        <p:nvSpPr>
+          <p:cNvPr id="21" name="TextBox 20">
+            <a:extLst>
+              <a:ext uri="{FF2B5EF4-FFF2-40B4-BE49-F238E27FC236}">
+                <a16:creationId xmlns:a16="http://schemas.microsoft.com/office/drawing/2014/main" id="{6826FFB4-8362-354D-B88B-C3DDA574DEE0}"/>
+              </a:ext>
+            </a:extLst>
+          </p:cNvPr>
+          <p:cNvSpPr txBox="1"/>
+          <p:nvPr/>
+        </p:nvSpPr>
+        <p:spPr>
+          <a:xfrm>
+            <a:off x="5847628" y="6395545"/>
+            <a:ext cx="1824923" cy="369332"/>
+          </a:xfrm>
+          <a:prstGeom prst="rect">
+            <a:avLst/>
+          </a:prstGeom>
+          <a:noFill/>
+        </p:spPr>
+        <p:txBody>
+          <a:bodyPr wrap="none" rtlCol="0">
+            <a:spAutoFit/>
+          </a:bodyPr>
+          <a:lstStyle/>
+          <a:p>
+            <a:r>
+              <a:rPr lang="en-US" dirty="0"/>
+              <a:t>value in patient A</a:t>
+            </a:r>
+          </a:p>
+        </p:txBody>
+      </p:sp>
+      <p:sp>
+        <p:nvSpPr>
+          <p:cNvPr id="22" name="TextBox 21">
+            <a:extLst>
+              <a:ext uri="{FF2B5EF4-FFF2-40B4-BE49-F238E27FC236}">
+                <a16:creationId xmlns:a16="http://schemas.microsoft.com/office/drawing/2014/main" id="{72A72548-DFC5-8047-BC30-A7D8611F3A6F}"/>
+              </a:ext>
+            </a:extLst>
+          </p:cNvPr>
+          <p:cNvSpPr txBox="1"/>
+          <p:nvPr/>
+        </p:nvSpPr>
+        <p:spPr>
+          <a:xfrm rot="16200000">
+            <a:off x="-278570" y="1161861"/>
+            <a:ext cx="1816908" cy="369332"/>
+          </a:xfrm>
+          <a:prstGeom prst="rect">
+            <a:avLst/>
+          </a:prstGeom>
+          <a:noFill/>
+        </p:spPr>
+        <p:txBody>
+          <a:bodyPr wrap="none" rtlCol="0">
+            <a:spAutoFit/>
+          </a:bodyPr>
+          <a:lstStyle/>
+          <a:p>
+            <a:r>
+              <a:rPr lang="en-US" dirty="0"/>
+              <a:t>value in patient B</a:t>
+            </a:r>
+          </a:p>
+        </p:txBody>
+      </p:sp>
+      <p:sp>
+        <p:nvSpPr>
+          <p:cNvPr id="23" name="Oval 22">
+            <a:extLst>
+              <a:ext uri="{FF2B5EF4-FFF2-40B4-BE49-F238E27FC236}">
+                <a16:creationId xmlns:a16="http://schemas.microsoft.com/office/drawing/2014/main" id="{EBE7D6A1-E716-AA4D-9A87-8791A9665575}"/>
+              </a:ext>
+            </a:extLst>
+          </p:cNvPr>
+          <p:cNvSpPr/>
+          <p:nvPr/>
+        </p:nvSpPr>
+        <p:spPr>
+          <a:xfrm>
+            <a:off x="6516771" y="1749970"/>
+            <a:ext cx="136635" cy="136635"/>
+          </a:xfrm>
+          <a:prstGeom prst="ellipse">
+            <a:avLst/>
+          </a:prstGeom>
+        </p:spPr>
+        <p:style>
+          <a:lnRef idx="2">
+            <a:schemeClr val="accent1">
+              <a:shade val="50000"/>
+            </a:schemeClr>
+          </a:lnRef>
+          <a:fillRef idx="1">
+            <a:schemeClr val="accent1"/>
+          </a:fillRef>
+          <a:effectRef idx="0">
+            <a:schemeClr val="accent1"/>
+          </a:effectRef>
+          <a:fontRef idx="minor">
+            <a:schemeClr val="lt1"/>
+          </a:fontRef>
+        </p:style>
+        <p:txBody>
+          <a:bodyPr rtlCol="0" anchor="ctr"/>
+          <a:lstStyle/>
+          <a:p>
+            <a:pPr algn="ctr"/>
+            <a:endParaRPr lang="en-US"/>
+          </a:p>
+        </p:txBody>
+      </p:sp>
+      <mc:AlternateContent xmlns:mc="http://schemas.openxmlformats.org/markup-compatibility/2006" xmlns:a14="http://schemas.microsoft.com/office/drawing/2010/main">
+        <mc:Choice Requires="a14">
+          <p:sp>
+            <p:nvSpPr>
+              <p:cNvPr id="24" name="TextBox 23">
+                <a:extLst>
+                  <a:ext uri="{FF2B5EF4-FFF2-40B4-BE49-F238E27FC236}">
+                    <a16:creationId xmlns:a16="http://schemas.microsoft.com/office/drawing/2014/main" id="{F09F560A-2706-3F4B-BA5C-323CD99C0794}"/>
+                  </a:ext>
+                </a:extLst>
+              </p:cNvPr>
+              <p:cNvSpPr txBox="1"/>
+              <p:nvPr/>
+            </p:nvSpPr>
+            <p:spPr>
+              <a:xfrm>
+                <a:off x="6674428" y="1633621"/>
+                <a:ext cx="371384" cy="369332"/>
+              </a:xfrm>
+              <a:prstGeom prst="rect">
+                <a:avLst/>
+              </a:prstGeom>
+              <a:noFill/>
+            </p:spPr>
+            <p:txBody>
+              <a:bodyPr wrap="none" rtlCol="0">
+                <a:spAutoFit/>
+              </a:bodyPr>
+              <a:lstStyle/>
+              <a:p>
+                <a:pPr/>
+                <a14:m>
+                  <m:oMathPara xmlns:m="http://schemas.openxmlformats.org/officeDocument/2006/math">
+                    <m:oMathParaPr>
+                      <m:jc m:val="centerGroup"/>
+                    </m:oMathParaPr>
+                    <m:oMath xmlns:m="http://schemas.openxmlformats.org/officeDocument/2006/math">
+                      <m:r>
+                        <a:rPr lang="en-US" i="1" dirty="0" smtClean="0">
+                          <a:latin typeface="Cambria Math" panose="02040503050406030204" pitchFamily="18" charset="0"/>
+                        </a:rPr>
+                        <m:t>𝑦</m:t>
+                      </m:r>
+                    </m:oMath>
+                  </m:oMathPara>
+                </a14:m>
+                <a:endParaRPr lang="en-US" dirty="0"/>
+              </a:p>
+            </p:txBody>
+          </p:sp>
+        </mc:Choice>
+        <mc:Fallback xmlns="">
+          <p:sp>
+            <p:nvSpPr>
+              <p:cNvPr id="24" name="TextBox 23">
+                <a:extLst>
+                  <a:ext uri="{FF2B5EF4-FFF2-40B4-BE49-F238E27FC236}">
+                    <a16:creationId xmlns:a16="http://schemas.microsoft.com/office/drawing/2014/main" id="{F09F560A-2706-3F4B-BA5C-323CD99C0794}"/>
+                  </a:ext>
+                </a:extLst>
+              </p:cNvPr>
+              <p:cNvSpPr txBox="1">
+                <a:spLocks noRot="1" noChangeAspect="1" noMove="1" noResize="1" noEditPoints="1" noAdjustHandles="1" noChangeArrowheads="1" noChangeShapeType="1" noTextEdit="1"/>
+              </p:cNvSpPr>
+              <p:nvPr/>
+            </p:nvSpPr>
+            <p:spPr>
+              <a:xfrm>
+                <a:off x="6674428" y="1633621"/>
+                <a:ext cx="371384" cy="369332"/>
+              </a:xfrm>
+              <a:prstGeom prst="rect">
+                <a:avLst/>
+              </a:prstGeom>
+              <a:blipFill>
+                <a:blip r:embed="rId2"/>
+                <a:stretch>
+                  <a:fillRect b="-6667"/>
+                </a:stretch>
+              </a:blipFill>
+            </p:spPr>
+            <p:txBody>
+              <a:bodyPr/>
+              <a:lstStyle/>
+              <a:p>
+                <a:r>
+                  <a:rPr lang="en-US">
+                    <a:noFill/>
+                  </a:rPr>
+                  <a:t> </a:t>
+                </a:r>
+              </a:p>
+            </p:txBody>
+          </p:sp>
+        </mc:Fallback>
+      </mc:AlternateContent>
+      <p:cxnSp>
+        <p:nvCxnSpPr>
+          <p:cNvPr id="12" name="Straight Arrow Connector 11">
+            <a:extLst>
+              <a:ext uri="{FF2B5EF4-FFF2-40B4-BE49-F238E27FC236}">
+                <a16:creationId xmlns:a16="http://schemas.microsoft.com/office/drawing/2014/main" id="{D08B0905-1745-2E45-AED5-8AA514EEA5A8}"/>
+              </a:ext>
+            </a:extLst>
+          </p:cNvPr>
+          <p:cNvCxnSpPr>
+            <a:cxnSpLocks/>
+          </p:cNvCxnSpPr>
+          <p:nvPr/>
+        </p:nvCxnSpPr>
+        <p:spPr>
+          <a:xfrm flipV="1">
+            <a:off x="1072053" y="2680137"/>
+            <a:ext cx="1849823" cy="3494689"/>
+          </a:xfrm>
+          <a:prstGeom prst="straightConnector1">
+            <a:avLst/>
+          </a:prstGeom>
+          <a:ln w="57150" cap="flat" cmpd="sng" algn="ctr">
+            <a:solidFill>
+              <a:schemeClr val="accent2"/>
+            </a:solidFill>
+            <a:prstDash val="solid"/>
+            <a:round/>
+            <a:headEnd type="none" w="med" len="med"/>
+            <a:tailEnd type="arrow" w="med" len="med"/>
+          </a:ln>
+        </p:spPr>
+        <p:style>
+          <a:lnRef idx="0">
+            <a:scrgbClr r="0" g="0" b="0"/>
+          </a:lnRef>
+          <a:fillRef idx="0">
+            <a:scrgbClr r="0" g="0" b="0"/>
+          </a:fillRef>
+          <a:effectRef idx="0">
+            <a:scrgbClr r="0" g="0" b="0"/>
+          </a:effectRef>
+          <a:fontRef idx="minor">
+            <a:schemeClr val="tx1"/>
+          </a:fontRef>
+        </p:style>
+      </p:cxnSp>
+      <mc:AlternateContent xmlns:mc="http://schemas.openxmlformats.org/markup-compatibility/2006" xmlns:a14="http://schemas.microsoft.com/office/drawing/2010/main">
+        <mc:Choice Requires="a14">
+          <p:sp>
+            <p:nvSpPr>
+              <p:cNvPr id="16" name="TextBox 15">
+                <a:extLst>
+                  <a:ext uri="{FF2B5EF4-FFF2-40B4-BE49-F238E27FC236}">
+                    <a16:creationId xmlns:a16="http://schemas.microsoft.com/office/drawing/2014/main" id="{9C06056C-D3AA-904F-9EA3-D919CB1616CA}"/>
+                  </a:ext>
+                </a:extLst>
+              </p:cNvPr>
+              <p:cNvSpPr txBox="1"/>
+              <p:nvPr/>
+            </p:nvSpPr>
+            <p:spPr>
+              <a:xfrm>
+                <a:off x="2230726" y="2735962"/>
+                <a:ext cx="460767" cy="369332"/>
+              </a:xfrm>
+              <a:prstGeom prst="rect">
+                <a:avLst/>
+              </a:prstGeom>
+              <a:noFill/>
+            </p:spPr>
+            <p:txBody>
+              <a:bodyPr wrap="none" rtlCol="0">
+                <a:spAutoFit/>
+              </a:bodyPr>
+              <a:lstStyle/>
+              <a:p>
+                <a:pPr/>
+                <a14:m>
+                  <m:oMathPara xmlns:m="http://schemas.openxmlformats.org/officeDocument/2006/math">
+                    <m:oMathParaPr>
+                      <m:jc m:val="centerGroup"/>
+                    </m:oMathParaPr>
+                    <m:oMath xmlns:m="http://schemas.openxmlformats.org/officeDocument/2006/math">
+                      <m:sSub>
+                        <m:sSubPr>
+                          <m:ctrlPr>
+                            <a:rPr lang="en-US" b="0" i="1" dirty="0" smtClean="0">
+                              <a:latin typeface="Cambria Math" panose="02040503050406030204" pitchFamily="18" charset="0"/>
+                            </a:rPr>
+                          </m:ctrlPr>
+                        </m:sSubPr>
+                        <m:e>
+                          <m:r>
+                            <a:rPr lang="en-US" b="0" i="1" dirty="0" smtClean="0">
+                              <a:latin typeface="Cambria Math" panose="02040503050406030204" pitchFamily="18" charset="0"/>
+                            </a:rPr>
+                            <m:t>𝑥</m:t>
+                          </m:r>
+                        </m:e>
+                        <m:sub>
+                          <m:r>
+                            <a:rPr lang="en-US" b="0" i="1" dirty="0" smtClean="0">
+                              <a:latin typeface="Cambria Math" panose="02040503050406030204" pitchFamily="18" charset="0"/>
+                            </a:rPr>
+                            <m:t>1</m:t>
+                          </m:r>
+                        </m:sub>
+                      </m:sSub>
+                    </m:oMath>
+                  </m:oMathPara>
+                </a14:m>
+                <a:endParaRPr lang="en-US" dirty="0"/>
+              </a:p>
+            </p:txBody>
+          </p:sp>
+        </mc:Choice>
+        <mc:Fallback xmlns="">
+          <p:sp>
+            <p:nvSpPr>
+              <p:cNvPr id="16" name="TextBox 15">
+                <a:extLst>
+                  <a:ext uri="{FF2B5EF4-FFF2-40B4-BE49-F238E27FC236}">
+                    <a16:creationId xmlns:a16="http://schemas.microsoft.com/office/drawing/2014/main" id="{9C06056C-D3AA-904F-9EA3-D919CB1616CA}"/>
+                  </a:ext>
+                </a:extLst>
+              </p:cNvPr>
+              <p:cNvSpPr txBox="1">
+                <a:spLocks noRot="1" noChangeAspect="1" noMove="1" noResize="1" noEditPoints="1" noAdjustHandles="1" noChangeArrowheads="1" noChangeShapeType="1" noTextEdit="1"/>
+              </p:cNvSpPr>
+              <p:nvPr/>
+            </p:nvSpPr>
+            <p:spPr>
+              <a:xfrm>
+                <a:off x="2230726" y="2735962"/>
+                <a:ext cx="460767" cy="369332"/>
+              </a:xfrm>
+              <a:prstGeom prst="rect">
+                <a:avLst/>
+              </a:prstGeom>
+              <a:blipFill>
+                <a:blip r:embed="rId3"/>
+                <a:stretch>
+                  <a:fillRect/>
+                </a:stretch>
+              </a:blipFill>
+            </p:spPr>
+            <p:txBody>
+              <a:bodyPr/>
+              <a:lstStyle/>
+              <a:p>
+                <a:r>
+                  <a:rPr lang="en-US">
+                    <a:noFill/>
+                  </a:rPr>
+                  <a:t> </a:t>
+                </a:r>
+              </a:p>
+            </p:txBody>
+          </p:sp>
+        </mc:Fallback>
+      </mc:AlternateContent>
+      <mc:AlternateContent xmlns:mc="http://schemas.openxmlformats.org/markup-compatibility/2006" xmlns:a14="http://schemas.microsoft.com/office/drawing/2010/main">
+        <mc:Choice Requires="a14">
+          <p:sp>
+            <p:nvSpPr>
+              <p:cNvPr id="2" name="TextBox 1">
+                <a:extLst>
+                  <a:ext uri="{FF2B5EF4-FFF2-40B4-BE49-F238E27FC236}">
+                    <a16:creationId xmlns:a16="http://schemas.microsoft.com/office/drawing/2014/main" id="{E70248FE-0F5C-DF40-90AE-52A9574AF457}"/>
+                  </a:ext>
+                </a:extLst>
+              </p:cNvPr>
+              <p:cNvSpPr txBox="1"/>
+              <p:nvPr/>
+            </p:nvSpPr>
+            <p:spPr>
+              <a:xfrm>
+                <a:off x="8133411" y="797510"/>
+                <a:ext cx="3632794" cy="5262979"/>
+              </a:xfrm>
+              <a:prstGeom prst="rect">
+                <a:avLst/>
+              </a:prstGeom>
+              <a:noFill/>
+            </p:spPr>
+            <p:txBody>
+              <a:bodyPr wrap="square" rtlCol="0">
+                <a:spAutoFit/>
+              </a:bodyPr>
+              <a:lstStyle/>
+              <a:p>
+                <a:r>
+                  <a:rPr lang="en-US" sz="2400" b="1" dirty="0"/>
+                  <a:t>Goal</a:t>
+                </a:r>
+                <a:r>
+                  <a:rPr lang="en-US" sz="2400" dirty="0"/>
+                  <a:t>: Predict </a:t>
+                </a:r>
+                <a14:m>
+                  <m:oMath xmlns:m="http://schemas.openxmlformats.org/officeDocument/2006/math">
+                    <m:r>
+                      <a:rPr lang="en-US" sz="2400" i="1" dirty="0" smtClean="0">
+                        <a:latin typeface="Cambria Math" panose="02040503050406030204" pitchFamily="18" charset="0"/>
+                      </a:rPr>
+                      <m:t>𝑦</m:t>
+                    </m:r>
+                  </m:oMath>
+                </a14:m>
+                <a:r>
+                  <a:rPr lang="en-US" sz="2400" dirty="0"/>
+                  <a:t> with </a:t>
+                </a:r>
+                <a14:m>
+                  <m:oMath xmlns:m="http://schemas.openxmlformats.org/officeDocument/2006/math">
+                    <m:sSub>
+                      <m:sSubPr>
+                        <m:ctrlPr>
+                          <a:rPr lang="en-US" sz="2400" i="1" dirty="0" smtClean="0">
+                            <a:latin typeface="Cambria Math" panose="02040503050406030204" pitchFamily="18" charset="0"/>
+                          </a:rPr>
+                        </m:ctrlPr>
+                      </m:sSubPr>
+                      <m:e>
+                        <m:r>
+                          <a:rPr lang="en-US" sz="2400" i="1" dirty="0" smtClean="0">
+                            <a:latin typeface="Cambria Math" panose="02040503050406030204" pitchFamily="18" charset="0"/>
+                          </a:rPr>
+                          <m:t>𝑥</m:t>
+                        </m:r>
+                      </m:e>
+                      <m:sub>
+                        <m:r>
+                          <a:rPr lang="en-US" sz="2400" i="1" dirty="0" smtClean="0">
+                            <a:latin typeface="Cambria Math" panose="02040503050406030204" pitchFamily="18" charset="0"/>
+                          </a:rPr>
+                          <m:t>1</m:t>
+                        </m:r>
+                      </m:sub>
+                    </m:sSub>
+                  </m:oMath>
+                </a14:m>
+                <a:r>
+                  <a:rPr lang="en-US" sz="2400" dirty="0"/>
+                  <a:t> only</a:t>
+                </a:r>
+              </a:p>
+              <a:p>
+                <a:endParaRPr lang="en-US" sz="2400" dirty="0"/>
+              </a:p>
+              <a:p>
+                <a:r>
+                  <a:rPr lang="en-US" sz="2400" dirty="0"/>
+                  <a:t>From a </a:t>
+                </a:r>
+                <a:r>
+                  <a:rPr lang="en-US" sz="2400" u="sng" dirty="0"/>
+                  <a:t>graphical</a:t>
+                </a:r>
+                <a:r>
+                  <a:rPr lang="en-US" sz="2400" dirty="0"/>
+                  <a:t> perspective, our goal is to get as close as possible to </a:t>
+                </a:r>
+                <a14:m>
+                  <m:oMath xmlns:m="http://schemas.openxmlformats.org/officeDocument/2006/math">
+                    <m:r>
+                      <a:rPr lang="en-US" sz="2400" i="1" dirty="0" smtClean="0">
+                        <a:latin typeface="Cambria Math" panose="02040503050406030204" pitchFamily="18" charset="0"/>
+                      </a:rPr>
+                      <m:t>𝑦</m:t>
+                    </m:r>
+                  </m:oMath>
+                </a14:m>
+                <a:r>
+                  <a:rPr lang="en-US" sz="2400" dirty="0"/>
+                  <a:t>, but we can only move in the </a:t>
+                </a:r>
+                <a14:m>
+                  <m:oMath xmlns:m="http://schemas.openxmlformats.org/officeDocument/2006/math">
+                    <m:sSub>
+                      <m:sSubPr>
+                        <m:ctrlPr>
+                          <a:rPr lang="en-US" sz="2400" i="1" dirty="0" smtClean="0">
+                            <a:latin typeface="Cambria Math" panose="02040503050406030204" pitchFamily="18" charset="0"/>
+                          </a:rPr>
+                        </m:ctrlPr>
+                      </m:sSubPr>
+                      <m:e>
+                        <m:r>
+                          <a:rPr lang="en-US" sz="2400" i="1" dirty="0" smtClean="0">
+                            <a:latin typeface="Cambria Math" panose="02040503050406030204" pitchFamily="18" charset="0"/>
+                          </a:rPr>
+                          <m:t>𝑥</m:t>
+                        </m:r>
+                      </m:e>
+                      <m:sub>
+                        <m:r>
+                          <a:rPr lang="en-US" sz="2400" i="1" dirty="0" smtClean="0">
+                            <a:latin typeface="Cambria Math" panose="02040503050406030204" pitchFamily="18" charset="0"/>
+                          </a:rPr>
+                          <m:t>1</m:t>
+                        </m:r>
+                      </m:sub>
+                    </m:sSub>
+                  </m:oMath>
+                </a14:m>
+                <a:r>
+                  <a:rPr lang="en-US" sz="2400" dirty="0"/>
+                  <a:t> direction</a:t>
+                </a:r>
+              </a:p>
+              <a:p>
+                <a:endParaRPr lang="en-US" sz="2400" dirty="0"/>
+              </a:p>
+              <a:p>
+                <a:r>
+                  <a:rPr lang="en-US" sz="2400" dirty="0"/>
+                  <a:t>------------------------------------</a:t>
+                </a:r>
+              </a:p>
+              <a:p>
+                <a:endParaRPr lang="en-US" sz="2400" dirty="0"/>
+              </a:p>
+              <a:p>
+                <a:r>
+                  <a:rPr lang="en-US" sz="2400" i="1" dirty="0"/>
+                  <a:t>p &lt; n</a:t>
+                </a:r>
+              </a:p>
+              <a:p>
+                <a:endParaRPr lang="en-US" sz="2400" i="1" dirty="0"/>
+              </a:p>
+              <a:p>
+                <a:r>
+                  <a:rPr lang="en-US" sz="2400" dirty="0"/>
+                  <a:t>More patients than predictors.</a:t>
+                </a:r>
+              </a:p>
+            </p:txBody>
+          </p:sp>
+        </mc:Choice>
+        <mc:Fallback xmlns="">
+          <p:sp>
+            <p:nvSpPr>
+              <p:cNvPr id="2" name="TextBox 1">
+                <a:extLst>
+                  <a:ext uri="{FF2B5EF4-FFF2-40B4-BE49-F238E27FC236}">
+                    <a16:creationId xmlns:a16="http://schemas.microsoft.com/office/drawing/2014/main" id="{E70248FE-0F5C-DF40-90AE-52A9574AF457}"/>
+                  </a:ext>
+                </a:extLst>
+              </p:cNvPr>
+              <p:cNvSpPr txBox="1">
+                <a:spLocks noRot="1" noChangeAspect="1" noMove="1" noResize="1" noEditPoints="1" noAdjustHandles="1" noChangeArrowheads="1" noChangeShapeType="1" noTextEdit="1"/>
+              </p:cNvSpPr>
+              <p:nvPr/>
+            </p:nvSpPr>
+            <p:spPr>
+              <a:xfrm>
+                <a:off x="8133411" y="797510"/>
+                <a:ext cx="3632794" cy="5262979"/>
+              </a:xfrm>
+              <a:prstGeom prst="rect">
+                <a:avLst/>
+              </a:prstGeom>
+              <a:blipFill>
+                <a:blip r:embed="rId4"/>
+                <a:stretch>
+                  <a:fillRect l="-2439" t="-481" r="-1742" b="-1683"/>
+                </a:stretch>
+              </a:blipFill>
+            </p:spPr>
+            <p:txBody>
+              <a:bodyPr/>
+              <a:lstStyle/>
+              <a:p>
+                <a:r>
+                  <a:rPr lang="en-US">
+                    <a:noFill/>
+                  </a:rPr>
+                  <a:t> </a:t>
+                </a:r>
+              </a:p>
+            </p:txBody>
+          </p:sp>
+        </mc:Fallback>
+      </mc:AlternateContent>
+      <p:cxnSp>
+        <p:nvCxnSpPr>
+          <p:cNvPr id="17" name="Straight Arrow Connector 16">
+            <a:extLst>
+              <a:ext uri="{FF2B5EF4-FFF2-40B4-BE49-F238E27FC236}">
+                <a16:creationId xmlns:a16="http://schemas.microsoft.com/office/drawing/2014/main" id="{342ABD36-194A-4845-ACC0-DB67A78D68D5}"/>
+              </a:ext>
+            </a:extLst>
+          </p:cNvPr>
+          <p:cNvCxnSpPr>
+            <a:cxnSpLocks/>
+          </p:cNvCxnSpPr>
+          <p:nvPr/>
+        </p:nvCxnSpPr>
+        <p:spPr>
+          <a:xfrm flipV="1">
+            <a:off x="683568" y="-147145"/>
+            <a:ext cx="3775442" cy="7083973"/>
+          </a:xfrm>
+          <a:prstGeom prst="straightConnector1">
+            <a:avLst/>
+          </a:prstGeom>
+          <a:ln w="9525" cap="flat" cmpd="sng" algn="ctr">
+            <a:solidFill>
+              <a:schemeClr val="accent2"/>
+            </a:solidFill>
+            <a:prstDash val="dash"/>
+            <a:round/>
+            <a:headEnd type="none" w="med" len="med"/>
+            <a:tailEnd type="none" w="med" len="med"/>
+          </a:ln>
+        </p:spPr>
+        <p:style>
+          <a:lnRef idx="0">
+            <a:scrgbClr r="0" g="0" b="0"/>
+          </a:lnRef>
+          <a:fillRef idx="0">
+            <a:scrgbClr r="0" g="0" b="0"/>
+          </a:fillRef>
+          <a:effectRef idx="0">
+            <a:scrgbClr r="0" g="0" b="0"/>
+          </a:effectRef>
+          <a:fontRef idx="minor">
+            <a:schemeClr val="tx1"/>
+          </a:fontRef>
+        </p:style>
+      </p:cxnSp>
+    </p:spTree>
+    <p:extLst>
+      <p:ext uri="{BB962C8B-B14F-4D97-AF65-F5344CB8AC3E}">
+        <p14:creationId xmlns:p14="http://schemas.microsoft.com/office/powerpoint/2010/main" val="2122002240"/>
+      </p:ext>
+    </p:extLst>
+  </p:cSld>
+  <p:clrMapOvr>
+    <a:masterClrMapping/>
+  </p:clrMapOvr>
+</p:sld>
+</file>
+
+<file path=ppt/slides/slide34.xml><?xml version="1.0" encoding="utf-8"?>
+<p:sld xmlns:a="http://schemas.openxmlformats.org/drawingml/2006/main" xmlns:r="http://schemas.openxmlformats.org/officeDocument/2006/relationships" xmlns:p="http://schemas.openxmlformats.org/presentationml/2006/main">
+  <p:cSld>
+    <p:spTree>
+      <p:nvGrpSpPr>
+        <p:cNvPr id="1" name=""/>
+        <p:cNvGrpSpPr/>
+        <p:nvPr/>
+      </p:nvGrpSpPr>
+      <p:grpSpPr>
+        <a:xfrm>
+          <a:off x="0" y="0"/>
+          <a:ext cx="0" cy="0"/>
+          <a:chOff x="0" y="0"/>
+          <a:chExt cx="0" cy="0"/>
+        </a:xfrm>
+      </p:grpSpPr>
+      <p:cxnSp>
+        <p:nvCxnSpPr>
+          <p:cNvPr id="14" name="Straight Arrow Connector 13">
+            <a:extLst>
+              <a:ext uri="{FF2B5EF4-FFF2-40B4-BE49-F238E27FC236}">
+                <a16:creationId xmlns:a16="http://schemas.microsoft.com/office/drawing/2014/main" id="{CAFC6370-769D-8048-ACB8-E08819D57620}"/>
+              </a:ext>
+            </a:extLst>
+          </p:cNvPr>
+          <p:cNvCxnSpPr>
+            <a:cxnSpLocks/>
+          </p:cNvCxnSpPr>
+          <p:nvPr/>
+        </p:nvCxnSpPr>
+        <p:spPr>
+          <a:xfrm>
+            <a:off x="814550" y="2680137"/>
+            <a:ext cx="6858001" cy="0"/>
+          </a:xfrm>
+          <a:prstGeom prst="straightConnector1">
+            <a:avLst/>
+          </a:prstGeom>
+          <a:ln w="57150" cap="flat" cmpd="sng" algn="ctr">
+            <a:solidFill>
+              <a:schemeClr val="bg2">
+                <a:lumMod val="90000"/>
+              </a:schemeClr>
+            </a:solidFill>
+            <a:prstDash val="solid"/>
+            <a:round/>
+            <a:headEnd type="none" w="med" len="med"/>
+            <a:tailEnd type="none" w="med" len="med"/>
+          </a:ln>
+        </p:spPr>
+        <p:style>
+          <a:lnRef idx="0">
+            <a:scrgbClr r="0" g="0" b="0"/>
+          </a:lnRef>
+          <a:fillRef idx="0">
+            <a:scrgbClr r="0" g="0" b="0"/>
+          </a:fillRef>
+          <a:effectRef idx="0">
+            <a:scrgbClr r="0" g="0" b="0"/>
+          </a:effectRef>
+          <a:fontRef idx="minor">
+            <a:schemeClr val="tx1"/>
+          </a:fontRef>
+        </p:style>
+      </p:cxnSp>
+      <p:cxnSp>
+        <p:nvCxnSpPr>
+          <p:cNvPr id="6" name="Straight Arrow Connector 5">
+            <a:extLst>
+              <a:ext uri="{FF2B5EF4-FFF2-40B4-BE49-F238E27FC236}">
+                <a16:creationId xmlns:a16="http://schemas.microsoft.com/office/drawing/2014/main" id="{AB936B2F-878E-8F4C-AB56-5FEB6CB714C2}"/>
+              </a:ext>
+            </a:extLst>
+          </p:cNvPr>
+          <p:cNvCxnSpPr>
+            <a:cxnSpLocks/>
+          </p:cNvCxnSpPr>
+          <p:nvPr/>
+        </p:nvCxnSpPr>
+        <p:spPr>
+          <a:xfrm flipV="1">
+            <a:off x="1072053" y="457200"/>
+            <a:ext cx="0" cy="5943600"/>
+          </a:xfrm>
+          <a:prstGeom prst="straightConnector1">
+            <a:avLst/>
+          </a:prstGeom>
+          <a:ln w="57150" cap="flat" cmpd="sng" algn="ctr">
+            <a:solidFill>
+              <a:schemeClr val="dk1"/>
+            </a:solidFill>
+            <a:prstDash val="solid"/>
+            <a:round/>
+            <a:headEnd type="none" w="med" len="med"/>
+            <a:tailEnd type="arrow" w="med" len="med"/>
+          </a:ln>
+        </p:spPr>
+        <p:style>
+          <a:lnRef idx="0">
+            <a:scrgbClr r="0" g="0" b="0"/>
+          </a:lnRef>
+          <a:fillRef idx="0">
+            <a:scrgbClr r="0" g="0" b="0"/>
+          </a:fillRef>
+          <a:effectRef idx="0">
+            <a:scrgbClr r="0" g="0" b="0"/>
+          </a:effectRef>
+          <a:fontRef idx="minor">
+            <a:schemeClr val="tx1"/>
+          </a:fontRef>
+        </p:style>
+      </p:cxnSp>
+      <p:cxnSp>
+        <p:nvCxnSpPr>
+          <p:cNvPr id="15" name="Straight Arrow Connector 14">
+            <a:extLst>
+              <a:ext uri="{FF2B5EF4-FFF2-40B4-BE49-F238E27FC236}">
+                <a16:creationId xmlns:a16="http://schemas.microsoft.com/office/drawing/2014/main" id="{50FAD106-4756-3649-A17D-1F0040AEFC5E}"/>
+              </a:ext>
+            </a:extLst>
+          </p:cNvPr>
+          <p:cNvCxnSpPr>
+            <a:cxnSpLocks/>
+          </p:cNvCxnSpPr>
+          <p:nvPr/>
+        </p:nvCxnSpPr>
+        <p:spPr>
+          <a:xfrm flipV="1">
+            <a:off x="4750675" y="457200"/>
+            <a:ext cx="0" cy="5943602"/>
+          </a:xfrm>
+          <a:prstGeom prst="straightConnector1">
+            <a:avLst/>
+          </a:prstGeom>
+          <a:ln w="57150" cap="flat" cmpd="sng" algn="ctr">
+            <a:solidFill>
+              <a:schemeClr val="bg2">
+                <a:lumMod val="90000"/>
+              </a:schemeClr>
+            </a:solidFill>
+            <a:prstDash val="solid"/>
+            <a:round/>
+            <a:headEnd type="none" w="med" len="med"/>
+            <a:tailEnd type="none" w="med" len="med"/>
+          </a:ln>
+        </p:spPr>
+        <p:style>
+          <a:lnRef idx="0">
+            <a:scrgbClr r="0" g="0" b="0"/>
+          </a:lnRef>
+          <a:fillRef idx="0">
+            <a:scrgbClr r="0" g="0" b="0"/>
+          </a:fillRef>
+          <a:effectRef idx="0">
+            <a:scrgbClr r="0" g="0" b="0"/>
+          </a:effectRef>
+          <a:fontRef idx="minor">
+            <a:schemeClr val="tx1"/>
+          </a:fontRef>
+        </p:style>
+      </p:cxnSp>
+      <p:cxnSp>
+        <p:nvCxnSpPr>
+          <p:cNvPr id="5" name="Straight Arrow Connector 4">
+            <a:extLst>
+              <a:ext uri="{FF2B5EF4-FFF2-40B4-BE49-F238E27FC236}">
+                <a16:creationId xmlns:a16="http://schemas.microsoft.com/office/drawing/2014/main" id="{FB4D6A3A-0477-0A4D-B067-3381D298E7F6}"/>
+              </a:ext>
+            </a:extLst>
+          </p:cNvPr>
+          <p:cNvCxnSpPr>
+            <a:cxnSpLocks/>
+          </p:cNvCxnSpPr>
+          <p:nvPr/>
+        </p:nvCxnSpPr>
+        <p:spPr>
+          <a:xfrm>
+            <a:off x="814550" y="6174827"/>
+            <a:ext cx="6858001" cy="0"/>
+          </a:xfrm>
+          <a:prstGeom prst="straightConnector1">
+            <a:avLst/>
+          </a:prstGeom>
+          <a:ln w="57150" cap="flat" cmpd="sng" algn="ctr">
+            <a:solidFill>
+              <a:schemeClr val="dk1"/>
+            </a:solidFill>
+            <a:prstDash val="solid"/>
+            <a:round/>
+            <a:headEnd type="none" w="med" len="med"/>
+            <a:tailEnd type="arrow" w="med" len="med"/>
+          </a:ln>
+        </p:spPr>
+        <p:style>
+          <a:lnRef idx="0">
+            <a:scrgbClr r="0" g="0" b="0"/>
+          </a:lnRef>
+          <a:fillRef idx="0">
+            <a:scrgbClr r="0" g="0" b="0"/>
+          </a:fillRef>
+          <a:effectRef idx="0">
+            <a:scrgbClr r="0" g="0" b="0"/>
+          </a:effectRef>
+          <a:fontRef idx="minor">
+            <a:schemeClr val="tx1"/>
+          </a:fontRef>
+        </p:style>
+      </p:cxnSp>
+      <p:sp>
+        <p:nvSpPr>
+          <p:cNvPr id="19" name="TextBox 18">
+            <a:extLst>
+              <a:ext uri="{FF2B5EF4-FFF2-40B4-BE49-F238E27FC236}">
+                <a16:creationId xmlns:a16="http://schemas.microsoft.com/office/drawing/2014/main" id="{5AC171B1-C392-AC4A-9C16-6A02DDA9C2CD}"/>
+              </a:ext>
+            </a:extLst>
+          </p:cNvPr>
+          <p:cNvSpPr txBox="1"/>
+          <p:nvPr/>
+        </p:nvSpPr>
+        <p:spPr>
+          <a:xfrm>
+            <a:off x="478703" y="2495471"/>
+            <a:ext cx="301686" cy="369332"/>
+          </a:xfrm>
+          <a:prstGeom prst="rect">
+            <a:avLst/>
+          </a:prstGeom>
+          <a:noFill/>
+        </p:spPr>
+        <p:txBody>
+          <a:bodyPr wrap="none" rtlCol="0">
+            <a:spAutoFit/>
+          </a:bodyPr>
+          <a:lstStyle/>
+          <a:p>
+            <a:r>
+              <a:rPr lang="en-US" dirty="0"/>
+              <a:t>1</a:t>
+            </a:r>
+          </a:p>
+        </p:txBody>
+      </p:sp>
+      <p:sp>
+        <p:nvSpPr>
+          <p:cNvPr id="20" name="TextBox 19">
+            <a:extLst>
+              <a:ext uri="{FF2B5EF4-FFF2-40B4-BE49-F238E27FC236}">
+                <a16:creationId xmlns:a16="http://schemas.microsoft.com/office/drawing/2014/main" id="{8BA9D229-E53B-FE45-BE3E-BE0719210243}"/>
+              </a:ext>
+            </a:extLst>
+          </p:cNvPr>
+          <p:cNvSpPr txBox="1"/>
+          <p:nvPr/>
+        </p:nvSpPr>
+        <p:spPr>
+          <a:xfrm>
+            <a:off x="4599832" y="6411310"/>
+            <a:ext cx="301686" cy="369332"/>
+          </a:xfrm>
+          <a:prstGeom prst="rect">
+            <a:avLst/>
+          </a:prstGeom>
+          <a:noFill/>
+        </p:spPr>
+        <p:txBody>
+          <a:bodyPr wrap="none" rtlCol="0">
+            <a:spAutoFit/>
+          </a:bodyPr>
+          <a:lstStyle/>
+          <a:p>
+            <a:r>
+              <a:rPr lang="en-US" dirty="0"/>
+              <a:t>1</a:t>
+            </a:r>
+          </a:p>
+        </p:txBody>
+      </p:sp>
+      <p:sp>
+        <p:nvSpPr>
+          <p:cNvPr id="21" name="TextBox 20">
+            <a:extLst>
+              <a:ext uri="{FF2B5EF4-FFF2-40B4-BE49-F238E27FC236}">
+                <a16:creationId xmlns:a16="http://schemas.microsoft.com/office/drawing/2014/main" id="{6826FFB4-8362-354D-B88B-C3DDA574DEE0}"/>
+              </a:ext>
+            </a:extLst>
+          </p:cNvPr>
+          <p:cNvSpPr txBox="1"/>
+          <p:nvPr/>
+        </p:nvSpPr>
+        <p:spPr>
+          <a:xfrm>
+            <a:off x="5847628" y="6395545"/>
+            <a:ext cx="1824923" cy="369332"/>
+          </a:xfrm>
+          <a:prstGeom prst="rect">
+            <a:avLst/>
+          </a:prstGeom>
+          <a:noFill/>
+        </p:spPr>
+        <p:txBody>
+          <a:bodyPr wrap="none" rtlCol="0">
+            <a:spAutoFit/>
+          </a:bodyPr>
+          <a:lstStyle/>
+          <a:p>
+            <a:r>
+              <a:rPr lang="en-US" dirty="0"/>
+              <a:t>value in patient A</a:t>
+            </a:r>
+          </a:p>
+        </p:txBody>
+      </p:sp>
+      <p:sp>
+        <p:nvSpPr>
+          <p:cNvPr id="22" name="TextBox 21">
+            <a:extLst>
+              <a:ext uri="{FF2B5EF4-FFF2-40B4-BE49-F238E27FC236}">
+                <a16:creationId xmlns:a16="http://schemas.microsoft.com/office/drawing/2014/main" id="{72A72548-DFC5-8047-BC30-A7D8611F3A6F}"/>
+              </a:ext>
+            </a:extLst>
+          </p:cNvPr>
+          <p:cNvSpPr txBox="1"/>
+          <p:nvPr/>
+        </p:nvSpPr>
+        <p:spPr>
+          <a:xfrm rot="16200000">
+            <a:off x="-278570" y="1161861"/>
+            <a:ext cx="1816908" cy="369332"/>
+          </a:xfrm>
+          <a:prstGeom prst="rect">
+            <a:avLst/>
+          </a:prstGeom>
+          <a:noFill/>
+        </p:spPr>
+        <p:txBody>
+          <a:bodyPr wrap="none" rtlCol="0">
+            <a:spAutoFit/>
+          </a:bodyPr>
+          <a:lstStyle/>
+          <a:p>
+            <a:r>
+              <a:rPr lang="en-US" dirty="0"/>
+              <a:t>value in patient B</a:t>
+            </a:r>
+          </a:p>
+        </p:txBody>
+      </p:sp>
+      <p:sp>
+        <p:nvSpPr>
+          <p:cNvPr id="23" name="Oval 22">
+            <a:extLst>
+              <a:ext uri="{FF2B5EF4-FFF2-40B4-BE49-F238E27FC236}">
+                <a16:creationId xmlns:a16="http://schemas.microsoft.com/office/drawing/2014/main" id="{EBE7D6A1-E716-AA4D-9A87-8791A9665575}"/>
+              </a:ext>
+            </a:extLst>
+          </p:cNvPr>
+          <p:cNvSpPr/>
+          <p:nvPr/>
+        </p:nvSpPr>
+        <p:spPr>
+          <a:xfrm>
+            <a:off x="6516771" y="1749970"/>
+            <a:ext cx="136635" cy="136635"/>
+          </a:xfrm>
+          <a:prstGeom prst="ellipse">
+            <a:avLst/>
+          </a:prstGeom>
+        </p:spPr>
+        <p:style>
+          <a:lnRef idx="2">
+            <a:schemeClr val="accent1">
+              <a:shade val="50000"/>
+            </a:schemeClr>
+          </a:lnRef>
+          <a:fillRef idx="1">
+            <a:schemeClr val="accent1"/>
+          </a:fillRef>
+          <a:effectRef idx="0">
+            <a:schemeClr val="accent1"/>
+          </a:effectRef>
+          <a:fontRef idx="minor">
+            <a:schemeClr val="lt1"/>
+          </a:fontRef>
+        </p:style>
+        <p:txBody>
+          <a:bodyPr rtlCol="0" anchor="ctr"/>
+          <a:lstStyle/>
+          <a:p>
+            <a:pPr algn="ctr"/>
+            <a:endParaRPr lang="en-US"/>
+          </a:p>
+        </p:txBody>
+      </p:sp>
+      <mc:AlternateContent xmlns:mc="http://schemas.openxmlformats.org/markup-compatibility/2006" xmlns:a14="http://schemas.microsoft.com/office/drawing/2010/main">
+        <mc:Choice Requires="a14">
+          <p:sp>
+            <p:nvSpPr>
+              <p:cNvPr id="24" name="TextBox 23">
+                <a:extLst>
+                  <a:ext uri="{FF2B5EF4-FFF2-40B4-BE49-F238E27FC236}">
+                    <a16:creationId xmlns:a16="http://schemas.microsoft.com/office/drawing/2014/main" id="{F09F560A-2706-3F4B-BA5C-323CD99C0794}"/>
+                  </a:ext>
+                </a:extLst>
+              </p:cNvPr>
+              <p:cNvSpPr txBox="1"/>
+              <p:nvPr/>
+            </p:nvSpPr>
+            <p:spPr>
+              <a:xfrm>
+                <a:off x="6674428" y="1633621"/>
+                <a:ext cx="371384" cy="369332"/>
+              </a:xfrm>
+              <a:prstGeom prst="rect">
+                <a:avLst/>
+              </a:prstGeom>
+              <a:noFill/>
+            </p:spPr>
+            <p:txBody>
+              <a:bodyPr wrap="none" rtlCol="0">
+                <a:spAutoFit/>
+              </a:bodyPr>
+              <a:lstStyle/>
+              <a:p>
+                <a:pPr/>
+                <a14:m>
+                  <m:oMathPara xmlns:m="http://schemas.openxmlformats.org/officeDocument/2006/math">
+                    <m:oMathParaPr>
+                      <m:jc m:val="centerGroup"/>
+                    </m:oMathParaPr>
+                    <m:oMath xmlns:m="http://schemas.openxmlformats.org/officeDocument/2006/math">
+                      <m:r>
+                        <a:rPr lang="en-US" i="1" dirty="0" smtClean="0">
+                          <a:latin typeface="Cambria Math" panose="02040503050406030204" pitchFamily="18" charset="0"/>
+                        </a:rPr>
+                        <m:t>𝑦</m:t>
+                      </m:r>
+                    </m:oMath>
+                  </m:oMathPara>
+                </a14:m>
+                <a:endParaRPr lang="en-US" dirty="0"/>
+              </a:p>
+            </p:txBody>
+          </p:sp>
+        </mc:Choice>
+        <mc:Fallback xmlns="">
+          <p:sp>
+            <p:nvSpPr>
+              <p:cNvPr id="24" name="TextBox 23">
+                <a:extLst>
+                  <a:ext uri="{FF2B5EF4-FFF2-40B4-BE49-F238E27FC236}">
+                    <a16:creationId xmlns:a16="http://schemas.microsoft.com/office/drawing/2014/main" id="{F09F560A-2706-3F4B-BA5C-323CD99C0794}"/>
+                  </a:ext>
+                </a:extLst>
+              </p:cNvPr>
+              <p:cNvSpPr txBox="1">
+                <a:spLocks noRot="1" noChangeAspect="1" noMove="1" noResize="1" noEditPoints="1" noAdjustHandles="1" noChangeArrowheads="1" noChangeShapeType="1" noTextEdit="1"/>
+              </p:cNvSpPr>
+              <p:nvPr/>
+            </p:nvSpPr>
+            <p:spPr>
+              <a:xfrm>
+                <a:off x="6674428" y="1633621"/>
+                <a:ext cx="371384" cy="369332"/>
+              </a:xfrm>
+              <a:prstGeom prst="rect">
+                <a:avLst/>
+              </a:prstGeom>
+              <a:blipFill>
+                <a:blip r:embed="rId2"/>
+                <a:stretch>
+                  <a:fillRect b="-6667"/>
+                </a:stretch>
+              </a:blipFill>
+            </p:spPr>
+            <p:txBody>
+              <a:bodyPr/>
+              <a:lstStyle/>
+              <a:p>
+                <a:r>
+                  <a:rPr lang="en-US">
+                    <a:noFill/>
+                  </a:rPr>
+                  <a:t> </a:t>
+                </a:r>
+              </a:p>
+            </p:txBody>
+          </p:sp>
+        </mc:Fallback>
+      </mc:AlternateContent>
+      <p:cxnSp>
+        <p:nvCxnSpPr>
+          <p:cNvPr id="12" name="Straight Arrow Connector 11">
+            <a:extLst>
+              <a:ext uri="{FF2B5EF4-FFF2-40B4-BE49-F238E27FC236}">
+                <a16:creationId xmlns:a16="http://schemas.microsoft.com/office/drawing/2014/main" id="{D08B0905-1745-2E45-AED5-8AA514EEA5A8}"/>
+              </a:ext>
+            </a:extLst>
+          </p:cNvPr>
+          <p:cNvCxnSpPr>
+            <a:cxnSpLocks/>
+          </p:cNvCxnSpPr>
+          <p:nvPr/>
+        </p:nvCxnSpPr>
+        <p:spPr>
+          <a:xfrm flipV="1">
+            <a:off x="1072053" y="2680137"/>
+            <a:ext cx="1849823" cy="3494689"/>
+          </a:xfrm>
+          <a:prstGeom prst="straightConnector1">
+            <a:avLst/>
+          </a:prstGeom>
+          <a:ln w="57150" cap="flat" cmpd="sng" algn="ctr">
+            <a:solidFill>
+              <a:schemeClr val="accent2"/>
+            </a:solidFill>
+            <a:prstDash val="solid"/>
+            <a:round/>
+            <a:headEnd type="none" w="med" len="med"/>
+            <a:tailEnd type="arrow" w="med" len="med"/>
+          </a:ln>
+        </p:spPr>
+        <p:style>
+          <a:lnRef idx="0">
+            <a:scrgbClr r="0" g="0" b="0"/>
+          </a:lnRef>
+          <a:fillRef idx="0">
+            <a:scrgbClr r="0" g="0" b="0"/>
+          </a:fillRef>
+          <a:effectRef idx="0">
+            <a:scrgbClr r="0" g="0" b="0"/>
+          </a:effectRef>
+          <a:fontRef idx="minor">
+            <a:schemeClr val="tx1"/>
+          </a:fontRef>
+        </p:style>
+      </p:cxnSp>
+      <mc:AlternateContent xmlns:mc="http://schemas.openxmlformats.org/markup-compatibility/2006" xmlns:a14="http://schemas.microsoft.com/office/drawing/2010/main">
+        <mc:Choice Requires="a14">
+          <p:sp>
+            <p:nvSpPr>
+              <p:cNvPr id="16" name="TextBox 15">
+                <a:extLst>
+                  <a:ext uri="{FF2B5EF4-FFF2-40B4-BE49-F238E27FC236}">
+                    <a16:creationId xmlns:a16="http://schemas.microsoft.com/office/drawing/2014/main" id="{9C06056C-D3AA-904F-9EA3-D919CB1616CA}"/>
+                  </a:ext>
+                </a:extLst>
+              </p:cNvPr>
+              <p:cNvSpPr txBox="1"/>
+              <p:nvPr/>
+            </p:nvSpPr>
+            <p:spPr>
+              <a:xfrm>
+                <a:off x="2230726" y="2735962"/>
+                <a:ext cx="460767" cy="369332"/>
+              </a:xfrm>
+              <a:prstGeom prst="rect">
+                <a:avLst/>
+              </a:prstGeom>
+              <a:noFill/>
+            </p:spPr>
+            <p:txBody>
+              <a:bodyPr wrap="none" rtlCol="0">
+                <a:spAutoFit/>
+              </a:bodyPr>
+              <a:lstStyle/>
+              <a:p>
+                <a:pPr/>
+                <a14:m>
+                  <m:oMathPara xmlns:m="http://schemas.openxmlformats.org/officeDocument/2006/math">
+                    <m:oMathParaPr>
+                      <m:jc m:val="centerGroup"/>
+                    </m:oMathParaPr>
+                    <m:oMath xmlns:m="http://schemas.openxmlformats.org/officeDocument/2006/math">
+                      <m:sSub>
+                        <m:sSubPr>
+                          <m:ctrlPr>
+                            <a:rPr lang="en-US" b="0" i="1" dirty="0" smtClean="0">
+                              <a:latin typeface="Cambria Math" panose="02040503050406030204" pitchFamily="18" charset="0"/>
+                            </a:rPr>
+                          </m:ctrlPr>
+                        </m:sSubPr>
+                        <m:e>
+                          <m:r>
+                            <a:rPr lang="en-US" b="0" i="1" dirty="0" smtClean="0">
+                              <a:latin typeface="Cambria Math" panose="02040503050406030204" pitchFamily="18" charset="0"/>
+                            </a:rPr>
+                            <m:t>𝑥</m:t>
+                          </m:r>
+                        </m:e>
+                        <m:sub>
+                          <m:r>
+                            <a:rPr lang="en-US" b="0" i="1" dirty="0" smtClean="0">
+                              <a:latin typeface="Cambria Math" panose="02040503050406030204" pitchFamily="18" charset="0"/>
+                            </a:rPr>
+                            <m:t>1</m:t>
+                          </m:r>
+                        </m:sub>
+                      </m:sSub>
+                    </m:oMath>
+                  </m:oMathPara>
+                </a14:m>
+                <a:endParaRPr lang="en-US" dirty="0"/>
+              </a:p>
+            </p:txBody>
+          </p:sp>
+        </mc:Choice>
+        <mc:Fallback xmlns="">
+          <p:sp>
+            <p:nvSpPr>
+              <p:cNvPr id="16" name="TextBox 15">
+                <a:extLst>
+                  <a:ext uri="{FF2B5EF4-FFF2-40B4-BE49-F238E27FC236}">
+                    <a16:creationId xmlns:a16="http://schemas.microsoft.com/office/drawing/2014/main" id="{9C06056C-D3AA-904F-9EA3-D919CB1616CA}"/>
+                  </a:ext>
+                </a:extLst>
+              </p:cNvPr>
+              <p:cNvSpPr txBox="1">
+                <a:spLocks noRot="1" noChangeAspect="1" noMove="1" noResize="1" noEditPoints="1" noAdjustHandles="1" noChangeArrowheads="1" noChangeShapeType="1" noTextEdit="1"/>
+              </p:cNvSpPr>
+              <p:nvPr/>
+            </p:nvSpPr>
+            <p:spPr>
+              <a:xfrm>
+                <a:off x="2230726" y="2735962"/>
+                <a:ext cx="460767" cy="369332"/>
+              </a:xfrm>
+              <a:prstGeom prst="rect">
+                <a:avLst/>
+              </a:prstGeom>
+              <a:blipFill>
+                <a:blip r:embed="rId3"/>
+                <a:stretch>
+                  <a:fillRect/>
+                </a:stretch>
+              </a:blipFill>
+            </p:spPr>
+            <p:txBody>
+              <a:bodyPr/>
+              <a:lstStyle/>
+              <a:p>
+                <a:r>
+                  <a:rPr lang="en-US">
+                    <a:noFill/>
+                  </a:rPr>
+                  <a:t> </a:t>
+                </a:r>
+              </a:p>
+            </p:txBody>
+          </p:sp>
+        </mc:Fallback>
+      </mc:AlternateContent>
+      <mc:AlternateContent xmlns:mc="http://schemas.openxmlformats.org/markup-compatibility/2006" xmlns:a14="http://schemas.microsoft.com/office/drawing/2010/main">
+        <mc:Choice Requires="a14">
+          <p:sp>
+            <p:nvSpPr>
+              <p:cNvPr id="2" name="TextBox 1">
+                <a:extLst>
+                  <a:ext uri="{FF2B5EF4-FFF2-40B4-BE49-F238E27FC236}">
+                    <a16:creationId xmlns:a16="http://schemas.microsoft.com/office/drawing/2014/main" id="{E70248FE-0F5C-DF40-90AE-52A9574AF457}"/>
+                  </a:ext>
+                </a:extLst>
+              </p:cNvPr>
+              <p:cNvSpPr txBox="1"/>
+              <p:nvPr/>
+            </p:nvSpPr>
+            <p:spPr>
+              <a:xfrm>
+                <a:off x="8144877" y="320456"/>
+                <a:ext cx="3632794" cy="6217087"/>
+              </a:xfrm>
+              <a:prstGeom prst="rect">
+                <a:avLst/>
+              </a:prstGeom>
+              <a:noFill/>
+            </p:spPr>
+            <p:txBody>
+              <a:bodyPr wrap="square" rtlCol="0">
+                <a:spAutoFit/>
+              </a:bodyPr>
+              <a:lstStyle/>
+              <a:p>
+                <a:r>
+                  <a:rPr lang="en-US" sz="2400" b="1" dirty="0"/>
+                  <a:t>Goal</a:t>
+                </a:r>
+                <a:r>
+                  <a:rPr lang="en-US" sz="2400" dirty="0"/>
+                  <a:t>: Predict </a:t>
+                </a:r>
+                <a14:m>
+                  <m:oMath xmlns:m="http://schemas.openxmlformats.org/officeDocument/2006/math">
+                    <m:r>
+                      <a:rPr lang="en-US" sz="2400" i="1" dirty="0" smtClean="0">
+                        <a:latin typeface="Cambria Math" panose="02040503050406030204" pitchFamily="18" charset="0"/>
+                      </a:rPr>
+                      <m:t>𝑦</m:t>
+                    </m:r>
+                  </m:oMath>
+                </a14:m>
+                <a:r>
+                  <a:rPr lang="en-US" sz="2400" dirty="0"/>
+                  <a:t> with </a:t>
+                </a:r>
+                <a14:m>
+                  <m:oMath xmlns:m="http://schemas.openxmlformats.org/officeDocument/2006/math">
+                    <m:sSub>
+                      <m:sSubPr>
+                        <m:ctrlPr>
+                          <a:rPr lang="en-US" sz="2400" i="1" dirty="0" smtClean="0">
+                            <a:latin typeface="Cambria Math" panose="02040503050406030204" pitchFamily="18" charset="0"/>
+                          </a:rPr>
+                        </m:ctrlPr>
+                      </m:sSubPr>
+                      <m:e>
+                        <m:r>
+                          <a:rPr lang="en-US" sz="2400" i="1" dirty="0" smtClean="0">
+                            <a:latin typeface="Cambria Math" panose="02040503050406030204" pitchFamily="18" charset="0"/>
+                          </a:rPr>
+                          <m:t>𝑥</m:t>
+                        </m:r>
+                      </m:e>
+                      <m:sub>
+                        <m:r>
+                          <a:rPr lang="en-US" sz="2400" i="1" dirty="0" smtClean="0">
+                            <a:latin typeface="Cambria Math" panose="02040503050406030204" pitchFamily="18" charset="0"/>
+                          </a:rPr>
+                          <m:t>1</m:t>
+                        </m:r>
+                      </m:sub>
+                    </m:sSub>
+                  </m:oMath>
+                </a14:m>
+                <a:r>
+                  <a:rPr lang="en-US" sz="2400" dirty="0"/>
+                  <a:t>, </a:t>
+                </a:r>
+                <a14:m>
+                  <m:oMath xmlns:m="http://schemas.openxmlformats.org/officeDocument/2006/math">
+                    <m:sSub>
+                      <m:sSubPr>
+                        <m:ctrlPr>
+                          <a:rPr lang="en-US" sz="2400" i="1" dirty="0" smtClean="0">
+                            <a:latin typeface="Cambria Math" panose="02040503050406030204" pitchFamily="18" charset="0"/>
+                          </a:rPr>
+                        </m:ctrlPr>
+                      </m:sSubPr>
+                      <m:e>
+                        <m:r>
+                          <a:rPr lang="en-US" sz="2400" i="1" dirty="0" smtClean="0">
+                            <a:latin typeface="Cambria Math" panose="02040503050406030204" pitchFamily="18" charset="0"/>
+                          </a:rPr>
+                          <m:t>𝑥</m:t>
+                        </m:r>
+                      </m:e>
+                      <m:sub>
+                        <m:r>
+                          <a:rPr lang="en-US" sz="2400" i="1" dirty="0" smtClean="0">
+                            <a:latin typeface="Cambria Math" panose="02040503050406030204" pitchFamily="18" charset="0"/>
+                          </a:rPr>
+                          <m:t>2</m:t>
+                        </m:r>
+                      </m:sub>
+                    </m:sSub>
+                  </m:oMath>
+                </a14:m>
+                <a:endParaRPr lang="en-US" sz="2400" dirty="0"/>
+              </a:p>
+              <a:p>
+                <a:endParaRPr lang="en-US" sz="2400" dirty="0"/>
+              </a:p>
+              <a:p>
+                <a:r>
+                  <a:rPr lang="en-US" sz="2400" dirty="0"/>
+                  <a:t>From a </a:t>
+                </a:r>
+                <a:r>
+                  <a:rPr lang="en-US" sz="2400" u="sng" dirty="0"/>
+                  <a:t>graphical</a:t>
+                </a:r>
+                <a:r>
+                  <a:rPr lang="en-US" sz="2400" dirty="0"/>
+                  <a:t> perspective, our goal is to get as close as possible to </a:t>
+                </a:r>
+                <a14:m>
+                  <m:oMath xmlns:m="http://schemas.openxmlformats.org/officeDocument/2006/math">
+                    <m:r>
+                      <a:rPr lang="en-US" sz="2400" i="1" dirty="0" smtClean="0">
+                        <a:latin typeface="Cambria Math" panose="02040503050406030204" pitchFamily="18" charset="0"/>
+                      </a:rPr>
+                      <m:t>𝑦</m:t>
+                    </m:r>
+                  </m:oMath>
+                </a14:m>
+                <a:r>
+                  <a:rPr lang="en-US" sz="2400" dirty="0"/>
+                  <a:t>. We can now move in both the </a:t>
+                </a:r>
+                <a14:m>
+                  <m:oMath xmlns:m="http://schemas.openxmlformats.org/officeDocument/2006/math">
+                    <m:sSub>
+                      <m:sSubPr>
+                        <m:ctrlPr>
+                          <a:rPr lang="en-US" sz="2400" i="1" dirty="0" smtClean="0">
+                            <a:latin typeface="Cambria Math" panose="02040503050406030204" pitchFamily="18" charset="0"/>
+                          </a:rPr>
+                        </m:ctrlPr>
+                      </m:sSubPr>
+                      <m:e>
+                        <m:r>
+                          <a:rPr lang="en-US" sz="2400" i="1" dirty="0" smtClean="0">
+                            <a:latin typeface="Cambria Math" panose="02040503050406030204" pitchFamily="18" charset="0"/>
+                          </a:rPr>
+                          <m:t>𝑥</m:t>
+                        </m:r>
+                      </m:e>
+                      <m:sub>
+                        <m:r>
+                          <a:rPr lang="en-US" sz="2400" i="1" dirty="0" smtClean="0">
+                            <a:latin typeface="Cambria Math" panose="02040503050406030204" pitchFamily="18" charset="0"/>
+                          </a:rPr>
+                          <m:t>1</m:t>
+                        </m:r>
+                      </m:sub>
+                    </m:sSub>
+                  </m:oMath>
+                </a14:m>
+                <a:r>
+                  <a:rPr lang="en-US" sz="2400" dirty="0"/>
+                  <a:t> direction and the </a:t>
+                </a:r>
+                <a14:m>
+                  <m:oMath xmlns:m="http://schemas.openxmlformats.org/officeDocument/2006/math">
+                    <m:sSub>
+                      <m:sSubPr>
+                        <m:ctrlPr>
+                          <a:rPr lang="en-US" sz="2400" i="1" dirty="0" smtClean="0">
+                            <a:latin typeface="Cambria Math" panose="02040503050406030204" pitchFamily="18" charset="0"/>
+                          </a:rPr>
+                        </m:ctrlPr>
+                      </m:sSubPr>
+                      <m:e>
+                        <m:r>
+                          <a:rPr lang="en-US" sz="2400" i="1" dirty="0" smtClean="0">
+                            <a:latin typeface="Cambria Math" panose="02040503050406030204" pitchFamily="18" charset="0"/>
+                          </a:rPr>
+                          <m:t>𝑥</m:t>
+                        </m:r>
+                      </m:e>
+                      <m:sub>
+                        <m:r>
+                          <a:rPr lang="en-US" sz="2400" i="1" dirty="0" smtClean="0">
+                            <a:latin typeface="Cambria Math" panose="02040503050406030204" pitchFamily="18" charset="0"/>
+                          </a:rPr>
+                          <m:t>2</m:t>
+                        </m:r>
+                      </m:sub>
+                    </m:sSub>
+                  </m:oMath>
+                </a14:m>
+                <a:r>
+                  <a:rPr lang="en-US" sz="2400" dirty="0"/>
+                  <a:t> direction.</a:t>
+                </a:r>
+              </a:p>
+              <a:p>
+                <a:endParaRPr lang="en-US" sz="2400" dirty="0"/>
+              </a:p>
+              <a:p>
+                <a:r>
+                  <a:rPr lang="en-US" sz="2400" dirty="0"/>
+                  <a:t>------------------------------------</a:t>
+                </a:r>
+              </a:p>
+              <a:p>
+                <a:endParaRPr lang="en-US" sz="2400" dirty="0"/>
+              </a:p>
+              <a:p>
+                <a:r>
+                  <a:rPr lang="en-US" sz="2400" i="1" dirty="0"/>
+                  <a:t>p = n</a:t>
+                </a:r>
+              </a:p>
+              <a:p>
+                <a:endParaRPr lang="en-US" sz="2400" i="1" dirty="0"/>
+              </a:p>
+              <a:p>
+                <a:r>
+                  <a:rPr lang="en-US" sz="2400" dirty="0"/>
+                  <a:t>Can always* predict perfectly on training set</a:t>
+                </a:r>
+              </a:p>
+              <a:p>
+                <a:endParaRPr lang="en-US" sz="2400" dirty="0"/>
+              </a:p>
+              <a:p>
+                <a:r>
+                  <a:rPr lang="en-US" sz="1400" dirty="0"/>
+                  <a:t>*assuming linearly independent predictors</a:t>
+                </a:r>
+              </a:p>
+            </p:txBody>
+          </p:sp>
+        </mc:Choice>
+        <mc:Fallback xmlns="">
+          <p:sp>
+            <p:nvSpPr>
+              <p:cNvPr id="2" name="TextBox 1">
+                <a:extLst>
+                  <a:ext uri="{FF2B5EF4-FFF2-40B4-BE49-F238E27FC236}">
+                    <a16:creationId xmlns:a16="http://schemas.microsoft.com/office/drawing/2014/main" id="{E70248FE-0F5C-DF40-90AE-52A9574AF457}"/>
+                  </a:ext>
+                </a:extLst>
+              </p:cNvPr>
+              <p:cNvSpPr txBox="1">
+                <a:spLocks noRot="1" noChangeAspect="1" noMove="1" noResize="1" noEditPoints="1" noAdjustHandles="1" noChangeArrowheads="1" noChangeShapeType="1" noTextEdit="1"/>
+              </p:cNvSpPr>
+              <p:nvPr/>
+            </p:nvSpPr>
+            <p:spPr>
+              <a:xfrm>
+                <a:off x="8144877" y="320456"/>
+                <a:ext cx="3632794" cy="6217087"/>
+              </a:xfrm>
+              <a:prstGeom prst="rect">
+                <a:avLst/>
+              </a:prstGeom>
+              <a:blipFill>
+                <a:blip r:embed="rId4"/>
+                <a:stretch>
+                  <a:fillRect l="-2787" t="-612" r="-348" b="-204"/>
+                </a:stretch>
+              </a:blipFill>
+            </p:spPr>
+            <p:txBody>
+              <a:bodyPr/>
+              <a:lstStyle/>
+              <a:p>
+                <a:r>
+                  <a:rPr lang="en-US">
+                    <a:noFill/>
+                  </a:rPr>
+                  <a:t> </a:t>
+                </a:r>
+              </a:p>
+            </p:txBody>
+          </p:sp>
+        </mc:Fallback>
+      </mc:AlternateContent>
+      <p:cxnSp>
+        <p:nvCxnSpPr>
+          <p:cNvPr id="17" name="Straight Arrow Connector 16">
+            <a:extLst>
+              <a:ext uri="{FF2B5EF4-FFF2-40B4-BE49-F238E27FC236}">
+                <a16:creationId xmlns:a16="http://schemas.microsoft.com/office/drawing/2014/main" id="{3A687091-FAD6-4B45-A717-C07972C788A5}"/>
+              </a:ext>
+            </a:extLst>
+          </p:cNvPr>
+          <p:cNvCxnSpPr>
+            <a:cxnSpLocks/>
+          </p:cNvCxnSpPr>
+          <p:nvPr/>
+        </p:nvCxnSpPr>
+        <p:spPr>
+          <a:xfrm flipV="1">
+            <a:off x="1072052" y="3552497"/>
+            <a:ext cx="2680141" cy="2622330"/>
+          </a:xfrm>
+          <a:prstGeom prst="straightConnector1">
+            <a:avLst/>
+          </a:prstGeom>
+          <a:ln w="57150" cap="flat" cmpd="sng" algn="ctr">
+            <a:solidFill>
+              <a:schemeClr val="accent6"/>
+            </a:solidFill>
+            <a:prstDash val="solid"/>
+            <a:round/>
+            <a:headEnd type="none" w="med" len="med"/>
+            <a:tailEnd type="arrow" w="med" len="med"/>
+          </a:ln>
+        </p:spPr>
+        <p:style>
+          <a:lnRef idx="0">
+            <a:scrgbClr r="0" g="0" b="0"/>
+          </a:lnRef>
+          <a:fillRef idx="0">
+            <a:scrgbClr r="0" g="0" b="0"/>
+          </a:fillRef>
+          <a:effectRef idx="0">
+            <a:scrgbClr r="0" g="0" b="0"/>
+          </a:effectRef>
+          <a:fontRef idx="minor">
+            <a:schemeClr val="tx1"/>
+          </a:fontRef>
+        </p:style>
+      </p:cxnSp>
+      <p:cxnSp>
+        <p:nvCxnSpPr>
+          <p:cNvPr id="18" name="Straight Arrow Connector 17">
+            <a:extLst>
+              <a:ext uri="{FF2B5EF4-FFF2-40B4-BE49-F238E27FC236}">
+                <a16:creationId xmlns:a16="http://schemas.microsoft.com/office/drawing/2014/main" id="{A1239A63-17C4-3545-ABD3-D239183490DB}"/>
+              </a:ext>
+            </a:extLst>
+          </p:cNvPr>
+          <p:cNvCxnSpPr>
+            <a:cxnSpLocks/>
+          </p:cNvCxnSpPr>
+          <p:nvPr/>
+        </p:nvCxnSpPr>
+        <p:spPr>
+          <a:xfrm flipV="1">
+            <a:off x="683568" y="-147145"/>
+            <a:ext cx="3775442" cy="7083973"/>
+          </a:xfrm>
+          <a:prstGeom prst="straightConnector1">
+            <a:avLst/>
+          </a:prstGeom>
+          <a:ln w="9525" cap="flat" cmpd="sng" algn="ctr">
+            <a:solidFill>
+              <a:schemeClr val="accent2"/>
+            </a:solidFill>
+            <a:prstDash val="dash"/>
+            <a:round/>
+            <a:headEnd type="none" w="med" len="med"/>
+            <a:tailEnd type="none" w="med" len="med"/>
+          </a:ln>
+        </p:spPr>
+        <p:style>
+          <a:lnRef idx="0">
+            <a:scrgbClr r="0" g="0" b="0"/>
+          </a:lnRef>
+          <a:fillRef idx="0">
+            <a:scrgbClr r="0" g="0" b="0"/>
+          </a:fillRef>
+          <a:effectRef idx="0">
+            <a:scrgbClr r="0" g="0" b="0"/>
+          </a:effectRef>
+          <a:fontRef idx="minor">
+            <a:schemeClr val="tx1"/>
+          </a:fontRef>
+        </p:style>
+      </p:cxnSp>
+      <p:cxnSp>
+        <p:nvCxnSpPr>
+          <p:cNvPr id="25" name="Straight Arrow Connector 24">
+            <a:extLst>
+              <a:ext uri="{FF2B5EF4-FFF2-40B4-BE49-F238E27FC236}">
+                <a16:creationId xmlns:a16="http://schemas.microsoft.com/office/drawing/2014/main" id="{5AF9F9E2-2C11-854D-918B-855A1EF6C88C}"/>
+              </a:ext>
+            </a:extLst>
+          </p:cNvPr>
+          <p:cNvCxnSpPr>
+            <a:cxnSpLocks/>
+          </p:cNvCxnSpPr>
+          <p:nvPr/>
+        </p:nvCxnSpPr>
+        <p:spPr>
+          <a:xfrm flipV="1">
+            <a:off x="304395" y="-147146"/>
+            <a:ext cx="7242033" cy="7083974"/>
+          </a:xfrm>
+          <a:prstGeom prst="straightConnector1">
+            <a:avLst/>
+          </a:prstGeom>
+          <a:ln w="9525" cap="flat" cmpd="sng" algn="ctr">
+            <a:solidFill>
+              <a:schemeClr val="accent6"/>
+            </a:solidFill>
+            <a:prstDash val="dash"/>
+            <a:round/>
+            <a:headEnd type="none" w="med" len="med"/>
+            <a:tailEnd type="none" w="med" len="med"/>
+          </a:ln>
+        </p:spPr>
+        <p:style>
+          <a:lnRef idx="0">
+            <a:scrgbClr r="0" g="0" b="0"/>
+          </a:lnRef>
+          <a:fillRef idx="0">
+            <a:scrgbClr r="0" g="0" b="0"/>
+          </a:fillRef>
+          <a:effectRef idx="0">
+            <a:scrgbClr r="0" g="0" b="0"/>
+          </a:effectRef>
+          <a:fontRef idx="minor">
+            <a:schemeClr val="tx1"/>
+          </a:fontRef>
+        </p:style>
+      </p:cxnSp>
+      <mc:AlternateContent xmlns:mc="http://schemas.openxmlformats.org/markup-compatibility/2006" xmlns:a14="http://schemas.microsoft.com/office/drawing/2010/main">
+        <mc:Choice Requires="a14">
+          <p:sp>
+            <p:nvSpPr>
+              <p:cNvPr id="26" name="TextBox 25">
+                <a:extLst>
+                  <a:ext uri="{FF2B5EF4-FFF2-40B4-BE49-F238E27FC236}">
+                    <a16:creationId xmlns:a16="http://schemas.microsoft.com/office/drawing/2014/main" id="{05AEAD62-F295-BF47-95F0-9696D4B73DBE}"/>
+                  </a:ext>
+                </a:extLst>
+              </p:cNvPr>
+              <p:cNvSpPr txBox="1"/>
+              <p:nvPr/>
+            </p:nvSpPr>
+            <p:spPr>
+              <a:xfrm>
+                <a:off x="3289941" y="3920780"/>
+                <a:ext cx="466090" cy="369332"/>
+              </a:xfrm>
+              <a:prstGeom prst="rect">
+                <a:avLst/>
+              </a:prstGeom>
+              <a:noFill/>
+            </p:spPr>
+            <p:txBody>
+              <a:bodyPr wrap="none" rtlCol="0">
+                <a:spAutoFit/>
+              </a:bodyPr>
+              <a:lstStyle/>
+              <a:p>
+                <a:pPr/>
+                <a14:m>
+                  <m:oMathPara xmlns:m="http://schemas.openxmlformats.org/officeDocument/2006/math">
+                    <m:oMathParaPr>
+                      <m:jc m:val="centerGroup"/>
+                    </m:oMathParaPr>
+                    <m:oMath xmlns:m="http://schemas.openxmlformats.org/officeDocument/2006/math">
+                      <m:sSub>
+                        <m:sSubPr>
+                          <m:ctrlPr>
+                            <a:rPr lang="en-US" b="0" i="1" dirty="0" smtClean="0">
+                              <a:latin typeface="Cambria Math" panose="02040503050406030204" pitchFamily="18" charset="0"/>
+                            </a:rPr>
+                          </m:ctrlPr>
+                        </m:sSubPr>
+                        <m:e>
+                          <m:r>
+                            <a:rPr lang="en-US" b="0" i="1" dirty="0" smtClean="0">
+                              <a:latin typeface="Cambria Math" panose="02040503050406030204" pitchFamily="18" charset="0"/>
+                            </a:rPr>
+                            <m:t>𝑥</m:t>
+                          </m:r>
+                        </m:e>
+                        <m:sub>
+                          <m:r>
+                            <a:rPr lang="en-US" b="0" i="1" dirty="0" smtClean="0">
+                              <a:latin typeface="Cambria Math" panose="02040503050406030204" pitchFamily="18" charset="0"/>
+                            </a:rPr>
+                            <m:t>2</m:t>
+                          </m:r>
+                        </m:sub>
+                      </m:sSub>
+                    </m:oMath>
+                  </m:oMathPara>
+                </a14:m>
+                <a:endParaRPr lang="en-US" dirty="0"/>
+              </a:p>
+            </p:txBody>
+          </p:sp>
+        </mc:Choice>
+        <mc:Fallback xmlns="">
+          <p:sp>
+            <p:nvSpPr>
+              <p:cNvPr id="26" name="TextBox 25">
+                <a:extLst>
+                  <a:ext uri="{FF2B5EF4-FFF2-40B4-BE49-F238E27FC236}">
+                    <a16:creationId xmlns:a16="http://schemas.microsoft.com/office/drawing/2014/main" id="{05AEAD62-F295-BF47-95F0-9696D4B73DBE}"/>
+                  </a:ext>
+                </a:extLst>
+              </p:cNvPr>
+              <p:cNvSpPr txBox="1">
+                <a:spLocks noRot="1" noChangeAspect="1" noMove="1" noResize="1" noEditPoints="1" noAdjustHandles="1" noChangeArrowheads="1" noChangeShapeType="1" noTextEdit="1"/>
+              </p:cNvSpPr>
+              <p:nvPr/>
+            </p:nvSpPr>
+            <p:spPr>
+              <a:xfrm>
+                <a:off x="3289941" y="3920780"/>
+                <a:ext cx="466090" cy="369332"/>
+              </a:xfrm>
+              <a:prstGeom prst="rect">
+                <a:avLst/>
+              </a:prstGeom>
+              <a:blipFill>
+                <a:blip r:embed="rId5"/>
+                <a:stretch>
+                  <a:fillRect/>
+                </a:stretch>
+              </a:blipFill>
+            </p:spPr>
+            <p:txBody>
+              <a:bodyPr/>
+              <a:lstStyle/>
+              <a:p>
+                <a:r>
+                  <a:rPr lang="en-US">
+                    <a:noFill/>
+                  </a:rPr>
+                  <a:t> </a:t>
+                </a:r>
+              </a:p>
+            </p:txBody>
+          </p:sp>
+        </mc:Fallback>
+      </mc:AlternateContent>
+    </p:spTree>
+    <p:extLst>
+      <p:ext uri="{BB962C8B-B14F-4D97-AF65-F5344CB8AC3E}">
+        <p14:creationId xmlns:p14="http://schemas.microsoft.com/office/powerpoint/2010/main" val="284366879"/>
+      </p:ext>
+    </p:extLst>
+  </p:cSld>
+  <p:clrMapOvr>
+    <a:masterClrMapping/>
+  </p:clrMapOvr>
+</p:sld>
+</file>
+
+<file path=ppt/slides/slide35.xml><?xml version="1.0" encoding="utf-8"?>
+<p:sld xmlns:a="http://schemas.openxmlformats.org/drawingml/2006/main" xmlns:r="http://schemas.openxmlformats.org/officeDocument/2006/relationships" xmlns:p="http://schemas.openxmlformats.org/presentationml/2006/main">
+  <p:cSld>
+    <p:spTree>
+      <p:nvGrpSpPr>
+        <p:cNvPr id="1" name=""/>
+        <p:cNvGrpSpPr/>
+        <p:nvPr/>
+      </p:nvGrpSpPr>
+      <p:grpSpPr>
+        <a:xfrm>
+          <a:off x="0" y="0"/>
+          <a:ext cx="0" cy="0"/>
+          <a:chOff x="0" y="0"/>
+          <a:chExt cx="0" cy="0"/>
+        </a:xfrm>
+      </p:grpSpPr>
+      <p:cxnSp>
+        <p:nvCxnSpPr>
+          <p:cNvPr id="14" name="Straight Arrow Connector 13">
+            <a:extLst>
+              <a:ext uri="{FF2B5EF4-FFF2-40B4-BE49-F238E27FC236}">
+                <a16:creationId xmlns:a16="http://schemas.microsoft.com/office/drawing/2014/main" id="{CAFC6370-769D-8048-ACB8-E08819D57620}"/>
+              </a:ext>
+            </a:extLst>
+          </p:cNvPr>
+          <p:cNvCxnSpPr>
+            <a:cxnSpLocks/>
+          </p:cNvCxnSpPr>
+          <p:nvPr/>
+        </p:nvCxnSpPr>
+        <p:spPr>
+          <a:xfrm>
+            <a:off x="814550" y="2680137"/>
+            <a:ext cx="6858001" cy="0"/>
+          </a:xfrm>
+          <a:prstGeom prst="straightConnector1">
+            <a:avLst/>
+          </a:prstGeom>
+          <a:ln w="57150" cap="flat" cmpd="sng" algn="ctr">
+            <a:solidFill>
+              <a:schemeClr val="bg2">
+                <a:lumMod val="90000"/>
+              </a:schemeClr>
+            </a:solidFill>
+            <a:prstDash val="solid"/>
+            <a:round/>
+            <a:headEnd type="none" w="med" len="med"/>
+            <a:tailEnd type="none" w="med" len="med"/>
+          </a:ln>
+        </p:spPr>
+        <p:style>
+          <a:lnRef idx="0">
+            <a:scrgbClr r="0" g="0" b="0"/>
+          </a:lnRef>
+          <a:fillRef idx="0">
+            <a:scrgbClr r="0" g="0" b="0"/>
+          </a:fillRef>
+          <a:effectRef idx="0">
+            <a:scrgbClr r="0" g="0" b="0"/>
+          </a:effectRef>
+          <a:fontRef idx="minor">
+            <a:schemeClr val="tx1"/>
+          </a:fontRef>
+        </p:style>
+      </p:cxnSp>
+      <p:cxnSp>
+        <p:nvCxnSpPr>
+          <p:cNvPr id="6" name="Straight Arrow Connector 5">
+            <a:extLst>
+              <a:ext uri="{FF2B5EF4-FFF2-40B4-BE49-F238E27FC236}">
+                <a16:creationId xmlns:a16="http://schemas.microsoft.com/office/drawing/2014/main" id="{AB936B2F-878E-8F4C-AB56-5FEB6CB714C2}"/>
+              </a:ext>
+            </a:extLst>
+          </p:cNvPr>
+          <p:cNvCxnSpPr>
+            <a:cxnSpLocks/>
+          </p:cNvCxnSpPr>
+          <p:nvPr/>
+        </p:nvCxnSpPr>
+        <p:spPr>
+          <a:xfrm flipV="1">
+            <a:off x="1072053" y="457200"/>
+            <a:ext cx="0" cy="5943600"/>
+          </a:xfrm>
+          <a:prstGeom prst="straightConnector1">
+            <a:avLst/>
+          </a:prstGeom>
+          <a:ln w="57150" cap="flat" cmpd="sng" algn="ctr">
+            <a:solidFill>
+              <a:schemeClr val="dk1"/>
+            </a:solidFill>
+            <a:prstDash val="solid"/>
+            <a:round/>
+            <a:headEnd type="none" w="med" len="med"/>
+            <a:tailEnd type="arrow" w="med" len="med"/>
+          </a:ln>
+        </p:spPr>
+        <p:style>
+          <a:lnRef idx="0">
+            <a:scrgbClr r="0" g="0" b="0"/>
+          </a:lnRef>
+          <a:fillRef idx="0">
+            <a:scrgbClr r="0" g="0" b="0"/>
+          </a:fillRef>
+          <a:effectRef idx="0">
+            <a:scrgbClr r="0" g="0" b="0"/>
+          </a:effectRef>
+          <a:fontRef idx="minor">
+            <a:schemeClr val="tx1"/>
+          </a:fontRef>
+        </p:style>
+      </p:cxnSp>
+      <p:cxnSp>
+        <p:nvCxnSpPr>
+          <p:cNvPr id="15" name="Straight Arrow Connector 14">
+            <a:extLst>
+              <a:ext uri="{FF2B5EF4-FFF2-40B4-BE49-F238E27FC236}">
+                <a16:creationId xmlns:a16="http://schemas.microsoft.com/office/drawing/2014/main" id="{50FAD106-4756-3649-A17D-1F0040AEFC5E}"/>
+              </a:ext>
+            </a:extLst>
+          </p:cNvPr>
+          <p:cNvCxnSpPr>
+            <a:cxnSpLocks/>
+          </p:cNvCxnSpPr>
+          <p:nvPr/>
+        </p:nvCxnSpPr>
+        <p:spPr>
+          <a:xfrm flipV="1">
+            <a:off x="4750675" y="457200"/>
+            <a:ext cx="0" cy="5943602"/>
+          </a:xfrm>
+          <a:prstGeom prst="straightConnector1">
+            <a:avLst/>
+          </a:prstGeom>
+          <a:ln w="57150" cap="flat" cmpd="sng" algn="ctr">
+            <a:solidFill>
+              <a:schemeClr val="bg2">
+                <a:lumMod val="90000"/>
+              </a:schemeClr>
+            </a:solidFill>
+            <a:prstDash val="solid"/>
+            <a:round/>
+            <a:headEnd type="none" w="med" len="med"/>
+            <a:tailEnd type="none" w="med" len="med"/>
+          </a:ln>
+        </p:spPr>
+        <p:style>
+          <a:lnRef idx="0">
+            <a:scrgbClr r="0" g="0" b="0"/>
+          </a:lnRef>
+          <a:fillRef idx="0">
+            <a:scrgbClr r="0" g="0" b="0"/>
+          </a:fillRef>
+          <a:effectRef idx="0">
+            <a:scrgbClr r="0" g="0" b="0"/>
+          </a:effectRef>
+          <a:fontRef idx="minor">
+            <a:schemeClr val="tx1"/>
+          </a:fontRef>
+        </p:style>
+      </p:cxnSp>
+      <p:cxnSp>
+        <p:nvCxnSpPr>
+          <p:cNvPr id="5" name="Straight Arrow Connector 4">
+            <a:extLst>
+              <a:ext uri="{FF2B5EF4-FFF2-40B4-BE49-F238E27FC236}">
+                <a16:creationId xmlns:a16="http://schemas.microsoft.com/office/drawing/2014/main" id="{FB4D6A3A-0477-0A4D-B067-3381D298E7F6}"/>
+              </a:ext>
+            </a:extLst>
+          </p:cNvPr>
+          <p:cNvCxnSpPr>
+            <a:cxnSpLocks/>
+          </p:cNvCxnSpPr>
+          <p:nvPr/>
+        </p:nvCxnSpPr>
+        <p:spPr>
+          <a:xfrm>
+            <a:off x="814550" y="6174827"/>
+            <a:ext cx="6858001" cy="0"/>
+          </a:xfrm>
+          <a:prstGeom prst="straightConnector1">
+            <a:avLst/>
+          </a:prstGeom>
+          <a:ln w="57150" cap="flat" cmpd="sng" algn="ctr">
+            <a:solidFill>
+              <a:schemeClr val="dk1"/>
+            </a:solidFill>
+            <a:prstDash val="solid"/>
+            <a:round/>
+            <a:headEnd type="none" w="med" len="med"/>
+            <a:tailEnd type="arrow" w="med" len="med"/>
+          </a:ln>
+        </p:spPr>
+        <p:style>
+          <a:lnRef idx="0">
+            <a:scrgbClr r="0" g="0" b="0"/>
+          </a:lnRef>
+          <a:fillRef idx="0">
+            <a:scrgbClr r="0" g="0" b="0"/>
+          </a:fillRef>
+          <a:effectRef idx="0">
+            <a:scrgbClr r="0" g="0" b="0"/>
+          </a:effectRef>
+          <a:fontRef idx="minor">
+            <a:schemeClr val="tx1"/>
+          </a:fontRef>
+        </p:style>
+      </p:cxnSp>
+      <p:sp>
+        <p:nvSpPr>
+          <p:cNvPr id="19" name="TextBox 18">
+            <a:extLst>
+              <a:ext uri="{FF2B5EF4-FFF2-40B4-BE49-F238E27FC236}">
+                <a16:creationId xmlns:a16="http://schemas.microsoft.com/office/drawing/2014/main" id="{5AC171B1-C392-AC4A-9C16-6A02DDA9C2CD}"/>
+              </a:ext>
+            </a:extLst>
+          </p:cNvPr>
+          <p:cNvSpPr txBox="1"/>
+          <p:nvPr/>
+        </p:nvSpPr>
+        <p:spPr>
+          <a:xfrm>
+            <a:off x="478703" y="2495471"/>
+            <a:ext cx="301686" cy="369332"/>
+          </a:xfrm>
+          <a:prstGeom prst="rect">
+            <a:avLst/>
+          </a:prstGeom>
+          <a:noFill/>
+        </p:spPr>
+        <p:txBody>
+          <a:bodyPr wrap="none" rtlCol="0">
+            <a:spAutoFit/>
+          </a:bodyPr>
+          <a:lstStyle/>
+          <a:p>
+            <a:r>
+              <a:rPr lang="en-US" dirty="0"/>
+              <a:t>1</a:t>
+            </a:r>
+          </a:p>
+        </p:txBody>
+      </p:sp>
+      <p:sp>
+        <p:nvSpPr>
+          <p:cNvPr id="20" name="TextBox 19">
+            <a:extLst>
+              <a:ext uri="{FF2B5EF4-FFF2-40B4-BE49-F238E27FC236}">
+                <a16:creationId xmlns:a16="http://schemas.microsoft.com/office/drawing/2014/main" id="{8BA9D229-E53B-FE45-BE3E-BE0719210243}"/>
+              </a:ext>
+            </a:extLst>
+          </p:cNvPr>
+          <p:cNvSpPr txBox="1"/>
+          <p:nvPr/>
+        </p:nvSpPr>
+        <p:spPr>
+          <a:xfrm>
+            <a:off x="4599832" y="6411310"/>
+            <a:ext cx="301686" cy="369332"/>
+          </a:xfrm>
+          <a:prstGeom prst="rect">
+            <a:avLst/>
+          </a:prstGeom>
+          <a:noFill/>
+        </p:spPr>
+        <p:txBody>
+          <a:bodyPr wrap="none" rtlCol="0">
+            <a:spAutoFit/>
+          </a:bodyPr>
+          <a:lstStyle/>
+          <a:p>
+            <a:r>
+              <a:rPr lang="en-US" dirty="0"/>
+              <a:t>1</a:t>
+            </a:r>
+          </a:p>
+        </p:txBody>
+      </p:sp>
+      <p:sp>
+        <p:nvSpPr>
+          <p:cNvPr id="21" name="TextBox 20">
+            <a:extLst>
+              <a:ext uri="{FF2B5EF4-FFF2-40B4-BE49-F238E27FC236}">
+                <a16:creationId xmlns:a16="http://schemas.microsoft.com/office/drawing/2014/main" id="{6826FFB4-8362-354D-B88B-C3DDA574DEE0}"/>
+              </a:ext>
+            </a:extLst>
+          </p:cNvPr>
+          <p:cNvSpPr txBox="1"/>
+          <p:nvPr/>
+        </p:nvSpPr>
+        <p:spPr>
+          <a:xfrm>
+            <a:off x="5847628" y="6395545"/>
+            <a:ext cx="1824923" cy="369332"/>
+          </a:xfrm>
+          <a:prstGeom prst="rect">
+            <a:avLst/>
+          </a:prstGeom>
+          <a:noFill/>
+        </p:spPr>
+        <p:txBody>
+          <a:bodyPr wrap="none" rtlCol="0">
+            <a:spAutoFit/>
+          </a:bodyPr>
+          <a:lstStyle/>
+          <a:p>
+            <a:r>
+              <a:rPr lang="en-US" dirty="0"/>
+              <a:t>value in patient A</a:t>
+            </a:r>
+          </a:p>
+        </p:txBody>
+      </p:sp>
+      <p:sp>
+        <p:nvSpPr>
+          <p:cNvPr id="22" name="TextBox 21">
+            <a:extLst>
+              <a:ext uri="{FF2B5EF4-FFF2-40B4-BE49-F238E27FC236}">
+                <a16:creationId xmlns:a16="http://schemas.microsoft.com/office/drawing/2014/main" id="{72A72548-DFC5-8047-BC30-A7D8611F3A6F}"/>
+              </a:ext>
+            </a:extLst>
+          </p:cNvPr>
+          <p:cNvSpPr txBox="1"/>
+          <p:nvPr/>
+        </p:nvSpPr>
+        <p:spPr>
+          <a:xfrm rot="16200000">
+            <a:off x="-278570" y="1161861"/>
+            <a:ext cx="1816908" cy="369332"/>
+          </a:xfrm>
+          <a:prstGeom prst="rect">
+            <a:avLst/>
+          </a:prstGeom>
+          <a:noFill/>
+        </p:spPr>
+        <p:txBody>
+          <a:bodyPr wrap="none" rtlCol="0">
+            <a:spAutoFit/>
+          </a:bodyPr>
+          <a:lstStyle/>
+          <a:p>
+            <a:r>
+              <a:rPr lang="en-US" dirty="0"/>
+              <a:t>value in patient B</a:t>
+            </a:r>
+          </a:p>
+        </p:txBody>
+      </p:sp>
+      <p:sp>
+        <p:nvSpPr>
+          <p:cNvPr id="23" name="Oval 22">
+            <a:extLst>
+              <a:ext uri="{FF2B5EF4-FFF2-40B4-BE49-F238E27FC236}">
+                <a16:creationId xmlns:a16="http://schemas.microsoft.com/office/drawing/2014/main" id="{EBE7D6A1-E716-AA4D-9A87-8791A9665575}"/>
+              </a:ext>
+            </a:extLst>
+          </p:cNvPr>
+          <p:cNvSpPr/>
+          <p:nvPr/>
+        </p:nvSpPr>
+        <p:spPr>
+          <a:xfrm>
+            <a:off x="6516771" y="1749970"/>
+            <a:ext cx="136635" cy="136635"/>
+          </a:xfrm>
+          <a:prstGeom prst="ellipse">
+            <a:avLst/>
+          </a:prstGeom>
+        </p:spPr>
+        <p:style>
+          <a:lnRef idx="2">
+            <a:schemeClr val="accent1">
+              <a:shade val="50000"/>
+            </a:schemeClr>
+          </a:lnRef>
+          <a:fillRef idx="1">
+            <a:schemeClr val="accent1"/>
+          </a:fillRef>
+          <a:effectRef idx="0">
+            <a:schemeClr val="accent1"/>
+          </a:effectRef>
+          <a:fontRef idx="minor">
+            <a:schemeClr val="lt1"/>
+          </a:fontRef>
+        </p:style>
+        <p:txBody>
+          <a:bodyPr rtlCol="0" anchor="ctr"/>
+          <a:lstStyle/>
+          <a:p>
+            <a:pPr algn="ctr"/>
+            <a:endParaRPr lang="en-US"/>
+          </a:p>
+        </p:txBody>
+      </p:sp>
+      <mc:AlternateContent xmlns:mc="http://schemas.openxmlformats.org/markup-compatibility/2006" xmlns:a14="http://schemas.microsoft.com/office/drawing/2010/main">
+        <mc:Choice Requires="a14">
+          <p:sp>
+            <p:nvSpPr>
+              <p:cNvPr id="24" name="TextBox 23">
+                <a:extLst>
+                  <a:ext uri="{FF2B5EF4-FFF2-40B4-BE49-F238E27FC236}">
+                    <a16:creationId xmlns:a16="http://schemas.microsoft.com/office/drawing/2014/main" id="{F09F560A-2706-3F4B-BA5C-323CD99C0794}"/>
+                  </a:ext>
+                </a:extLst>
+              </p:cNvPr>
+              <p:cNvSpPr txBox="1"/>
+              <p:nvPr/>
+            </p:nvSpPr>
+            <p:spPr>
+              <a:xfrm>
+                <a:off x="6674428" y="1633621"/>
+                <a:ext cx="371384" cy="369332"/>
+              </a:xfrm>
+              <a:prstGeom prst="rect">
+                <a:avLst/>
+              </a:prstGeom>
+              <a:noFill/>
+            </p:spPr>
+            <p:txBody>
+              <a:bodyPr wrap="none" rtlCol="0">
+                <a:spAutoFit/>
+              </a:bodyPr>
+              <a:lstStyle/>
+              <a:p>
+                <a:pPr/>
+                <a14:m>
+                  <m:oMathPara xmlns:m="http://schemas.openxmlformats.org/officeDocument/2006/math">
+                    <m:oMathParaPr>
+                      <m:jc m:val="centerGroup"/>
+                    </m:oMathParaPr>
+                    <m:oMath xmlns:m="http://schemas.openxmlformats.org/officeDocument/2006/math">
+                      <m:r>
+                        <a:rPr lang="en-US" i="1" dirty="0" smtClean="0">
+                          <a:latin typeface="Cambria Math" panose="02040503050406030204" pitchFamily="18" charset="0"/>
+                        </a:rPr>
+                        <m:t>𝑦</m:t>
+                      </m:r>
+                    </m:oMath>
+                  </m:oMathPara>
+                </a14:m>
+                <a:endParaRPr lang="en-US" dirty="0"/>
+              </a:p>
+            </p:txBody>
+          </p:sp>
+        </mc:Choice>
+        <mc:Fallback xmlns="">
+          <p:sp>
+            <p:nvSpPr>
+              <p:cNvPr id="24" name="TextBox 23">
+                <a:extLst>
+                  <a:ext uri="{FF2B5EF4-FFF2-40B4-BE49-F238E27FC236}">
+                    <a16:creationId xmlns:a16="http://schemas.microsoft.com/office/drawing/2014/main" id="{F09F560A-2706-3F4B-BA5C-323CD99C0794}"/>
+                  </a:ext>
+                </a:extLst>
+              </p:cNvPr>
+              <p:cNvSpPr txBox="1">
+                <a:spLocks noRot="1" noChangeAspect="1" noMove="1" noResize="1" noEditPoints="1" noAdjustHandles="1" noChangeArrowheads="1" noChangeShapeType="1" noTextEdit="1"/>
+              </p:cNvSpPr>
+              <p:nvPr/>
+            </p:nvSpPr>
+            <p:spPr>
+              <a:xfrm>
+                <a:off x="6674428" y="1633621"/>
+                <a:ext cx="371384" cy="369332"/>
+              </a:xfrm>
+              <a:prstGeom prst="rect">
+                <a:avLst/>
+              </a:prstGeom>
+              <a:blipFill>
+                <a:blip r:embed="rId2"/>
+                <a:stretch>
+                  <a:fillRect b="-6667"/>
+                </a:stretch>
+              </a:blipFill>
+            </p:spPr>
+            <p:txBody>
+              <a:bodyPr/>
+              <a:lstStyle/>
+              <a:p>
+                <a:r>
+                  <a:rPr lang="en-US">
+                    <a:noFill/>
+                  </a:rPr>
+                  <a:t> </a:t>
+                </a:r>
+              </a:p>
+            </p:txBody>
+          </p:sp>
+        </mc:Fallback>
+      </mc:AlternateContent>
+      <p:cxnSp>
+        <p:nvCxnSpPr>
+          <p:cNvPr id="12" name="Straight Arrow Connector 11">
+            <a:extLst>
+              <a:ext uri="{FF2B5EF4-FFF2-40B4-BE49-F238E27FC236}">
+                <a16:creationId xmlns:a16="http://schemas.microsoft.com/office/drawing/2014/main" id="{D08B0905-1745-2E45-AED5-8AA514EEA5A8}"/>
+              </a:ext>
+            </a:extLst>
+          </p:cNvPr>
+          <p:cNvCxnSpPr>
+            <a:cxnSpLocks/>
+          </p:cNvCxnSpPr>
+          <p:nvPr/>
+        </p:nvCxnSpPr>
+        <p:spPr>
+          <a:xfrm flipV="1">
+            <a:off x="1072053" y="2680137"/>
+            <a:ext cx="1849823" cy="3494689"/>
+          </a:xfrm>
+          <a:prstGeom prst="straightConnector1">
+            <a:avLst/>
+          </a:prstGeom>
+          <a:ln w="57150" cap="flat" cmpd="sng" algn="ctr">
+            <a:solidFill>
+              <a:schemeClr val="accent2"/>
+            </a:solidFill>
+            <a:prstDash val="solid"/>
+            <a:round/>
+            <a:headEnd type="none" w="med" len="med"/>
+            <a:tailEnd type="arrow" w="med" len="med"/>
+          </a:ln>
+        </p:spPr>
+        <p:style>
+          <a:lnRef idx="0">
+            <a:scrgbClr r="0" g="0" b="0"/>
+          </a:lnRef>
+          <a:fillRef idx="0">
+            <a:scrgbClr r="0" g="0" b="0"/>
+          </a:fillRef>
+          <a:effectRef idx="0">
+            <a:scrgbClr r="0" g="0" b="0"/>
+          </a:effectRef>
+          <a:fontRef idx="minor">
+            <a:schemeClr val="tx1"/>
+          </a:fontRef>
+        </p:style>
+      </p:cxnSp>
+      <mc:AlternateContent xmlns:mc="http://schemas.openxmlformats.org/markup-compatibility/2006" xmlns:a14="http://schemas.microsoft.com/office/drawing/2010/main">
+        <mc:Choice Requires="a14">
+          <p:sp>
+            <p:nvSpPr>
+              <p:cNvPr id="16" name="TextBox 15">
+                <a:extLst>
+                  <a:ext uri="{FF2B5EF4-FFF2-40B4-BE49-F238E27FC236}">
+                    <a16:creationId xmlns:a16="http://schemas.microsoft.com/office/drawing/2014/main" id="{9C06056C-D3AA-904F-9EA3-D919CB1616CA}"/>
+                  </a:ext>
+                </a:extLst>
+              </p:cNvPr>
+              <p:cNvSpPr txBox="1"/>
+              <p:nvPr/>
+            </p:nvSpPr>
+            <p:spPr>
+              <a:xfrm>
+                <a:off x="2230726" y="2735962"/>
+                <a:ext cx="460767" cy="369332"/>
+              </a:xfrm>
+              <a:prstGeom prst="rect">
+                <a:avLst/>
+              </a:prstGeom>
+              <a:noFill/>
+            </p:spPr>
+            <p:txBody>
+              <a:bodyPr wrap="none" rtlCol="0">
+                <a:spAutoFit/>
+              </a:bodyPr>
+              <a:lstStyle/>
+              <a:p>
+                <a:pPr/>
+                <a14:m>
+                  <m:oMathPara xmlns:m="http://schemas.openxmlformats.org/officeDocument/2006/math">
+                    <m:oMathParaPr>
+                      <m:jc m:val="centerGroup"/>
+                    </m:oMathParaPr>
+                    <m:oMath xmlns:m="http://schemas.openxmlformats.org/officeDocument/2006/math">
+                      <m:sSub>
+                        <m:sSubPr>
+                          <m:ctrlPr>
+                            <a:rPr lang="en-US" b="0" i="1" dirty="0" smtClean="0">
+                              <a:latin typeface="Cambria Math" panose="02040503050406030204" pitchFamily="18" charset="0"/>
+                            </a:rPr>
+                          </m:ctrlPr>
+                        </m:sSubPr>
+                        <m:e>
+                          <m:r>
+                            <a:rPr lang="en-US" b="0" i="1" dirty="0" smtClean="0">
+                              <a:latin typeface="Cambria Math" panose="02040503050406030204" pitchFamily="18" charset="0"/>
+                            </a:rPr>
+                            <m:t>𝑥</m:t>
+                          </m:r>
+                        </m:e>
+                        <m:sub>
+                          <m:r>
+                            <a:rPr lang="en-US" b="0" i="1" dirty="0" smtClean="0">
+                              <a:latin typeface="Cambria Math" panose="02040503050406030204" pitchFamily="18" charset="0"/>
+                            </a:rPr>
+                            <m:t>1</m:t>
+                          </m:r>
+                        </m:sub>
+                      </m:sSub>
+                    </m:oMath>
+                  </m:oMathPara>
+                </a14:m>
+                <a:endParaRPr lang="en-US" dirty="0"/>
+              </a:p>
+            </p:txBody>
+          </p:sp>
+        </mc:Choice>
+        <mc:Fallback xmlns="">
+          <p:sp>
+            <p:nvSpPr>
+              <p:cNvPr id="16" name="TextBox 15">
+                <a:extLst>
+                  <a:ext uri="{FF2B5EF4-FFF2-40B4-BE49-F238E27FC236}">
+                    <a16:creationId xmlns:a16="http://schemas.microsoft.com/office/drawing/2014/main" id="{9C06056C-D3AA-904F-9EA3-D919CB1616CA}"/>
+                  </a:ext>
+                </a:extLst>
+              </p:cNvPr>
+              <p:cNvSpPr txBox="1">
+                <a:spLocks noRot="1" noChangeAspect="1" noMove="1" noResize="1" noEditPoints="1" noAdjustHandles="1" noChangeArrowheads="1" noChangeShapeType="1" noTextEdit="1"/>
+              </p:cNvSpPr>
+              <p:nvPr/>
+            </p:nvSpPr>
+            <p:spPr>
+              <a:xfrm>
+                <a:off x="2230726" y="2735962"/>
+                <a:ext cx="460767" cy="369332"/>
+              </a:xfrm>
+              <a:prstGeom prst="rect">
+                <a:avLst/>
+              </a:prstGeom>
+              <a:blipFill>
+                <a:blip r:embed="rId3"/>
+                <a:stretch>
+                  <a:fillRect/>
+                </a:stretch>
+              </a:blipFill>
+            </p:spPr>
+            <p:txBody>
+              <a:bodyPr/>
+              <a:lstStyle/>
+              <a:p>
+                <a:r>
+                  <a:rPr lang="en-US">
+                    <a:noFill/>
+                  </a:rPr>
+                  <a:t> </a:t>
+                </a:r>
+              </a:p>
+            </p:txBody>
+          </p:sp>
+        </mc:Fallback>
+      </mc:AlternateContent>
+      <mc:AlternateContent xmlns:mc="http://schemas.openxmlformats.org/markup-compatibility/2006" xmlns:a14="http://schemas.microsoft.com/office/drawing/2010/main">
+        <mc:Choice Requires="a14">
+          <p:sp>
+            <p:nvSpPr>
+              <p:cNvPr id="2" name="TextBox 1">
+                <a:extLst>
+                  <a:ext uri="{FF2B5EF4-FFF2-40B4-BE49-F238E27FC236}">
+                    <a16:creationId xmlns:a16="http://schemas.microsoft.com/office/drawing/2014/main" id="{E70248FE-0F5C-DF40-90AE-52A9574AF457}"/>
+                  </a:ext>
+                </a:extLst>
+              </p:cNvPr>
+              <p:cNvSpPr txBox="1"/>
+              <p:nvPr/>
+            </p:nvSpPr>
+            <p:spPr>
+              <a:xfrm>
+                <a:off x="8144877" y="320456"/>
+                <a:ext cx="3632794" cy="6217087"/>
+              </a:xfrm>
+              <a:prstGeom prst="rect">
+                <a:avLst/>
+              </a:prstGeom>
+              <a:noFill/>
+            </p:spPr>
+            <p:txBody>
+              <a:bodyPr wrap="square" rtlCol="0">
+                <a:spAutoFit/>
+              </a:bodyPr>
+              <a:lstStyle/>
+              <a:p>
+                <a:r>
+                  <a:rPr lang="en-US" sz="2400" b="1" dirty="0"/>
+                  <a:t>Goal</a:t>
+                </a:r>
+                <a:r>
+                  <a:rPr lang="en-US" sz="2400" dirty="0"/>
+                  <a:t>: Predict </a:t>
+                </a:r>
+                <a14:m>
+                  <m:oMath xmlns:m="http://schemas.openxmlformats.org/officeDocument/2006/math">
+                    <m:r>
+                      <a:rPr lang="en-US" sz="2400" i="1" dirty="0" smtClean="0">
+                        <a:latin typeface="Cambria Math" panose="02040503050406030204" pitchFamily="18" charset="0"/>
+                      </a:rPr>
+                      <m:t>𝑦</m:t>
+                    </m:r>
+                  </m:oMath>
+                </a14:m>
+                <a:r>
+                  <a:rPr lang="en-US" sz="2400" dirty="0"/>
+                  <a:t> with </a:t>
+                </a:r>
+                <a14:m>
+                  <m:oMath xmlns:m="http://schemas.openxmlformats.org/officeDocument/2006/math">
+                    <m:sSub>
+                      <m:sSubPr>
+                        <m:ctrlPr>
+                          <a:rPr lang="en-US" sz="2400" i="1" dirty="0" smtClean="0">
+                            <a:latin typeface="Cambria Math" panose="02040503050406030204" pitchFamily="18" charset="0"/>
+                          </a:rPr>
+                        </m:ctrlPr>
+                      </m:sSubPr>
+                      <m:e>
+                        <m:r>
+                          <a:rPr lang="en-US" sz="2400" i="1" dirty="0" smtClean="0">
+                            <a:latin typeface="Cambria Math" panose="02040503050406030204" pitchFamily="18" charset="0"/>
+                          </a:rPr>
+                          <m:t>𝑥</m:t>
+                        </m:r>
+                      </m:e>
+                      <m:sub>
+                        <m:r>
+                          <a:rPr lang="en-US" sz="2400" i="1" dirty="0" smtClean="0">
+                            <a:latin typeface="Cambria Math" panose="02040503050406030204" pitchFamily="18" charset="0"/>
+                          </a:rPr>
+                          <m:t>1</m:t>
+                        </m:r>
+                      </m:sub>
+                    </m:sSub>
+                  </m:oMath>
+                </a14:m>
+                <a:r>
+                  <a:rPr lang="en-US" sz="2400" dirty="0"/>
+                  <a:t>, </a:t>
+                </a:r>
+                <a14:m>
+                  <m:oMath xmlns:m="http://schemas.openxmlformats.org/officeDocument/2006/math">
+                    <m:sSub>
+                      <m:sSubPr>
+                        <m:ctrlPr>
+                          <a:rPr lang="en-US" sz="2400" i="1" dirty="0" smtClean="0">
+                            <a:latin typeface="Cambria Math" panose="02040503050406030204" pitchFamily="18" charset="0"/>
+                          </a:rPr>
+                        </m:ctrlPr>
+                      </m:sSubPr>
+                      <m:e>
+                        <m:r>
+                          <a:rPr lang="en-US" sz="2400" i="1" dirty="0" smtClean="0">
+                            <a:latin typeface="Cambria Math" panose="02040503050406030204" pitchFamily="18" charset="0"/>
+                          </a:rPr>
+                          <m:t>𝑥</m:t>
+                        </m:r>
+                      </m:e>
+                      <m:sub>
+                        <m:r>
+                          <a:rPr lang="en-US" sz="2400" i="1" dirty="0" smtClean="0">
+                            <a:latin typeface="Cambria Math" panose="02040503050406030204" pitchFamily="18" charset="0"/>
+                          </a:rPr>
+                          <m:t>2</m:t>
+                        </m:r>
+                      </m:sub>
+                    </m:sSub>
+                  </m:oMath>
+                </a14:m>
+                <a:endParaRPr lang="en-US" sz="2400" dirty="0"/>
+              </a:p>
+              <a:p>
+                <a:endParaRPr lang="en-US" sz="2400" dirty="0"/>
+              </a:p>
+              <a:p>
+                <a:r>
+                  <a:rPr lang="en-US" sz="2400" dirty="0"/>
+                  <a:t>From a </a:t>
+                </a:r>
+                <a:r>
+                  <a:rPr lang="en-US" sz="2400" u="sng" dirty="0"/>
+                  <a:t>graphical</a:t>
+                </a:r>
+                <a:r>
+                  <a:rPr lang="en-US" sz="2400" dirty="0"/>
+                  <a:t> perspective, our goal is to get as close as possible to </a:t>
+                </a:r>
+                <a14:m>
+                  <m:oMath xmlns:m="http://schemas.openxmlformats.org/officeDocument/2006/math">
+                    <m:r>
+                      <a:rPr lang="en-US" sz="2400" i="1" dirty="0" smtClean="0">
+                        <a:latin typeface="Cambria Math" panose="02040503050406030204" pitchFamily="18" charset="0"/>
+                      </a:rPr>
+                      <m:t>𝑦</m:t>
+                    </m:r>
+                  </m:oMath>
+                </a14:m>
+                <a:r>
+                  <a:rPr lang="en-US" sz="2400" dirty="0"/>
+                  <a:t>. We can now move in both the </a:t>
+                </a:r>
+                <a14:m>
+                  <m:oMath xmlns:m="http://schemas.openxmlformats.org/officeDocument/2006/math">
+                    <m:sSub>
+                      <m:sSubPr>
+                        <m:ctrlPr>
+                          <a:rPr lang="en-US" sz="2400" i="1" dirty="0" smtClean="0">
+                            <a:latin typeface="Cambria Math" panose="02040503050406030204" pitchFamily="18" charset="0"/>
+                          </a:rPr>
+                        </m:ctrlPr>
+                      </m:sSubPr>
+                      <m:e>
+                        <m:r>
+                          <a:rPr lang="en-US" sz="2400" i="1" dirty="0" smtClean="0">
+                            <a:latin typeface="Cambria Math" panose="02040503050406030204" pitchFamily="18" charset="0"/>
+                          </a:rPr>
+                          <m:t>𝑥</m:t>
+                        </m:r>
+                      </m:e>
+                      <m:sub>
+                        <m:r>
+                          <a:rPr lang="en-US" sz="2400" i="1" dirty="0" smtClean="0">
+                            <a:latin typeface="Cambria Math" panose="02040503050406030204" pitchFamily="18" charset="0"/>
+                          </a:rPr>
+                          <m:t>1</m:t>
+                        </m:r>
+                      </m:sub>
+                    </m:sSub>
+                  </m:oMath>
+                </a14:m>
+                <a:r>
+                  <a:rPr lang="en-US" sz="2400" dirty="0"/>
+                  <a:t> direction and the </a:t>
+                </a:r>
+                <a14:m>
+                  <m:oMath xmlns:m="http://schemas.openxmlformats.org/officeDocument/2006/math">
+                    <m:sSub>
+                      <m:sSubPr>
+                        <m:ctrlPr>
+                          <a:rPr lang="en-US" sz="2400" i="1" dirty="0" smtClean="0">
+                            <a:latin typeface="Cambria Math" panose="02040503050406030204" pitchFamily="18" charset="0"/>
+                          </a:rPr>
+                        </m:ctrlPr>
+                      </m:sSubPr>
+                      <m:e>
+                        <m:r>
+                          <a:rPr lang="en-US" sz="2400" i="1" dirty="0" smtClean="0">
+                            <a:latin typeface="Cambria Math" panose="02040503050406030204" pitchFamily="18" charset="0"/>
+                          </a:rPr>
+                          <m:t>𝑥</m:t>
+                        </m:r>
+                      </m:e>
+                      <m:sub>
+                        <m:r>
+                          <a:rPr lang="en-US" sz="2400" i="1" dirty="0" smtClean="0">
+                            <a:latin typeface="Cambria Math" panose="02040503050406030204" pitchFamily="18" charset="0"/>
+                          </a:rPr>
+                          <m:t>2</m:t>
+                        </m:r>
+                      </m:sub>
+                    </m:sSub>
+                  </m:oMath>
+                </a14:m>
+                <a:r>
+                  <a:rPr lang="en-US" sz="2400" dirty="0"/>
+                  <a:t> direction.</a:t>
+                </a:r>
+              </a:p>
+              <a:p>
+                <a:endParaRPr lang="en-US" sz="2400" dirty="0"/>
+              </a:p>
+              <a:p>
+                <a:r>
+                  <a:rPr lang="en-US" sz="2400" dirty="0"/>
+                  <a:t>------------------------------------</a:t>
+                </a:r>
+              </a:p>
+              <a:p>
+                <a:endParaRPr lang="en-US" sz="2400" dirty="0"/>
+              </a:p>
+              <a:p>
+                <a:r>
+                  <a:rPr lang="en-US" sz="2400" i="1" dirty="0"/>
+                  <a:t>p = n</a:t>
+                </a:r>
+              </a:p>
+              <a:p>
+                <a:endParaRPr lang="en-US" sz="2400" i="1" dirty="0"/>
+              </a:p>
+              <a:p>
+                <a:r>
+                  <a:rPr lang="en-US" sz="2400" dirty="0"/>
+                  <a:t>Can always* predict perfectly on training set</a:t>
+                </a:r>
+              </a:p>
+              <a:p>
+                <a:endParaRPr lang="en-US" sz="2400" dirty="0"/>
+              </a:p>
+              <a:p>
+                <a:r>
+                  <a:rPr lang="en-US" sz="1400" dirty="0"/>
+                  <a:t>*assuming linearly independent predictors</a:t>
+                </a:r>
+              </a:p>
+            </p:txBody>
+          </p:sp>
+        </mc:Choice>
+        <mc:Fallback xmlns="">
+          <p:sp>
+            <p:nvSpPr>
+              <p:cNvPr id="2" name="TextBox 1">
+                <a:extLst>
+                  <a:ext uri="{FF2B5EF4-FFF2-40B4-BE49-F238E27FC236}">
+                    <a16:creationId xmlns:a16="http://schemas.microsoft.com/office/drawing/2014/main" id="{E70248FE-0F5C-DF40-90AE-52A9574AF457}"/>
+                  </a:ext>
+                </a:extLst>
+              </p:cNvPr>
+              <p:cNvSpPr txBox="1">
+                <a:spLocks noRot="1" noChangeAspect="1" noMove="1" noResize="1" noEditPoints="1" noAdjustHandles="1" noChangeArrowheads="1" noChangeShapeType="1" noTextEdit="1"/>
+              </p:cNvSpPr>
+              <p:nvPr/>
+            </p:nvSpPr>
+            <p:spPr>
+              <a:xfrm>
+                <a:off x="8144877" y="320456"/>
+                <a:ext cx="3632794" cy="6217087"/>
+              </a:xfrm>
+              <a:prstGeom prst="rect">
+                <a:avLst/>
+              </a:prstGeom>
+              <a:blipFill>
+                <a:blip r:embed="rId4"/>
+                <a:stretch>
+                  <a:fillRect l="-2787" t="-612" r="-348" b="-204"/>
+                </a:stretch>
+              </a:blipFill>
+            </p:spPr>
+            <p:txBody>
+              <a:bodyPr/>
+              <a:lstStyle/>
+              <a:p>
+                <a:r>
+                  <a:rPr lang="en-US">
+                    <a:noFill/>
+                  </a:rPr>
+                  <a:t> </a:t>
+                </a:r>
+              </a:p>
+            </p:txBody>
+          </p:sp>
+        </mc:Fallback>
+      </mc:AlternateContent>
+      <p:cxnSp>
+        <p:nvCxnSpPr>
+          <p:cNvPr id="18" name="Straight Arrow Connector 17">
+            <a:extLst>
+              <a:ext uri="{FF2B5EF4-FFF2-40B4-BE49-F238E27FC236}">
+                <a16:creationId xmlns:a16="http://schemas.microsoft.com/office/drawing/2014/main" id="{A1239A63-17C4-3545-ABD3-D239183490DB}"/>
+              </a:ext>
+            </a:extLst>
+          </p:cNvPr>
+          <p:cNvCxnSpPr>
+            <a:cxnSpLocks/>
+          </p:cNvCxnSpPr>
+          <p:nvPr/>
+        </p:nvCxnSpPr>
+        <p:spPr>
+          <a:xfrm flipV="1">
+            <a:off x="683568" y="-147145"/>
+            <a:ext cx="3775442" cy="7083973"/>
+          </a:xfrm>
+          <a:prstGeom prst="straightConnector1">
+            <a:avLst/>
+          </a:prstGeom>
+          <a:ln w="9525" cap="flat" cmpd="sng" algn="ctr">
+            <a:solidFill>
+              <a:schemeClr val="accent2"/>
+            </a:solidFill>
+            <a:prstDash val="dash"/>
+            <a:round/>
+            <a:headEnd type="none" w="med" len="med"/>
+            <a:tailEnd type="none" w="med" len="med"/>
+          </a:ln>
+        </p:spPr>
+        <p:style>
+          <a:lnRef idx="0">
+            <a:scrgbClr r="0" g="0" b="0"/>
+          </a:lnRef>
+          <a:fillRef idx="0">
+            <a:scrgbClr r="0" g="0" b="0"/>
+          </a:fillRef>
+          <a:effectRef idx="0">
+            <a:scrgbClr r="0" g="0" b="0"/>
+          </a:effectRef>
+          <a:fontRef idx="minor">
+            <a:schemeClr val="tx1"/>
+          </a:fontRef>
+        </p:style>
+      </p:cxnSp>
+      <p:cxnSp>
+        <p:nvCxnSpPr>
+          <p:cNvPr id="26" name="Straight Arrow Connector 25">
+            <a:extLst>
+              <a:ext uri="{FF2B5EF4-FFF2-40B4-BE49-F238E27FC236}">
+                <a16:creationId xmlns:a16="http://schemas.microsoft.com/office/drawing/2014/main" id="{AF594D74-AE45-E14F-A2A1-C25247625E5D}"/>
+              </a:ext>
+            </a:extLst>
+          </p:cNvPr>
+          <p:cNvCxnSpPr>
+            <a:cxnSpLocks/>
+          </p:cNvCxnSpPr>
+          <p:nvPr/>
+        </p:nvCxnSpPr>
+        <p:spPr>
+          <a:xfrm flipV="1">
+            <a:off x="1072052" y="3552497"/>
+            <a:ext cx="2680141" cy="2622330"/>
+          </a:xfrm>
+          <a:prstGeom prst="straightConnector1">
+            <a:avLst/>
+          </a:prstGeom>
+          <a:ln w="57150" cap="flat" cmpd="sng" algn="ctr">
+            <a:solidFill>
+              <a:schemeClr val="accent6"/>
+            </a:solidFill>
+            <a:prstDash val="solid"/>
+            <a:round/>
+            <a:headEnd type="none" w="med" len="med"/>
+            <a:tailEnd type="arrow" w="med" len="med"/>
+          </a:ln>
+        </p:spPr>
+        <p:style>
+          <a:lnRef idx="0">
+            <a:scrgbClr r="0" g="0" b="0"/>
+          </a:lnRef>
+          <a:fillRef idx="0">
+            <a:scrgbClr r="0" g="0" b="0"/>
+          </a:fillRef>
+          <a:effectRef idx="0">
+            <a:scrgbClr r="0" g="0" b="0"/>
+          </a:effectRef>
+          <a:fontRef idx="minor">
+            <a:schemeClr val="tx1"/>
+          </a:fontRef>
+        </p:style>
+      </p:cxnSp>
+      <p:cxnSp>
+        <p:nvCxnSpPr>
+          <p:cNvPr id="27" name="Straight Arrow Connector 26">
+            <a:extLst>
+              <a:ext uri="{FF2B5EF4-FFF2-40B4-BE49-F238E27FC236}">
+                <a16:creationId xmlns:a16="http://schemas.microsoft.com/office/drawing/2014/main" id="{CDD7DD7C-DABE-A947-945A-22098A734B29}"/>
+              </a:ext>
+            </a:extLst>
+          </p:cNvPr>
+          <p:cNvCxnSpPr>
+            <a:cxnSpLocks/>
+          </p:cNvCxnSpPr>
+          <p:nvPr/>
+        </p:nvCxnSpPr>
+        <p:spPr>
+          <a:xfrm flipV="1">
+            <a:off x="304395" y="-147146"/>
+            <a:ext cx="7242033" cy="7083974"/>
+          </a:xfrm>
+          <a:prstGeom prst="straightConnector1">
+            <a:avLst/>
+          </a:prstGeom>
+          <a:ln w="9525" cap="flat" cmpd="sng" algn="ctr">
+            <a:solidFill>
+              <a:schemeClr val="accent6"/>
+            </a:solidFill>
+            <a:prstDash val="dash"/>
+            <a:round/>
+            <a:headEnd type="none" w="med" len="med"/>
+            <a:tailEnd type="none" w="med" len="med"/>
+          </a:ln>
+        </p:spPr>
+        <p:style>
+          <a:lnRef idx="0">
+            <a:scrgbClr r="0" g="0" b="0"/>
+          </a:lnRef>
+          <a:fillRef idx="0">
+            <a:scrgbClr r="0" g="0" b="0"/>
+          </a:fillRef>
+          <a:effectRef idx="0">
+            <a:scrgbClr r="0" g="0" b="0"/>
+          </a:effectRef>
+          <a:fontRef idx="minor">
+            <a:schemeClr val="tx1"/>
+          </a:fontRef>
+        </p:style>
+      </p:cxnSp>
+      <mc:AlternateContent xmlns:mc="http://schemas.openxmlformats.org/markup-compatibility/2006" xmlns:a14="http://schemas.microsoft.com/office/drawing/2010/main">
+        <mc:Choice Requires="a14">
+          <p:sp>
+            <p:nvSpPr>
+              <p:cNvPr id="28" name="TextBox 27">
+                <a:extLst>
+                  <a:ext uri="{FF2B5EF4-FFF2-40B4-BE49-F238E27FC236}">
+                    <a16:creationId xmlns:a16="http://schemas.microsoft.com/office/drawing/2014/main" id="{F244A02C-ADF1-DF4D-9014-8A7E44C5FD44}"/>
+                  </a:ext>
+                </a:extLst>
+              </p:cNvPr>
+              <p:cNvSpPr txBox="1"/>
+              <p:nvPr/>
+            </p:nvSpPr>
+            <p:spPr>
+              <a:xfrm>
+                <a:off x="3289941" y="3920780"/>
+                <a:ext cx="466090" cy="369332"/>
+              </a:xfrm>
+              <a:prstGeom prst="rect">
+                <a:avLst/>
+              </a:prstGeom>
+              <a:noFill/>
+            </p:spPr>
+            <p:txBody>
+              <a:bodyPr wrap="none" rtlCol="0">
+                <a:spAutoFit/>
+              </a:bodyPr>
+              <a:lstStyle/>
+              <a:p>
+                <a:pPr/>
+                <a14:m>
+                  <m:oMathPara xmlns:m="http://schemas.openxmlformats.org/officeDocument/2006/math">
+                    <m:oMathParaPr>
+                      <m:jc m:val="centerGroup"/>
+                    </m:oMathParaPr>
+                    <m:oMath xmlns:m="http://schemas.openxmlformats.org/officeDocument/2006/math">
+                      <m:sSub>
+                        <m:sSubPr>
+                          <m:ctrlPr>
+                            <a:rPr lang="en-US" b="0" i="1" dirty="0" smtClean="0">
+                              <a:latin typeface="Cambria Math" panose="02040503050406030204" pitchFamily="18" charset="0"/>
+                            </a:rPr>
+                          </m:ctrlPr>
+                        </m:sSubPr>
+                        <m:e>
+                          <m:r>
+                            <a:rPr lang="en-US" b="0" i="1" dirty="0" smtClean="0">
+                              <a:latin typeface="Cambria Math" panose="02040503050406030204" pitchFamily="18" charset="0"/>
+                            </a:rPr>
+                            <m:t>𝑥</m:t>
+                          </m:r>
+                        </m:e>
+                        <m:sub>
+                          <m:r>
+                            <a:rPr lang="en-US" b="0" i="1" dirty="0" smtClean="0">
+                              <a:latin typeface="Cambria Math" panose="02040503050406030204" pitchFamily="18" charset="0"/>
+                            </a:rPr>
+                            <m:t>2</m:t>
+                          </m:r>
+                        </m:sub>
+                      </m:sSub>
+                    </m:oMath>
+                  </m:oMathPara>
+                </a14:m>
+                <a:endParaRPr lang="en-US" dirty="0"/>
+              </a:p>
+            </p:txBody>
+          </p:sp>
+        </mc:Choice>
+        <mc:Fallback xmlns="">
+          <p:sp>
+            <p:nvSpPr>
+              <p:cNvPr id="28" name="TextBox 27">
+                <a:extLst>
+                  <a:ext uri="{FF2B5EF4-FFF2-40B4-BE49-F238E27FC236}">
+                    <a16:creationId xmlns:a16="http://schemas.microsoft.com/office/drawing/2014/main" id="{F244A02C-ADF1-DF4D-9014-8A7E44C5FD44}"/>
+                  </a:ext>
+                </a:extLst>
+              </p:cNvPr>
+              <p:cNvSpPr txBox="1">
+                <a:spLocks noRot="1" noChangeAspect="1" noMove="1" noResize="1" noEditPoints="1" noAdjustHandles="1" noChangeArrowheads="1" noChangeShapeType="1" noTextEdit="1"/>
+              </p:cNvSpPr>
+              <p:nvPr/>
+            </p:nvSpPr>
+            <p:spPr>
+              <a:xfrm>
+                <a:off x="3289941" y="3920780"/>
+                <a:ext cx="466090" cy="369332"/>
+              </a:xfrm>
+              <a:prstGeom prst="rect">
+                <a:avLst/>
+              </a:prstGeom>
+              <a:blipFill>
+                <a:blip r:embed="rId5"/>
+                <a:stretch>
+                  <a:fillRect/>
+                </a:stretch>
+              </a:blipFill>
+            </p:spPr>
+            <p:txBody>
+              <a:bodyPr/>
+              <a:lstStyle/>
+              <a:p>
+                <a:r>
+                  <a:rPr lang="en-US">
+                    <a:noFill/>
+                  </a:rPr>
+                  <a:t> </a:t>
+                </a:r>
+              </a:p>
+            </p:txBody>
+          </p:sp>
+        </mc:Fallback>
+      </mc:AlternateContent>
+      <p:cxnSp>
+        <p:nvCxnSpPr>
+          <p:cNvPr id="29" name="Straight Arrow Connector 28">
+            <a:extLst>
+              <a:ext uri="{FF2B5EF4-FFF2-40B4-BE49-F238E27FC236}">
+                <a16:creationId xmlns:a16="http://schemas.microsoft.com/office/drawing/2014/main" id="{F5BC82F5-20EA-5D46-A724-79F4FE390E6C}"/>
+              </a:ext>
+            </a:extLst>
+          </p:cNvPr>
+          <p:cNvCxnSpPr>
+            <a:cxnSpLocks/>
+            <a:stCxn id="23" idx="7"/>
+          </p:cNvCxnSpPr>
+          <p:nvPr/>
+        </p:nvCxnSpPr>
+        <p:spPr>
+          <a:xfrm flipV="1">
+            <a:off x="6633396" y="-194434"/>
+            <a:ext cx="1025998" cy="1964414"/>
+          </a:xfrm>
+          <a:prstGeom prst="straightConnector1">
+            <a:avLst/>
+          </a:prstGeom>
+          <a:ln w="9525" cap="flat" cmpd="sng" algn="ctr">
+            <a:solidFill>
+              <a:schemeClr val="accent2"/>
+            </a:solidFill>
+            <a:prstDash val="dash"/>
+            <a:round/>
+            <a:headEnd type="none" w="med" len="med"/>
+            <a:tailEnd type="none" w="med" len="med"/>
+          </a:ln>
+        </p:spPr>
+        <p:style>
+          <a:lnRef idx="0">
+            <a:scrgbClr r="0" g="0" b="0"/>
+          </a:lnRef>
+          <a:fillRef idx="0">
+            <a:scrgbClr r="0" g="0" b="0"/>
+          </a:fillRef>
+          <a:effectRef idx="0">
+            <a:scrgbClr r="0" g="0" b="0"/>
+          </a:effectRef>
+          <a:fontRef idx="minor">
+            <a:schemeClr val="tx1"/>
+          </a:fontRef>
+        </p:style>
+      </p:cxnSp>
+    </p:spTree>
+    <p:extLst>
+      <p:ext uri="{BB962C8B-B14F-4D97-AF65-F5344CB8AC3E}">
+        <p14:creationId xmlns:p14="http://schemas.microsoft.com/office/powerpoint/2010/main" val="1818782415"/>
+      </p:ext>
+    </p:extLst>
+  </p:cSld>
+  <p:clrMapOvr>
+    <a:masterClrMapping/>
+  </p:clrMapOvr>
+</p:sld>
+</file>
+
+<file path=ppt/slides/slide36.xml><?xml version="1.0" encoding="utf-8"?>
+<p:sld xmlns:a="http://schemas.openxmlformats.org/drawingml/2006/main" xmlns:r="http://schemas.openxmlformats.org/officeDocument/2006/relationships" xmlns:p="http://schemas.openxmlformats.org/presentationml/2006/main">
+  <p:cSld>
+    <p:spTree>
+      <p:nvGrpSpPr>
+        <p:cNvPr id="1" name=""/>
+        <p:cNvGrpSpPr/>
+        <p:nvPr/>
+      </p:nvGrpSpPr>
+      <p:grpSpPr>
+        <a:xfrm>
+          <a:off x="0" y="0"/>
+          <a:ext cx="0" cy="0"/>
+          <a:chOff x="0" y="0"/>
+          <a:chExt cx="0" cy="0"/>
+        </a:xfrm>
+      </p:grpSpPr>
+      <p:sp>
+        <p:nvSpPr>
+          <p:cNvPr id="2" name="Title 1">
+            <a:extLst>
+              <a:ext uri="{FF2B5EF4-FFF2-40B4-BE49-F238E27FC236}">
+                <a16:creationId xmlns:a16="http://schemas.microsoft.com/office/drawing/2014/main" id="{E4D71E25-A115-4902-8FE2-16958DB01B1C}"/>
+              </a:ext>
+            </a:extLst>
+          </p:cNvPr>
+          <p:cNvSpPr>
+            <a:spLocks noGrp="1"/>
+          </p:cNvSpPr>
+          <p:nvPr>
+            <p:ph type="title"/>
+          </p:nvPr>
+        </p:nvSpPr>
+        <p:spPr/>
+        <p:txBody>
+          <a:bodyPr/>
+          <a:lstStyle/>
+          <a:p>
+            <a:r>
+              <a:rPr lang="en-US" dirty="0"/>
+              <a:t>Takeaways</a:t>
+            </a:r>
+          </a:p>
+        </p:txBody>
+      </p:sp>
+      <mc:AlternateContent xmlns:mc="http://schemas.openxmlformats.org/markup-compatibility/2006">
+        <mc:Choice xmlns:a14="http://schemas.microsoft.com/office/drawing/2010/main" Requires="a14">
+          <p:sp>
+            <p:nvSpPr>
+              <p:cNvPr id="3" name="Content Placeholder 2">
+                <a:extLst>
+                  <a:ext uri="{FF2B5EF4-FFF2-40B4-BE49-F238E27FC236}">
+                    <a16:creationId xmlns:a16="http://schemas.microsoft.com/office/drawing/2014/main" id="{AC43397A-05B3-B53C-0DEA-9FED089B939A}"/>
+                  </a:ext>
+                </a:extLst>
+              </p:cNvPr>
+              <p:cNvSpPr>
+                <a:spLocks noGrp="1"/>
+              </p:cNvSpPr>
+              <p:nvPr>
+                <p:ph idx="1"/>
+              </p:nvPr>
+            </p:nvSpPr>
+            <p:spPr/>
+            <p:txBody>
+              <a:bodyPr/>
+              <a:lstStyle/>
+              <a:p>
+                <a:r>
+                  <a:rPr lang="en-US" dirty="0"/>
+                  <a:t>When # points </a:t>
+                </a:r>
+                <a14:m>
+                  <m:oMath xmlns:m="http://schemas.openxmlformats.org/officeDocument/2006/math">
+                    <m:r>
+                      <a:rPr lang="en-US" i="1" dirty="0" smtClean="0">
+                        <a:latin typeface="Cambria Math" panose="02040503050406030204" pitchFamily="18" charset="0"/>
+                      </a:rPr>
+                      <m:t>≤</m:t>
+                    </m:r>
+                  </m:oMath>
+                </a14:m>
+                <a:r>
+                  <a:rPr lang="en-US" dirty="0"/>
+                  <a:t> # predictors, we can get perfect predictions (i.e. memorize the dataset)</a:t>
+                </a:r>
+              </a:p>
+              <a:p>
+                <a:endParaRPr lang="en-US" dirty="0"/>
+              </a:p>
+              <a:p>
+                <a:r>
+                  <a:rPr lang="en-US" dirty="0"/>
+                  <a:t>However, this typically requires very large model coefficients</a:t>
+                </a:r>
+              </a:p>
+              <a:p>
+                <a:endParaRPr lang="en-US" dirty="0"/>
+              </a:p>
+              <a:p>
+                <a:r>
+                  <a:rPr lang="en-US" dirty="0"/>
+                  <a:t>Regularization therefore prevents this behavior, and therefore tends to give us better generalization (i.e. out of sample) performance</a:t>
+                </a:r>
+              </a:p>
+            </p:txBody>
+          </p:sp>
+        </mc:Choice>
+        <mc:Fallback>
+          <p:sp>
+            <p:nvSpPr>
+              <p:cNvPr id="3" name="Content Placeholder 2">
+                <a:extLst>
+                  <a:ext uri="{FF2B5EF4-FFF2-40B4-BE49-F238E27FC236}">
+                    <a16:creationId xmlns:a16="http://schemas.microsoft.com/office/drawing/2014/main" id="{AC43397A-05B3-B53C-0DEA-9FED089B939A}"/>
+                  </a:ext>
+                </a:extLst>
+              </p:cNvPr>
+              <p:cNvSpPr>
+                <a:spLocks noGrp="1" noRot="1" noChangeAspect="1" noMove="1" noResize="1" noEditPoints="1" noAdjustHandles="1" noChangeArrowheads="1" noChangeShapeType="1" noTextEdit="1"/>
+              </p:cNvSpPr>
+              <p:nvPr>
+                <p:ph idx="1"/>
+              </p:nvPr>
+            </p:nvSpPr>
+            <p:spPr>
+              <a:blipFill>
+                <a:blip r:embed="rId2"/>
+                <a:stretch>
+                  <a:fillRect l="-1086" t="-2326"/>
+                </a:stretch>
+              </a:blipFill>
+            </p:spPr>
+            <p:txBody>
+              <a:bodyPr/>
+              <a:lstStyle/>
+              <a:p>
+                <a:r>
+                  <a:rPr lang="en-US">
+                    <a:noFill/>
+                  </a:rPr>
+                  <a:t> </a:t>
+                </a:r>
+              </a:p>
+            </p:txBody>
+          </p:sp>
+        </mc:Fallback>
+      </mc:AlternateContent>
+    </p:spTree>
+    <p:extLst>
+      <p:ext uri="{BB962C8B-B14F-4D97-AF65-F5344CB8AC3E}">
+        <p14:creationId xmlns:p14="http://schemas.microsoft.com/office/powerpoint/2010/main" val="474283595"/>
+      </p:ext>
+    </p:extLst>
+  </p:cSld>
+  <p:clrMapOvr>
+    <a:masterClrMapping/>
+  </p:clrMapOvr>
+</p:sld>
+</file>
+
+<file path=ppt/slides/slide37.xml><?xml version="1.0" encoding="utf-8"?>
+<p:sld xmlns:a="http://schemas.openxmlformats.org/drawingml/2006/main" xmlns:r="http://schemas.openxmlformats.org/officeDocument/2006/relationships" xmlns:p="http://schemas.openxmlformats.org/presentationml/2006/main">
+  <p:cSld>
+    <p:spTree>
+      <p:nvGrpSpPr>
+        <p:cNvPr id="1" name=""/>
+        <p:cNvGrpSpPr/>
+        <p:nvPr/>
+      </p:nvGrpSpPr>
+      <p:grpSpPr>
+        <a:xfrm>
+          <a:off x="0" y="0"/>
+          <a:ext cx="0" cy="0"/>
+          <a:chOff x="0" y="0"/>
+          <a:chExt cx="0" cy="0"/>
+        </a:xfrm>
+      </p:grpSpPr>
+      <p:sp>
+        <p:nvSpPr>
+          <p:cNvPr id="2" name="Title 1">
+            <a:extLst>
+              <a:ext uri="{FF2B5EF4-FFF2-40B4-BE49-F238E27FC236}">
+                <a16:creationId xmlns:a16="http://schemas.microsoft.com/office/drawing/2014/main" id="{7CA4EE16-017C-5489-3967-FEB717C9692B}"/>
+              </a:ext>
+            </a:extLst>
+          </p:cNvPr>
+          <p:cNvSpPr>
+            <a:spLocks noGrp="1"/>
+          </p:cNvSpPr>
+          <p:nvPr>
+            <p:ph type="title"/>
+          </p:nvPr>
+        </p:nvSpPr>
+        <p:spPr/>
+        <p:txBody>
+          <a:bodyPr/>
+          <a:lstStyle/>
+          <a:p>
+            <a:r>
+              <a:rPr lang="en-US" dirty="0"/>
+              <a:t>Cross-Validation</a:t>
+            </a:r>
+          </a:p>
+        </p:txBody>
+      </p:sp>
+      <p:sp>
+        <p:nvSpPr>
+          <p:cNvPr id="3" name="Text Placeholder 2">
+            <a:extLst>
+              <a:ext uri="{FF2B5EF4-FFF2-40B4-BE49-F238E27FC236}">
+                <a16:creationId xmlns:a16="http://schemas.microsoft.com/office/drawing/2014/main" id="{E4601AEF-BE44-92B6-A028-58702380B290}"/>
+              </a:ext>
+            </a:extLst>
+          </p:cNvPr>
+          <p:cNvSpPr>
+            <a:spLocks noGrp="1"/>
+          </p:cNvSpPr>
+          <p:nvPr>
+            <p:ph type="body" idx="1"/>
+          </p:nvPr>
+        </p:nvSpPr>
+        <p:spPr/>
+        <p:txBody>
+          <a:bodyPr/>
+          <a:lstStyle/>
+          <a:p>
+            <a:r>
+              <a:rPr lang="en-US" dirty="0"/>
+              <a:t>(time permitting)</a:t>
+            </a:r>
+          </a:p>
+        </p:txBody>
+      </p:sp>
+    </p:spTree>
+    <p:extLst>
+      <p:ext uri="{BB962C8B-B14F-4D97-AF65-F5344CB8AC3E}">
+        <p14:creationId xmlns:p14="http://schemas.microsoft.com/office/powerpoint/2010/main" val="243647474"/>
+      </p:ext>
+    </p:extLst>
+  </p:cSld>
+  <p:clrMapOvr>
+    <a:masterClrMapping/>
+  </p:clrMapOvr>
+</p:sld>
+</file>
+
+<file path=ppt/slides/slide38.xml><?xml version="1.0" encoding="utf-8"?>
 <p:sld xmlns:a="http://schemas.openxmlformats.org/drawingml/2006/main" xmlns:r="http://schemas.openxmlformats.org/officeDocument/2006/relationships" xmlns:p="http://schemas.openxmlformats.org/presentationml/2006/main">
   <p:cSld>
     <p:spTree>
@@ -22712,333 +31338,6 @@
   <p:clrMapOvr>
     <a:masterClrMapping/>
   </p:clrMapOvr>
-</p:sld>
-</file>
-
-<file path=ppt/slides/slide25.xml><?xml version="1.0" encoding="utf-8"?>
-<p:sld xmlns:a="http://schemas.openxmlformats.org/drawingml/2006/main" xmlns:r="http://schemas.openxmlformats.org/officeDocument/2006/relationships" xmlns:p="http://schemas.openxmlformats.org/presentationml/2006/main">
-  <p:cSld>
-    <p:spTree>
-      <p:nvGrpSpPr>
-        <p:cNvPr id="1" name=""/>
-        <p:cNvGrpSpPr/>
-        <p:nvPr/>
-      </p:nvGrpSpPr>
-      <p:grpSpPr>
-        <a:xfrm>
-          <a:off x="0" y="0"/>
-          <a:ext cx="0" cy="0"/>
-          <a:chOff x="0" y="0"/>
-          <a:chExt cx="0" cy="0"/>
-        </a:xfrm>
-      </p:grpSpPr>
-      <p:sp>
-        <p:nvSpPr>
-          <p:cNvPr id="2" name="Title 1">
-            <a:extLst>
-              <a:ext uri="{FF2B5EF4-FFF2-40B4-BE49-F238E27FC236}">
-                <a16:creationId xmlns:a16="http://schemas.microsoft.com/office/drawing/2014/main" id="{25525B14-3056-670D-6060-FCA3BA3E6432}"/>
-              </a:ext>
-            </a:extLst>
-          </p:cNvPr>
-          <p:cNvSpPr>
-            <a:spLocks noGrp="1"/>
-          </p:cNvSpPr>
-          <p:nvPr>
-            <p:ph type="title"/>
-          </p:nvPr>
-        </p:nvSpPr>
-        <p:spPr/>
-        <p:txBody>
-          <a:bodyPr/>
-          <a:lstStyle/>
-          <a:p>
-            <a:r>
-              <a:rPr lang="en-US" dirty="0"/>
-              <a:t>Overfitting: not just for neural networks</a:t>
-            </a:r>
-          </a:p>
-        </p:txBody>
-      </p:sp>
-      <p:sp>
-        <p:nvSpPr>
-          <p:cNvPr id="3" name="Content Placeholder 2">
-            <a:extLst>
-              <a:ext uri="{FF2B5EF4-FFF2-40B4-BE49-F238E27FC236}">
-                <a16:creationId xmlns:a16="http://schemas.microsoft.com/office/drawing/2014/main" id="{F68549A4-A9F6-B25A-2191-AAEE10CF872B}"/>
-              </a:ext>
-            </a:extLst>
-          </p:cNvPr>
-          <p:cNvSpPr>
-            <a:spLocks noGrp="1"/>
-          </p:cNvSpPr>
-          <p:nvPr>
-            <p:ph idx="1"/>
-          </p:nvPr>
-        </p:nvSpPr>
-        <p:spPr/>
-        <p:txBody>
-          <a:bodyPr/>
-          <a:lstStyle/>
-          <a:p>
-            <a:r>
-              <a:rPr lang="en-US" dirty="0"/>
-              <a:t>In fact, logistic regression can do this too provided we have enough N linearly independent predictors (sufficient to span N-dimensional space, where N is the number of cases / data points)</a:t>
-            </a:r>
-          </a:p>
-          <a:p>
-            <a:endParaRPr lang="en-US" dirty="0"/>
-          </a:p>
-        </p:txBody>
-      </p:sp>
-    </p:spTree>
-    <p:extLst>
-      <p:ext uri="{BB962C8B-B14F-4D97-AF65-F5344CB8AC3E}">
-        <p14:creationId xmlns:p14="http://schemas.microsoft.com/office/powerpoint/2010/main" val="3684657187"/>
-      </p:ext>
-    </p:extLst>
-  </p:cSld>
-  <p:clrMapOvr>
-    <a:masterClrMapping/>
-  </p:clrMapOvr>
-</p:sld>
-</file>
-
-<file path=ppt/slides/slide3.xml><?xml version="1.0" encoding="utf-8"?>
-<p:sld xmlns:a="http://schemas.openxmlformats.org/drawingml/2006/main" xmlns:r="http://schemas.openxmlformats.org/officeDocument/2006/relationships" xmlns:p="http://schemas.openxmlformats.org/presentationml/2006/main">
-  <p:cSld>
-    <p:spTree>
-      <p:nvGrpSpPr>
-        <p:cNvPr id="1" name=""/>
-        <p:cNvGrpSpPr/>
-        <p:nvPr/>
-      </p:nvGrpSpPr>
-      <p:grpSpPr>
-        <a:xfrm>
-          <a:off x="0" y="0"/>
-          <a:ext cx="0" cy="0"/>
-          <a:chOff x="0" y="0"/>
-          <a:chExt cx="0" cy="0"/>
-        </a:xfrm>
-      </p:grpSpPr>
-      <p:sp>
-        <p:nvSpPr>
-          <p:cNvPr id="2" name="Title 1"/>
-          <p:cNvSpPr>
-            <a:spLocks noGrp="1"/>
-          </p:cNvSpPr>
-          <p:nvPr>
-            <p:ph type="title"/>
-          </p:nvPr>
-        </p:nvSpPr>
-        <p:spPr>
-          <a:xfrm>
-            <a:off x="284724" y="205845"/>
-            <a:ext cx="12052852" cy="1143000"/>
-          </a:xfrm>
-        </p:spPr>
-        <p:txBody>
-          <a:bodyPr>
-            <a:noAutofit/>
-          </a:bodyPr>
-          <a:lstStyle/>
-          <a:p>
-            <a:r>
-              <a:rPr lang="en-US" sz="3733" dirty="0"/>
-              <a:t>Which boundary performs better on unseen data?</a:t>
-            </a:r>
-            <a:endParaRPr lang="en-US" sz="1867" dirty="0"/>
-          </a:p>
-        </p:txBody>
-      </p:sp>
-      <p:pic>
-        <p:nvPicPr>
-          <p:cNvPr id="3" name="Picture 2"/>
-          <p:cNvPicPr>
-            <a:picLocks noChangeAspect="1"/>
-          </p:cNvPicPr>
-          <p:nvPr/>
-        </p:nvPicPr>
-        <p:blipFill>
-          <a:blip r:embed="rId3" cstate="email">
-            <a:extLst>
-              <a:ext uri="{28A0092B-C50C-407E-A947-70E740481C1C}">
-                <a14:useLocalDpi xmlns:a14="http://schemas.microsoft.com/office/drawing/2010/main"/>
-              </a:ext>
-            </a:extLst>
-          </a:blip>
-          <a:stretch>
-            <a:fillRect/>
-          </a:stretch>
-        </p:blipFill>
-        <p:spPr>
-          <a:xfrm>
-            <a:off x="640259" y="1865376"/>
-            <a:ext cx="4325112" cy="4325112"/>
-          </a:xfrm>
-          <a:prstGeom prst="rect">
-            <a:avLst/>
-          </a:prstGeom>
-        </p:spPr>
-      </p:pic>
-      <p:sp>
-        <p:nvSpPr>
-          <p:cNvPr id="4" name="TextBox 3"/>
-          <p:cNvSpPr txBox="1"/>
-          <p:nvPr/>
-        </p:nvSpPr>
-        <p:spPr>
-          <a:xfrm>
-            <a:off x="5423978" y="2135106"/>
-            <a:ext cx="6265253" cy="2308324"/>
-          </a:xfrm>
-          <a:prstGeom prst="rect">
-            <a:avLst/>
-          </a:prstGeom>
-          <a:noFill/>
-        </p:spPr>
-        <p:txBody>
-          <a:bodyPr wrap="square" rtlCol="0">
-            <a:spAutoFit/>
-          </a:bodyPr>
-          <a:lstStyle/>
-          <a:p>
-            <a:r>
-              <a:rPr lang="en-US" sz="2400" dirty="0">
-                <a:solidFill>
-                  <a:srgbClr val="14B214"/>
-                </a:solidFill>
-              </a:rPr>
-              <a:t>Green boundary:</a:t>
-            </a:r>
-          </a:p>
-          <a:p>
-            <a:pPr marL="342891" indent="-342891">
-              <a:buFontTx/>
-              <a:buChar char="-"/>
-            </a:pPr>
-            <a:r>
-              <a:rPr lang="en-US" sz="2400" dirty="0">
-                <a:solidFill>
-                  <a:srgbClr val="14B214"/>
-                </a:solidFill>
-              </a:rPr>
-              <a:t>Correct predictions for </a:t>
-            </a:r>
-            <a:r>
-              <a:rPr lang="en-US" sz="2400" i="1" dirty="0">
-                <a:solidFill>
-                  <a:srgbClr val="14B214"/>
-                </a:solidFill>
-              </a:rPr>
-              <a:t>all</a:t>
-            </a:r>
-            <a:r>
-              <a:rPr lang="en-US" sz="2400" dirty="0">
-                <a:solidFill>
-                  <a:srgbClr val="14B214"/>
-                </a:solidFill>
-              </a:rPr>
-              <a:t> training data</a:t>
-            </a:r>
-          </a:p>
-          <a:p>
-            <a:pPr marL="342891" indent="-342891">
-              <a:buFontTx/>
-              <a:buChar char="-"/>
-            </a:pPr>
-            <a:r>
-              <a:rPr lang="en-US" sz="2400" dirty="0">
-                <a:solidFill>
-                  <a:srgbClr val="14B214"/>
-                </a:solidFill>
-              </a:rPr>
-              <a:t>Very likely to be </a:t>
-            </a:r>
-            <a:r>
-              <a:rPr lang="en-US" sz="2400" u="sng" dirty="0">
-                <a:solidFill>
-                  <a:srgbClr val="14B214"/>
-                </a:solidFill>
-              </a:rPr>
-              <a:t>overfitting</a:t>
-            </a:r>
-          </a:p>
-          <a:p>
-            <a:endParaRPr lang="en-US" sz="2400" dirty="0"/>
-          </a:p>
-          <a:p>
-            <a:r>
-              <a:rPr lang="en-US" sz="2400" dirty="0"/>
-              <a:t>Black boundary:</a:t>
-            </a:r>
-          </a:p>
-          <a:p>
-            <a:pPr marL="342891" indent="-342891">
-              <a:buFontTx/>
-              <a:buChar char="-"/>
-            </a:pPr>
-            <a:r>
-              <a:rPr lang="en-US" sz="2400" dirty="0"/>
-              <a:t>Balance between fit and model complexity</a:t>
-            </a:r>
-          </a:p>
-        </p:txBody>
-      </p:sp>
-      <p:sp>
-        <p:nvSpPr>
-          <p:cNvPr id="5" name="Rectangle 4"/>
-          <p:cNvSpPr/>
-          <p:nvPr/>
-        </p:nvSpPr>
-        <p:spPr>
-          <a:xfrm>
-            <a:off x="0" y="6190490"/>
-            <a:ext cx="6096000" cy="261610"/>
-          </a:xfrm>
-          <a:prstGeom prst="rect">
-            <a:avLst/>
-          </a:prstGeom>
-        </p:spPr>
-        <p:txBody>
-          <a:bodyPr>
-            <a:spAutoFit/>
-          </a:bodyPr>
-          <a:lstStyle/>
-          <a:p>
-            <a:r>
-              <a:rPr lang="en-US" sz="1100" dirty="0"/>
-              <a:t>By </a:t>
-            </a:r>
-            <a:r>
-              <a:rPr lang="en-US" sz="1100" dirty="0" err="1"/>
-              <a:t>Chabacano</a:t>
-            </a:r>
-            <a:r>
-              <a:rPr lang="en-US" sz="1100" dirty="0"/>
-              <a:t> - Own work, CC BY-SA 4.0, https://commons.wikimedia.org/w/index.php?curid=3610704</a:t>
-            </a:r>
-          </a:p>
-        </p:txBody>
-      </p:sp>
-    </p:spTree>
-    <p:extLst>
-      <p:ext uri="{BB962C8B-B14F-4D97-AF65-F5344CB8AC3E}">
-        <p14:creationId xmlns:p14="http://schemas.microsoft.com/office/powerpoint/2010/main" val="4115762806"/>
-      </p:ext>
-    </p:extLst>
-  </p:cSld>
-  <p:clrMapOvr>
-    <a:masterClrMapping/>
-  </p:clrMapOvr>
-  <mc:AlternateContent xmlns:mc="http://schemas.openxmlformats.org/markup-compatibility/2006" xmlns:p14="http://schemas.microsoft.com/office/powerpoint/2010/main">
-    <mc:Choice Requires="p14">
-      <p:transition spd="slow" p14:dur="2000" advTm="87124"/>
-    </mc:Choice>
-    <mc:Fallback xmlns="">
-      <p:transition spd="slow" advTm="87124"/>
-    </mc:Fallback>
-  </mc:AlternateContent>
 </p:sld>
 </file>
 

--- a/lectures/mitigating_overfitting.pptx
+++ b/lectures/mitigating_overfitting.pptx
@@ -5,7 +5,7 @@
     <p:sldMasterId id="2147483648" r:id="rId1"/>
   </p:sldMasterIdLst>
   <p:notesMasterIdLst>
-    <p:notesMasterId r:id="rId40"/>
+    <p:notesMasterId r:id="rId42"/>
   </p:notesMasterIdLst>
   <p:sldIdLst>
     <p:sldId id="256" r:id="rId2"/>
@@ -45,7 +45,9 @@
     <p:sldId id="265" r:id="rId36"/>
     <p:sldId id="636" r:id="rId37"/>
     <p:sldId id="635" r:id="rId38"/>
-    <p:sldId id="464" r:id="rId39"/>
+    <p:sldId id="640" r:id="rId39"/>
+    <p:sldId id="641" r:id="rId40"/>
+    <p:sldId id="464" r:id="rId41"/>
   </p:sldIdLst>
   <p:sldSz cx="12192000" cy="6858000"/>
   <p:notesSz cx="6858000" cy="9144000"/>
@@ -764,6 +766,90 @@
     <p:extLst>
       <p:ext uri="{BB962C8B-B14F-4D97-AF65-F5344CB8AC3E}">
         <p14:creationId xmlns:p14="http://schemas.microsoft.com/office/powerpoint/2010/main" val="2225299328"/>
+      </p:ext>
+    </p:extLst>
+  </p:cSld>
+  <p:clrMapOvr>
+    <a:masterClrMapping/>
+  </p:clrMapOvr>
+</p:notes>
+</file>
+
+<file path=ppt/notesSlides/notesSlide11.xml><?xml version="1.0" encoding="utf-8"?>
+<p:notes xmlns:a="http://schemas.openxmlformats.org/drawingml/2006/main" xmlns:r="http://schemas.openxmlformats.org/officeDocument/2006/relationships" xmlns:p="http://schemas.openxmlformats.org/presentationml/2006/main">
+  <p:cSld>
+    <p:spTree>
+      <p:nvGrpSpPr>
+        <p:cNvPr id="1" name=""/>
+        <p:cNvGrpSpPr/>
+        <p:nvPr/>
+      </p:nvGrpSpPr>
+      <p:grpSpPr>
+        <a:xfrm>
+          <a:off x="0" y="0"/>
+          <a:ext cx="0" cy="0"/>
+          <a:chOff x="0" y="0"/>
+          <a:chExt cx="0" cy="0"/>
+        </a:xfrm>
+      </p:grpSpPr>
+      <p:sp>
+        <p:nvSpPr>
+          <p:cNvPr id="2" name="Slide Image Placeholder 1"/>
+          <p:cNvSpPr>
+            <a:spLocks noGrp="1" noRot="1" noChangeAspect="1"/>
+          </p:cNvSpPr>
+          <p:nvPr>
+            <p:ph type="sldImg"/>
+          </p:nvPr>
+        </p:nvSpPr>
+        <p:spPr/>
+      </p:sp>
+      <p:sp>
+        <p:nvSpPr>
+          <p:cNvPr id="3" name="Notes Placeholder 2"/>
+          <p:cNvSpPr>
+            <a:spLocks noGrp="1"/>
+          </p:cNvSpPr>
+          <p:nvPr>
+            <p:ph type="body" idx="1"/>
+          </p:nvPr>
+        </p:nvSpPr>
+        <p:spPr/>
+        <p:txBody>
+          <a:bodyPr/>
+          <a:lstStyle/>
+          <a:p>
+            <a:endParaRPr lang="en-US" dirty="0"/>
+          </a:p>
+        </p:txBody>
+      </p:sp>
+      <p:sp>
+        <p:nvSpPr>
+          <p:cNvPr id="4" name="Slide Number Placeholder 3"/>
+          <p:cNvSpPr>
+            <a:spLocks noGrp="1"/>
+          </p:cNvSpPr>
+          <p:nvPr>
+            <p:ph type="sldNum" sz="quarter" idx="5"/>
+          </p:nvPr>
+        </p:nvSpPr>
+        <p:spPr/>
+        <p:txBody>
+          <a:bodyPr/>
+          <a:lstStyle/>
+          <a:p>
+            <a:fld id="{209936FE-1CA5-6E47-9A7D-6B47478F9B92}" type="slidenum">
+              <a:rPr lang="en-US" smtClean="0"/>
+              <a:t>39</a:t>
+            </a:fld>
+            <a:endParaRPr lang="en-US"/>
+          </a:p>
+        </p:txBody>
+      </p:sp>
+    </p:spTree>
+    <p:extLst>
+      <p:ext uri="{BB962C8B-B14F-4D97-AF65-F5344CB8AC3E}">
+        <p14:creationId xmlns:p14="http://schemas.microsoft.com/office/powerpoint/2010/main" val="1716015105"/>
       </p:ext>
     </p:extLst>
   </p:cSld>
@@ -22561,8 +22647,8 @@
           </a:fontRef>
         </p:style>
       </p:cxnSp>
-      <mc:AlternateContent xmlns:mc="http://schemas.openxmlformats.org/markup-compatibility/2006">
-        <mc:Choice xmlns:a14="http://schemas.microsoft.com/office/drawing/2010/main" Requires="a14">
+      <mc:AlternateContent xmlns:mc="http://schemas.openxmlformats.org/markup-compatibility/2006" xmlns:a14="http://schemas.microsoft.com/office/drawing/2010/main">
+        <mc:Choice Requires="a14">
           <p:sp>
             <p:nvSpPr>
               <p:cNvPr id="8" name="TextBox 7">
@@ -22678,7 +22764,7 @@
             </p:txBody>
           </p:sp>
         </mc:Choice>
-        <mc:Fallback>
+        <mc:Fallback xmlns="">
           <p:sp>
             <p:nvSpPr>
               <p:cNvPr id="8" name="TextBox 7">
@@ -30941,8 +31027,8 @@
           </a:p>
         </p:txBody>
       </p:sp>
-      <mc:AlternateContent xmlns:mc="http://schemas.openxmlformats.org/markup-compatibility/2006">
-        <mc:Choice xmlns:a14="http://schemas.microsoft.com/office/drawing/2010/main" Requires="a14">
+      <mc:AlternateContent xmlns:mc="http://schemas.openxmlformats.org/markup-compatibility/2006" xmlns:a14="http://schemas.microsoft.com/office/drawing/2010/main">
+        <mc:Choice Requires="a14">
           <p:sp>
             <p:nvSpPr>
               <p:cNvPr id="3" name="Content Placeholder 2">
@@ -31004,7 +31090,7 @@
             </p:txBody>
           </p:sp>
         </mc:Choice>
-        <mc:Fallback>
+        <mc:Fallback xmlns="">
           <p:sp>
             <p:nvSpPr>
               <p:cNvPr id="3" name="Content Placeholder 2">
@@ -31183,109 +31269,17 @@
           <a:p>
             <a:r>
               <a:rPr lang="en-US" dirty="0"/>
-              <a:t>What if we don’t have enough data for this?</a:t>
+              <a:t>Traditional “split” for development + eval</a:t>
             </a:r>
           </a:p>
         </p:txBody>
       </p:sp>
       <p:sp>
         <p:nvSpPr>
-          <p:cNvPr id="3" name="Content Placeholder 2">
+          <p:cNvPr id="9" name="Rounded Rectangle 8">
             <a:extLst>
               <a:ext uri="{FF2B5EF4-FFF2-40B4-BE49-F238E27FC236}">
-                <a16:creationId xmlns:a16="http://schemas.microsoft.com/office/drawing/2014/main" id="{700D30D0-8D0B-82BF-E7E1-17EB95647347}"/>
-              </a:ext>
-            </a:extLst>
-          </p:cNvPr>
-          <p:cNvSpPr>
-            <a:spLocks noGrp="1"/>
-          </p:cNvSpPr>
-          <p:nvPr>
-            <p:ph idx="1"/>
-          </p:nvPr>
-        </p:nvSpPr>
-        <p:spPr/>
-        <p:txBody>
-          <a:bodyPr/>
-          <a:lstStyle/>
-          <a:p>
-            <a:r>
-              <a:rPr lang="en-US" dirty="0"/>
-              <a:t>Very common in medicine</a:t>
-            </a:r>
-          </a:p>
-          <a:p>
-            <a:r>
-              <a:rPr lang="en-US" dirty="0"/>
-              <a:t>We use </a:t>
-            </a:r>
-            <a:r>
-              <a:rPr lang="en-US" i="1" dirty="0"/>
-              <a:t>cross validation</a:t>
-            </a:r>
-            <a:endParaRPr lang="en-US" dirty="0"/>
-          </a:p>
-          <a:p>
-            <a:endParaRPr lang="en-US" dirty="0"/>
-          </a:p>
-          <a:p>
-            <a:endParaRPr lang="en-US" dirty="0"/>
-          </a:p>
-        </p:txBody>
-      </p:sp>
-      <p:pic>
-        <p:nvPicPr>
-          <p:cNvPr id="4098" name="Picture 2">
-            <a:extLst>
-              <a:ext uri="{FF2B5EF4-FFF2-40B4-BE49-F238E27FC236}">
-                <a16:creationId xmlns:a16="http://schemas.microsoft.com/office/drawing/2014/main" id="{CE562FA0-07E0-1F17-457F-D5764F42AABE}"/>
-              </a:ext>
-            </a:extLst>
-          </p:cNvPr>
-          <p:cNvPicPr>
-            <a:picLocks noChangeAspect="1" noChangeArrowheads="1"/>
-          </p:cNvPicPr>
-          <p:nvPr/>
-        </p:nvPicPr>
-        <p:blipFill>
-          <a:blip r:embed="rId2" cstate="screen">
-            <a:extLst>
-              <a:ext uri="{28A0092B-C50C-407E-A947-70E740481C1C}">
-                <a14:useLocalDpi xmlns:a14="http://schemas.microsoft.com/office/drawing/2010/main"/>
-              </a:ext>
-            </a:extLst>
-          </a:blip>
-          <a:srcRect/>
-          <a:stretch>
-            <a:fillRect/>
-          </a:stretch>
-        </p:blipFill>
-        <p:spPr bwMode="auto">
-          <a:xfrm>
-            <a:off x="6096000" y="2233945"/>
-            <a:ext cx="5878888" cy="3534697"/>
-          </a:xfrm>
-          <a:prstGeom prst="rect">
-            <a:avLst/>
-          </a:prstGeom>
-          <a:noFill/>
-          <a:extLst>
-            <a:ext uri="{909E8E84-426E-40DD-AFC4-6F175D3DCCD1}">
-              <a14:hiddenFill xmlns:a14="http://schemas.microsoft.com/office/drawing/2010/main">
-                <a:solidFill>
-                  <a:srgbClr val="FFFFFF"/>
-                </a:solidFill>
-              </a14:hiddenFill>
-            </a:ext>
-          </a:extLst>
-        </p:spPr>
-      </p:pic>
-      <p:sp>
-        <p:nvSpPr>
-          <p:cNvPr id="4" name="Rectangle 3">
-            <a:extLst>
-              <a:ext uri="{FF2B5EF4-FFF2-40B4-BE49-F238E27FC236}">
-                <a16:creationId xmlns:a16="http://schemas.microsoft.com/office/drawing/2014/main" id="{05E72686-26DA-C715-E87B-267E7709A566}"/>
+                <a16:creationId xmlns:a16="http://schemas.microsoft.com/office/drawing/2014/main" id="{53B09747-DB52-AAC3-34DF-830E109E6714}"/>
               </a:ext>
             </a:extLst>
           </p:cNvPr>
@@ -31294,44 +31288,606 @@
         </p:nvSpPr>
         <p:spPr>
           <a:xfrm>
-            <a:off x="5987444" y="5768642"/>
-            <a:ext cx="6096000" cy="261610"/>
+            <a:off x="6501580" y="3556823"/>
+            <a:ext cx="1826342" cy="1325564"/>
+          </a:xfrm>
+          <a:prstGeom prst="roundRect">
+            <a:avLst/>
+          </a:prstGeom>
+        </p:spPr>
+        <p:style>
+          <a:lnRef idx="2">
+            <a:schemeClr val="accent2">
+              <a:shade val="50000"/>
+            </a:schemeClr>
+          </a:lnRef>
+          <a:fillRef idx="1">
+            <a:schemeClr val="accent2"/>
+          </a:fillRef>
+          <a:effectRef idx="0">
+            <a:schemeClr val="accent2"/>
+          </a:effectRef>
+          <a:fontRef idx="minor">
+            <a:schemeClr val="lt1"/>
+          </a:fontRef>
+        </p:style>
+        <p:txBody>
+          <a:bodyPr rtlCol="0" anchor="ctr"/>
+          <a:lstStyle/>
+          <a:p>
+            <a:pPr algn="ctr"/>
+            <a:r>
+              <a:rPr lang="en-US" dirty="0"/>
+              <a:t>Validation set</a:t>
+            </a:r>
+          </a:p>
+        </p:txBody>
+      </p:sp>
+      <p:sp>
+        <p:nvSpPr>
+          <p:cNvPr id="10" name="Rounded Rectangle 9">
+            <a:extLst>
+              <a:ext uri="{FF2B5EF4-FFF2-40B4-BE49-F238E27FC236}">
+                <a16:creationId xmlns:a16="http://schemas.microsoft.com/office/drawing/2014/main" id="{31D900E1-50B8-A65C-283D-33DA39468AAC}"/>
+              </a:ext>
+            </a:extLst>
+          </p:cNvPr>
+          <p:cNvSpPr/>
+          <p:nvPr/>
+        </p:nvSpPr>
+        <p:spPr>
+          <a:xfrm>
+            <a:off x="838200" y="3556822"/>
+            <a:ext cx="5483942" cy="1325564"/>
+          </a:xfrm>
+          <a:prstGeom prst="roundRect">
+            <a:avLst/>
+          </a:prstGeom>
+        </p:spPr>
+        <p:style>
+          <a:lnRef idx="2">
+            <a:schemeClr val="accent1">
+              <a:shade val="50000"/>
+            </a:schemeClr>
+          </a:lnRef>
+          <a:fillRef idx="1">
+            <a:schemeClr val="accent1"/>
+          </a:fillRef>
+          <a:effectRef idx="0">
+            <a:schemeClr val="accent1"/>
+          </a:effectRef>
+          <a:fontRef idx="minor">
+            <a:schemeClr val="lt1"/>
+          </a:fontRef>
+        </p:style>
+        <p:txBody>
+          <a:bodyPr rtlCol="0" anchor="ctr"/>
+          <a:lstStyle/>
+          <a:p>
+            <a:pPr algn="ctr"/>
+            <a:r>
+              <a:rPr lang="en-US" dirty="0"/>
+              <a:t>Training set</a:t>
+            </a:r>
+          </a:p>
+        </p:txBody>
+      </p:sp>
+      <p:sp>
+        <p:nvSpPr>
+          <p:cNvPr id="11" name="Rounded Rectangle 10">
+            <a:extLst>
+              <a:ext uri="{FF2B5EF4-FFF2-40B4-BE49-F238E27FC236}">
+                <a16:creationId xmlns:a16="http://schemas.microsoft.com/office/drawing/2014/main" id="{E0027651-B011-5EB7-6E84-196F616538D9}"/>
+              </a:ext>
+            </a:extLst>
+          </p:cNvPr>
+          <p:cNvSpPr/>
+          <p:nvPr/>
+        </p:nvSpPr>
+        <p:spPr>
+          <a:xfrm>
+            <a:off x="8507360" y="3556822"/>
+            <a:ext cx="1826342" cy="1325564"/>
+          </a:xfrm>
+          <a:prstGeom prst="roundRect">
+            <a:avLst/>
+          </a:prstGeom>
+        </p:spPr>
+        <p:style>
+          <a:lnRef idx="2">
+            <a:schemeClr val="accent6">
+              <a:shade val="50000"/>
+            </a:schemeClr>
+          </a:lnRef>
+          <a:fillRef idx="1">
+            <a:schemeClr val="accent6"/>
+          </a:fillRef>
+          <a:effectRef idx="0">
+            <a:schemeClr val="accent6"/>
+          </a:effectRef>
+          <a:fontRef idx="minor">
+            <a:schemeClr val="lt1"/>
+          </a:fontRef>
+        </p:style>
+        <p:txBody>
+          <a:bodyPr rtlCol="0" anchor="ctr"/>
+          <a:lstStyle/>
+          <a:p>
+            <a:pPr algn="ctr"/>
+            <a:r>
+              <a:rPr lang="en-US" dirty="0"/>
+              <a:t>Test set</a:t>
+            </a:r>
+          </a:p>
+        </p:txBody>
+      </p:sp>
+      <p:sp>
+        <p:nvSpPr>
+          <p:cNvPr id="8" name="TextBox 7">
+            <a:extLst>
+              <a:ext uri="{FF2B5EF4-FFF2-40B4-BE49-F238E27FC236}">
+                <a16:creationId xmlns:a16="http://schemas.microsoft.com/office/drawing/2014/main" id="{42665B4A-A1C5-48BE-570D-6F63AD89102C}"/>
+              </a:ext>
+            </a:extLst>
+          </p:cNvPr>
+          <p:cNvSpPr txBox="1"/>
+          <p:nvPr/>
+        </p:nvSpPr>
+        <p:spPr>
+          <a:xfrm>
+            <a:off x="838200" y="4975122"/>
+            <a:ext cx="9895016" cy="369332"/>
           </a:xfrm>
           <a:prstGeom prst="rect">
             <a:avLst/>
           </a:prstGeom>
+          <a:noFill/>
         </p:spPr>
         <p:txBody>
-          <a:bodyPr>
+          <a:bodyPr wrap="none" rtlCol="0">
             <a:spAutoFit/>
           </a:bodyPr>
           <a:lstStyle/>
           <a:p>
-            <a:pPr algn="ctr"/>
             <a:r>
-              <a:rPr lang="en-US" sz="1050" dirty="0"/>
-              <a:t>http://ethen8181.github.io/machine-learning/</a:t>
+              <a:rPr lang="en-US" dirty="0"/>
+              <a:t>Train parameters					  Tune </a:t>
             </a:r>
             <a:r>
-              <a:rPr lang="en-US" sz="1050" dirty="0" err="1"/>
-              <a:t>model_selection</a:t>
+              <a:rPr lang="en-US" dirty="0" err="1"/>
+              <a:t>hyperpms</a:t>
             </a:r>
             <a:r>
-              <a:rPr lang="en-US" sz="1050" dirty="0"/>
-              <a:t>/</a:t>
+              <a:rPr lang="en-US" dirty="0"/>
+              <a:t>	     Evaluate performance</a:t>
             </a:r>
-            <a:r>
-              <a:rPr lang="en-US" sz="1050" dirty="0" err="1"/>
-              <a:t>model_selection.html</a:t>
-            </a:r>
-            <a:endParaRPr lang="en-US" sz="1050" dirty="0"/>
           </a:p>
         </p:txBody>
       </p:sp>
     </p:spTree>
     <p:extLst>
       <p:ext uri="{BB962C8B-B14F-4D97-AF65-F5344CB8AC3E}">
-        <p14:creationId xmlns:p14="http://schemas.microsoft.com/office/powerpoint/2010/main" val="823853692"/>
+        <p14:creationId xmlns:p14="http://schemas.microsoft.com/office/powerpoint/2010/main" val="3931651983"/>
+      </p:ext>
+    </p:extLst>
+  </p:cSld>
+  <p:clrMapOvr>
+    <a:masterClrMapping/>
+  </p:clrMapOvr>
+</p:sld>
+</file>
+
+<file path=ppt/slides/slide39.xml><?xml version="1.0" encoding="utf-8"?>
+<p:sld xmlns:a="http://schemas.openxmlformats.org/drawingml/2006/main" xmlns:r="http://schemas.openxmlformats.org/officeDocument/2006/relationships" xmlns:p="http://schemas.openxmlformats.org/presentationml/2006/main">
+  <p:cSld>
+    <p:spTree>
+      <p:nvGrpSpPr>
+        <p:cNvPr id="1" name=""/>
+        <p:cNvGrpSpPr/>
+        <p:nvPr/>
+      </p:nvGrpSpPr>
+      <p:grpSpPr>
+        <a:xfrm>
+          <a:off x="0" y="0"/>
+          <a:ext cx="0" cy="0"/>
+          <a:chOff x="0" y="0"/>
+          <a:chExt cx="0" cy="0"/>
+        </a:xfrm>
+      </p:grpSpPr>
+      <p:sp>
+        <p:nvSpPr>
+          <p:cNvPr id="2" name="Title 1">
+            <a:extLst>
+              <a:ext uri="{FF2B5EF4-FFF2-40B4-BE49-F238E27FC236}">
+                <a16:creationId xmlns:a16="http://schemas.microsoft.com/office/drawing/2014/main" id="{BBFBAD19-C6B3-D42F-B718-9729BBF0F7B8}"/>
+              </a:ext>
+            </a:extLst>
+          </p:cNvPr>
+          <p:cNvSpPr>
+            <a:spLocks noGrp="1"/>
+          </p:cNvSpPr>
+          <p:nvPr>
+            <p:ph type="title"/>
+          </p:nvPr>
+        </p:nvSpPr>
+        <p:spPr/>
+        <p:txBody>
+          <a:bodyPr/>
+          <a:lstStyle/>
+          <a:p>
+            <a:r>
+              <a:rPr lang="en-US" dirty="0"/>
+              <a:t>Cross validation: rotate the test set</a:t>
+            </a:r>
+          </a:p>
+        </p:txBody>
+      </p:sp>
+      <p:sp>
+        <p:nvSpPr>
+          <p:cNvPr id="9" name="Rounded Rectangle 8">
+            <a:extLst>
+              <a:ext uri="{FF2B5EF4-FFF2-40B4-BE49-F238E27FC236}">
+                <a16:creationId xmlns:a16="http://schemas.microsoft.com/office/drawing/2014/main" id="{53B09747-DB52-AAC3-34DF-830E109E6714}"/>
+              </a:ext>
+            </a:extLst>
+          </p:cNvPr>
+          <p:cNvSpPr/>
+          <p:nvPr/>
+        </p:nvSpPr>
+        <p:spPr>
+          <a:xfrm>
+            <a:off x="6875205" y="3163533"/>
+            <a:ext cx="1826342" cy="1325564"/>
+          </a:xfrm>
+          <a:prstGeom prst="roundRect">
+            <a:avLst/>
+          </a:prstGeom>
+        </p:spPr>
+        <p:style>
+          <a:lnRef idx="2">
+            <a:schemeClr val="accent1">
+              <a:shade val="50000"/>
+            </a:schemeClr>
+          </a:lnRef>
+          <a:fillRef idx="1">
+            <a:schemeClr val="accent1"/>
+          </a:fillRef>
+          <a:effectRef idx="0">
+            <a:schemeClr val="accent1"/>
+          </a:effectRef>
+          <a:fontRef idx="minor">
+            <a:schemeClr val="lt1"/>
+          </a:fontRef>
+        </p:style>
+        <p:txBody>
+          <a:bodyPr rtlCol="0" anchor="ctr"/>
+          <a:lstStyle/>
+          <a:p>
+            <a:pPr algn="ctr"/>
+            <a:r>
+              <a:rPr lang="en-US" dirty="0"/>
+              <a:t>Fold 4</a:t>
+            </a:r>
+          </a:p>
+        </p:txBody>
+      </p:sp>
+      <p:sp>
+        <p:nvSpPr>
+          <p:cNvPr id="11" name="Rounded Rectangle 10">
+            <a:extLst>
+              <a:ext uri="{FF2B5EF4-FFF2-40B4-BE49-F238E27FC236}">
+                <a16:creationId xmlns:a16="http://schemas.microsoft.com/office/drawing/2014/main" id="{E0027651-B011-5EB7-6E84-196F616538D9}"/>
+              </a:ext>
+            </a:extLst>
+          </p:cNvPr>
+          <p:cNvSpPr/>
+          <p:nvPr/>
+        </p:nvSpPr>
+        <p:spPr>
+          <a:xfrm>
+            <a:off x="8880985" y="3163532"/>
+            <a:ext cx="1826342" cy="1325564"/>
+          </a:xfrm>
+          <a:prstGeom prst="roundRect">
+            <a:avLst/>
+          </a:prstGeom>
+        </p:spPr>
+        <p:style>
+          <a:lnRef idx="2">
+            <a:schemeClr val="accent6">
+              <a:shade val="50000"/>
+            </a:schemeClr>
+          </a:lnRef>
+          <a:fillRef idx="1">
+            <a:schemeClr val="accent6"/>
+          </a:fillRef>
+          <a:effectRef idx="0">
+            <a:schemeClr val="accent6"/>
+          </a:effectRef>
+          <a:fontRef idx="minor">
+            <a:schemeClr val="lt1"/>
+          </a:fontRef>
+        </p:style>
+        <p:txBody>
+          <a:bodyPr rtlCol="0" anchor="ctr"/>
+          <a:lstStyle/>
+          <a:p>
+            <a:pPr algn="ctr"/>
+            <a:r>
+              <a:rPr lang="en-US" dirty="0"/>
+              <a:t>Fold 5</a:t>
+            </a:r>
+          </a:p>
+        </p:txBody>
+      </p:sp>
+      <p:sp>
+        <p:nvSpPr>
+          <p:cNvPr id="8" name="TextBox 7">
+            <a:extLst>
+              <a:ext uri="{FF2B5EF4-FFF2-40B4-BE49-F238E27FC236}">
+                <a16:creationId xmlns:a16="http://schemas.microsoft.com/office/drawing/2014/main" id="{42665B4A-A1C5-48BE-570D-6F63AD89102C}"/>
+              </a:ext>
+            </a:extLst>
+          </p:cNvPr>
+          <p:cNvSpPr txBox="1"/>
+          <p:nvPr/>
+        </p:nvSpPr>
+        <p:spPr>
+          <a:xfrm>
+            <a:off x="857865" y="4896464"/>
+            <a:ext cx="3576620" cy="1477328"/>
+          </a:xfrm>
+          <a:prstGeom prst="rect">
+            <a:avLst/>
+          </a:prstGeom>
+          <a:noFill/>
+        </p:spPr>
+        <p:txBody>
+          <a:bodyPr wrap="none" rtlCol="0">
+            <a:spAutoFit/>
+          </a:bodyPr>
+          <a:lstStyle/>
+          <a:p>
+            <a:r>
+              <a:rPr lang="en-US" dirty="0"/>
+              <a:t>Round 1: Train on 1-4, test on 5</a:t>
+            </a:r>
+          </a:p>
+          <a:p>
+            <a:r>
+              <a:rPr lang="en-US" dirty="0"/>
+              <a:t>Round 2: Train on all but 4, test on 4</a:t>
+            </a:r>
+          </a:p>
+          <a:p>
+            <a:r>
+              <a:rPr lang="en-US" dirty="0"/>
+              <a:t>Round 3: Train on all but 3, test on 3</a:t>
+            </a:r>
+          </a:p>
+          <a:p>
+            <a:r>
+              <a:rPr lang="en-US" dirty="0"/>
+              <a:t>Round 4: Train on all but 2, test on 2</a:t>
+            </a:r>
+          </a:p>
+          <a:p>
+            <a:r>
+              <a:rPr lang="en-US" dirty="0"/>
+              <a:t>Round 5: Train on 2-5, test on 1</a:t>
+            </a:r>
+          </a:p>
+        </p:txBody>
+      </p:sp>
+      <p:sp>
+        <p:nvSpPr>
+          <p:cNvPr id="7" name="Rounded Rectangle 6">
+            <a:extLst>
+              <a:ext uri="{FF2B5EF4-FFF2-40B4-BE49-F238E27FC236}">
+                <a16:creationId xmlns:a16="http://schemas.microsoft.com/office/drawing/2014/main" id="{3B62D3CA-7829-3D87-CD3B-56673E0ABE07}"/>
+              </a:ext>
+            </a:extLst>
+          </p:cNvPr>
+          <p:cNvSpPr/>
+          <p:nvPr/>
+        </p:nvSpPr>
+        <p:spPr>
+          <a:xfrm>
+            <a:off x="857865" y="3163532"/>
+            <a:ext cx="1826342" cy="1325564"/>
+          </a:xfrm>
+          <a:prstGeom prst="roundRect">
+            <a:avLst/>
+          </a:prstGeom>
+        </p:spPr>
+        <p:style>
+          <a:lnRef idx="2">
+            <a:schemeClr val="accent1">
+              <a:shade val="50000"/>
+            </a:schemeClr>
+          </a:lnRef>
+          <a:fillRef idx="1">
+            <a:schemeClr val="accent1"/>
+          </a:fillRef>
+          <a:effectRef idx="0">
+            <a:schemeClr val="accent1"/>
+          </a:effectRef>
+          <a:fontRef idx="minor">
+            <a:schemeClr val="lt1"/>
+          </a:fontRef>
+        </p:style>
+        <p:txBody>
+          <a:bodyPr rtlCol="0" anchor="ctr"/>
+          <a:lstStyle/>
+          <a:p>
+            <a:pPr algn="ctr"/>
+            <a:r>
+              <a:rPr lang="en-US" dirty="0"/>
+              <a:t>Fold 1</a:t>
+            </a:r>
+          </a:p>
+        </p:txBody>
+      </p:sp>
+      <p:sp>
+        <p:nvSpPr>
+          <p:cNvPr id="12" name="Rounded Rectangle 11">
+            <a:extLst>
+              <a:ext uri="{FF2B5EF4-FFF2-40B4-BE49-F238E27FC236}">
+                <a16:creationId xmlns:a16="http://schemas.microsoft.com/office/drawing/2014/main" id="{E516518D-FCFC-19D3-0BD7-4F6ED9920B0F}"/>
+              </a:ext>
+            </a:extLst>
+          </p:cNvPr>
+          <p:cNvSpPr/>
+          <p:nvPr/>
+        </p:nvSpPr>
+        <p:spPr>
+          <a:xfrm>
+            <a:off x="2863645" y="3163532"/>
+            <a:ext cx="1826342" cy="1325564"/>
+          </a:xfrm>
+          <a:prstGeom prst="roundRect">
+            <a:avLst/>
+          </a:prstGeom>
+        </p:spPr>
+        <p:style>
+          <a:lnRef idx="2">
+            <a:schemeClr val="accent1">
+              <a:shade val="50000"/>
+            </a:schemeClr>
+          </a:lnRef>
+          <a:fillRef idx="1">
+            <a:schemeClr val="accent1"/>
+          </a:fillRef>
+          <a:effectRef idx="0">
+            <a:schemeClr val="accent1"/>
+          </a:effectRef>
+          <a:fontRef idx="minor">
+            <a:schemeClr val="lt1"/>
+          </a:fontRef>
+        </p:style>
+        <p:txBody>
+          <a:bodyPr rtlCol="0" anchor="ctr"/>
+          <a:lstStyle/>
+          <a:p>
+            <a:pPr algn="ctr"/>
+            <a:r>
+              <a:rPr lang="en-US" dirty="0"/>
+              <a:t>Fold 2</a:t>
+            </a:r>
+          </a:p>
+        </p:txBody>
+      </p:sp>
+      <p:sp>
+        <p:nvSpPr>
+          <p:cNvPr id="13" name="Rounded Rectangle 12">
+            <a:extLst>
+              <a:ext uri="{FF2B5EF4-FFF2-40B4-BE49-F238E27FC236}">
+                <a16:creationId xmlns:a16="http://schemas.microsoft.com/office/drawing/2014/main" id="{09388C68-7AB8-1AE4-E474-974281B8D3A0}"/>
+              </a:ext>
+            </a:extLst>
+          </p:cNvPr>
+          <p:cNvSpPr/>
+          <p:nvPr/>
+        </p:nvSpPr>
+        <p:spPr>
+          <a:xfrm>
+            <a:off x="4869425" y="3163532"/>
+            <a:ext cx="1826342" cy="1325564"/>
+          </a:xfrm>
+          <a:prstGeom prst="roundRect">
+            <a:avLst/>
+          </a:prstGeom>
+        </p:spPr>
+        <p:style>
+          <a:lnRef idx="2">
+            <a:schemeClr val="accent1">
+              <a:shade val="50000"/>
+            </a:schemeClr>
+          </a:lnRef>
+          <a:fillRef idx="1">
+            <a:schemeClr val="accent1"/>
+          </a:fillRef>
+          <a:effectRef idx="0">
+            <a:schemeClr val="accent1"/>
+          </a:effectRef>
+          <a:fontRef idx="minor">
+            <a:schemeClr val="lt1"/>
+          </a:fontRef>
+        </p:style>
+        <p:txBody>
+          <a:bodyPr rtlCol="0" anchor="ctr"/>
+          <a:lstStyle/>
+          <a:p>
+            <a:pPr algn="ctr"/>
+            <a:r>
+              <a:rPr lang="en-US" dirty="0"/>
+              <a:t>Fold 3</a:t>
+            </a:r>
+          </a:p>
+        </p:txBody>
+      </p:sp>
+      <p:sp>
+        <p:nvSpPr>
+          <p:cNvPr id="14" name="TextBox 13">
+            <a:extLst>
+              <a:ext uri="{FF2B5EF4-FFF2-40B4-BE49-F238E27FC236}">
+                <a16:creationId xmlns:a16="http://schemas.microsoft.com/office/drawing/2014/main" id="{D9E73E01-D91F-DA76-6F41-3B08C0FB48C8}"/>
+              </a:ext>
+            </a:extLst>
+          </p:cNvPr>
+          <p:cNvSpPr txBox="1"/>
+          <p:nvPr/>
+        </p:nvSpPr>
+        <p:spPr>
+          <a:xfrm>
+            <a:off x="6875205" y="4896464"/>
+            <a:ext cx="3576620" cy="1477328"/>
+          </a:xfrm>
+          <a:prstGeom prst="rect">
+            <a:avLst/>
+          </a:prstGeom>
+          <a:noFill/>
+        </p:spPr>
+        <p:txBody>
+          <a:bodyPr wrap="square" rtlCol="0">
+            <a:spAutoFit/>
+          </a:bodyPr>
+          <a:lstStyle/>
+          <a:p>
+            <a:r>
+              <a:rPr lang="en-US" dirty="0"/>
+              <a:t>Why would we do this?</a:t>
+            </a:r>
+          </a:p>
+          <a:p>
+            <a:endParaRPr lang="en-US" dirty="0"/>
+          </a:p>
+          <a:p>
+            <a:pPr marL="285750" indent="-285750">
+              <a:buFont typeface="Arial" panose="020B0604020202020204" pitchFamily="34" charset="0"/>
+              <a:buChar char="•"/>
+            </a:pPr>
+            <a:r>
+              <a:rPr lang="en-US" dirty="0"/>
+              <a:t>More data for the evaluation</a:t>
+            </a:r>
+          </a:p>
+          <a:p>
+            <a:pPr marL="285750" indent="-285750">
+              <a:buFont typeface="Arial" panose="020B0604020202020204" pitchFamily="34" charset="0"/>
+              <a:buChar char="•"/>
+            </a:pPr>
+            <a:r>
+              <a:rPr lang="en-US" dirty="0"/>
+              <a:t>Better estimate of out-of-sample performance</a:t>
+            </a:r>
+          </a:p>
+        </p:txBody>
+      </p:sp>
+    </p:spTree>
+    <p:extLst>
+      <p:ext uri="{BB962C8B-B14F-4D97-AF65-F5344CB8AC3E}">
+        <p14:creationId xmlns:p14="http://schemas.microsoft.com/office/powerpoint/2010/main" val="2194698343"/>
       </p:ext>
     </p:extLst>
   </p:cSld>
@@ -31548,6 +32104,402 @@
       <p:transition spd="slow" advTm="87124"/>
     </mc:Fallback>
   </mc:AlternateContent>
+</p:sld>
+</file>
+
+<file path=ppt/slides/slide40.xml><?xml version="1.0" encoding="utf-8"?>
+<p:sld xmlns:a="http://schemas.openxmlformats.org/drawingml/2006/main" xmlns:r="http://schemas.openxmlformats.org/officeDocument/2006/relationships" xmlns:p="http://schemas.openxmlformats.org/presentationml/2006/main">
+  <p:cSld>
+    <p:spTree>
+      <p:nvGrpSpPr>
+        <p:cNvPr id="1" name=""/>
+        <p:cNvGrpSpPr/>
+        <p:nvPr/>
+      </p:nvGrpSpPr>
+      <p:grpSpPr>
+        <a:xfrm>
+          <a:off x="0" y="0"/>
+          <a:ext cx="0" cy="0"/>
+          <a:chOff x="0" y="0"/>
+          <a:chExt cx="0" cy="0"/>
+        </a:xfrm>
+      </p:grpSpPr>
+      <p:sp>
+        <p:nvSpPr>
+          <p:cNvPr id="2" name="Title 1">
+            <a:extLst>
+              <a:ext uri="{FF2B5EF4-FFF2-40B4-BE49-F238E27FC236}">
+                <a16:creationId xmlns:a16="http://schemas.microsoft.com/office/drawing/2014/main" id="{BBFBAD19-C6B3-D42F-B718-9729BBF0F7B8}"/>
+              </a:ext>
+            </a:extLst>
+          </p:cNvPr>
+          <p:cNvSpPr>
+            <a:spLocks noGrp="1"/>
+          </p:cNvSpPr>
+          <p:nvPr>
+            <p:ph type="title"/>
+          </p:nvPr>
+        </p:nvSpPr>
+        <p:spPr/>
+        <p:txBody>
+          <a:bodyPr/>
+          <a:lstStyle/>
+          <a:p>
+            <a:r>
+              <a:rPr lang="en-US" dirty="0"/>
+              <a:t>What happened to the validation set?</a:t>
+            </a:r>
+          </a:p>
+        </p:txBody>
+      </p:sp>
+      <p:sp>
+        <p:nvSpPr>
+          <p:cNvPr id="3" name="Content Placeholder 2">
+            <a:extLst>
+              <a:ext uri="{FF2B5EF4-FFF2-40B4-BE49-F238E27FC236}">
+                <a16:creationId xmlns:a16="http://schemas.microsoft.com/office/drawing/2014/main" id="{700D30D0-8D0B-82BF-E7E1-17EB95647347}"/>
+              </a:ext>
+            </a:extLst>
+          </p:cNvPr>
+          <p:cNvSpPr>
+            <a:spLocks noGrp="1"/>
+          </p:cNvSpPr>
+          <p:nvPr>
+            <p:ph idx="1"/>
+          </p:nvPr>
+        </p:nvSpPr>
+        <p:spPr/>
+        <p:txBody>
+          <a:bodyPr/>
+          <a:lstStyle/>
+          <a:p>
+            <a:r>
+              <a:rPr lang="en-US" dirty="0"/>
+              <a:t>Use “flat” cross-validation (below) versus “nested” cross-validation</a:t>
+            </a:r>
+          </a:p>
+          <a:p>
+            <a:r>
+              <a:rPr lang="en-US" dirty="0"/>
+              <a:t>Both give unbiased estimates and flat is easier </a:t>
+            </a:r>
+          </a:p>
+        </p:txBody>
+      </p:sp>
+      <p:sp>
+        <p:nvSpPr>
+          <p:cNvPr id="6" name="Rounded Rectangle 5">
+            <a:extLst>
+              <a:ext uri="{FF2B5EF4-FFF2-40B4-BE49-F238E27FC236}">
+                <a16:creationId xmlns:a16="http://schemas.microsoft.com/office/drawing/2014/main" id="{FF42701A-EE14-C0ED-93C4-B4213493D8CE}"/>
+              </a:ext>
+            </a:extLst>
+          </p:cNvPr>
+          <p:cNvSpPr/>
+          <p:nvPr/>
+        </p:nvSpPr>
+        <p:spPr>
+          <a:xfrm>
+            <a:off x="6875205" y="3163533"/>
+            <a:ext cx="1826342" cy="1325564"/>
+          </a:xfrm>
+          <a:prstGeom prst="roundRect">
+            <a:avLst/>
+          </a:prstGeom>
+        </p:spPr>
+        <p:style>
+          <a:lnRef idx="2">
+            <a:schemeClr val="accent2">
+              <a:shade val="50000"/>
+            </a:schemeClr>
+          </a:lnRef>
+          <a:fillRef idx="1">
+            <a:schemeClr val="accent2"/>
+          </a:fillRef>
+          <a:effectRef idx="0">
+            <a:schemeClr val="accent2"/>
+          </a:effectRef>
+          <a:fontRef idx="minor">
+            <a:schemeClr val="lt1"/>
+          </a:fontRef>
+        </p:style>
+        <p:txBody>
+          <a:bodyPr rtlCol="0" anchor="ctr"/>
+          <a:lstStyle/>
+          <a:p>
+            <a:pPr algn="ctr"/>
+            <a:r>
+              <a:rPr lang="en-US" dirty="0"/>
+              <a:t>Fold 4</a:t>
+            </a:r>
+          </a:p>
+        </p:txBody>
+      </p:sp>
+      <p:sp>
+        <p:nvSpPr>
+          <p:cNvPr id="7" name="Rounded Rectangle 6">
+            <a:extLst>
+              <a:ext uri="{FF2B5EF4-FFF2-40B4-BE49-F238E27FC236}">
+                <a16:creationId xmlns:a16="http://schemas.microsoft.com/office/drawing/2014/main" id="{D91EA0A4-E6DB-0DD5-707F-47F4071C1278}"/>
+              </a:ext>
+            </a:extLst>
+          </p:cNvPr>
+          <p:cNvSpPr/>
+          <p:nvPr/>
+        </p:nvSpPr>
+        <p:spPr>
+          <a:xfrm>
+            <a:off x="8880985" y="3163532"/>
+            <a:ext cx="1826342" cy="1325564"/>
+          </a:xfrm>
+          <a:prstGeom prst="roundRect">
+            <a:avLst/>
+          </a:prstGeom>
+        </p:spPr>
+        <p:style>
+          <a:lnRef idx="2">
+            <a:schemeClr val="accent6">
+              <a:shade val="50000"/>
+            </a:schemeClr>
+          </a:lnRef>
+          <a:fillRef idx="1">
+            <a:schemeClr val="accent6"/>
+          </a:fillRef>
+          <a:effectRef idx="0">
+            <a:schemeClr val="accent6"/>
+          </a:effectRef>
+          <a:fontRef idx="minor">
+            <a:schemeClr val="lt1"/>
+          </a:fontRef>
+        </p:style>
+        <p:txBody>
+          <a:bodyPr rtlCol="0" anchor="ctr"/>
+          <a:lstStyle/>
+          <a:p>
+            <a:pPr algn="ctr"/>
+            <a:r>
+              <a:rPr lang="en-US" dirty="0"/>
+              <a:t>Fold 5</a:t>
+            </a:r>
+          </a:p>
+        </p:txBody>
+      </p:sp>
+      <p:sp>
+        <p:nvSpPr>
+          <p:cNvPr id="8" name="Rounded Rectangle 7">
+            <a:extLst>
+              <a:ext uri="{FF2B5EF4-FFF2-40B4-BE49-F238E27FC236}">
+                <a16:creationId xmlns:a16="http://schemas.microsoft.com/office/drawing/2014/main" id="{68BD54E6-7D50-F44B-AAA3-1F0E2E5FB674}"/>
+              </a:ext>
+            </a:extLst>
+          </p:cNvPr>
+          <p:cNvSpPr/>
+          <p:nvPr/>
+        </p:nvSpPr>
+        <p:spPr>
+          <a:xfrm>
+            <a:off x="857865" y="3163532"/>
+            <a:ext cx="1826342" cy="1325564"/>
+          </a:xfrm>
+          <a:prstGeom prst="roundRect">
+            <a:avLst/>
+          </a:prstGeom>
+        </p:spPr>
+        <p:style>
+          <a:lnRef idx="2">
+            <a:schemeClr val="accent1">
+              <a:shade val="50000"/>
+            </a:schemeClr>
+          </a:lnRef>
+          <a:fillRef idx="1">
+            <a:schemeClr val="accent1"/>
+          </a:fillRef>
+          <a:effectRef idx="0">
+            <a:schemeClr val="accent1"/>
+          </a:effectRef>
+          <a:fontRef idx="minor">
+            <a:schemeClr val="lt1"/>
+          </a:fontRef>
+        </p:style>
+        <p:txBody>
+          <a:bodyPr rtlCol="0" anchor="ctr"/>
+          <a:lstStyle/>
+          <a:p>
+            <a:pPr algn="ctr"/>
+            <a:r>
+              <a:rPr lang="en-US" dirty="0"/>
+              <a:t>Fold 1</a:t>
+            </a:r>
+          </a:p>
+        </p:txBody>
+      </p:sp>
+      <p:sp>
+        <p:nvSpPr>
+          <p:cNvPr id="9" name="Rounded Rectangle 8">
+            <a:extLst>
+              <a:ext uri="{FF2B5EF4-FFF2-40B4-BE49-F238E27FC236}">
+                <a16:creationId xmlns:a16="http://schemas.microsoft.com/office/drawing/2014/main" id="{C907F2B1-C969-BA31-A707-BC23DE2536A4}"/>
+              </a:ext>
+            </a:extLst>
+          </p:cNvPr>
+          <p:cNvSpPr/>
+          <p:nvPr/>
+        </p:nvSpPr>
+        <p:spPr>
+          <a:xfrm>
+            <a:off x="2863645" y="3163532"/>
+            <a:ext cx="1826342" cy="1325564"/>
+          </a:xfrm>
+          <a:prstGeom prst="roundRect">
+            <a:avLst/>
+          </a:prstGeom>
+        </p:spPr>
+        <p:style>
+          <a:lnRef idx="2">
+            <a:schemeClr val="accent1">
+              <a:shade val="50000"/>
+            </a:schemeClr>
+          </a:lnRef>
+          <a:fillRef idx="1">
+            <a:schemeClr val="accent1"/>
+          </a:fillRef>
+          <a:effectRef idx="0">
+            <a:schemeClr val="accent1"/>
+          </a:effectRef>
+          <a:fontRef idx="minor">
+            <a:schemeClr val="lt1"/>
+          </a:fontRef>
+        </p:style>
+        <p:txBody>
+          <a:bodyPr rtlCol="0" anchor="ctr"/>
+          <a:lstStyle/>
+          <a:p>
+            <a:pPr algn="ctr"/>
+            <a:r>
+              <a:rPr lang="en-US" dirty="0"/>
+              <a:t>Fold 2</a:t>
+            </a:r>
+          </a:p>
+        </p:txBody>
+      </p:sp>
+      <p:sp>
+        <p:nvSpPr>
+          <p:cNvPr id="10" name="Rounded Rectangle 9">
+            <a:extLst>
+              <a:ext uri="{FF2B5EF4-FFF2-40B4-BE49-F238E27FC236}">
+                <a16:creationId xmlns:a16="http://schemas.microsoft.com/office/drawing/2014/main" id="{21B594AF-0C78-E70A-8A2C-4A054D765224}"/>
+              </a:ext>
+            </a:extLst>
+          </p:cNvPr>
+          <p:cNvSpPr/>
+          <p:nvPr/>
+        </p:nvSpPr>
+        <p:spPr>
+          <a:xfrm>
+            <a:off x="4869425" y="3163532"/>
+            <a:ext cx="1826342" cy="1325564"/>
+          </a:xfrm>
+          <a:prstGeom prst="roundRect">
+            <a:avLst/>
+          </a:prstGeom>
+        </p:spPr>
+        <p:style>
+          <a:lnRef idx="2">
+            <a:schemeClr val="accent1">
+              <a:shade val="50000"/>
+            </a:schemeClr>
+          </a:lnRef>
+          <a:fillRef idx="1">
+            <a:schemeClr val="accent1"/>
+          </a:fillRef>
+          <a:effectRef idx="0">
+            <a:schemeClr val="accent1"/>
+          </a:effectRef>
+          <a:fontRef idx="minor">
+            <a:schemeClr val="lt1"/>
+          </a:fontRef>
+        </p:style>
+        <p:txBody>
+          <a:bodyPr rtlCol="0" anchor="ctr"/>
+          <a:lstStyle/>
+          <a:p>
+            <a:pPr algn="ctr"/>
+            <a:r>
+              <a:rPr lang="en-US" dirty="0"/>
+              <a:t>Fold 3</a:t>
+            </a:r>
+          </a:p>
+        </p:txBody>
+      </p:sp>
+      <p:sp>
+        <p:nvSpPr>
+          <p:cNvPr id="11" name="TextBox 10">
+            <a:extLst>
+              <a:ext uri="{FF2B5EF4-FFF2-40B4-BE49-F238E27FC236}">
+                <a16:creationId xmlns:a16="http://schemas.microsoft.com/office/drawing/2014/main" id="{1E553D7D-2439-0EE2-6DF4-D440021977DC}"/>
+              </a:ext>
+            </a:extLst>
+          </p:cNvPr>
+          <p:cNvSpPr txBox="1"/>
+          <p:nvPr/>
+        </p:nvSpPr>
+        <p:spPr>
+          <a:xfrm>
+            <a:off x="857865" y="4896464"/>
+            <a:ext cx="5115503" cy="1477328"/>
+          </a:xfrm>
+          <a:prstGeom prst="rect">
+            <a:avLst/>
+          </a:prstGeom>
+          <a:noFill/>
+        </p:spPr>
+        <p:txBody>
+          <a:bodyPr wrap="none" rtlCol="0">
+            <a:spAutoFit/>
+          </a:bodyPr>
+          <a:lstStyle/>
+          <a:p>
+            <a:r>
+              <a:rPr lang="en-US" dirty="0"/>
+              <a:t>Round 1: Train on 1-3, validate on 4, test on 5</a:t>
+            </a:r>
+          </a:p>
+          <a:p>
+            <a:r>
+              <a:rPr lang="en-US" dirty="0"/>
+              <a:t>Round 2: Train on 2-4, validate on 5, test on 1</a:t>
+            </a:r>
+          </a:p>
+          <a:p>
+            <a:r>
+              <a:rPr lang="en-US" dirty="0"/>
+              <a:t>Round 3: Train on 3-5, validate on 1, test on 2</a:t>
+            </a:r>
+          </a:p>
+          <a:p>
+            <a:r>
+              <a:rPr lang="en-US" dirty="0"/>
+              <a:t>Round 4: Train on 4, 5, and 1; validate on 2, test on 3</a:t>
+            </a:r>
+          </a:p>
+          <a:p>
+            <a:r>
+              <a:rPr lang="en-US" dirty="0"/>
+              <a:t>Round 5: Train on 5, 1, and 2; validate on 3, test on 4</a:t>
+            </a:r>
+          </a:p>
+        </p:txBody>
+      </p:sp>
+    </p:spTree>
+    <p:extLst>
+      <p:ext uri="{BB962C8B-B14F-4D97-AF65-F5344CB8AC3E}">
+        <p14:creationId xmlns:p14="http://schemas.microsoft.com/office/powerpoint/2010/main" val="823853692"/>
+      </p:ext>
+    </p:extLst>
+  </p:cSld>
+  <p:clrMapOvr>
+    <a:masterClrMapping/>
+  </p:clrMapOvr>
 </p:sld>
 </file>
 

--- a/lectures/mitigating_overfitting.pptx
+++ b/lectures/mitigating_overfitting.pptx
@@ -5,7 +5,7 @@
     <p:sldMasterId id="2147483648" r:id="rId1"/>
   </p:sldMasterIdLst>
   <p:notesMasterIdLst>
-    <p:notesMasterId r:id="rId42"/>
+    <p:notesMasterId r:id="rId38"/>
   </p:notesMasterIdLst>
   <p:sldIdLst>
     <p:sldId id="256" r:id="rId2"/>
@@ -44,10 +44,6 @@
     <p:sldId id="264" r:id="rId35"/>
     <p:sldId id="265" r:id="rId36"/>
     <p:sldId id="636" r:id="rId37"/>
-    <p:sldId id="635" r:id="rId38"/>
-    <p:sldId id="640" r:id="rId39"/>
-    <p:sldId id="641" r:id="rId40"/>
-    <p:sldId id="464" r:id="rId41"/>
   </p:sldIdLst>
   <p:sldSz cx="12192000" cy="6858000"/>
   <p:notesSz cx="6858000" cy="9144000"/>
@@ -236,7 +232,7 @@
           <a:p>
             <a:fld id="{E99DFB6A-6F0A-E64A-865F-BF9D30A0069E}" type="datetimeFigureOut">
               <a:rPr lang="en-US" smtClean="0"/>
-              <a:t>6/25/22</a:t>
+              <a:t>7/8/22</a:t>
             </a:fld>
             <a:endParaRPr lang="en-US"/>
           </a:p>
@@ -775,90 +771,6 @@
 </p:notes>
 </file>
 
-<file path=ppt/notesSlides/notesSlide11.xml><?xml version="1.0" encoding="utf-8"?>
-<p:notes xmlns:a="http://schemas.openxmlformats.org/drawingml/2006/main" xmlns:r="http://schemas.openxmlformats.org/officeDocument/2006/relationships" xmlns:p="http://schemas.openxmlformats.org/presentationml/2006/main">
-  <p:cSld>
-    <p:spTree>
-      <p:nvGrpSpPr>
-        <p:cNvPr id="1" name=""/>
-        <p:cNvGrpSpPr/>
-        <p:nvPr/>
-      </p:nvGrpSpPr>
-      <p:grpSpPr>
-        <a:xfrm>
-          <a:off x="0" y="0"/>
-          <a:ext cx="0" cy="0"/>
-          <a:chOff x="0" y="0"/>
-          <a:chExt cx="0" cy="0"/>
-        </a:xfrm>
-      </p:grpSpPr>
-      <p:sp>
-        <p:nvSpPr>
-          <p:cNvPr id="2" name="Slide Image Placeholder 1"/>
-          <p:cNvSpPr>
-            <a:spLocks noGrp="1" noRot="1" noChangeAspect="1"/>
-          </p:cNvSpPr>
-          <p:nvPr>
-            <p:ph type="sldImg"/>
-          </p:nvPr>
-        </p:nvSpPr>
-        <p:spPr/>
-      </p:sp>
-      <p:sp>
-        <p:nvSpPr>
-          <p:cNvPr id="3" name="Notes Placeholder 2"/>
-          <p:cNvSpPr>
-            <a:spLocks noGrp="1"/>
-          </p:cNvSpPr>
-          <p:nvPr>
-            <p:ph type="body" idx="1"/>
-          </p:nvPr>
-        </p:nvSpPr>
-        <p:spPr/>
-        <p:txBody>
-          <a:bodyPr/>
-          <a:lstStyle/>
-          <a:p>
-            <a:endParaRPr lang="en-US" dirty="0"/>
-          </a:p>
-        </p:txBody>
-      </p:sp>
-      <p:sp>
-        <p:nvSpPr>
-          <p:cNvPr id="4" name="Slide Number Placeholder 3"/>
-          <p:cNvSpPr>
-            <a:spLocks noGrp="1"/>
-          </p:cNvSpPr>
-          <p:nvPr>
-            <p:ph type="sldNum" sz="quarter" idx="5"/>
-          </p:nvPr>
-        </p:nvSpPr>
-        <p:spPr/>
-        <p:txBody>
-          <a:bodyPr/>
-          <a:lstStyle/>
-          <a:p>
-            <a:fld id="{209936FE-1CA5-6E47-9A7D-6B47478F9B92}" type="slidenum">
-              <a:rPr lang="en-US" smtClean="0"/>
-              <a:t>39</a:t>
-            </a:fld>
-            <a:endParaRPr lang="en-US"/>
-          </a:p>
-        </p:txBody>
-      </p:sp>
-    </p:spTree>
-    <p:extLst>
-      <p:ext uri="{BB962C8B-B14F-4D97-AF65-F5344CB8AC3E}">
-        <p14:creationId xmlns:p14="http://schemas.microsoft.com/office/powerpoint/2010/main" val="1716015105"/>
-      </p:ext>
-    </p:extLst>
-  </p:cSld>
-  <p:clrMapOvr>
-    <a:masterClrMapping/>
-  </p:clrMapOvr>
-</p:notes>
-</file>
-
 <file path=ppt/notesSlides/notesSlide2.xml><?xml version="1.0" encoding="utf-8"?>
 <p:notes xmlns:a="http://schemas.openxmlformats.org/drawingml/2006/main" xmlns:r="http://schemas.openxmlformats.org/officeDocument/2006/relationships" xmlns:p="http://schemas.openxmlformats.org/presentationml/2006/main">
   <p:cSld>
@@ -1770,7 +1682,7 @@
           <a:p>
             <a:fld id="{5D315C4B-6DA0-F74F-B7CD-96A87E9C28D7}" type="datetimeFigureOut">
               <a:rPr lang="en-US" smtClean="0"/>
-              <a:t>6/25/22</a:t>
+              <a:t>7/8/22</a:t>
             </a:fld>
             <a:endParaRPr lang="en-US"/>
           </a:p>
@@ -1968,7 +1880,7 @@
           <a:p>
             <a:fld id="{5D315C4B-6DA0-F74F-B7CD-96A87E9C28D7}" type="datetimeFigureOut">
               <a:rPr lang="en-US" smtClean="0"/>
-              <a:t>6/25/22</a:t>
+              <a:t>7/8/22</a:t>
             </a:fld>
             <a:endParaRPr lang="en-US"/>
           </a:p>
@@ -2176,7 +2088,7 @@
           <a:p>
             <a:fld id="{5D315C4B-6DA0-F74F-B7CD-96A87E9C28D7}" type="datetimeFigureOut">
               <a:rPr lang="en-US" smtClean="0"/>
-              <a:t>6/25/22</a:t>
+              <a:t>7/8/22</a:t>
             </a:fld>
             <a:endParaRPr lang="en-US"/>
           </a:p>
@@ -2374,7 +2286,7 @@
           <a:p>
             <a:fld id="{5D315C4B-6DA0-F74F-B7CD-96A87E9C28D7}" type="datetimeFigureOut">
               <a:rPr lang="en-US" smtClean="0"/>
-              <a:t>6/25/22</a:t>
+              <a:t>7/8/22</a:t>
             </a:fld>
             <a:endParaRPr lang="en-US"/>
           </a:p>
@@ -2649,7 +2561,7 @@
           <a:p>
             <a:fld id="{5D315C4B-6DA0-F74F-B7CD-96A87E9C28D7}" type="datetimeFigureOut">
               <a:rPr lang="en-US" smtClean="0"/>
-              <a:t>6/25/22</a:t>
+              <a:t>7/8/22</a:t>
             </a:fld>
             <a:endParaRPr lang="en-US"/>
           </a:p>
@@ -2914,7 +2826,7 @@
           <a:p>
             <a:fld id="{5D315C4B-6DA0-F74F-B7CD-96A87E9C28D7}" type="datetimeFigureOut">
               <a:rPr lang="en-US" smtClean="0"/>
-              <a:t>6/25/22</a:t>
+              <a:t>7/8/22</a:t>
             </a:fld>
             <a:endParaRPr lang="en-US"/>
           </a:p>
@@ -3326,7 +3238,7 @@
           <a:p>
             <a:fld id="{5D315C4B-6DA0-F74F-B7CD-96A87E9C28D7}" type="datetimeFigureOut">
               <a:rPr lang="en-US" smtClean="0"/>
-              <a:t>6/25/22</a:t>
+              <a:t>7/8/22</a:t>
             </a:fld>
             <a:endParaRPr lang="en-US"/>
           </a:p>
@@ -3467,7 +3379,7 @@
           <a:p>
             <a:fld id="{5D315C4B-6DA0-F74F-B7CD-96A87E9C28D7}" type="datetimeFigureOut">
               <a:rPr lang="en-US" smtClean="0"/>
-              <a:t>6/25/22</a:t>
+              <a:t>7/8/22</a:t>
             </a:fld>
             <a:endParaRPr lang="en-US"/>
           </a:p>
@@ -3580,7 +3492,7 @@
           <a:p>
             <a:fld id="{5D315C4B-6DA0-F74F-B7CD-96A87E9C28D7}" type="datetimeFigureOut">
               <a:rPr lang="en-US" smtClean="0"/>
-              <a:t>6/25/22</a:t>
+              <a:t>7/8/22</a:t>
             </a:fld>
             <a:endParaRPr lang="en-US"/>
           </a:p>
@@ -3891,7 +3803,7 @@
           <a:p>
             <a:fld id="{5D315C4B-6DA0-F74F-B7CD-96A87E9C28D7}" type="datetimeFigureOut">
               <a:rPr lang="en-US" smtClean="0"/>
-              <a:t>6/25/22</a:t>
+              <a:t>7/8/22</a:t>
             </a:fld>
             <a:endParaRPr lang="en-US"/>
           </a:p>
@@ -4179,7 +4091,7 @@
           <a:p>
             <a:fld id="{5D315C4B-6DA0-F74F-B7CD-96A87E9C28D7}" type="datetimeFigureOut">
               <a:rPr lang="en-US" smtClean="0"/>
-              <a:t>6/25/22</a:t>
+              <a:t>7/8/22</a:t>
             </a:fld>
             <a:endParaRPr lang="en-US"/>
           </a:p>
@@ -4420,7 +4332,7 @@
           <a:p>
             <a:fld id="{5D315C4B-6DA0-F74F-B7CD-96A87E9C28D7}" type="datetimeFigureOut">
               <a:rPr lang="en-US" smtClean="0"/>
-              <a:t>6/25/22</a:t>
+              <a:t>7/8/22</a:t>
             </a:fld>
             <a:endParaRPr lang="en-US"/>
           </a:p>
@@ -31143,760 +31055,6 @@
 </p:sld>
 </file>
 
-<file path=ppt/slides/slide37.xml><?xml version="1.0" encoding="utf-8"?>
-<p:sld xmlns:a="http://schemas.openxmlformats.org/drawingml/2006/main" xmlns:r="http://schemas.openxmlformats.org/officeDocument/2006/relationships" xmlns:p="http://schemas.openxmlformats.org/presentationml/2006/main">
-  <p:cSld>
-    <p:spTree>
-      <p:nvGrpSpPr>
-        <p:cNvPr id="1" name=""/>
-        <p:cNvGrpSpPr/>
-        <p:nvPr/>
-      </p:nvGrpSpPr>
-      <p:grpSpPr>
-        <a:xfrm>
-          <a:off x="0" y="0"/>
-          <a:ext cx="0" cy="0"/>
-          <a:chOff x="0" y="0"/>
-          <a:chExt cx="0" cy="0"/>
-        </a:xfrm>
-      </p:grpSpPr>
-      <p:sp>
-        <p:nvSpPr>
-          <p:cNvPr id="2" name="Title 1">
-            <a:extLst>
-              <a:ext uri="{FF2B5EF4-FFF2-40B4-BE49-F238E27FC236}">
-                <a16:creationId xmlns:a16="http://schemas.microsoft.com/office/drawing/2014/main" id="{7CA4EE16-017C-5489-3967-FEB717C9692B}"/>
-              </a:ext>
-            </a:extLst>
-          </p:cNvPr>
-          <p:cNvSpPr>
-            <a:spLocks noGrp="1"/>
-          </p:cNvSpPr>
-          <p:nvPr>
-            <p:ph type="title"/>
-          </p:nvPr>
-        </p:nvSpPr>
-        <p:spPr/>
-        <p:txBody>
-          <a:bodyPr/>
-          <a:lstStyle/>
-          <a:p>
-            <a:r>
-              <a:rPr lang="en-US" dirty="0"/>
-              <a:t>Cross-Validation</a:t>
-            </a:r>
-          </a:p>
-        </p:txBody>
-      </p:sp>
-      <p:sp>
-        <p:nvSpPr>
-          <p:cNvPr id="3" name="Text Placeholder 2">
-            <a:extLst>
-              <a:ext uri="{FF2B5EF4-FFF2-40B4-BE49-F238E27FC236}">
-                <a16:creationId xmlns:a16="http://schemas.microsoft.com/office/drawing/2014/main" id="{E4601AEF-BE44-92B6-A028-58702380B290}"/>
-              </a:ext>
-            </a:extLst>
-          </p:cNvPr>
-          <p:cNvSpPr>
-            <a:spLocks noGrp="1"/>
-          </p:cNvSpPr>
-          <p:nvPr>
-            <p:ph type="body" idx="1"/>
-          </p:nvPr>
-        </p:nvSpPr>
-        <p:spPr/>
-        <p:txBody>
-          <a:bodyPr/>
-          <a:lstStyle/>
-          <a:p>
-            <a:r>
-              <a:rPr lang="en-US" dirty="0"/>
-              <a:t>(time permitting)</a:t>
-            </a:r>
-          </a:p>
-        </p:txBody>
-      </p:sp>
-    </p:spTree>
-    <p:extLst>
-      <p:ext uri="{BB962C8B-B14F-4D97-AF65-F5344CB8AC3E}">
-        <p14:creationId xmlns:p14="http://schemas.microsoft.com/office/powerpoint/2010/main" val="243647474"/>
-      </p:ext>
-    </p:extLst>
-  </p:cSld>
-  <p:clrMapOvr>
-    <a:masterClrMapping/>
-  </p:clrMapOvr>
-</p:sld>
-</file>
-
-<file path=ppt/slides/slide38.xml><?xml version="1.0" encoding="utf-8"?>
-<p:sld xmlns:a="http://schemas.openxmlformats.org/drawingml/2006/main" xmlns:r="http://schemas.openxmlformats.org/officeDocument/2006/relationships" xmlns:p="http://schemas.openxmlformats.org/presentationml/2006/main">
-  <p:cSld>
-    <p:spTree>
-      <p:nvGrpSpPr>
-        <p:cNvPr id="1" name=""/>
-        <p:cNvGrpSpPr/>
-        <p:nvPr/>
-      </p:nvGrpSpPr>
-      <p:grpSpPr>
-        <a:xfrm>
-          <a:off x="0" y="0"/>
-          <a:ext cx="0" cy="0"/>
-          <a:chOff x="0" y="0"/>
-          <a:chExt cx="0" cy="0"/>
-        </a:xfrm>
-      </p:grpSpPr>
-      <p:sp>
-        <p:nvSpPr>
-          <p:cNvPr id="2" name="Title 1">
-            <a:extLst>
-              <a:ext uri="{FF2B5EF4-FFF2-40B4-BE49-F238E27FC236}">
-                <a16:creationId xmlns:a16="http://schemas.microsoft.com/office/drawing/2014/main" id="{BBFBAD19-C6B3-D42F-B718-9729BBF0F7B8}"/>
-              </a:ext>
-            </a:extLst>
-          </p:cNvPr>
-          <p:cNvSpPr>
-            <a:spLocks noGrp="1"/>
-          </p:cNvSpPr>
-          <p:nvPr>
-            <p:ph type="title"/>
-          </p:nvPr>
-        </p:nvSpPr>
-        <p:spPr/>
-        <p:txBody>
-          <a:bodyPr/>
-          <a:lstStyle/>
-          <a:p>
-            <a:r>
-              <a:rPr lang="en-US" dirty="0"/>
-              <a:t>Traditional “split” for development + eval</a:t>
-            </a:r>
-          </a:p>
-        </p:txBody>
-      </p:sp>
-      <p:sp>
-        <p:nvSpPr>
-          <p:cNvPr id="9" name="Rounded Rectangle 8">
-            <a:extLst>
-              <a:ext uri="{FF2B5EF4-FFF2-40B4-BE49-F238E27FC236}">
-                <a16:creationId xmlns:a16="http://schemas.microsoft.com/office/drawing/2014/main" id="{53B09747-DB52-AAC3-34DF-830E109E6714}"/>
-              </a:ext>
-            </a:extLst>
-          </p:cNvPr>
-          <p:cNvSpPr/>
-          <p:nvPr/>
-        </p:nvSpPr>
-        <p:spPr>
-          <a:xfrm>
-            <a:off x="6501580" y="3556823"/>
-            <a:ext cx="1826342" cy="1325564"/>
-          </a:xfrm>
-          <a:prstGeom prst="roundRect">
-            <a:avLst/>
-          </a:prstGeom>
-        </p:spPr>
-        <p:style>
-          <a:lnRef idx="2">
-            <a:schemeClr val="accent2">
-              <a:shade val="50000"/>
-            </a:schemeClr>
-          </a:lnRef>
-          <a:fillRef idx="1">
-            <a:schemeClr val="accent2"/>
-          </a:fillRef>
-          <a:effectRef idx="0">
-            <a:schemeClr val="accent2"/>
-          </a:effectRef>
-          <a:fontRef idx="minor">
-            <a:schemeClr val="lt1"/>
-          </a:fontRef>
-        </p:style>
-        <p:txBody>
-          <a:bodyPr rtlCol="0" anchor="ctr"/>
-          <a:lstStyle/>
-          <a:p>
-            <a:pPr algn="ctr"/>
-            <a:r>
-              <a:rPr lang="en-US" dirty="0"/>
-              <a:t>Validation set</a:t>
-            </a:r>
-          </a:p>
-        </p:txBody>
-      </p:sp>
-      <p:sp>
-        <p:nvSpPr>
-          <p:cNvPr id="10" name="Rounded Rectangle 9">
-            <a:extLst>
-              <a:ext uri="{FF2B5EF4-FFF2-40B4-BE49-F238E27FC236}">
-                <a16:creationId xmlns:a16="http://schemas.microsoft.com/office/drawing/2014/main" id="{31D900E1-50B8-A65C-283D-33DA39468AAC}"/>
-              </a:ext>
-            </a:extLst>
-          </p:cNvPr>
-          <p:cNvSpPr/>
-          <p:nvPr/>
-        </p:nvSpPr>
-        <p:spPr>
-          <a:xfrm>
-            <a:off x="838200" y="3556822"/>
-            <a:ext cx="5483942" cy="1325564"/>
-          </a:xfrm>
-          <a:prstGeom prst="roundRect">
-            <a:avLst/>
-          </a:prstGeom>
-        </p:spPr>
-        <p:style>
-          <a:lnRef idx="2">
-            <a:schemeClr val="accent1">
-              <a:shade val="50000"/>
-            </a:schemeClr>
-          </a:lnRef>
-          <a:fillRef idx="1">
-            <a:schemeClr val="accent1"/>
-          </a:fillRef>
-          <a:effectRef idx="0">
-            <a:schemeClr val="accent1"/>
-          </a:effectRef>
-          <a:fontRef idx="minor">
-            <a:schemeClr val="lt1"/>
-          </a:fontRef>
-        </p:style>
-        <p:txBody>
-          <a:bodyPr rtlCol="0" anchor="ctr"/>
-          <a:lstStyle/>
-          <a:p>
-            <a:pPr algn="ctr"/>
-            <a:r>
-              <a:rPr lang="en-US" dirty="0"/>
-              <a:t>Training set</a:t>
-            </a:r>
-          </a:p>
-        </p:txBody>
-      </p:sp>
-      <p:sp>
-        <p:nvSpPr>
-          <p:cNvPr id="11" name="Rounded Rectangle 10">
-            <a:extLst>
-              <a:ext uri="{FF2B5EF4-FFF2-40B4-BE49-F238E27FC236}">
-                <a16:creationId xmlns:a16="http://schemas.microsoft.com/office/drawing/2014/main" id="{E0027651-B011-5EB7-6E84-196F616538D9}"/>
-              </a:ext>
-            </a:extLst>
-          </p:cNvPr>
-          <p:cNvSpPr/>
-          <p:nvPr/>
-        </p:nvSpPr>
-        <p:spPr>
-          <a:xfrm>
-            <a:off x="8507360" y="3556822"/>
-            <a:ext cx="1826342" cy="1325564"/>
-          </a:xfrm>
-          <a:prstGeom prst="roundRect">
-            <a:avLst/>
-          </a:prstGeom>
-        </p:spPr>
-        <p:style>
-          <a:lnRef idx="2">
-            <a:schemeClr val="accent6">
-              <a:shade val="50000"/>
-            </a:schemeClr>
-          </a:lnRef>
-          <a:fillRef idx="1">
-            <a:schemeClr val="accent6"/>
-          </a:fillRef>
-          <a:effectRef idx="0">
-            <a:schemeClr val="accent6"/>
-          </a:effectRef>
-          <a:fontRef idx="minor">
-            <a:schemeClr val="lt1"/>
-          </a:fontRef>
-        </p:style>
-        <p:txBody>
-          <a:bodyPr rtlCol="0" anchor="ctr"/>
-          <a:lstStyle/>
-          <a:p>
-            <a:pPr algn="ctr"/>
-            <a:r>
-              <a:rPr lang="en-US" dirty="0"/>
-              <a:t>Test set</a:t>
-            </a:r>
-          </a:p>
-        </p:txBody>
-      </p:sp>
-      <p:sp>
-        <p:nvSpPr>
-          <p:cNvPr id="8" name="TextBox 7">
-            <a:extLst>
-              <a:ext uri="{FF2B5EF4-FFF2-40B4-BE49-F238E27FC236}">
-                <a16:creationId xmlns:a16="http://schemas.microsoft.com/office/drawing/2014/main" id="{42665B4A-A1C5-48BE-570D-6F63AD89102C}"/>
-              </a:ext>
-            </a:extLst>
-          </p:cNvPr>
-          <p:cNvSpPr txBox="1"/>
-          <p:nvPr/>
-        </p:nvSpPr>
-        <p:spPr>
-          <a:xfrm>
-            <a:off x="838200" y="4975122"/>
-            <a:ext cx="9895016" cy="369332"/>
-          </a:xfrm>
-          <a:prstGeom prst="rect">
-            <a:avLst/>
-          </a:prstGeom>
-          <a:noFill/>
-        </p:spPr>
-        <p:txBody>
-          <a:bodyPr wrap="none" rtlCol="0">
-            <a:spAutoFit/>
-          </a:bodyPr>
-          <a:lstStyle/>
-          <a:p>
-            <a:r>
-              <a:rPr lang="en-US" dirty="0"/>
-              <a:t>Train parameters					  Tune </a:t>
-            </a:r>
-            <a:r>
-              <a:rPr lang="en-US" dirty="0" err="1"/>
-              <a:t>hyperpms</a:t>
-            </a:r>
-            <a:r>
-              <a:rPr lang="en-US" dirty="0"/>
-              <a:t>	     Evaluate performance</a:t>
-            </a:r>
-          </a:p>
-        </p:txBody>
-      </p:sp>
-    </p:spTree>
-    <p:extLst>
-      <p:ext uri="{BB962C8B-B14F-4D97-AF65-F5344CB8AC3E}">
-        <p14:creationId xmlns:p14="http://schemas.microsoft.com/office/powerpoint/2010/main" val="3931651983"/>
-      </p:ext>
-    </p:extLst>
-  </p:cSld>
-  <p:clrMapOvr>
-    <a:masterClrMapping/>
-  </p:clrMapOvr>
-</p:sld>
-</file>
-
-<file path=ppt/slides/slide39.xml><?xml version="1.0" encoding="utf-8"?>
-<p:sld xmlns:a="http://schemas.openxmlformats.org/drawingml/2006/main" xmlns:r="http://schemas.openxmlformats.org/officeDocument/2006/relationships" xmlns:p="http://schemas.openxmlformats.org/presentationml/2006/main">
-  <p:cSld>
-    <p:spTree>
-      <p:nvGrpSpPr>
-        <p:cNvPr id="1" name=""/>
-        <p:cNvGrpSpPr/>
-        <p:nvPr/>
-      </p:nvGrpSpPr>
-      <p:grpSpPr>
-        <a:xfrm>
-          <a:off x="0" y="0"/>
-          <a:ext cx="0" cy="0"/>
-          <a:chOff x="0" y="0"/>
-          <a:chExt cx="0" cy="0"/>
-        </a:xfrm>
-      </p:grpSpPr>
-      <p:sp>
-        <p:nvSpPr>
-          <p:cNvPr id="2" name="Title 1">
-            <a:extLst>
-              <a:ext uri="{FF2B5EF4-FFF2-40B4-BE49-F238E27FC236}">
-                <a16:creationId xmlns:a16="http://schemas.microsoft.com/office/drawing/2014/main" id="{BBFBAD19-C6B3-D42F-B718-9729BBF0F7B8}"/>
-              </a:ext>
-            </a:extLst>
-          </p:cNvPr>
-          <p:cNvSpPr>
-            <a:spLocks noGrp="1"/>
-          </p:cNvSpPr>
-          <p:nvPr>
-            <p:ph type="title"/>
-          </p:nvPr>
-        </p:nvSpPr>
-        <p:spPr/>
-        <p:txBody>
-          <a:bodyPr/>
-          <a:lstStyle/>
-          <a:p>
-            <a:r>
-              <a:rPr lang="en-US" dirty="0"/>
-              <a:t>Cross validation: rotate the test set</a:t>
-            </a:r>
-          </a:p>
-        </p:txBody>
-      </p:sp>
-      <p:sp>
-        <p:nvSpPr>
-          <p:cNvPr id="9" name="Rounded Rectangle 8">
-            <a:extLst>
-              <a:ext uri="{FF2B5EF4-FFF2-40B4-BE49-F238E27FC236}">
-                <a16:creationId xmlns:a16="http://schemas.microsoft.com/office/drawing/2014/main" id="{53B09747-DB52-AAC3-34DF-830E109E6714}"/>
-              </a:ext>
-            </a:extLst>
-          </p:cNvPr>
-          <p:cNvSpPr/>
-          <p:nvPr/>
-        </p:nvSpPr>
-        <p:spPr>
-          <a:xfrm>
-            <a:off x="6875205" y="3163533"/>
-            <a:ext cx="1826342" cy="1325564"/>
-          </a:xfrm>
-          <a:prstGeom prst="roundRect">
-            <a:avLst/>
-          </a:prstGeom>
-        </p:spPr>
-        <p:style>
-          <a:lnRef idx="2">
-            <a:schemeClr val="accent1">
-              <a:shade val="50000"/>
-            </a:schemeClr>
-          </a:lnRef>
-          <a:fillRef idx="1">
-            <a:schemeClr val="accent1"/>
-          </a:fillRef>
-          <a:effectRef idx="0">
-            <a:schemeClr val="accent1"/>
-          </a:effectRef>
-          <a:fontRef idx="minor">
-            <a:schemeClr val="lt1"/>
-          </a:fontRef>
-        </p:style>
-        <p:txBody>
-          <a:bodyPr rtlCol="0" anchor="ctr"/>
-          <a:lstStyle/>
-          <a:p>
-            <a:pPr algn="ctr"/>
-            <a:r>
-              <a:rPr lang="en-US" dirty="0"/>
-              <a:t>Fold 4</a:t>
-            </a:r>
-          </a:p>
-        </p:txBody>
-      </p:sp>
-      <p:sp>
-        <p:nvSpPr>
-          <p:cNvPr id="11" name="Rounded Rectangle 10">
-            <a:extLst>
-              <a:ext uri="{FF2B5EF4-FFF2-40B4-BE49-F238E27FC236}">
-                <a16:creationId xmlns:a16="http://schemas.microsoft.com/office/drawing/2014/main" id="{E0027651-B011-5EB7-6E84-196F616538D9}"/>
-              </a:ext>
-            </a:extLst>
-          </p:cNvPr>
-          <p:cNvSpPr/>
-          <p:nvPr/>
-        </p:nvSpPr>
-        <p:spPr>
-          <a:xfrm>
-            <a:off x="8880985" y="3163532"/>
-            <a:ext cx="1826342" cy="1325564"/>
-          </a:xfrm>
-          <a:prstGeom prst="roundRect">
-            <a:avLst/>
-          </a:prstGeom>
-        </p:spPr>
-        <p:style>
-          <a:lnRef idx="2">
-            <a:schemeClr val="accent6">
-              <a:shade val="50000"/>
-            </a:schemeClr>
-          </a:lnRef>
-          <a:fillRef idx="1">
-            <a:schemeClr val="accent6"/>
-          </a:fillRef>
-          <a:effectRef idx="0">
-            <a:schemeClr val="accent6"/>
-          </a:effectRef>
-          <a:fontRef idx="minor">
-            <a:schemeClr val="lt1"/>
-          </a:fontRef>
-        </p:style>
-        <p:txBody>
-          <a:bodyPr rtlCol="0" anchor="ctr"/>
-          <a:lstStyle/>
-          <a:p>
-            <a:pPr algn="ctr"/>
-            <a:r>
-              <a:rPr lang="en-US" dirty="0"/>
-              <a:t>Fold 5</a:t>
-            </a:r>
-          </a:p>
-        </p:txBody>
-      </p:sp>
-      <p:sp>
-        <p:nvSpPr>
-          <p:cNvPr id="8" name="TextBox 7">
-            <a:extLst>
-              <a:ext uri="{FF2B5EF4-FFF2-40B4-BE49-F238E27FC236}">
-                <a16:creationId xmlns:a16="http://schemas.microsoft.com/office/drawing/2014/main" id="{42665B4A-A1C5-48BE-570D-6F63AD89102C}"/>
-              </a:ext>
-            </a:extLst>
-          </p:cNvPr>
-          <p:cNvSpPr txBox="1"/>
-          <p:nvPr/>
-        </p:nvSpPr>
-        <p:spPr>
-          <a:xfrm>
-            <a:off x="857865" y="4896464"/>
-            <a:ext cx="3576620" cy="1477328"/>
-          </a:xfrm>
-          <a:prstGeom prst="rect">
-            <a:avLst/>
-          </a:prstGeom>
-          <a:noFill/>
-        </p:spPr>
-        <p:txBody>
-          <a:bodyPr wrap="none" rtlCol="0">
-            <a:spAutoFit/>
-          </a:bodyPr>
-          <a:lstStyle/>
-          <a:p>
-            <a:r>
-              <a:rPr lang="en-US" dirty="0"/>
-              <a:t>Round 1: Train on 1-4, test on 5</a:t>
-            </a:r>
-          </a:p>
-          <a:p>
-            <a:r>
-              <a:rPr lang="en-US" dirty="0"/>
-              <a:t>Round 2: Train on all but 4, test on 4</a:t>
-            </a:r>
-          </a:p>
-          <a:p>
-            <a:r>
-              <a:rPr lang="en-US" dirty="0"/>
-              <a:t>Round 3: Train on all but 3, test on 3</a:t>
-            </a:r>
-          </a:p>
-          <a:p>
-            <a:r>
-              <a:rPr lang="en-US" dirty="0"/>
-              <a:t>Round 4: Train on all but 2, test on 2</a:t>
-            </a:r>
-          </a:p>
-          <a:p>
-            <a:r>
-              <a:rPr lang="en-US" dirty="0"/>
-              <a:t>Round 5: Train on 2-5, test on 1</a:t>
-            </a:r>
-          </a:p>
-        </p:txBody>
-      </p:sp>
-      <p:sp>
-        <p:nvSpPr>
-          <p:cNvPr id="7" name="Rounded Rectangle 6">
-            <a:extLst>
-              <a:ext uri="{FF2B5EF4-FFF2-40B4-BE49-F238E27FC236}">
-                <a16:creationId xmlns:a16="http://schemas.microsoft.com/office/drawing/2014/main" id="{3B62D3CA-7829-3D87-CD3B-56673E0ABE07}"/>
-              </a:ext>
-            </a:extLst>
-          </p:cNvPr>
-          <p:cNvSpPr/>
-          <p:nvPr/>
-        </p:nvSpPr>
-        <p:spPr>
-          <a:xfrm>
-            <a:off x="857865" y="3163532"/>
-            <a:ext cx="1826342" cy="1325564"/>
-          </a:xfrm>
-          <a:prstGeom prst="roundRect">
-            <a:avLst/>
-          </a:prstGeom>
-        </p:spPr>
-        <p:style>
-          <a:lnRef idx="2">
-            <a:schemeClr val="accent1">
-              <a:shade val="50000"/>
-            </a:schemeClr>
-          </a:lnRef>
-          <a:fillRef idx="1">
-            <a:schemeClr val="accent1"/>
-          </a:fillRef>
-          <a:effectRef idx="0">
-            <a:schemeClr val="accent1"/>
-          </a:effectRef>
-          <a:fontRef idx="minor">
-            <a:schemeClr val="lt1"/>
-          </a:fontRef>
-        </p:style>
-        <p:txBody>
-          <a:bodyPr rtlCol="0" anchor="ctr"/>
-          <a:lstStyle/>
-          <a:p>
-            <a:pPr algn="ctr"/>
-            <a:r>
-              <a:rPr lang="en-US" dirty="0"/>
-              <a:t>Fold 1</a:t>
-            </a:r>
-          </a:p>
-        </p:txBody>
-      </p:sp>
-      <p:sp>
-        <p:nvSpPr>
-          <p:cNvPr id="12" name="Rounded Rectangle 11">
-            <a:extLst>
-              <a:ext uri="{FF2B5EF4-FFF2-40B4-BE49-F238E27FC236}">
-                <a16:creationId xmlns:a16="http://schemas.microsoft.com/office/drawing/2014/main" id="{E516518D-FCFC-19D3-0BD7-4F6ED9920B0F}"/>
-              </a:ext>
-            </a:extLst>
-          </p:cNvPr>
-          <p:cNvSpPr/>
-          <p:nvPr/>
-        </p:nvSpPr>
-        <p:spPr>
-          <a:xfrm>
-            <a:off x="2863645" y="3163532"/>
-            <a:ext cx="1826342" cy="1325564"/>
-          </a:xfrm>
-          <a:prstGeom prst="roundRect">
-            <a:avLst/>
-          </a:prstGeom>
-        </p:spPr>
-        <p:style>
-          <a:lnRef idx="2">
-            <a:schemeClr val="accent1">
-              <a:shade val="50000"/>
-            </a:schemeClr>
-          </a:lnRef>
-          <a:fillRef idx="1">
-            <a:schemeClr val="accent1"/>
-          </a:fillRef>
-          <a:effectRef idx="0">
-            <a:schemeClr val="accent1"/>
-          </a:effectRef>
-          <a:fontRef idx="minor">
-            <a:schemeClr val="lt1"/>
-          </a:fontRef>
-        </p:style>
-        <p:txBody>
-          <a:bodyPr rtlCol="0" anchor="ctr"/>
-          <a:lstStyle/>
-          <a:p>
-            <a:pPr algn="ctr"/>
-            <a:r>
-              <a:rPr lang="en-US" dirty="0"/>
-              <a:t>Fold 2</a:t>
-            </a:r>
-          </a:p>
-        </p:txBody>
-      </p:sp>
-      <p:sp>
-        <p:nvSpPr>
-          <p:cNvPr id="13" name="Rounded Rectangle 12">
-            <a:extLst>
-              <a:ext uri="{FF2B5EF4-FFF2-40B4-BE49-F238E27FC236}">
-                <a16:creationId xmlns:a16="http://schemas.microsoft.com/office/drawing/2014/main" id="{09388C68-7AB8-1AE4-E474-974281B8D3A0}"/>
-              </a:ext>
-            </a:extLst>
-          </p:cNvPr>
-          <p:cNvSpPr/>
-          <p:nvPr/>
-        </p:nvSpPr>
-        <p:spPr>
-          <a:xfrm>
-            <a:off x="4869425" y="3163532"/>
-            <a:ext cx="1826342" cy="1325564"/>
-          </a:xfrm>
-          <a:prstGeom prst="roundRect">
-            <a:avLst/>
-          </a:prstGeom>
-        </p:spPr>
-        <p:style>
-          <a:lnRef idx="2">
-            <a:schemeClr val="accent1">
-              <a:shade val="50000"/>
-            </a:schemeClr>
-          </a:lnRef>
-          <a:fillRef idx="1">
-            <a:schemeClr val="accent1"/>
-          </a:fillRef>
-          <a:effectRef idx="0">
-            <a:schemeClr val="accent1"/>
-          </a:effectRef>
-          <a:fontRef idx="minor">
-            <a:schemeClr val="lt1"/>
-          </a:fontRef>
-        </p:style>
-        <p:txBody>
-          <a:bodyPr rtlCol="0" anchor="ctr"/>
-          <a:lstStyle/>
-          <a:p>
-            <a:pPr algn="ctr"/>
-            <a:r>
-              <a:rPr lang="en-US" dirty="0"/>
-              <a:t>Fold 3</a:t>
-            </a:r>
-          </a:p>
-        </p:txBody>
-      </p:sp>
-      <p:sp>
-        <p:nvSpPr>
-          <p:cNvPr id="14" name="TextBox 13">
-            <a:extLst>
-              <a:ext uri="{FF2B5EF4-FFF2-40B4-BE49-F238E27FC236}">
-                <a16:creationId xmlns:a16="http://schemas.microsoft.com/office/drawing/2014/main" id="{D9E73E01-D91F-DA76-6F41-3B08C0FB48C8}"/>
-              </a:ext>
-            </a:extLst>
-          </p:cNvPr>
-          <p:cNvSpPr txBox="1"/>
-          <p:nvPr/>
-        </p:nvSpPr>
-        <p:spPr>
-          <a:xfrm>
-            <a:off x="6875205" y="4896464"/>
-            <a:ext cx="3576620" cy="1477328"/>
-          </a:xfrm>
-          <a:prstGeom prst="rect">
-            <a:avLst/>
-          </a:prstGeom>
-          <a:noFill/>
-        </p:spPr>
-        <p:txBody>
-          <a:bodyPr wrap="square" rtlCol="0">
-            <a:spAutoFit/>
-          </a:bodyPr>
-          <a:lstStyle/>
-          <a:p>
-            <a:r>
-              <a:rPr lang="en-US" dirty="0"/>
-              <a:t>Why would we do this?</a:t>
-            </a:r>
-          </a:p>
-          <a:p>
-            <a:endParaRPr lang="en-US" dirty="0"/>
-          </a:p>
-          <a:p>
-            <a:pPr marL="285750" indent="-285750">
-              <a:buFont typeface="Arial" panose="020B0604020202020204" pitchFamily="34" charset="0"/>
-              <a:buChar char="•"/>
-            </a:pPr>
-            <a:r>
-              <a:rPr lang="en-US" dirty="0"/>
-              <a:t>More data for the evaluation</a:t>
-            </a:r>
-          </a:p>
-          <a:p>
-            <a:pPr marL="285750" indent="-285750">
-              <a:buFont typeface="Arial" panose="020B0604020202020204" pitchFamily="34" charset="0"/>
-              <a:buChar char="•"/>
-            </a:pPr>
-            <a:r>
-              <a:rPr lang="en-US" dirty="0"/>
-              <a:t>Better estimate of out-of-sample performance</a:t>
-            </a:r>
-          </a:p>
-        </p:txBody>
-      </p:sp>
-    </p:spTree>
-    <p:extLst>
-      <p:ext uri="{BB962C8B-B14F-4D97-AF65-F5344CB8AC3E}">
-        <p14:creationId xmlns:p14="http://schemas.microsoft.com/office/powerpoint/2010/main" val="2194698343"/>
-      </p:ext>
-    </p:extLst>
-  </p:cSld>
-  <p:clrMapOvr>
-    <a:masterClrMapping/>
-  </p:clrMapOvr>
-</p:sld>
-</file>
-
 <file path=ppt/slides/slide4.xml><?xml version="1.0" encoding="utf-8"?>
 <p:sld xmlns:a="http://schemas.openxmlformats.org/drawingml/2006/main" xmlns:r="http://schemas.openxmlformats.org/officeDocument/2006/relationships" xmlns:p="http://schemas.openxmlformats.org/presentationml/2006/main">
   <p:cSld>
@@ -32104,402 +31262,6 @@
       <p:transition spd="slow" advTm="87124"/>
     </mc:Fallback>
   </mc:AlternateContent>
-</p:sld>
-</file>
-
-<file path=ppt/slides/slide40.xml><?xml version="1.0" encoding="utf-8"?>
-<p:sld xmlns:a="http://schemas.openxmlformats.org/drawingml/2006/main" xmlns:r="http://schemas.openxmlformats.org/officeDocument/2006/relationships" xmlns:p="http://schemas.openxmlformats.org/presentationml/2006/main">
-  <p:cSld>
-    <p:spTree>
-      <p:nvGrpSpPr>
-        <p:cNvPr id="1" name=""/>
-        <p:cNvGrpSpPr/>
-        <p:nvPr/>
-      </p:nvGrpSpPr>
-      <p:grpSpPr>
-        <a:xfrm>
-          <a:off x="0" y="0"/>
-          <a:ext cx="0" cy="0"/>
-          <a:chOff x="0" y="0"/>
-          <a:chExt cx="0" cy="0"/>
-        </a:xfrm>
-      </p:grpSpPr>
-      <p:sp>
-        <p:nvSpPr>
-          <p:cNvPr id="2" name="Title 1">
-            <a:extLst>
-              <a:ext uri="{FF2B5EF4-FFF2-40B4-BE49-F238E27FC236}">
-                <a16:creationId xmlns:a16="http://schemas.microsoft.com/office/drawing/2014/main" id="{BBFBAD19-C6B3-D42F-B718-9729BBF0F7B8}"/>
-              </a:ext>
-            </a:extLst>
-          </p:cNvPr>
-          <p:cNvSpPr>
-            <a:spLocks noGrp="1"/>
-          </p:cNvSpPr>
-          <p:nvPr>
-            <p:ph type="title"/>
-          </p:nvPr>
-        </p:nvSpPr>
-        <p:spPr/>
-        <p:txBody>
-          <a:bodyPr/>
-          <a:lstStyle/>
-          <a:p>
-            <a:r>
-              <a:rPr lang="en-US" dirty="0"/>
-              <a:t>What happened to the validation set?</a:t>
-            </a:r>
-          </a:p>
-        </p:txBody>
-      </p:sp>
-      <p:sp>
-        <p:nvSpPr>
-          <p:cNvPr id="3" name="Content Placeholder 2">
-            <a:extLst>
-              <a:ext uri="{FF2B5EF4-FFF2-40B4-BE49-F238E27FC236}">
-                <a16:creationId xmlns:a16="http://schemas.microsoft.com/office/drawing/2014/main" id="{700D30D0-8D0B-82BF-E7E1-17EB95647347}"/>
-              </a:ext>
-            </a:extLst>
-          </p:cNvPr>
-          <p:cNvSpPr>
-            <a:spLocks noGrp="1"/>
-          </p:cNvSpPr>
-          <p:nvPr>
-            <p:ph idx="1"/>
-          </p:nvPr>
-        </p:nvSpPr>
-        <p:spPr/>
-        <p:txBody>
-          <a:bodyPr/>
-          <a:lstStyle/>
-          <a:p>
-            <a:r>
-              <a:rPr lang="en-US" dirty="0"/>
-              <a:t>Use “flat” cross-validation (below) versus “nested” cross-validation</a:t>
-            </a:r>
-          </a:p>
-          <a:p>
-            <a:r>
-              <a:rPr lang="en-US" dirty="0"/>
-              <a:t>Both give unbiased estimates and flat is easier </a:t>
-            </a:r>
-          </a:p>
-        </p:txBody>
-      </p:sp>
-      <p:sp>
-        <p:nvSpPr>
-          <p:cNvPr id="6" name="Rounded Rectangle 5">
-            <a:extLst>
-              <a:ext uri="{FF2B5EF4-FFF2-40B4-BE49-F238E27FC236}">
-                <a16:creationId xmlns:a16="http://schemas.microsoft.com/office/drawing/2014/main" id="{FF42701A-EE14-C0ED-93C4-B4213493D8CE}"/>
-              </a:ext>
-            </a:extLst>
-          </p:cNvPr>
-          <p:cNvSpPr/>
-          <p:nvPr/>
-        </p:nvSpPr>
-        <p:spPr>
-          <a:xfrm>
-            <a:off x="6875205" y="3163533"/>
-            <a:ext cx="1826342" cy="1325564"/>
-          </a:xfrm>
-          <a:prstGeom prst="roundRect">
-            <a:avLst/>
-          </a:prstGeom>
-        </p:spPr>
-        <p:style>
-          <a:lnRef idx="2">
-            <a:schemeClr val="accent2">
-              <a:shade val="50000"/>
-            </a:schemeClr>
-          </a:lnRef>
-          <a:fillRef idx="1">
-            <a:schemeClr val="accent2"/>
-          </a:fillRef>
-          <a:effectRef idx="0">
-            <a:schemeClr val="accent2"/>
-          </a:effectRef>
-          <a:fontRef idx="minor">
-            <a:schemeClr val="lt1"/>
-          </a:fontRef>
-        </p:style>
-        <p:txBody>
-          <a:bodyPr rtlCol="0" anchor="ctr"/>
-          <a:lstStyle/>
-          <a:p>
-            <a:pPr algn="ctr"/>
-            <a:r>
-              <a:rPr lang="en-US" dirty="0"/>
-              <a:t>Fold 4</a:t>
-            </a:r>
-          </a:p>
-        </p:txBody>
-      </p:sp>
-      <p:sp>
-        <p:nvSpPr>
-          <p:cNvPr id="7" name="Rounded Rectangle 6">
-            <a:extLst>
-              <a:ext uri="{FF2B5EF4-FFF2-40B4-BE49-F238E27FC236}">
-                <a16:creationId xmlns:a16="http://schemas.microsoft.com/office/drawing/2014/main" id="{D91EA0A4-E6DB-0DD5-707F-47F4071C1278}"/>
-              </a:ext>
-            </a:extLst>
-          </p:cNvPr>
-          <p:cNvSpPr/>
-          <p:nvPr/>
-        </p:nvSpPr>
-        <p:spPr>
-          <a:xfrm>
-            <a:off x="8880985" y="3163532"/>
-            <a:ext cx="1826342" cy="1325564"/>
-          </a:xfrm>
-          <a:prstGeom prst="roundRect">
-            <a:avLst/>
-          </a:prstGeom>
-        </p:spPr>
-        <p:style>
-          <a:lnRef idx="2">
-            <a:schemeClr val="accent6">
-              <a:shade val="50000"/>
-            </a:schemeClr>
-          </a:lnRef>
-          <a:fillRef idx="1">
-            <a:schemeClr val="accent6"/>
-          </a:fillRef>
-          <a:effectRef idx="0">
-            <a:schemeClr val="accent6"/>
-          </a:effectRef>
-          <a:fontRef idx="minor">
-            <a:schemeClr val="lt1"/>
-          </a:fontRef>
-        </p:style>
-        <p:txBody>
-          <a:bodyPr rtlCol="0" anchor="ctr"/>
-          <a:lstStyle/>
-          <a:p>
-            <a:pPr algn="ctr"/>
-            <a:r>
-              <a:rPr lang="en-US" dirty="0"/>
-              <a:t>Fold 5</a:t>
-            </a:r>
-          </a:p>
-        </p:txBody>
-      </p:sp>
-      <p:sp>
-        <p:nvSpPr>
-          <p:cNvPr id="8" name="Rounded Rectangle 7">
-            <a:extLst>
-              <a:ext uri="{FF2B5EF4-FFF2-40B4-BE49-F238E27FC236}">
-                <a16:creationId xmlns:a16="http://schemas.microsoft.com/office/drawing/2014/main" id="{68BD54E6-7D50-F44B-AAA3-1F0E2E5FB674}"/>
-              </a:ext>
-            </a:extLst>
-          </p:cNvPr>
-          <p:cNvSpPr/>
-          <p:nvPr/>
-        </p:nvSpPr>
-        <p:spPr>
-          <a:xfrm>
-            <a:off x="857865" y="3163532"/>
-            <a:ext cx="1826342" cy="1325564"/>
-          </a:xfrm>
-          <a:prstGeom prst="roundRect">
-            <a:avLst/>
-          </a:prstGeom>
-        </p:spPr>
-        <p:style>
-          <a:lnRef idx="2">
-            <a:schemeClr val="accent1">
-              <a:shade val="50000"/>
-            </a:schemeClr>
-          </a:lnRef>
-          <a:fillRef idx="1">
-            <a:schemeClr val="accent1"/>
-          </a:fillRef>
-          <a:effectRef idx="0">
-            <a:schemeClr val="accent1"/>
-          </a:effectRef>
-          <a:fontRef idx="minor">
-            <a:schemeClr val="lt1"/>
-          </a:fontRef>
-        </p:style>
-        <p:txBody>
-          <a:bodyPr rtlCol="0" anchor="ctr"/>
-          <a:lstStyle/>
-          <a:p>
-            <a:pPr algn="ctr"/>
-            <a:r>
-              <a:rPr lang="en-US" dirty="0"/>
-              <a:t>Fold 1</a:t>
-            </a:r>
-          </a:p>
-        </p:txBody>
-      </p:sp>
-      <p:sp>
-        <p:nvSpPr>
-          <p:cNvPr id="9" name="Rounded Rectangle 8">
-            <a:extLst>
-              <a:ext uri="{FF2B5EF4-FFF2-40B4-BE49-F238E27FC236}">
-                <a16:creationId xmlns:a16="http://schemas.microsoft.com/office/drawing/2014/main" id="{C907F2B1-C969-BA31-A707-BC23DE2536A4}"/>
-              </a:ext>
-            </a:extLst>
-          </p:cNvPr>
-          <p:cNvSpPr/>
-          <p:nvPr/>
-        </p:nvSpPr>
-        <p:spPr>
-          <a:xfrm>
-            <a:off x="2863645" y="3163532"/>
-            <a:ext cx="1826342" cy="1325564"/>
-          </a:xfrm>
-          <a:prstGeom prst="roundRect">
-            <a:avLst/>
-          </a:prstGeom>
-        </p:spPr>
-        <p:style>
-          <a:lnRef idx="2">
-            <a:schemeClr val="accent1">
-              <a:shade val="50000"/>
-            </a:schemeClr>
-          </a:lnRef>
-          <a:fillRef idx="1">
-            <a:schemeClr val="accent1"/>
-          </a:fillRef>
-          <a:effectRef idx="0">
-            <a:schemeClr val="accent1"/>
-          </a:effectRef>
-          <a:fontRef idx="minor">
-            <a:schemeClr val="lt1"/>
-          </a:fontRef>
-        </p:style>
-        <p:txBody>
-          <a:bodyPr rtlCol="0" anchor="ctr"/>
-          <a:lstStyle/>
-          <a:p>
-            <a:pPr algn="ctr"/>
-            <a:r>
-              <a:rPr lang="en-US" dirty="0"/>
-              <a:t>Fold 2</a:t>
-            </a:r>
-          </a:p>
-        </p:txBody>
-      </p:sp>
-      <p:sp>
-        <p:nvSpPr>
-          <p:cNvPr id="10" name="Rounded Rectangle 9">
-            <a:extLst>
-              <a:ext uri="{FF2B5EF4-FFF2-40B4-BE49-F238E27FC236}">
-                <a16:creationId xmlns:a16="http://schemas.microsoft.com/office/drawing/2014/main" id="{21B594AF-0C78-E70A-8A2C-4A054D765224}"/>
-              </a:ext>
-            </a:extLst>
-          </p:cNvPr>
-          <p:cNvSpPr/>
-          <p:nvPr/>
-        </p:nvSpPr>
-        <p:spPr>
-          <a:xfrm>
-            <a:off x="4869425" y="3163532"/>
-            <a:ext cx="1826342" cy="1325564"/>
-          </a:xfrm>
-          <a:prstGeom prst="roundRect">
-            <a:avLst/>
-          </a:prstGeom>
-        </p:spPr>
-        <p:style>
-          <a:lnRef idx="2">
-            <a:schemeClr val="accent1">
-              <a:shade val="50000"/>
-            </a:schemeClr>
-          </a:lnRef>
-          <a:fillRef idx="1">
-            <a:schemeClr val="accent1"/>
-          </a:fillRef>
-          <a:effectRef idx="0">
-            <a:schemeClr val="accent1"/>
-          </a:effectRef>
-          <a:fontRef idx="minor">
-            <a:schemeClr val="lt1"/>
-          </a:fontRef>
-        </p:style>
-        <p:txBody>
-          <a:bodyPr rtlCol="0" anchor="ctr"/>
-          <a:lstStyle/>
-          <a:p>
-            <a:pPr algn="ctr"/>
-            <a:r>
-              <a:rPr lang="en-US" dirty="0"/>
-              <a:t>Fold 3</a:t>
-            </a:r>
-          </a:p>
-        </p:txBody>
-      </p:sp>
-      <p:sp>
-        <p:nvSpPr>
-          <p:cNvPr id="11" name="TextBox 10">
-            <a:extLst>
-              <a:ext uri="{FF2B5EF4-FFF2-40B4-BE49-F238E27FC236}">
-                <a16:creationId xmlns:a16="http://schemas.microsoft.com/office/drawing/2014/main" id="{1E553D7D-2439-0EE2-6DF4-D440021977DC}"/>
-              </a:ext>
-            </a:extLst>
-          </p:cNvPr>
-          <p:cNvSpPr txBox="1"/>
-          <p:nvPr/>
-        </p:nvSpPr>
-        <p:spPr>
-          <a:xfrm>
-            <a:off x="857865" y="4896464"/>
-            <a:ext cx="5115503" cy="1477328"/>
-          </a:xfrm>
-          <a:prstGeom prst="rect">
-            <a:avLst/>
-          </a:prstGeom>
-          <a:noFill/>
-        </p:spPr>
-        <p:txBody>
-          <a:bodyPr wrap="none" rtlCol="0">
-            <a:spAutoFit/>
-          </a:bodyPr>
-          <a:lstStyle/>
-          <a:p>
-            <a:r>
-              <a:rPr lang="en-US" dirty="0"/>
-              <a:t>Round 1: Train on 1-3, validate on 4, test on 5</a:t>
-            </a:r>
-          </a:p>
-          <a:p>
-            <a:r>
-              <a:rPr lang="en-US" dirty="0"/>
-              <a:t>Round 2: Train on 2-4, validate on 5, test on 1</a:t>
-            </a:r>
-          </a:p>
-          <a:p>
-            <a:r>
-              <a:rPr lang="en-US" dirty="0"/>
-              <a:t>Round 3: Train on 3-5, validate on 1, test on 2</a:t>
-            </a:r>
-          </a:p>
-          <a:p>
-            <a:r>
-              <a:rPr lang="en-US" dirty="0"/>
-              <a:t>Round 4: Train on 4, 5, and 1; validate on 2, test on 3</a:t>
-            </a:r>
-          </a:p>
-          <a:p>
-            <a:r>
-              <a:rPr lang="en-US" dirty="0"/>
-              <a:t>Round 5: Train on 5, 1, and 2; validate on 3, test on 4</a:t>
-            </a:r>
-          </a:p>
-        </p:txBody>
-      </p:sp>
-    </p:spTree>
-    <p:extLst>
-      <p:ext uri="{BB962C8B-B14F-4D97-AF65-F5344CB8AC3E}">
-        <p14:creationId xmlns:p14="http://schemas.microsoft.com/office/powerpoint/2010/main" val="823853692"/>
-      </p:ext>
-    </p:extLst>
-  </p:cSld>
-  <p:clrMapOvr>
-    <a:masterClrMapping/>
-  </p:clrMapOvr>
 </p:sld>
 </file>
 
